--- a/docs/lectures/02-Data-Model.pptx
+++ b/docs/lectures/02-Data-Model.pptx
@@ -5,15 +5,38 @@
     <p:sldMasterId id="2147483660" r:id="rId1"/>
   </p:sldMasterIdLst>
   <p:notesMasterIdLst>
-    <p:notesMasterId r:id="rId8"/>
+    <p:notesMasterId r:id="rId31"/>
   </p:notesMasterIdLst>
   <p:sldIdLst>
     <p:sldId id="256" r:id="rId2"/>
     <p:sldId id="257" r:id="rId3"/>
-    <p:sldId id="261" r:id="rId4"/>
-    <p:sldId id="259" r:id="rId5"/>
-    <p:sldId id="258" r:id="rId6"/>
-    <p:sldId id="260" r:id="rId7"/>
+    <p:sldId id="262" r:id="rId4"/>
+    <p:sldId id="261" r:id="rId5"/>
+    <p:sldId id="259" r:id="rId6"/>
+    <p:sldId id="258" r:id="rId7"/>
+    <p:sldId id="260" r:id="rId8"/>
+    <p:sldId id="263" r:id="rId9"/>
+    <p:sldId id="265" r:id="rId10"/>
+    <p:sldId id="266" r:id="rId11"/>
+    <p:sldId id="264" r:id="rId12"/>
+    <p:sldId id="267" r:id="rId13"/>
+    <p:sldId id="268" r:id="rId14"/>
+    <p:sldId id="269" r:id="rId15"/>
+    <p:sldId id="270" r:id="rId16"/>
+    <p:sldId id="271" r:id="rId17"/>
+    <p:sldId id="272" r:id="rId18"/>
+    <p:sldId id="273" r:id="rId19"/>
+    <p:sldId id="274" r:id="rId20"/>
+    <p:sldId id="275" r:id="rId21"/>
+    <p:sldId id="276" r:id="rId22"/>
+    <p:sldId id="278" r:id="rId23"/>
+    <p:sldId id="279" r:id="rId24"/>
+    <p:sldId id="277" r:id="rId25"/>
+    <p:sldId id="280" r:id="rId26"/>
+    <p:sldId id="281" r:id="rId27"/>
+    <p:sldId id="282" r:id="rId28"/>
+    <p:sldId id="283" r:id="rId29"/>
+    <p:sldId id="284" r:id="rId30"/>
   </p:sldIdLst>
   <p:sldSz cx="9144000" cy="6858000" type="screen4x3"/>
   <p:notesSz cx="6858000" cy="9144000"/>
@@ -197,7 +220,7 @@
           <a:p>
             <a:fld id="{EBBA9A62-8DDB-0E41-B256-304B37729760}" type="datetimeFigureOut">
               <a:rPr lang="en-US" smtClean="0"/>
-              <a:t>10/31/14</a:t>
+              <a:t>11/2/14</a:t>
             </a:fld>
             <a:endParaRPr lang="en-US"/>
           </a:p>
@@ -728,7 +751,7 @@
           <a:p>
             <a:fld id="{843616F3-59E4-1848-8639-5E6A7639CF96}" type="datetimeFigureOut">
               <a:rPr lang="en-US" smtClean="0"/>
-              <a:t>10/31/14</a:t>
+              <a:t>11/2/14</a:t>
             </a:fld>
             <a:endParaRPr lang="en-US"/>
           </a:p>
@@ -898,7 +921,7 @@
           <a:p>
             <a:fld id="{843616F3-59E4-1848-8639-5E6A7639CF96}" type="datetimeFigureOut">
               <a:rPr lang="en-US" smtClean="0"/>
-              <a:t>10/31/14</a:t>
+              <a:t>11/2/14</a:t>
             </a:fld>
             <a:endParaRPr lang="en-US"/>
           </a:p>
@@ -1078,7 +1101,7 @@
           <a:p>
             <a:fld id="{843616F3-59E4-1848-8639-5E6A7639CF96}" type="datetimeFigureOut">
               <a:rPr lang="en-US" smtClean="0"/>
-              <a:t>10/31/14</a:t>
+              <a:t>11/2/14</a:t>
             </a:fld>
             <a:endParaRPr lang="en-US"/>
           </a:p>
@@ -1248,7 +1271,7 @@
           <a:p>
             <a:fld id="{843616F3-59E4-1848-8639-5E6A7639CF96}" type="datetimeFigureOut">
               <a:rPr lang="en-US" smtClean="0"/>
-              <a:t>10/31/14</a:t>
+              <a:t>11/2/14</a:t>
             </a:fld>
             <a:endParaRPr lang="en-US"/>
           </a:p>
@@ -1494,7 +1517,7 @@
           <a:p>
             <a:fld id="{843616F3-59E4-1848-8639-5E6A7639CF96}" type="datetimeFigureOut">
               <a:rPr lang="en-US" smtClean="0"/>
-              <a:t>10/31/14</a:t>
+              <a:t>11/2/14</a:t>
             </a:fld>
             <a:endParaRPr lang="en-US"/>
           </a:p>
@@ -1782,7 +1805,7 @@
           <a:p>
             <a:fld id="{843616F3-59E4-1848-8639-5E6A7639CF96}" type="datetimeFigureOut">
               <a:rPr lang="en-US" smtClean="0"/>
-              <a:t>10/31/14</a:t>
+              <a:t>11/2/14</a:t>
             </a:fld>
             <a:endParaRPr lang="en-US"/>
           </a:p>
@@ -2204,7 +2227,7 @@
           <a:p>
             <a:fld id="{843616F3-59E4-1848-8639-5E6A7639CF96}" type="datetimeFigureOut">
               <a:rPr lang="en-US" smtClean="0"/>
-              <a:t>10/31/14</a:t>
+              <a:t>11/2/14</a:t>
             </a:fld>
             <a:endParaRPr lang="en-US"/>
           </a:p>
@@ -2322,7 +2345,7 @@
           <a:p>
             <a:fld id="{843616F3-59E4-1848-8639-5E6A7639CF96}" type="datetimeFigureOut">
               <a:rPr lang="en-US" smtClean="0"/>
-              <a:t>10/31/14</a:t>
+              <a:t>11/2/14</a:t>
             </a:fld>
             <a:endParaRPr lang="en-US"/>
           </a:p>
@@ -2417,7 +2440,7 @@
           <a:p>
             <a:fld id="{843616F3-59E4-1848-8639-5E6A7639CF96}" type="datetimeFigureOut">
               <a:rPr lang="en-US" smtClean="0"/>
-              <a:t>10/31/14</a:t>
+              <a:t>11/2/14</a:t>
             </a:fld>
             <a:endParaRPr lang="en-US"/>
           </a:p>
@@ -2694,7 +2717,7 @@
           <a:p>
             <a:fld id="{843616F3-59E4-1848-8639-5E6A7639CF96}" type="datetimeFigureOut">
               <a:rPr lang="en-US" smtClean="0"/>
-              <a:t>10/31/14</a:t>
+              <a:t>11/2/14</a:t>
             </a:fld>
             <a:endParaRPr lang="en-US"/>
           </a:p>
@@ -2951,7 +2974,7 @@
           <a:p>
             <a:fld id="{843616F3-59E4-1848-8639-5E6A7639CF96}" type="datetimeFigureOut">
               <a:rPr lang="en-US" smtClean="0"/>
-              <a:t>10/31/14</a:t>
+              <a:t>11/2/14</a:t>
             </a:fld>
             <a:endParaRPr lang="en-US"/>
           </a:p>
@@ -3164,7 +3187,7 @@
           <a:p>
             <a:fld id="{843616F3-59E4-1848-8639-5E6A7639CF96}" type="datetimeFigureOut">
               <a:rPr lang="en-US" smtClean="0"/>
-              <a:t>10/31/14</a:t>
+              <a:t>11/2/14</a:t>
             </a:fld>
             <a:endParaRPr lang="en-US"/>
           </a:p>
@@ -3561,11 +3584,18 @@
           <a:p>
             <a:r>
               <a:rPr lang="en-US" dirty="0" smtClean="0"/>
-              <a:t>Looking at the Data Model for the TSUGI </a:t>
-            </a:r>
-            <a:r>
+              <a:t>TSUGI Framework </a:t>
+            </a:r>
+            <a:br>
               <a:rPr lang="en-US" dirty="0" smtClean="0"/>
-              <a:t>Framework</a:t>
+            </a:br>
+            <a:r>
+              <a:rPr lang="en-US" dirty="0" smtClean="0"/>
+              <a:t>Data </a:t>
+            </a:r>
+            <a:r>
+              <a:rPr lang="en-US" dirty="0" smtClean="0"/>
+              <a:t>Model</a:t>
             </a:r>
             <a:endParaRPr lang="en-US" dirty="0"/>
           </a:p>
@@ -3595,13 +3625,6 @@
               <a:rPr lang="en-US" dirty="0" smtClean="0"/>
               <a:t>Charles Severance</a:t>
             </a:r>
-          </a:p>
-          <a:p>
-            <a:r>
-              <a:rPr lang="en-US" dirty="0" err="1" smtClean="0"/>
-              <a:t>www.dr-chuck.com</a:t>
-            </a:r>
-            <a:endParaRPr lang="en-US" dirty="0" smtClean="0"/>
           </a:p>
           <a:p>
             <a:r>
@@ -3737,6 +3760,1501 @@
       </p:par>
     </p:tnLst>
   </p:timing>
+</p:sld>
+</file>
+
+<file path=ppt/slides/slide10.xml><?xml version="1.0" encoding="utf-8"?>
+<p:sld xmlns:a="http://schemas.openxmlformats.org/drawingml/2006/main" xmlns:r="http://schemas.openxmlformats.org/officeDocument/2006/relationships" xmlns:p="http://schemas.openxmlformats.org/presentationml/2006/main">
+  <p:cSld>
+    <p:spTree>
+      <p:nvGrpSpPr>
+        <p:cNvPr id="1" name=""/>
+        <p:cNvGrpSpPr/>
+        <p:nvPr/>
+      </p:nvGrpSpPr>
+      <p:grpSpPr>
+        <a:xfrm>
+          <a:off x="0" y="0"/>
+          <a:ext cx="0" cy="0"/>
+          <a:chOff x="0" y="0"/>
+          <a:chExt cx="0" cy="0"/>
+        </a:xfrm>
+      </p:grpSpPr>
+      <p:sp>
+        <p:nvSpPr>
+          <p:cNvPr id="2" name="Title 1"/>
+          <p:cNvSpPr>
+            <a:spLocks noGrp="1"/>
+          </p:cNvSpPr>
+          <p:nvPr>
+            <p:ph type="title"/>
+          </p:nvPr>
+        </p:nvSpPr>
+        <p:spPr/>
+        <p:txBody>
+          <a:bodyPr/>
+          <a:lstStyle/>
+          <a:p>
+            <a:r>
+              <a:rPr lang="en-US" dirty="0" smtClean="0"/>
+              <a:t>Sha256 Key Conventions</a:t>
+            </a:r>
+            <a:endParaRPr lang="en-US" dirty="0"/>
+          </a:p>
+        </p:txBody>
+      </p:sp>
+      <p:sp>
+        <p:nvSpPr>
+          <p:cNvPr id="3" name="Content Placeholder 2"/>
+          <p:cNvSpPr>
+            <a:spLocks noGrp="1"/>
+          </p:cNvSpPr>
+          <p:nvPr>
+            <p:ph idx="1"/>
+          </p:nvPr>
+        </p:nvSpPr>
+        <p:spPr>
+          <a:xfrm>
+            <a:off x="457200" y="1600200"/>
+            <a:ext cx="4591092" cy="4525963"/>
+          </a:xfrm>
+        </p:spPr>
+        <p:txBody>
+          <a:bodyPr/>
+          <a:lstStyle/>
+          <a:p>
+            <a:r>
+              <a:rPr lang="en-US" dirty="0" smtClean="0"/>
+              <a:t>Logical keys like </a:t>
+            </a:r>
+            <a:r>
+              <a:rPr lang="en-US" dirty="0" err="1" smtClean="0"/>
+              <a:t>user_id</a:t>
+            </a:r>
+            <a:r>
+              <a:rPr lang="en-US" dirty="0" smtClean="0"/>
+              <a:t> coming from the LMS can be long (&gt;4096)</a:t>
+            </a:r>
+          </a:p>
+          <a:p>
+            <a:r>
+              <a:rPr lang="en-US" dirty="0" smtClean="0"/>
+              <a:t>We model these as  TEXT to avoid length limitations</a:t>
+            </a:r>
+          </a:p>
+          <a:p>
+            <a:r>
+              <a:rPr lang="en-US" dirty="0" smtClean="0"/>
+              <a:t>We SHA256 these and index/unique  the SHA256 column</a:t>
+            </a:r>
+          </a:p>
+        </p:txBody>
+      </p:sp>
+      <p:pic>
+        <p:nvPicPr>
+          <p:cNvPr id="4" name="Picture 3" descr="Untitled3.png"/>
+          <p:cNvPicPr>
+            <a:picLocks noChangeAspect="1"/>
+          </p:cNvPicPr>
+          <p:nvPr/>
+        </p:nvPicPr>
+        <p:blipFill>
+          <a:blip r:embed="rId2">
+            <a:extLst>
+              <a:ext uri="{28A0092B-C50C-407E-A947-70E740481C1C}">
+                <a14:useLocalDpi xmlns:a14="http://schemas.microsoft.com/office/drawing/2010/main" val="0"/>
+              </a:ext>
+            </a:extLst>
+          </a:blip>
+          <a:stretch>
+            <a:fillRect/>
+          </a:stretch>
+        </p:blipFill>
+        <p:spPr>
+          <a:xfrm>
+            <a:off x="5820005" y="1600200"/>
+            <a:ext cx="3104983" cy="4650186"/>
+          </a:xfrm>
+          <a:prstGeom prst="rect">
+            <a:avLst/>
+          </a:prstGeom>
+        </p:spPr>
+      </p:pic>
+      <p:sp>
+        <p:nvSpPr>
+          <p:cNvPr id="5" name="Rectangle 4"/>
+          <p:cNvSpPr/>
+          <p:nvPr/>
+        </p:nvSpPr>
+        <p:spPr>
+          <a:xfrm>
+            <a:off x="6318404" y="2282651"/>
+            <a:ext cx="2234753" cy="562625"/>
+          </a:xfrm>
+          <a:prstGeom prst="rect">
+            <a:avLst/>
+          </a:prstGeom>
+          <a:noFill/>
+          <a:ln w="28575" cmpd="sng">
+            <a:solidFill>
+              <a:srgbClr val="FF00FF"/>
+            </a:solidFill>
+          </a:ln>
+        </p:spPr>
+        <p:style>
+          <a:lnRef idx="1">
+            <a:schemeClr val="accent1"/>
+          </a:lnRef>
+          <a:fillRef idx="3">
+            <a:schemeClr val="accent1"/>
+          </a:fillRef>
+          <a:effectRef idx="2">
+            <a:schemeClr val="accent1"/>
+          </a:effectRef>
+          <a:fontRef idx="minor">
+            <a:schemeClr val="lt1"/>
+          </a:fontRef>
+        </p:style>
+        <p:txBody>
+          <a:bodyPr rtlCol="0" anchor="ctr"/>
+          <a:lstStyle/>
+          <a:p>
+            <a:pPr algn="ctr"/>
+            <a:endParaRPr lang="en-US"/>
+          </a:p>
+        </p:txBody>
+      </p:sp>
+    </p:spTree>
+    <p:extLst>
+      <p:ext uri="{BB962C8B-B14F-4D97-AF65-F5344CB8AC3E}">
+        <p14:creationId xmlns:p14="http://schemas.microsoft.com/office/powerpoint/2010/main" val="3463242881"/>
+      </p:ext>
+    </p:extLst>
+  </p:cSld>
+  <p:clrMapOvr>
+    <a:masterClrMapping/>
+  </p:clrMapOvr>
+</p:sld>
+</file>
+
+<file path=ppt/slides/slide11.xml><?xml version="1.0" encoding="utf-8"?>
+<p:sld xmlns:a="http://schemas.openxmlformats.org/drawingml/2006/main" xmlns:r="http://schemas.openxmlformats.org/officeDocument/2006/relationships" xmlns:p="http://schemas.openxmlformats.org/presentationml/2006/main">
+  <p:cSld>
+    <p:spTree>
+      <p:nvGrpSpPr>
+        <p:cNvPr id="1" name=""/>
+        <p:cNvGrpSpPr/>
+        <p:nvPr/>
+      </p:nvGrpSpPr>
+      <p:grpSpPr>
+        <a:xfrm>
+          <a:off x="0" y="0"/>
+          <a:ext cx="0" cy="0"/>
+          <a:chOff x="0" y="0"/>
+          <a:chExt cx="0" cy="0"/>
+        </a:xfrm>
+      </p:grpSpPr>
+      <p:sp>
+        <p:nvSpPr>
+          <p:cNvPr id="2" name="Title 1"/>
+          <p:cNvSpPr>
+            <a:spLocks noGrp="1"/>
+          </p:cNvSpPr>
+          <p:nvPr>
+            <p:ph type="title"/>
+          </p:nvPr>
+        </p:nvSpPr>
+        <p:spPr/>
+        <p:txBody>
+          <a:bodyPr/>
+          <a:lstStyle/>
+          <a:p>
+            <a:r>
+              <a:rPr lang="en-US" dirty="0" smtClean="0"/>
+              <a:t>ON DELETE Convention</a:t>
+            </a:r>
+            <a:endParaRPr lang="en-US" dirty="0"/>
+          </a:p>
+        </p:txBody>
+      </p:sp>
+      <p:sp>
+        <p:nvSpPr>
+          <p:cNvPr id="3" name="Content Placeholder 2"/>
+          <p:cNvSpPr>
+            <a:spLocks noGrp="1"/>
+          </p:cNvSpPr>
+          <p:nvPr>
+            <p:ph idx="1"/>
+          </p:nvPr>
+        </p:nvSpPr>
+        <p:spPr/>
+        <p:txBody>
+          <a:bodyPr/>
+          <a:lstStyle/>
+          <a:p>
+            <a:r>
+              <a:rPr lang="en-US" dirty="0" smtClean="0"/>
+              <a:t>We expect this to be a multi-tenant container</a:t>
+            </a:r>
+          </a:p>
+          <a:p>
+            <a:r>
+              <a:rPr lang="en-US" dirty="0" smtClean="0"/>
+              <a:t>Tenants may come and go</a:t>
+            </a:r>
+          </a:p>
+          <a:p>
+            <a:r>
+              <a:rPr lang="en-US" dirty="0" smtClean="0"/>
+              <a:t>We want to be able to do the "transitive closure" of a tenant</a:t>
+            </a:r>
+          </a:p>
+          <a:p>
+            <a:r>
+              <a:rPr lang="en-US" dirty="0" smtClean="0"/>
+              <a:t>We want to be able to delete a tenant and all associated data in a single command.</a:t>
+            </a:r>
+            <a:endParaRPr lang="en-US" dirty="0"/>
+          </a:p>
+        </p:txBody>
+      </p:sp>
+    </p:spTree>
+    <p:extLst>
+      <p:ext uri="{BB962C8B-B14F-4D97-AF65-F5344CB8AC3E}">
+        <p14:creationId xmlns:p14="http://schemas.microsoft.com/office/powerpoint/2010/main" val="2639323994"/>
+      </p:ext>
+    </p:extLst>
+  </p:cSld>
+  <p:clrMapOvr>
+    <a:masterClrMapping/>
+  </p:clrMapOvr>
+</p:sld>
+</file>
+
+<file path=ppt/slides/slide12.xml><?xml version="1.0" encoding="utf-8"?>
+<p:sld xmlns:a="http://schemas.openxmlformats.org/drawingml/2006/main" xmlns:r="http://schemas.openxmlformats.org/officeDocument/2006/relationships" xmlns:p="http://schemas.openxmlformats.org/presentationml/2006/main">
+  <p:cSld>
+    <p:spTree>
+      <p:nvGrpSpPr>
+        <p:cNvPr id="1" name=""/>
+        <p:cNvGrpSpPr/>
+        <p:nvPr/>
+      </p:nvGrpSpPr>
+      <p:grpSpPr>
+        <a:xfrm>
+          <a:off x="0" y="0"/>
+          <a:ext cx="0" cy="0"/>
+          <a:chOff x="0" y="0"/>
+          <a:chExt cx="0" cy="0"/>
+        </a:xfrm>
+      </p:grpSpPr>
+      <p:pic>
+        <p:nvPicPr>
+          <p:cNvPr id="4" name="Picture 3" descr="Untitled.png"/>
+          <p:cNvPicPr>
+            <a:picLocks noChangeAspect="1"/>
+          </p:cNvPicPr>
+          <p:nvPr/>
+        </p:nvPicPr>
+        <p:blipFill>
+          <a:blip r:embed="rId2">
+            <a:extLst>
+              <a:ext uri="{28A0092B-C50C-407E-A947-70E740481C1C}">
+                <a14:useLocalDpi xmlns:a14="http://schemas.microsoft.com/office/drawing/2010/main" val="0"/>
+              </a:ext>
+            </a:extLst>
+          </a:blip>
+          <a:stretch>
+            <a:fillRect/>
+          </a:stretch>
+        </p:blipFill>
+        <p:spPr>
+          <a:xfrm>
+            <a:off x="380370" y="0"/>
+            <a:ext cx="8522475" cy="6858000"/>
+          </a:xfrm>
+          <a:prstGeom prst="rect">
+            <a:avLst/>
+          </a:prstGeom>
+        </p:spPr>
+      </p:pic>
+    </p:spTree>
+    <p:extLst>
+      <p:ext uri="{BB962C8B-B14F-4D97-AF65-F5344CB8AC3E}">
+        <p14:creationId xmlns:p14="http://schemas.microsoft.com/office/powerpoint/2010/main" val="4006019855"/>
+      </p:ext>
+    </p:extLst>
+  </p:cSld>
+  <p:clrMapOvr>
+    <a:masterClrMapping/>
+  </p:clrMapOvr>
+</p:sld>
+</file>
+
+<file path=ppt/slides/slide13.xml><?xml version="1.0" encoding="utf-8"?>
+<p:sld xmlns:a="http://schemas.openxmlformats.org/drawingml/2006/main" xmlns:r="http://schemas.openxmlformats.org/officeDocument/2006/relationships" xmlns:p="http://schemas.openxmlformats.org/presentationml/2006/main">
+  <p:cSld>
+    <p:spTree>
+      <p:nvGrpSpPr>
+        <p:cNvPr id="1" name=""/>
+        <p:cNvGrpSpPr/>
+        <p:nvPr/>
+      </p:nvGrpSpPr>
+      <p:grpSpPr>
+        <a:xfrm>
+          <a:off x="0" y="0"/>
+          <a:ext cx="0" cy="0"/>
+          <a:chOff x="0" y="0"/>
+          <a:chExt cx="0" cy="0"/>
+        </a:xfrm>
+      </p:grpSpPr>
+      <p:sp>
+        <p:nvSpPr>
+          <p:cNvPr id="2" name="Title 1"/>
+          <p:cNvSpPr>
+            <a:spLocks noGrp="1"/>
+          </p:cNvSpPr>
+          <p:nvPr>
+            <p:ph type="title"/>
+          </p:nvPr>
+        </p:nvSpPr>
+        <p:spPr/>
+        <p:txBody>
+          <a:bodyPr/>
+          <a:lstStyle/>
+          <a:p>
+            <a:r>
+              <a:rPr lang="en-US" dirty="0" smtClean="0"/>
+              <a:t>ON DELETE for Tool Tables</a:t>
+            </a:r>
+            <a:endParaRPr lang="en-US" dirty="0"/>
+          </a:p>
+        </p:txBody>
+      </p:sp>
+      <p:sp>
+        <p:nvSpPr>
+          <p:cNvPr id="3" name="Content Placeholder 2"/>
+          <p:cNvSpPr>
+            <a:spLocks noGrp="1"/>
+          </p:cNvSpPr>
+          <p:nvPr>
+            <p:ph idx="1"/>
+          </p:nvPr>
+        </p:nvSpPr>
+        <p:spPr/>
+        <p:txBody>
+          <a:bodyPr/>
+          <a:lstStyle/>
+          <a:p>
+            <a:r>
+              <a:rPr lang="en-US" dirty="0" smtClean="0"/>
+              <a:t>Every table that is created for tool data must connect to one or more of these tables with an ON DELETE CASCADE clause</a:t>
+            </a:r>
+          </a:p>
+          <a:p>
+            <a:pPr lvl="1"/>
+            <a:r>
+              <a:rPr lang="en-US" dirty="0" err="1" smtClean="0"/>
+              <a:t>lti_link</a:t>
+            </a:r>
+            <a:endParaRPr lang="en-US" dirty="0" smtClean="0"/>
+          </a:p>
+          <a:p>
+            <a:pPr lvl="1"/>
+            <a:r>
+              <a:rPr lang="en-US" dirty="0" err="1"/>
+              <a:t>l</a:t>
+            </a:r>
+            <a:r>
+              <a:rPr lang="en-US" dirty="0" err="1" smtClean="0"/>
+              <a:t>ti_context</a:t>
+            </a:r>
+            <a:endParaRPr lang="en-US" dirty="0" smtClean="0"/>
+          </a:p>
+          <a:p>
+            <a:pPr lvl="1"/>
+            <a:r>
+              <a:rPr lang="en-US" dirty="0" err="1" smtClean="0"/>
+              <a:t>lti_user</a:t>
+            </a:r>
+            <a:endParaRPr lang="en-US" dirty="0" smtClean="0"/>
+          </a:p>
+          <a:p>
+            <a:pPr lvl="1"/>
+            <a:r>
+              <a:rPr lang="en-US" dirty="0" err="1" smtClean="0"/>
+              <a:t>lti_key</a:t>
+            </a:r>
+            <a:endParaRPr lang="en-US" dirty="0"/>
+          </a:p>
+        </p:txBody>
+      </p:sp>
+    </p:spTree>
+    <p:extLst>
+      <p:ext uri="{BB962C8B-B14F-4D97-AF65-F5344CB8AC3E}">
+        <p14:creationId xmlns:p14="http://schemas.microsoft.com/office/powerpoint/2010/main" val="888825998"/>
+      </p:ext>
+    </p:extLst>
+  </p:cSld>
+  <p:clrMapOvr>
+    <a:masterClrMapping/>
+  </p:clrMapOvr>
+</p:sld>
+</file>
+
+<file path=ppt/slides/slide14.xml><?xml version="1.0" encoding="utf-8"?>
+<p:sld xmlns:a="http://schemas.openxmlformats.org/drawingml/2006/main" xmlns:r="http://schemas.openxmlformats.org/officeDocument/2006/relationships" xmlns:p="http://schemas.openxmlformats.org/presentationml/2006/main">
+  <p:cSld>
+    <p:spTree>
+      <p:nvGrpSpPr>
+        <p:cNvPr id="1" name=""/>
+        <p:cNvGrpSpPr/>
+        <p:nvPr/>
+      </p:nvGrpSpPr>
+      <p:grpSpPr>
+        <a:xfrm>
+          <a:off x="0" y="0"/>
+          <a:ext cx="0" cy="0"/>
+          <a:chOff x="0" y="0"/>
+          <a:chExt cx="0" cy="0"/>
+        </a:xfrm>
+      </p:grpSpPr>
+      <p:pic>
+        <p:nvPicPr>
+          <p:cNvPr id="4" name="Picture 3" descr="Untitled2.png"/>
+          <p:cNvPicPr>
+            <a:picLocks noChangeAspect="1"/>
+          </p:cNvPicPr>
+          <p:nvPr/>
+        </p:nvPicPr>
+        <p:blipFill>
+          <a:blip r:embed="rId2">
+            <a:extLst>
+              <a:ext uri="{28A0092B-C50C-407E-A947-70E740481C1C}">
+                <a14:useLocalDpi xmlns:a14="http://schemas.microsoft.com/office/drawing/2010/main" val="0"/>
+              </a:ext>
+            </a:extLst>
+          </a:blip>
+          <a:stretch>
+            <a:fillRect/>
+          </a:stretch>
+        </p:blipFill>
+        <p:spPr>
+          <a:xfrm>
+            <a:off x="1685939" y="0"/>
+            <a:ext cx="5727926" cy="6858000"/>
+          </a:xfrm>
+          <a:prstGeom prst="rect">
+            <a:avLst/>
+          </a:prstGeom>
+        </p:spPr>
+      </p:pic>
+    </p:spTree>
+    <p:extLst>
+      <p:ext uri="{BB962C8B-B14F-4D97-AF65-F5344CB8AC3E}">
+        <p14:creationId xmlns:p14="http://schemas.microsoft.com/office/powerpoint/2010/main" val="16290568"/>
+      </p:ext>
+    </p:extLst>
+  </p:cSld>
+  <p:clrMapOvr>
+    <a:masterClrMapping/>
+  </p:clrMapOvr>
+</p:sld>
+</file>
+
+<file path=ppt/slides/slide15.xml><?xml version="1.0" encoding="utf-8"?>
+<p:sld xmlns:a="http://schemas.openxmlformats.org/drawingml/2006/main" xmlns:r="http://schemas.openxmlformats.org/officeDocument/2006/relationships" xmlns:p="http://schemas.openxmlformats.org/presentationml/2006/main">
+  <p:cSld>
+    <p:spTree>
+      <p:nvGrpSpPr>
+        <p:cNvPr id="1" name=""/>
+        <p:cNvGrpSpPr/>
+        <p:nvPr/>
+      </p:nvGrpSpPr>
+      <p:grpSpPr>
+        <a:xfrm>
+          <a:off x="0" y="0"/>
+          <a:ext cx="0" cy="0"/>
+          <a:chOff x="0" y="0"/>
+          <a:chExt cx="0" cy="0"/>
+        </a:xfrm>
+      </p:grpSpPr>
+      <p:sp>
+        <p:nvSpPr>
+          <p:cNvPr id="4" name="TextBox 3"/>
+          <p:cNvSpPr txBox="1"/>
+          <p:nvPr/>
+        </p:nvSpPr>
+        <p:spPr>
+          <a:xfrm>
+            <a:off x="610940" y="530475"/>
+            <a:ext cx="8080420" cy="5355313"/>
+          </a:xfrm>
+          <a:prstGeom prst="rect">
+            <a:avLst/>
+          </a:prstGeom>
+          <a:noFill/>
+        </p:spPr>
+        <p:txBody>
+          <a:bodyPr wrap="none" rtlCol="0">
+            <a:spAutoFit/>
+          </a:bodyPr>
+          <a:lstStyle/>
+          <a:p>
+            <a:r>
+              <a:rPr lang="en-US" b="1" dirty="0">
+                <a:latin typeface="Courier"/>
+                <a:cs typeface="Courier"/>
+              </a:rPr>
+              <a:t>create table </a:t>
+            </a:r>
+            <a:r>
+              <a:rPr lang="en-US" b="1" dirty="0">
+                <a:solidFill>
+                  <a:srgbClr val="00FF00"/>
+                </a:solidFill>
+                <a:latin typeface="Courier"/>
+                <a:cs typeface="Courier"/>
+              </a:rPr>
+              <a:t>{$CFG-&gt;</a:t>
+            </a:r>
+            <a:r>
+              <a:rPr lang="en-US" b="1" dirty="0" err="1">
+                <a:solidFill>
+                  <a:srgbClr val="00FF00"/>
+                </a:solidFill>
+                <a:latin typeface="Courier"/>
+                <a:cs typeface="Courier"/>
+              </a:rPr>
+              <a:t>dbprefix</a:t>
+            </a:r>
+            <a:r>
+              <a:rPr lang="en-US" b="1" dirty="0">
+                <a:solidFill>
+                  <a:srgbClr val="00FF00"/>
+                </a:solidFill>
+                <a:latin typeface="Courier"/>
+                <a:cs typeface="Courier"/>
+              </a:rPr>
+              <a:t>}</a:t>
+            </a:r>
+            <a:r>
+              <a:rPr lang="en-US" b="1" dirty="0">
+                <a:solidFill>
+                  <a:srgbClr val="FF8000"/>
+                </a:solidFill>
+                <a:latin typeface="Courier"/>
+                <a:cs typeface="Courier"/>
+              </a:rPr>
+              <a:t>attend </a:t>
+            </a:r>
+            <a:r>
+              <a:rPr lang="en-US" b="1" dirty="0">
+                <a:latin typeface="Courier"/>
+                <a:cs typeface="Courier"/>
+              </a:rPr>
+              <a:t>(</a:t>
+            </a:r>
+          </a:p>
+          <a:p>
+            <a:r>
+              <a:rPr lang="en-US" b="1" dirty="0">
+                <a:latin typeface="Courier"/>
+                <a:cs typeface="Courier"/>
+              </a:rPr>
+              <a:t>    </a:t>
+            </a:r>
+            <a:r>
+              <a:rPr lang="en-US" b="1" dirty="0" err="1">
+                <a:latin typeface="Courier"/>
+                <a:cs typeface="Courier"/>
+              </a:rPr>
+              <a:t>link_id</a:t>
+            </a:r>
+            <a:r>
+              <a:rPr lang="en-US" b="1" dirty="0">
+                <a:latin typeface="Courier"/>
+                <a:cs typeface="Courier"/>
+              </a:rPr>
+              <a:t>     INTEGER NOT NULL,</a:t>
+            </a:r>
+          </a:p>
+          <a:p>
+            <a:r>
+              <a:rPr lang="en-US" b="1" dirty="0">
+                <a:latin typeface="Courier"/>
+                <a:cs typeface="Courier"/>
+              </a:rPr>
+              <a:t>    </a:t>
+            </a:r>
+            <a:r>
+              <a:rPr lang="en-US" b="1" dirty="0" err="1">
+                <a:latin typeface="Courier"/>
+                <a:cs typeface="Courier"/>
+              </a:rPr>
+              <a:t>user_id</a:t>
+            </a:r>
+            <a:r>
+              <a:rPr lang="en-US" b="1" dirty="0">
+                <a:latin typeface="Courier"/>
+                <a:cs typeface="Courier"/>
+              </a:rPr>
+              <a:t>     INTEGER NOT NULL,</a:t>
+            </a:r>
+          </a:p>
+          <a:p>
+            <a:r>
+              <a:rPr lang="en-US" b="1" dirty="0">
+                <a:latin typeface="Courier"/>
+                <a:cs typeface="Courier"/>
+              </a:rPr>
+              <a:t>    attend      DATE NOT NULL,</a:t>
+            </a:r>
+          </a:p>
+          <a:p>
+            <a:r>
+              <a:rPr lang="en-US" b="1" dirty="0">
+                <a:latin typeface="Courier"/>
+                <a:cs typeface="Courier"/>
+              </a:rPr>
+              <a:t>    </a:t>
+            </a:r>
+            <a:r>
+              <a:rPr lang="en-US" b="1" dirty="0" err="1">
+                <a:latin typeface="Courier"/>
+                <a:cs typeface="Courier"/>
+              </a:rPr>
+              <a:t>ipaddr</a:t>
+            </a:r>
+            <a:r>
+              <a:rPr lang="en-US" b="1" dirty="0">
+                <a:latin typeface="Courier"/>
+                <a:cs typeface="Courier"/>
+              </a:rPr>
+              <a:t>      VARCHAR(64),</a:t>
+            </a:r>
+          </a:p>
+          <a:p>
+            <a:r>
+              <a:rPr lang="en-US" b="1" dirty="0">
+                <a:latin typeface="Courier"/>
+                <a:cs typeface="Courier"/>
+              </a:rPr>
+              <a:t>    </a:t>
+            </a:r>
+            <a:r>
+              <a:rPr lang="en-US" b="1" dirty="0" err="1">
+                <a:latin typeface="Courier"/>
+                <a:cs typeface="Courier"/>
+              </a:rPr>
+              <a:t>updated_at</a:t>
+            </a:r>
+            <a:r>
+              <a:rPr lang="en-US" b="1" dirty="0">
+                <a:latin typeface="Courier"/>
+                <a:cs typeface="Courier"/>
+              </a:rPr>
+              <a:t>  DATETIME NOT NULL,</a:t>
+            </a:r>
+          </a:p>
+          <a:p>
+            <a:endParaRPr lang="en-US" b="1" dirty="0">
+              <a:latin typeface="Courier"/>
+              <a:cs typeface="Courier"/>
+            </a:endParaRPr>
+          </a:p>
+          <a:p>
+            <a:r>
+              <a:rPr lang="en-US" b="1" dirty="0">
+                <a:solidFill>
+                  <a:srgbClr val="00FFFF"/>
+                </a:solidFill>
+                <a:latin typeface="Courier"/>
+                <a:cs typeface="Courier"/>
+              </a:rPr>
+              <a:t>    CONSTRAINT `</a:t>
+            </a:r>
+            <a:r>
+              <a:rPr lang="en-US" b="1" dirty="0">
+                <a:solidFill>
+                  <a:srgbClr val="00FF00"/>
+                </a:solidFill>
+                <a:latin typeface="Courier"/>
+                <a:cs typeface="Courier"/>
+              </a:rPr>
+              <a:t>{$CFG-&gt;</a:t>
+            </a:r>
+            <a:r>
+              <a:rPr lang="en-US" b="1" dirty="0" err="1">
+                <a:solidFill>
+                  <a:srgbClr val="00FF00"/>
+                </a:solidFill>
+                <a:latin typeface="Courier"/>
+                <a:cs typeface="Courier"/>
+              </a:rPr>
+              <a:t>dbprefix</a:t>
+            </a:r>
+            <a:r>
+              <a:rPr lang="en-US" b="1" dirty="0">
+                <a:solidFill>
+                  <a:srgbClr val="00FF00"/>
+                </a:solidFill>
+                <a:latin typeface="Courier"/>
+                <a:cs typeface="Courier"/>
+              </a:rPr>
+              <a:t>}</a:t>
+            </a:r>
+            <a:r>
+              <a:rPr lang="en-US" b="1" dirty="0">
+                <a:solidFill>
+                  <a:srgbClr val="00FFFF"/>
+                </a:solidFill>
+                <a:latin typeface="Courier"/>
+                <a:cs typeface="Courier"/>
+              </a:rPr>
+              <a:t>attend_ibfk_1`</a:t>
+            </a:r>
+          </a:p>
+          <a:p>
+            <a:r>
+              <a:rPr lang="en-US" b="1" dirty="0">
+                <a:solidFill>
+                  <a:srgbClr val="00FFFF"/>
+                </a:solidFill>
+                <a:latin typeface="Courier"/>
+                <a:cs typeface="Courier"/>
+              </a:rPr>
+              <a:t>        FOREIGN KEY (`</a:t>
+            </a:r>
+            <a:r>
+              <a:rPr lang="en-US" b="1" dirty="0" err="1">
+                <a:solidFill>
+                  <a:srgbClr val="00FFFF"/>
+                </a:solidFill>
+                <a:latin typeface="Courier"/>
+                <a:cs typeface="Courier"/>
+              </a:rPr>
+              <a:t>link_id</a:t>
+            </a:r>
+            <a:r>
+              <a:rPr lang="en-US" b="1" dirty="0">
+                <a:solidFill>
+                  <a:srgbClr val="00FFFF"/>
+                </a:solidFill>
+                <a:latin typeface="Courier"/>
+                <a:cs typeface="Courier"/>
+              </a:rPr>
+              <a:t>`)</a:t>
+            </a:r>
+          </a:p>
+          <a:p>
+            <a:r>
+              <a:rPr lang="en-US" b="1" dirty="0">
+                <a:solidFill>
+                  <a:srgbClr val="00FFFF"/>
+                </a:solidFill>
+                <a:latin typeface="Courier"/>
+                <a:cs typeface="Courier"/>
+              </a:rPr>
+              <a:t>        REFERENCES `</a:t>
+            </a:r>
+            <a:r>
+              <a:rPr lang="en-US" b="1" dirty="0">
+                <a:solidFill>
+                  <a:srgbClr val="00FF00"/>
+                </a:solidFill>
+                <a:latin typeface="Courier"/>
+                <a:cs typeface="Courier"/>
+              </a:rPr>
+              <a:t>{$CFG-&gt;</a:t>
+            </a:r>
+            <a:r>
+              <a:rPr lang="en-US" b="1" dirty="0" err="1">
+                <a:solidFill>
+                  <a:srgbClr val="00FF00"/>
+                </a:solidFill>
+                <a:latin typeface="Courier"/>
+                <a:cs typeface="Courier"/>
+              </a:rPr>
+              <a:t>dbprefix</a:t>
+            </a:r>
+            <a:r>
+              <a:rPr lang="en-US" b="1" dirty="0">
+                <a:solidFill>
+                  <a:srgbClr val="00FF00"/>
+                </a:solidFill>
+                <a:latin typeface="Courier"/>
+                <a:cs typeface="Courier"/>
+              </a:rPr>
+              <a:t>}</a:t>
+            </a:r>
+            <a:r>
+              <a:rPr lang="en-US" b="1" dirty="0" err="1">
+                <a:solidFill>
+                  <a:srgbClr val="00FFFF"/>
+                </a:solidFill>
+                <a:latin typeface="Courier"/>
+                <a:cs typeface="Courier"/>
+              </a:rPr>
+              <a:t>lti_link</a:t>
+            </a:r>
+            <a:r>
+              <a:rPr lang="en-US" b="1" dirty="0">
+                <a:solidFill>
+                  <a:srgbClr val="00FFFF"/>
+                </a:solidFill>
+                <a:latin typeface="Courier"/>
+                <a:cs typeface="Courier"/>
+              </a:rPr>
+              <a:t>` (`</a:t>
+            </a:r>
+            <a:r>
+              <a:rPr lang="en-US" b="1" dirty="0" err="1">
+                <a:solidFill>
+                  <a:srgbClr val="00FFFF"/>
+                </a:solidFill>
+                <a:latin typeface="Courier"/>
+                <a:cs typeface="Courier"/>
+              </a:rPr>
+              <a:t>link_id</a:t>
+            </a:r>
+            <a:r>
+              <a:rPr lang="en-US" b="1" dirty="0">
+                <a:solidFill>
+                  <a:srgbClr val="00FFFF"/>
+                </a:solidFill>
+                <a:latin typeface="Courier"/>
+                <a:cs typeface="Courier"/>
+              </a:rPr>
+              <a:t>`)</a:t>
+            </a:r>
+          </a:p>
+          <a:p>
+            <a:r>
+              <a:rPr lang="en-US" b="1" dirty="0">
+                <a:solidFill>
+                  <a:srgbClr val="00FFFF"/>
+                </a:solidFill>
+                <a:latin typeface="Courier"/>
+                <a:cs typeface="Courier"/>
+              </a:rPr>
+              <a:t>        ON DELETE CASCADE ON UPDATE CASCADE,</a:t>
+            </a:r>
+          </a:p>
+          <a:p>
+            <a:endParaRPr lang="en-US" b="1" dirty="0">
+              <a:latin typeface="Courier"/>
+              <a:cs typeface="Courier"/>
+            </a:endParaRPr>
+          </a:p>
+          <a:p>
+            <a:r>
+              <a:rPr lang="en-US" b="1" dirty="0">
+                <a:solidFill>
+                  <a:srgbClr val="FF00FF"/>
+                </a:solidFill>
+                <a:latin typeface="Courier"/>
+                <a:cs typeface="Courier"/>
+              </a:rPr>
+              <a:t>    CONSTRAINT `</a:t>
+            </a:r>
+            <a:r>
+              <a:rPr lang="en-US" b="1" dirty="0">
+                <a:solidFill>
+                  <a:srgbClr val="00FF00"/>
+                </a:solidFill>
+                <a:latin typeface="Courier"/>
+                <a:cs typeface="Courier"/>
+              </a:rPr>
+              <a:t>{$CFG-&gt;</a:t>
+            </a:r>
+            <a:r>
+              <a:rPr lang="en-US" b="1" dirty="0" err="1">
+                <a:solidFill>
+                  <a:srgbClr val="00FF00"/>
+                </a:solidFill>
+                <a:latin typeface="Courier"/>
+                <a:cs typeface="Courier"/>
+              </a:rPr>
+              <a:t>dbprefix</a:t>
+            </a:r>
+            <a:r>
+              <a:rPr lang="en-US" b="1" dirty="0">
+                <a:solidFill>
+                  <a:srgbClr val="00FF00"/>
+                </a:solidFill>
+                <a:latin typeface="Courier"/>
+                <a:cs typeface="Courier"/>
+              </a:rPr>
+              <a:t>}</a:t>
+            </a:r>
+            <a:r>
+              <a:rPr lang="en-US" b="1" dirty="0">
+                <a:solidFill>
+                  <a:srgbClr val="FF00FF"/>
+                </a:solidFill>
+                <a:latin typeface="Courier"/>
+                <a:cs typeface="Courier"/>
+              </a:rPr>
+              <a:t>attend_ibfk_2`</a:t>
+            </a:r>
+          </a:p>
+          <a:p>
+            <a:r>
+              <a:rPr lang="en-US" b="1" dirty="0">
+                <a:solidFill>
+                  <a:srgbClr val="FF00FF"/>
+                </a:solidFill>
+                <a:latin typeface="Courier"/>
+                <a:cs typeface="Courier"/>
+              </a:rPr>
+              <a:t>        FOREIGN KEY (`</a:t>
+            </a:r>
+            <a:r>
+              <a:rPr lang="en-US" b="1" dirty="0" err="1">
+                <a:solidFill>
+                  <a:srgbClr val="FF00FF"/>
+                </a:solidFill>
+                <a:latin typeface="Courier"/>
+                <a:cs typeface="Courier"/>
+              </a:rPr>
+              <a:t>user_id</a:t>
+            </a:r>
+            <a:r>
+              <a:rPr lang="en-US" b="1" dirty="0">
+                <a:solidFill>
+                  <a:srgbClr val="FF00FF"/>
+                </a:solidFill>
+                <a:latin typeface="Courier"/>
+                <a:cs typeface="Courier"/>
+              </a:rPr>
+              <a:t>`)</a:t>
+            </a:r>
+          </a:p>
+          <a:p>
+            <a:r>
+              <a:rPr lang="en-US" b="1" dirty="0">
+                <a:solidFill>
+                  <a:srgbClr val="FF00FF"/>
+                </a:solidFill>
+                <a:latin typeface="Courier"/>
+                <a:cs typeface="Courier"/>
+              </a:rPr>
+              <a:t>        REFERENCES `</a:t>
+            </a:r>
+            <a:r>
+              <a:rPr lang="en-US" b="1" dirty="0">
+                <a:solidFill>
+                  <a:srgbClr val="00FF00"/>
+                </a:solidFill>
+                <a:latin typeface="Courier"/>
+                <a:cs typeface="Courier"/>
+              </a:rPr>
+              <a:t>{$CFG-&gt;</a:t>
+            </a:r>
+            <a:r>
+              <a:rPr lang="en-US" b="1" dirty="0" err="1">
+                <a:solidFill>
+                  <a:srgbClr val="00FF00"/>
+                </a:solidFill>
+                <a:latin typeface="Courier"/>
+                <a:cs typeface="Courier"/>
+              </a:rPr>
+              <a:t>dbprefix</a:t>
+            </a:r>
+            <a:r>
+              <a:rPr lang="en-US" b="1" dirty="0">
+                <a:solidFill>
+                  <a:srgbClr val="00FF00"/>
+                </a:solidFill>
+                <a:latin typeface="Courier"/>
+                <a:cs typeface="Courier"/>
+              </a:rPr>
+              <a:t>}</a:t>
+            </a:r>
+            <a:r>
+              <a:rPr lang="en-US" b="1" dirty="0" err="1">
+                <a:solidFill>
+                  <a:srgbClr val="FF00FF"/>
+                </a:solidFill>
+                <a:latin typeface="Courier"/>
+                <a:cs typeface="Courier"/>
+              </a:rPr>
+              <a:t>lti_user</a:t>
+            </a:r>
+            <a:r>
+              <a:rPr lang="en-US" b="1" dirty="0">
+                <a:solidFill>
+                  <a:srgbClr val="FF00FF"/>
+                </a:solidFill>
+                <a:latin typeface="Courier"/>
+                <a:cs typeface="Courier"/>
+              </a:rPr>
+              <a:t>` (`</a:t>
+            </a:r>
+            <a:r>
+              <a:rPr lang="en-US" b="1" dirty="0" err="1">
+                <a:solidFill>
+                  <a:srgbClr val="FF00FF"/>
+                </a:solidFill>
+                <a:latin typeface="Courier"/>
+                <a:cs typeface="Courier"/>
+              </a:rPr>
+              <a:t>user_id</a:t>
+            </a:r>
+            <a:r>
+              <a:rPr lang="en-US" b="1" dirty="0">
+                <a:solidFill>
+                  <a:srgbClr val="FF00FF"/>
+                </a:solidFill>
+                <a:latin typeface="Courier"/>
+                <a:cs typeface="Courier"/>
+              </a:rPr>
+              <a:t>`)</a:t>
+            </a:r>
+          </a:p>
+          <a:p>
+            <a:r>
+              <a:rPr lang="en-US" b="1" dirty="0">
+                <a:solidFill>
+                  <a:srgbClr val="FF00FF"/>
+                </a:solidFill>
+                <a:latin typeface="Courier"/>
+                <a:cs typeface="Courier"/>
+              </a:rPr>
+              <a:t>        ON DELETE CASCADE ON UPDATE CASCADE,</a:t>
+            </a:r>
+          </a:p>
+          <a:p>
+            <a:endParaRPr lang="en-US" b="1" dirty="0">
+              <a:latin typeface="Courier"/>
+              <a:cs typeface="Courier"/>
+            </a:endParaRPr>
+          </a:p>
+          <a:p>
+            <a:r>
+              <a:rPr lang="en-US" b="1" dirty="0">
+                <a:latin typeface="Courier"/>
+                <a:cs typeface="Courier"/>
+              </a:rPr>
+              <a:t>    UNIQUE(</a:t>
+            </a:r>
+            <a:r>
+              <a:rPr lang="en-US" b="1" dirty="0" err="1">
+                <a:latin typeface="Courier"/>
+                <a:cs typeface="Courier"/>
+              </a:rPr>
+              <a:t>link_id</a:t>
+            </a:r>
+            <a:r>
+              <a:rPr lang="en-US" b="1" dirty="0">
+                <a:latin typeface="Courier"/>
+                <a:cs typeface="Courier"/>
+              </a:rPr>
+              <a:t>, </a:t>
+            </a:r>
+            <a:r>
+              <a:rPr lang="en-US" b="1" dirty="0" err="1">
+                <a:latin typeface="Courier"/>
+                <a:cs typeface="Courier"/>
+              </a:rPr>
+              <a:t>user_id</a:t>
+            </a:r>
+            <a:r>
+              <a:rPr lang="en-US" b="1" dirty="0">
+                <a:latin typeface="Courier"/>
+                <a:cs typeface="Courier"/>
+              </a:rPr>
+              <a:t>, attend)</a:t>
+            </a:r>
+          </a:p>
+          <a:p>
+            <a:r>
+              <a:rPr lang="en-US" b="1" dirty="0">
+                <a:latin typeface="Courier"/>
+                <a:cs typeface="Courier"/>
+              </a:rPr>
+              <a:t>) ENGINE = </a:t>
+            </a:r>
+            <a:r>
+              <a:rPr lang="en-US" b="1" dirty="0" err="1">
+                <a:latin typeface="Courier"/>
+                <a:cs typeface="Courier"/>
+              </a:rPr>
+              <a:t>InnoDB</a:t>
+            </a:r>
+            <a:r>
+              <a:rPr lang="en-US" b="1" dirty="0">
+                <a:latin typeface="Courier"/>
+                <a:cs typeface="Courier"/>
+              </a:rPr>
+              <a:t> DEFAULT CHARSET=utf8</a:t>
+            </a:r>
+          </a:p>
+        </p:txBody>
+      </p:sp>
+      <p:sp>
+        <p:nvSpPr>
+          <p:cNvPr id="5" name="Rectangle 4"/>
+          <p:cNvSpPr/>
+          <p:nvPr/>
+        </p:nvSpPr>
+        <p:spPr>
+          <a:xfrm>
+            <a:off x="5468114" y="6304002"/>
+            <a:ext cx="3223246" cy="369332"/>
+          </a:xfrm>
+          <a:prstGeom prst="rect">
+            <a:avLst/>
+          </a:prstGeom>
+        </p:spPr>
+        <p:txBody>
+          <a:bodyPr wrap="none">
+            <a:spAutoFit/>
+          </a:bodyPr>
+          <a:lstStyle/>
+          <a:p>
+            <a:r>
+              <a:rPr lang="en-US" dirty="0" err="1">
+                <a:solidFill>
+                  <a:srgbClr val="FFFF00"/>
+                </a:solidFill>
+              </a:rPr>
+              <a:t>tsugi</a:t>
+            </a:r>
+            <a:r>
+              <a:rPr lang="en-US" dirty="0">
+                <a:solidFill>
+                  <a:srgbClr val="FFFF00"/>
+                </a:solidFill>
+              </a:rPr>
+              <a:t>/mod/</a:t>
+            </a:r>
+            <a:r>
+              <a:rPr lang="en-US" dirty="0" smtClean="0">
+                <a:solidFill>
+                  <a:srgbClr val="FFFF00"/>
+                </a:solidFill>
+              </a:rPr>
+              <a:t>attend/</a:t>
+            </a:r>
+            <a:r>
+              <a:rPr lang="en-US" dirty="0" err="1" smtClean="0">
+                <a:solidFill>
+                  <a:srgbClr val="FFFF00"/>
+                </a:solidFill>
+              </a:rPr>
+              <a:t>database.php</a:t>
+            </a:r>
+            <a:endParaRPr lang="en-US" dirty="0">
+              <a:solidFill>
+                <a:srgbClr val="FFFF00"/>
+              </a:solidFill>
+            </a:endParaRPr>
+          </a:p>
+        </p:txBody>
+      </p:sp>
+    </p:spTree>
+    <p:extLst>
+      <p:ext uri="{BB962C8B-B14F-4D97-AF65-F5344CB8AC3E}">
+        <p14:creationId xmlns:p14="http://schemas.microsoft.com/office/powerpoint/2010/main" val="2609707566"/>
+      </p:ext>
+    </p:extLst>
+  </p:cSld>
+  <p:clrMapOvr>
+    <a:masterClrMapping/>
+  </p:clrMapOvr>
+</p:sld>
+</file>
+
+<file path=ppt/slides/slide16.xml><?xml version="1.0" encoding="utf-8"?>
+<p:sld xmlns:a="http://schemas.openxmlformats.org/drawingml/2006/main" xmlns:r="http://schemas.openxmlformats.org/officeDocument/2006/relationships" xmlns:p="http://schemas.openxmlformats.org/presentationml/2006/main">
+  <p:cSld>
+    <p:spTree>
+      <p:nvGrpSpPr>
+        <p:cNvPr id="1" name=""/>
+        <p:cNvGrpSpPr/>
+        <p:nvPr/>
+      </p:nvGrpSpPr>
+      <p:grpSpPr>
+        <a:xfrm>
+          <a:off x="0" y="0"/>
+          <a:ext cx="0" cy="0"/>
+          <a:chOff x="0" y="0"/>
+          <a:chExt cx="0" cy="0"/>
+        </a:xfrm>
+      </p:grpSpPr>
+      <p:pic>
+        <p:nvPicPr>
+          <p:cNvPr id="4" name="Picture 3" descr="Untitled.png"/>
+          <p:cNvPicPr>
+            <a:picLocks noChangeAspect="1"/>
+          </p:cNvPicPr>
+          <p:nvPr/>
+        </p:nvPicPr>
+        <p:blipFill>
+          <a:blip r:embed="rId2">
+            <a:extLst>
+              <a:ext uri="{28A0092B-C50C-407E-A947-70E740481C1C}">
+                <a14:useLocalDpi xmlns:a14="http://schemas.microsoft.com/office/drawing/2010/main" val="0"/>
+              </a:ext>
+            </a:extLst>
+          </a:blip>
+          <a:stretch>
+            <a:fillRect/>
+          </a:stretch>
+        </p:blipFill>
+        <p:spPr>
+          <a:xfrm>
+            <a:off x="1173647" y="0"/>
+            <a:ext cx="7208822" cy="6858000"/>
+          </a:xfrm>
+          <a:prstGeom prst="rect">
+            <a:avLst/>
+          </a:prstGeom>
+        </p:spPr>
+      </p:pic>
+    </p:spTree>
+    <p:extLst>
+      <p:ext uri="{BB962C8B-B14F-4D97-AF65-F5344CB8AC3E}">
+        <p14:creationId xmlns:p14="http://schemas.microsoft.com/office/powerpoint/2010/main" val="2814241560"/>
+      </p:ext>
+    </p:extLst>
+  </p:cSld>
+  <p:clrMapOvr>
+    <a:masterClrMapping/>
+  </p:clrMapOvr>
+</p:sld>
+</file>
+
+<file path=ppt/slides/slide17.xml><?xml version="1.0" encoding="utf-8"?>
+<p:sld xmlns:a="http://schemas.openxmlformats.org/drawingml/2006/main" xmlns:r="http://schemas.openxmlformats.org/officeDocument/2006/relationships" xmlns:p="http://schemas.openxmlformats.org/presentationml/2006/main">
+  <p:cSld>
+    <p:spTree>
+      <p:nvGrpSpPr>
+        <p:cNvPr id="1" name=""/>
+        <p:cNvGrpSpPr/>
+        <p:nvPr/>
+      </p:nvGrpSpPr>
+      <p:grpSpPr>
+        <a:xfrm>
+          <a:off x="0" y="0"/>
+          <a:ext cx="0" cy="0"/>
+          <a:chOff x="0" y="0"/>
+          <a:chExt cx="0" cy="0"/>
+        </a:xfrm>
+      </p:grpSpPr>
+      <p:pic>
+        <p:nvPicPr>
+          <p:cNvPr id="4" name="Picture 3" descr="Untitled.png"/>
+          <p:cNvPicPr>
+            <a:picLocks noChangeAspect="1"/>
+          </p:cNvPicPr>
+          <p:nvPr/>
+        </p:nvPicPr>
+        <p:blipFill>
+          <a:blip r:embed="rId2">
+            <a:extLst>
+              <a:ext uri="{28A0092B-C50C-407E-A947-70E740481C1C}">
+                <a14:useLocalDpi xmlns:a14="http://schemas.microsoft.com/office/drawing/2010/main" val="0"/>
+              </a:ext>
+            </a:extLst>
+          </a:blip>
+          <a:stretch>
+            <a:fillRect/>
+          </a:stretch>
+        </p:blipFill>
+        <p:spPr>
+          <a:xfrm>
+            <a:off x="530553" y="0"/>
+            <a:ext cx="5051446" cy="6858000"/>
+          </a:xfrm>
+          <a:prstGeom prst="rect">
+            <a:avLst/>
+          </a:prstGeom>
+        </p:spPr>
+      </p:pic>
+      <p:pic>
+        <p:nvPicPr>
+          <p:cNvPr id="5" name="Picture 4" descr="Untitled.png"/>
+          <p:cNvPicPr>
+            <a:picLocks noChangeAspect="1"/>
+          </p:cNvPicPr>
+          <p:nvPr/>
+        </p:nvPicPr>
+        <p:blipFill>
+          <a:blip r:embed="rId3">
+            <a:extLst>
+              <a:ext uri="{28A0092B-C50C-407E-A947-70E740481C1C}">
+                <a14:useLocalDpi xmlns:a14="http://schemas.microsoft.com/office/drawing/2010/main" val="0"/>
+              </a:ext>
+            </a:extLst>
+          </a:blip>
+          <a:stretch>
+            <a:fillRect/>
+          </a:stretch>
+        </p:blipFill>
+        <p:spPr>
+          <a:xfrm>
+            <a:off x="4280479" y="3938377"/>
+            <a:ext cx="4562072" cy="2667829"/>
+          </a:xfrm>
+          <a:prstGeom prst="rect">
+            <a:avLst/>
+          </a:prstGeom>
+          <a:ln w="38100" cmpd="sng">
+            <a:solidFill>
+              <a:schemeClr val="bg1"/>
+            </a:solidFill>
+          </a:ln>
+        </p:spPr>
+      </p:pic>
+    </p:spTree>
+    <p:extLst>
+      <p:ext uri="{BB962C8B-B14F-4D97-AF65-F5344CB8AC3E}">
+        <p14:creationId xmlns:p14="http://schemas.microsoft.com/office/powerpoint/2010/main" val="3183920745"/>
+      </p:ext>
+    </p:extLst>
+  </p:cSld>
+  <p:clrMapOvr>
+    <a:masterClrMapping/>
+  </p:clrMapOvr>
+</p:sld>
+</file>
+
+<file path=ppt/slides/slide18.xml><?xml version="1.0" encoding="utf-8"?>
+<p:sld xmlns:a="http://schemas.openxmlformats.org/drawingml/2006/main" xmlns:r="http://schemas.openxmlformats.org/officeDocument/2006/relationships" xmlns:p="http://schemas.openxmlformats.org/presentationml/2006/main">
+  <p:cSld>
+    <p:spTree>
+      <p:nvGrpSpPr>
+        <p:cNvPr id="1" name=""/>
+        <p:cNvGrpSpPr/>
+        <p:nvPr/>
+      </p:nvGrpSpPr>
+      <p:grpSpPr>
+        <a:xfrm>
+          <a:off x="0" y="0"/>
+          <a:ext cx="0" cy="0"/>
+          <a:chOff x="0" y="0"/>
+          <a:chExt cx="0" cy="0"/>
+        </a:xfrm>
+      </p:grpSpPr>
+      <p:pic>
+        <p:nvPicPr>
+          <p:cNvPr id="4" name="Picture 3" descr="Untitled.png"/>
+          <p:cNvPicPr>
+            <a:picLocks noChangeAspect="1"/>
+          </p:cNvPicPr>
+          <p:nvPr/>
+        </p:nvPicPr>
+        <p:blipFill>
+          <a:blip r:embed="rId2">
+            <a:extLst>
+              <a:ext uri="{28A0092B-C50C-407E-A947-70E740481C1C}">
+                <a14:useLocalDpi xmlns:a14="http://schemas.microsoft.com/office/drawing/2010/main" val="0"/>
+              </a:ext>
+            </a:extLst>
+          </a:blip>
+          <a:stretch>
+            <a:fillRect/>
+          </a:stretch>
+        </p:blipFill>
+        <p:spPr>
+          <a:xfrm>
+            <a:off x="1672039" y="0"/>
+            <a:ext cx="5606955" cy="6858000"/>
+          </a:xfrm>
+          <a:prstGeom prst="rect">
+            <a:avLst/>
+          </a:prstGeom>
+        </p:spPr>
+      </p:pic>
+    </p:spTree>
+    <p:extLst>
+      <p:ext uri="{BB962C8B-B14F-4D97-AF65-F5344CB8AC3E}">
+        <p14:creationId xmlns:p14="http://schemas.microsoft.com/office/powerpoint/2010/main" val="1306284990"/>
+      </p:ext>
+    </p:extLst>
+  </p:cSld>
+  <p:clrMapOvr>
+    <a:masterClrMapping/>
+  </p:clrMapOvr>
+</p:sld>
+</file>
+
+<file path=ppt/slides/slide19.xml><?xml version="1.0" encoding="utf-8"?>
+<p:sld xmlns:a="http://schemas.openxmlformats.org/drawingml/2006/main" xmlns:r="http://schemas.openxmlformats.org/officeDocument/2006/relationships" xmlns:p="http://schemas.openxmlformats.org/presentationml/2006/main">
+  <p:cSld>
+    <p:spTree>
+      <p:nvGrpSpPr>
+        <p:cNvPr id="1" name=""/>
+        <p:cNvGrpSpPr/>
+        <p:nvPr/>
+      </p:nvGrpSpPr>
+      <p:grpSpPr>
+        <a:xfrm>
+          <a:off x="0" y="0"/>
+          <a:ext cx="0" cy="0"/>
+          <a:chOff x="0" y="0"/>
+          <a:chExt cx="0" cy="0"/>
+        </a:xfrm>
+      </p:grpSpPr>
+      <p:sp>
+        <p:nvSpPr>
+          <p:cNvPr id="4" name="Title 3"/>
+          <p:cNvSpPr>
+            <a:spLocks noGrp="1"/>
+          </p:cNvSpPr>
+          <p:nvPr>
+            <p:ph type="ctrTitle"/>
+          </p:nvPr>
+        </p:nvSpPr>
+        <p:spPr/>
+        <p:txBody>
+          <a:bodyPr/>
+          <a:lstStyle/>
+          <a:p>
+            <a:r>
+              <a:rPr lang="en-US" dirty="0" smtClean="0"/>
+              <a:t>Migrations</a:t>
+            </a:r>
+            <a:endParaRPr lang="en-US" dirty="0"/>
+          </a:p>
+        </p:txBody>
+      </p:sp>
+      <p:sp>
+        <p:nvSpPr>
+          <p:cNvPr id="5" name="Subtitle 4"/>
+          <p:cNvSpPr>
+            <a:spLocks noGrp="1"/>
+          </p:cNvSpPr>
+          <p:nvPr>
+            <p:ph type="subTitle" idx="1"/>
+          </p:nvPr>
+        </p:nvSpPr>
+        <p:spPr/>
+        <p:txBody>
+          <a:bodyPr/>
+          <a:lstStyle/>
+          <a:p>
+            <a:r>
+              <a:rPr lang="en-US" dirty="0" smtClean="0"/>
+              <a:t>A blend of Moodle and Rails</a:t>
+            </a:r>
+            <a:endParaRPr lang="en-US" dirty="0"/>
+          </a:p>
+        </p:txBody>
+      </p:sp>
+    </p:spTree>
+    <p:extLst>
+      <p:ext uri="{BB962C8B-B14F-4D97-AF65-F5344CB8AC3E}">
+        <p14:creationId xmlns:p14="http://schemas.microsoft.com/office/powerpoint/2010/main" val="3757730688"/>
+      </p:ext>
+    </p:extLst>
+  </p:cSld>
+  <p:clrMapOvr>
+    <a:masterClrMapping/>
+  </p:clrMapOvr>
 </p:sld>
 </file>
 
@@ -3892,6 +5410,2549 @@
 </p:sld>
 </file>
 
+<file path=ppt/slides/slide20.xml><?xml version="1.0" encoding="utf-8"?>
+<p:sld xmlns:a="http://schemas.openxmlformats.org/drawingml/2006/main" xmlns:r="http://schemas.openxmlformats.org/officeDocument/2006/relationships" xmlns:p="http://schemas.openxmlformats.org/presentationml/2006/main">
+  <p:cSld>
+    <p:spTree>
+      <p:nvGrpSpPr>
+        <p:cNvPr id="1" name=""/>
+        <p:cNvGrpSpPr/>
+        <p:nvPr/>
+      </p:nvGrpSpPr>
+      <p:grpSpPr>
+        <a:xfrm>
+          <a:off x="0" y="0"/>
+          <a:ext cx="0" cy="0"/>
+          <a:chOff x="0" y="0"/>
+          <a:chExt cx="0" cy="0"/>
+        </a:xfrm>
+      </p:grpSpPr>
+      <p:sp>
+        <p:nvSpPr>
+          <p:cNvPr id="2" name="Title 1"/>
+          <p:cNvSpPr>
+            <a:spLocks noGrp="1"/>
+          </p:cNvSpPr>
+          <p:nvPr>
+            <p:ph type="title"/>
+          </p:nvPr>
+        </p:nvSpPr>
+        <p:spPr/>
+        <p:txBody>
+          <a:bodyPr/>
+          <a:lstStyle/>
+          <a:p>
+            <a:r>
+              <a:rPr lang="en-US" dirty="0" smtClean="0"/>
+              <a:t>Creating and Updating Schema</a:t>
+            </a:r>
+            <a:endParaRPr lang="en-US" dirty="0"/>
+          </a:p>
+        </p:txBody>
+      </p:sp>
+      <p:sp>
+        <p:nvSpPr>
+          <p:cNvPr id="3" name="Content Placeholder 2"/>
+          <p:cNvSpPr>
+            <a:spLocks noGrp="1"/>
+          </p:cNvSpPr>
+          <p:nvPr>
+            <p:ph idx="1"/>
+          </p:nvPr>
+        </p:nvSpPr>
+        <p:spPr/>
+        <p:txBody>
+          <a:bodyPr/>
+          <a:lstStyle/>
+          <a:p>
+            <a:r>
+              <a:rPr lang="en-US" dirty="0" smtClean="0"/>
+              <a:t>We want completely automated schema upgrades like Moodle and Rails</a:t>
+            </a:r>
+          </a:p>
+          <a:p>
+            <a:r>
+              <a:rPr lang="en-US" dirty="0" smtClean="0"/>
+              <a:t>Should be convenient for both new installations and continuous evolution during development</a:t>
+            </a:r>
+          </a:p>
+          <a:p>
+            <a:r>
+              <a:rPr lang="en-US" dirty="0" smtClean="0"/>
+              <a:t>Each table has a version number based on date/time that the change was made</a:t>
+            </a:r>
+          </a:p>
+          <a:p>
+            <a:pPr lvl="1"/>
+            <a:r>
+              <a:rPr lang="en-US" dirty="0"/>
+              <a:t>201409242100</a:t>
+            </a:r>
+          </a:p>
+        </p:txBody>
+      </p:sp>
+    </p:spTree>
+    <p:extLst>
+      <p:ext uri="{BB962C8B-B14F-4D97-AF65-F5344CB8AC3E}">
+        <p14:creationId xmlns:p14="http://schemas.microsoft.com/office/powerpoint/2010/main" val="3024575752"/>
+      </p:ext>
+    </p:extLst>
+  </p:cSld>
+  <p:clrMapOvr>
+    <a:masterClrMapping/>
+  </p:clrMapOvr>
+</p:sld>
+</file>
+
+<file path=ppt/slides/slide21.xml><?xml version="1.0" encoding="utf-8"?>
+<p:sld xmlns:a="http://schemas.openxmlformats.org/drawingml/2006/main" xmlns:r="http://schemas.openxmlformats.org/officeDocument/2006/relationships" xmlns:p="http://schemas.openxmlformats.org/presentationml/2006/main">
+  <p:cSld>
+    <p:spTree>
+      <p:nvGrpSpPr>
+        <p:cNvPr id="1" name=""/>
+        <p:cNvGrpSpPr/>
+        <p:nvPr/>
+      </p:nvGrpSpPr>
+      <p:grpSpPr>
+        <a:xfrm>
+          <a:off x="0" y="0"/>
+          <a:ext cx="0" cy="0"/>
+          <a:chOff x="0" y="0"/>
+          <a:chExt cx="0" cy="0"/>
+        </a:xfrm>
+      </p:grpSpPr>
+      <p:pic>
+        <p:nvPicPr>
+          <p:cNvPr id="4" name="Picture 3" descr="Untitled.png"/>
+          <p:cNvPicPr>
+            <a:picLocks noChangeAspect="1"/>
+          </p:cNvPicPr>
+          <p:nvPr/>
+        </p:nvPicPr>
+        <p:blipFill>
+          <a:blip r:embed="rId2">
+            <a:extLst>
+              <a:ext uri="{28A0092B-C50C-407E-A947-70E740481C1C}">
+                <a14:useLocalDpi xmlns:a14="http://schemas.microsoft.com/office/drawing/2010/main" val="0"/>
+              </a:ext>
+            </a:extLst>
+          </a:blip>
+          <a:stretch>
+            <a:fillRect/>
+          </a:stretch>
+        </p:blipFill>
+        <p:spPr>
+          <a:xfrm>
+            <a:off x="434089" y="0"/>
+            <a:ext cx="8217354" cy="6858000"/>
+          </a:xfrm>
+          <a:prstGeom prst="rect">
+            <a:avLst/>
+          </a:prstGeom>
+        </p:spPr>
+      </p:pic>
+    </p:spTree>
+    <p:extLst>
+      <p:ext uri="{BB962C8B-B14F-4D97-AF65-F5344CB8AC3E}">
+        <p14:creationId xmlns:p14="http://schemas.microsoft.com/office/powerpoint/2010/main" val="3290523244"/>
+      </p:ext>
+    </p:extLst>
+  </p:cSld>
+  <p:clrMapOvr>
+    <a:masterClrMapping/>
+  </p:clrMapOvr>
+</p:sld>
+</file>
+
+<file path=ppt/slides/slide22.xml><?xml version="1.0" encoding="utf-8"?>
+<p:sld xmlns:a="http://schemas.openxmlformats.org/drawingml/2006/main" xmlns:r="http://schemas.openxmlformats.org/officeDocument/2006/relationships" xmlns:p="http://schemas.openxmlformats.org/presentationml/2006/main">
+  <p:cSld>
+    <p:spTree>
+      <p:nvGrpSpPr>
+        <p:cNvPr id="1" name=""/>
+        <p:cNvGrpSpPr/>
+        <p:nvPr/>
+      </p:nvGrpSpPr>
+      <p:grpSpPr>
+        <a:xfrm>
+          <a:off x="0" y="0"/>
+          <a:ext cx="0" cy="0"/>
+          <a:chOff x="0" y="0"/>
+          <a:chExt cx="0" cy="0"/>
+        </a:xfrm>
+      </p:grpSpPr>
+      <p:sp>
+        <p:nvSpPr>
+          <p:cNvPr id="2" name="Title 1"/>
+          <p:cNvSpPr>
+            <a:spLocks noGrp="1"/>
+          </p:cNvSpPr>
+          <p:nvPr>
+            <p:ph type="title"/>
+          </p:nvPr>
+        </p:nvSpPr>
+        <p:spPr/>
+        <p:txBody>
+          <a:bodyPr/>
+          <a:lstStyle/>
+          <a:p>
+            <a:r>
+              <a:rPr lang="en-US" dirty="0" smtClean="0"/>
+              <a:t>Global Database Version</a:t>
+            </a:r>
+            <a:endParaRPr lang="en-US" dirty="0"/>
+          </a:p>
+        </p:txBody>
+      </p:sp>
+      <p:sp>
+        <p:nvSpPr>
+          <p:cNvPr id="3" name="Content Placeholder 2"/>
+          <p:cNvSpPr>
+            <a:spLocks noGrp="1"/>
+          </p:cNvSpPr>
+          <p:nvPr>
+            <p:ph idx="1"/>
+          </p:nvPr>
+        </p:nvSpPr>
+        <p:spPr>
+          <a:xfrm>
+            <a:off x="457200" y="1600201"/>
+            <a:ext cx="8229600" cy="2740052"/>
+          </a:xfrm>
+        </p:spPr>
+        <p:txBody>
+          <a:bodyPr/>
+          <a:lstStyle/>
+          <a:p>
+            <a:r>
+              <a:rPr lang="en-US" dirty="0" smtClean="0"/>
+              <a:t>The global database version should be the maximum version across all </a:t>
+            </a:r>
+            <a:r>
+              <a:rPr lang="en-US" dirty="0" err="1" smtClean="0"/>
+              <a:t>database.php</a:t>
+            </a:r>
+            <a:r>
+              <a:rPr lang="en-US" dirty="0" smtClean="0"/>
+              <a:t> files</a:t>
+            </a:r>
+          </a:p>
+          <a:p>
+            <a:r>
+              <a:rPr lang="en-US" dirty="0" smtClean="0"/>
+              <a:t>It is stored in </a:t>
+            </a:r>
+            <a:r>
+              <a:rPr lang="en-US" dirty="0" err="1" smtClean="0">
+                <a:solidFill>
+                  <a:srgbClr val="FFFF00"/>
+                </a:solidFill>
+              </a:rPr>
+              <a:t>setup.php</a:t>
+            </a:r>
+            <a:endParaRPr lang="en-US" dirty="0" smtClean="0">
+              <a:solidFill>
+                <a:srgbClr val="FFFF00"/>
+              </a:solidFill>
+            </a:endParaRPr>
+          </a:p>
+          <a:p>
+            <a:r>
+              <a:rPr lang="en-US" dirty="0" smtClean="0"/>
+              <a:t>Used to remind folks when to run </a:t>
+            </a:r>
+            <a:r>
+              <a:rPr lang="en-US" dirty="0" err="1" smtClean="0"/>
+              <a:t>upgrade.php</a:t>
+            </a:r>
+            <a:endParaRPr lang="en-US" dirty="0"/>
+          </a:p>
+        </p:txBody>
+      </p:sp>
+      <p:sp>
+        <p:nvSpPr>
+          <p:cNvPr id="4" name="TextBox 3"/>
+          <p:cNvSpPr txBox="1"/>
+          <p:nvPr/>
+        </p:nvSpPr>
+        <p:spPr>
+          <a:xfrm>
+            <a:off x="129249" y="4645677"/>
+            <a:ext cx="8557551" cy="2062103"/>
+          </a:xfrm>
+          <a:prstGeom prst="rect">
+            <a:avLst/>
+          </a:prstGeom>
+          <a:noFill/>
+        </p:spPr>
+        <p:txBody>
+          <a:bodyPr wrap="none" rtlCol="0">
+            <a:spAutoFit/>
+          </a:bodyPr>
+          <a:lstStyle/>
+          <a:p>
+            <a:r>
+              <a:rPr lang="en-US" sz="1600" dirty="0">
+                <a:latin typeface="Courier"/>
+                <a:cs typeface="Courier"/>
+              </a:rPr>
+              <a:t>&lt;?</a:t>
+            </a:r>
+            <a:r>
+              <a:rPr lang="en-US" sz="1600" dirty="0" err="1">
+                <a:latin typeface="Courier"/>
+                <a:cs typeface="Courier"/>
+              </a:rPr>
+              <a:t>php</a:t>
+            </a:r>
+            <a:endParaRPr lang="en-US" sz="1600" dirty="0">
+              <a:latin typeface="Courier"/>
+              <a:cs typeface="Courier"/>
+            </a:endParaRPr>
+          </a:p>
+          <a:p>
+            <a:endParaRPr lang="en-US" sz="1600" dirty="0">
+              <a:latin typeface="Courier"/>
+              <a:cs typeface="Courier"/>
+            </a:endParaRPr>
+          </a:p>
+          <a:p>
+            <a:r>
+              <a:rPr lang="en-US" sz="1600" dirty="0">
+                <a:latin typeface="Courier"/>
+                <a:cs typeface="Courier"/>
+              </a:rPr>
+              <a:t>// This is where we change the overall database version to trigger</a:t>
+            </a:r>
+          </a:p>
+          <a:p>
+            <a:r>
+              <a:rPr lang="en-US" sz="1600" dirty="0">
+                <a:latin typeface="Courier"/>
+                <a:cs typeface="Courier"/>
+              </a:rPr>
+              <a:t>// upgrade checking - don't change this unless you want to trigger</a:t>
+            </a:r>
+          </a:p>
+          <a:p>
+            <a:r>
+              <a:rPr lang="en-US" sz="1600" dirty="0">
+                <a:latin typeface="Courier"/>
+                <a:cs typeface="Courier"/>
+              </a:rPr>
+              <a:t>// database upgrade messages it should be the max of all versions in</a:t>
+            </a:r>
+          </a:p>
+          <a:p>
+            <a:r>
+              <a:rPr lang="en-US" sz="1600" dirty="0">
+                <a:latin typeface="Courier"/>
+                <a:cs typeface="Courier"/>
+              </a:rPr>
+              <a:t>// all </a:t>
+            </a:r>
+            <a:r>
+              <a:rPr lang="en-US" sz="1600" dirty="0" err="1">
+                <a:latin typeface="Courier"/>
+                <a:cs typeface="Courier"/>
+              </a:rPr>
+              <a:t>database.php</a:t>
+            </a:r>
+            <a:r>
+              <a:rPr lang="en-US" sz="1600" dirty="0">
+                <a:latin typeface="Courier"/>
+                <a:cs typeface="Courier"/>
+              </a:rPr>
+              <a:t> files</a:t>
+            </a:r>
+            <a:r>
+              <a:rPr lang="en-US" sz="1600" dirty="0" smtClean="0">
+                <a:latin typeface="Courier"/>
+                <a:cs typeface="Courier"/>
+              </a:rPr>
+              <a:t>.</a:t>
+            </a:r>
+          </a:p>
+          <a:p>
+            <a:endParaRPr lang="en-US" sz="1600" dirty="0">
+              <a:latin typeface="Courier"/>
+              <a:cs typeface="Courier"/>
+            </a:endParaRPr>
+          </a:p>
+          <a:p>
+            <a:r>
+              <a:rPr lang="en-US" sz="1600" dirty="0">
+                <a:latin typeface="Courier"/>
+                <a:cs typeface="Courier"/>
+              </a:rPr>
+              <a:t>$CFG-&gt;</a:t>
+            </a:r>
+            <a:r>
+              <a:rPr lang="en-US" sz="1600" dirty="0" err="1">
+                <a:latin typeface="Courier"/>
+                <a:cs typeface="Courier"/>
+              </a:rPr>
+              <a:t>dbversion</a:t>
+            </a:r>
+            <a:r>
+              <a:rPr lang="en-US" sz="1600" dirty="0">
+                <a:latin typeface="Courier"/>
+                <a:cs typeface="Courier"/>
+              </a:rPr>
+              <a:t> = </a:t>
+            </a:r>
+            <a:r>
+              <a:rPr lang="en-US" sz="1600" dirty="0">
+                <a:solidFill>
+                  <a:srgbClr val="FF00FF"/>
+                </a:solidFill>
+                <a:latin typeface="Courier"/>
+                <a:cs typeface="Courier"/>
+              </a:rPr>
+              <a:t>201410150800</a:t>
+            </a:r>
+            <a:r>
+              <a:rPr lang="en-US" sz="1600" dirty="0">
+                <a:latin typeface="Courier"/>
+                <a:cs typeface="Courier"/>
+              </a:rPr>
+              <a:t>;</a:t>
+            </a:r>
+          </a:p>
+        </p:txBody>
+      </p:sp>
+    </p:spTree>
+    <p:extLst>
+      <p:ext uri="{BB962C8B-B14F-4D97-AF65-F5344CB8AC3E}">
+        <p14:creationId xmlns:p14="http://schemas.microsoft.com/office/powerpoint/2010/main" val="1105426759"/>
+      </p:ext>
+    </p:extLst>
+  </p:cSld>
+  <p:clrMapOvr>
+    <a:masterClrMapping/>
+  </p:clrMapOvr>
+</p:sld>
+</file>
+
+<file path=ppt/slides/slide23.xml><?xml version="1.0" encoding="utf-8"?>
+<p:sld xmlns:a="http://schemas.openxmlformats.org/drawingml/2006/main" xmlns:r="http://schemas.openxmlformats.org/officeDocument/2006/relationships" xmlns:p="http://schemas.openxmlformats.org/presentationml/2006/main">
+  <p:cSld>
+    <p:spTree>
+      <p:nvGrpSpPr>
+        <p:cNvPr id="1" name=""/>
+        <p:cNvGrpSpPr/>
+        <p:nvPr/>
+      </p:nvGrpSpPr>
+      <p:grpSpPr>
+        <a:xfrm>
+          <a:off x="0" y="0"/>
+          <a:ext cx="0" cy="0"/>
+          <a:chOff x="0" y="0"/>
+          <a:chExt cx="0" cy="0"/>
+        </a:xfrm>
+      </p:grpSpPr>
+      <p:pic>
+        <p:nvPicPr>
+          <p:cNvPr id="4" name="Picture 3" descr="Untitled.png"/>
+          <p:cNvPicPr>
+            <a:picLocks noChangeAspect="1"/>
+          </p:cNvPicPr>
+          <p:nvPr/>
+        </p:nvPicPr>
+        <p:blipFill>
+          <a:blip r:embed="rId2">
+            <a:extLst>
+              <a:ext uri="{28A0092B-C50C-407E-A947-70E740481C1C}">
+                <a14:useLocalDpi xmlns:a14="http://schemas.microsoft.com/office/drawing/2010/main" val="0"/>
+              </a:ext>
+            </a:extLst>
+          </a:blip>
+          <a:stretch>
+            <a:fillRect/>
+          </a:stretch>
+        </p:blipFill>
+        <p:spPr>
+          <a:xfrm>
+            <a:off x="467852" y="753129"/>
+            <a:ext cx="8321082" cy="4404756"/>
+          </a:xfrm>
+          <a:prstGeom prst="rect">
+            <a:avLst/>
+          </a:prstGeom>
+        </p:spPr>
+      </p:pic>
+    </p:spTree>
+    <p:extLst>
+      <p:ext uri="{BB962C8B-B14F-4D97-AF65-F5344CB8AC3E}">
+        <p14:creationId xmlns:p14="http://schemas.microsoft.com/office/powerpoint/2010/main" val="3154925183"/>
+      </p:ext>
+    </p:extLst>
+  </p:cSld>
+  <p:clrMapOvr>
+    <a:masterClrMapping/>
+  </p:clrMapOvr>
+</p:sld>
+</file>
+
+<file path=ppt/slides/slide24.xml><?xml version="1.0" encoding="utf-8"?>
+<p:sld xmlns:a="http://schemas.openxmlformats.org/drawingml/2006/main" xmlns:r="http://schemas.openxmlformats.org/officeDocument/2006/relationships" xmlns:p="http://schemas.openxmlformats.org/presentationml/2006/main">
+  <p:cSld>
+    <p:spTree>
+      <p:nvGrpSpPr>
+        <p:cNvPr id="1" name=""/>
+        <p:cNvGrpSpPr/>
+        <p:nvPr/>
+      </p:nvGrpSpPr>
+      <p:grpSpPr>
+        <a:xfrm>
+          <a:off x="0" y="0"/>
+          <a:ext cx="0" cy="0"/>
+          <a:chOff x="0" y="0"/>
+          <a:chExt cx="0" cy="0"/>
+        </a:xfrm>
+      </p:grpSpPr>
+      <p:pic>
+        <p:nvPicPr>
+          <p:cNvPr id="4" name="Picture 3" descr="Untitled.png"/>
+          <p:cNvPicPr>
+            <a:picLocks noChangeAspect="1"/>
+          </p:cNvPicPr>
+          <p:nvPr/>
+        </p:nvPicPr>
+        <p:blipFill>
+          <a:blip r:embed="rId2">
+            <a:extLst>
+              <a:ext uri="{28A0092B-C50C-407E-A947-70E740481C1C}">
+                <a14:useLocalDpi xmlns:a14="http://schemas.microsoft.com/office/drawing/2010/main" val="0"/>
+              </a:ext>
+            </a:extLst>
+          </a:blip>
+          <a:stretch>
+            <a:fillRect/>
+          </a:stretch>
+        </p:blipFill>
+        <p:spPr>
+          <a:xfrm>
+            <a:off x="0" y="963322"/>
+            <a:ext cx="9144000" cy="4889161"/>
+          </a:xfrm>
+          <a:prstGeom prst="rect">
+            <a:avLst/>
+          </a:prstGeom>
+        </p:spPr>
+      </p:pic>
+      <p:sp>
+        <p:nvSpPr>
+          <p:cNvPr id="5" name="TextBox 4"/>
+          <p:cNvSpPr txBox="1"/>
+          <p:nvPr/>
+        </p:nvSpPr>
+        <p:spPr>
+          <a:xfrm>
+            <a:off x="4711939" y="1955251"/>
+            <a:ext cx="3993450" cy="1200329"/>
+          </a:xfrm>
+          <a:prstGeom prst="rect">
+            <a:avLst/>
+          </a:prstGeom>
+          <a:noFill/>
+        </p:spPr>
+        <p:txBody>
+          <a:bodyPr wrap="square" rtlCol="0">
+            <a:spAutoFit/>
+          </a:bodyPr>
+          <a:lstStyle/>
+          <a:p>
+            <a:r>
+              <a:rPr lang="en-US" dirty="0" smtClean="0">
+                <a:solidFill>
+                  <a:srgbClr val="660066"/>
+                </a:solidFill>
+              </a:rPr>
+              <a:t>Goes through all of the </a:t>
+            </a:r>
+            <a:r>
+              <a:rPr lang="en-US" dirty="0" err="1" smtClean="0">
+                <a:solidFill>
+                  <a:srgbClr val="660066"/>
+                </a:solidFill>
+              </a:rPr>
+              <a:t>database.php</a:t>
+            </a:r>
+            <a:r>
+              <a:rPr lang="en-US" dirty="0" smtClean="0">
+                <a:solidFill>
+                  <a:srgbClr val="660066"/>
+                </a:solidFill>
+              </a:rPr>
+              <a:t> files below the $CFG-&gt;</a:t>
+            </a:r>
+            <a:r>
+              <a:rPr lang="en-US" dirty="0" err="1" smtClean="0">
+                <a:solidFill>
+                  <a:srgbClr val="660066"/>
+                </a:solidFill>
+              </a:rPr>
+              <a:t>tool_folders</a:t>
+            </a:r>
+            <a:r>
+              <a:rPr lang="en-US" dirty="0" smtClean="0">
+                <a:solidFill>
+                  <a:srgbClr val="660066"/>
+                </a:solidFill>
+              </a:rPr>
+              <a:t> and checks for any needed new tables and/or tables to upgrade.</a:t>
+            </a:r>
+            <a:endParaRPr lang="en-US" dirty="0">
+              <a:solidFill>
+                <a:srgbClr val="660066"/>
+              </a:solidFill>
+            </a:endParaRPr>
+          </a:p>
+        </p:txBody>
+      </p:sp>
+    </p:spTree>
+    <p:extLst>
+      <p:ext uri="{BB962C8B-B14F-4D97-AF65-F5344CB8AC3E}">
+        <p14:creationId xmlns:p14="http://schemas.microsoft.com/office/powerpoint/2010/main" val="1052778794"/>
+      </p:ext>
+    </p:extLst>
+  </p:cSld>
+  <p:clrMapOvr>
+    <a:masterClrMapping/>
+  </p:clrMapOvr>
+</p:sld>
+</file>
+
+<file path=ppt/slides/slide25.xml><?xml version="1.0" encoding="utf-8"?>
+<p:sld xmlns:a="http://schemas.openxmlformats.org/drawingml/2006/main" xmlns:r="http://schemas.openxmlformats.org/officeDocument/2006/relationships" xmlns:p="http://schemas.openxmlformats.org/presentationml/2006/main">
+  <p:cSld>
+    <p:spTree>
+      <p:nvGrpSpPr>
+        <p:cNvPr id="1" name=""/>
+        <p:cNvGrpSpPr/>
+        <p:nvPr/>
+      </p:nvGrpSpPr>
+      <p:grpSpPr>
+        <a:xfrm>
+          <a:off x="0" y="0"/>
+          <a:ext cx="0" cy="0"/>
+          <a:chOff x="0" y="0"/>
+          <a:chExt cx="0" cy="0"/>
+        </a:xfrm>
+      </p:grpSpPr>
+      <p:sp>
+        <p:nvSpPr>
+          <p:cNvPr id="2" name="Title 1"/>
+          <p:cNvSpPr>
+            <a:spLocks noGrp="1"/>
+          </p:cNvSpPr>
+          <p:nvPr>
+            <p:ph type="title"/>
+          </p:nvPr>
+        </p:nvSpPr>
+        <p:spPr/>
+        <p:txBody>
+          <a:bodyPr/>
+          <a:lstStyle/>
+          <a:p>
+            <a:r>
+              <a:rPr lang="en-US" dirty="0" smtClean="0"/>
+              <a:t>Structure of a </a:t>
+            </a:r>
+            <a:r>
+              <a:rPr lang="en-US" dirty="0" err="1" smtClean="0"/>
+              <a:t>database.php</a:t>
+            </a:r>
+            <a:endParaRPr lang="en-US" dirty="0"/>
+          </a:p>
+        </p:txBody>
+      </p:sp>
+      <p:sp>
+        <p:nvSpPr>
+          <p:cNvPr id="3" name="Content Placeholder 2"/>
+          <p:cNvSpPr>
+            <a:spLocks noGrp="1"/>
+          </p:cNvSpPr>
+          <p:nvPr>
+            <p:ph idx="1"/>
+          </p:nvPr>
+        </p:nvSpPr>
+        <p:spPr/>
+        <p:txBody>
+          <a:bodyPr/>
+          <a:lstStyle/>
+          <a:p>
+            <a:r>
+              <a:rPr lang="en-US" dirty="0"/>
+              <a:t>$</a:t>
+            </a:r>
+            <a:r>
+              <a:rPr lang="en-US" dirty="0" smtClean="0"/>
+              <a:t>DATABASE_UNINSTALL</a:t>
+            </a:r>
+          </a:p>
+          <a:p>
+            <a:pPr lvl="1"/>
+            <a:r>
+              <a:rPr lang="en-US" dirty="0" smtClean="0"/>
+              <a:t>Array of statements to drop all tables for the tool</a:t>
+            </a:r>
+          </a:p>
+          <a:p>
+            <a:r>
+              <a:rPr lang="en-US" dirty="0"/>
+              <a:t>$</a:t>
+            </a:r>
+            <a:r>
+              <a:rPr lang="en-US" dirty="0" smtClean="0"/>
+              <a:t>DATABASE_INSTALL</a:t>
+            </a:r>
+          </a:p>
+          <a:p>
+            <a:pPr lvl="1"/>
+            <a:r>
+              <a:rPr lang="en-US" dirty="0" smtClean="0"/>
+              <a:t>Array of table names and CREATE statements</a:t>
+            </a:r>
+          </a:p>
+          <a:p>
+            <a:r>
+              <a:rPr lang="en-US" dirty="0" smtClean="0"/>
+              <a:t>$DATABASE_UPGRADE(optional)</a:t>
+            </a:r>
+          </a:p>
+          <a:p>
+            <a:pPr lvl="1"/>
+            <a:r>
+              <a:rPr lang="en-US" dirty="0" smtClean="0"/>
+              <a:t>A function which is given the "old version" and returns the "new version" after patching the table appropriately</a:t>
+            </a:r>
+            <a:endParaRPr lang="en-US" dirty="0"/>
+          </a:p>
+        </p:txBody>
+      </p:sp>
+    </p:spTree>
+    <p:extLst>
+      <p:ext uri="{BB962C8B-B14F-4D97-AF65-F5344CB8AC3E}">
+        <p14:creationId xmlns:p14="http://schemas.microsoft.com/office/powerpoint/2010/main" val="341370962"/>
+      </p:ext>
+    </p:extLst>
+  </p:cSld>
+  <p:clrMapOvr>
+    <a:masterClrMapping/>
+  </p:clrMapOvr>
+</p:sld>
+</file>
+
+<file path=ppt/slides/slide26.xml><?xml version="1.0" encoding="utf-8"?>
+<p:sld xmlns:a="http://schemas.openxmlformats.org/drawingml/2006/main" xmlns:r="http://schemas.openxmlformats.org/officeDocument/2006/relationships" xmlns:p="http://schemas.openxmlformats.org/presentationml/2006/main">
+  <p:cSld>
+    <p:spTree>
+      <p:nvGrpSpPr>
+        <p:cNvPr id="1" name=""/>
+        <p:cNvGrpSpPr/>
+        <p:nvPr/>
+      </p:nvGrpSpPr>
+      <p:grpSpPr>
+        <a:xfrm>
+          <a:off x="0" y="0"/>
+          <a:ext cx="0" cy="0"/>
+          <a:chOff x="0" y="0"/>
+          <a:chExt cx="0" cy="0"/>
+        </a:xfrm>
+      </p:grpSpPr>
+      <p:sp>
+        <p:nvSpPr>
+          <p:cNvPr id="4" name="TextBox 3"/>
+          <p:cNvSpPr txBox="1"/>
+          <p:nvPr/>
+        </p:nvSpPr>
+        <p:spPr>
+          <a:xfrm>
+            <a:off x="584814" y="217251"/>
+            <a:ext cx="7953485" cy="6001644"/>
+          </a:xfrm>
+          <a:prstGeom prst="rect">
+            <a:avLst/>
+          </a:prstGeom>
+          <a:noFill/>
+        </p:spPr>
+        <p:txBody>
+          <a:bodyPr wrap="square" rtlCol="0">
+            <a:spAutoFit/>
+          </a:bodyPr>
+          <a:lstStyle/>
+          <a:p>
+            <a:r>
+              <a:rPr lang="en-US" sz="1600" b="1" dirty="0">
+                <a:latin typeface="Courier"/>
+                <a:cs typeface="Courier"/>
+              </a:rPr>
+              <a:t>&lt;?</a:t>
+            </a:r>
+            <a:r>
+              <a:rPr lang="en-US" sz="1600" b="1" dirty="0" err="1">
+                <a:latin typeface="Courier"/>
+                <a:cs typeface="Courier"/>
+              </a:rPr>
+              <a:t>php</a:t>
+            </a:r>
+            <a:endParaRPr lang="en-US" sz="1600" b="1" dirty="0">
+              <a:latin typeface="Courier"/>
+              <a:cs typeface="Courier"/>
+            </a:endParaRPr>
+          </a:p>
+          <a:p>
+            <a:endParaRPr lang="en-US" sz="1600" b="1" dirty="0">
+              <a:latin typeface="Courier"/>
+              <a:cs typeface="Courier"/>
+            </a:endParaRPr>
+          </a:p>
+          <a:p>
+            <a:r>
+              <a:rPr lang="en-US" sz="1600" b="1" dirty="0">
+                <a:latin typeface="Courier"/>
+                <a:cs typeface="Courier"/>
+              </a:rPr>
+              <a:t>// The SQL to uninstall this tool</a:t>
+            </a:r>
+          </a:p>
+          <a:p>
+            <a:r>
+              <a:rPr lang="en-US" sz="1600" b="1" dirty="0">
+                <a:solidFill>
+                  <a:srgbClr val="00FFFF"/>
+                </a:solidFill>
+                <a:latin typeface="Courier"/>
+                <a:cs typeface="Courier"/>
+              </a:rPr>
+              <a:t>$DATABASE_UNINSTALL </a:t>
+            </a:r>
+            <a:r>
+              <a:rPr lang="en-US" sz="1600" b="1" dirty="0">
+                <a:latin typeface="Courier"/>
+                <a:cs typeface="Courier"/>
+              </a:rPr>
+              <a:t>= array(</a:t>
+            </a:r>
+          </a:p>
+          <a:p>
+            <a:r>
+              <a:rPr lang="en-US" sz="1600" b="1" dirty="0">
+                <a:latin typeface="Courier"/>
+                <a:cs typeface="Courier"/>
+              </a:rPr>
+              <a:t>"drop table if exists </a:t>
+            </a:r>
+            <a:r>
+              <a:rPr lang="en-US" sz="1600" b="1" dirty="0">
+                <a:solidFill>
+                  <a:srgbClr val="00FF00"/>
+                </a:solidFill>
+                <a:latin typeface="Courier"/>
+                <a:cs typeface="Courier"/>
+              </a:rPr>
+              <a:t>{$CFG-&gt;</a:t>
+            </a:r>
+            <a:r>
+              <a:rPr lang="en-US" sz="1600" b="1" dirty="0" err="1">
+                <a:solidFill>
+                  <a:srgbClr val="00FF00"/>
+                </a:solidFill>
+                <a:latin typeface="Courier"/>
+                <a:cs typeface="Courier"/>
+              </a:rPr>
+              <a:t>dbprefix</a:t>
+            </a:r>
+            <a:r>
+              <a:rPr lang="en-US" sz="1600" b="1" dirty="0">
+                <a:solidFill>
+                  <a:srgbClr val="00FF00"/>
+                </a:solidFill>
+                <a:latin typeface="Courier"/>
+                <a:cs typeface="Courier"/>
+              </a:rPr>
+              <a:t>}</a:t>
+            </a:r>
+            <a:r>
+              <a:rPr lang="en-US" sz="1600" b="1" dirty="0">
+                <a:latin typeface="Courier"/>
+                <a:cs typeface="Courier"/>
+              </a:rPr>
+              <a:t>attend"</a:t>
+            </a:r>
+          </a:p>
+          <a:p>
+            <a:r>
+              <a:rPr lang="en-US" sz="1600" b="1" dirty="0">
+                <a:latin typeface="Courier"/>
+                <a:cs typeface="Courier"/>
+              </a:rPr>
+              <a:t>);</a:t>
+            </a:r>
+          </a:p>
+          <a:p>
+            <a:endParaRPr lang="en-US" sz="1600" b="1" dirty="0">
+              <a:latin typeface="Courier"/>
+              <a:cs typeface="Courier"/>
+            </a:endParaRPr>
+          </a:p>
+          <a:p>
+            <a:r>
+              <a:rPr lang="en-US" sz="1600" b="1" dirty="0">
+                <a:latin typeface="Courier"/>
+                <a:cs typeface="Courier"/>
+              </a:rPr>
+              <a:t>// The SQL to create the </a:t>
+            </a:r>
+            <a:r>
+              <a:rPr lang="en-US" sz="1600" b="1" dirty="0" smtClean="0">
+                <a:latin typeface="Courier"/>
+                <a:cs typeface="Courier"/>
+              </a:rPr>
+              <a:t>tables if they </a:t>
+            </a:r>
+            <a:r>
+              <a:rPr lang="en-US" sz="1600" b="1" dirty="0">
+                <a:latin typeface="Courier"/>
+                <a:cs typeface="Courier"/>
+              </a:rPr>
+              <a:t>don't exist</a:t>
+            </a:r>
+          </a:p>
+          <a:p>
+            <a:r>
+              <a:rPr lang="en-US" sz="1600" b="1" dirty="0">
+                <a:solidFill>
+                  <a:srgbClr val="00FFFF"/>
+                </a:solidFill>
+                <a:latin typeface="Courier"/>
+                <a:cs typeface="Courier"/>
+              </a:rPr>
+              <a:t>$DATABASE_INSTALL </a:t>
+            </a:r>
+            <a:r>
+              <a:rPr lang="en-US" sz="1600" b="1" dirty="0">
+                <a:latin typeface="Courier"/>
+                <a:cs typeface="Courier"/>
+              </a:rPr>
+              <a:t>= array</a:t>
+            </a:r>
+            <a:r>
+              <a:rPr lang="en-US" sz="1600" b="1" dirty="0">
+                <a:solidFill>
+                  <a:srgbClr val="FFFF00"/>
+                </a:solidFill>
+                <a:latin typeface="Courier"/>
+                <a:cs typeface="Courier"/>
+              </a:rPr>
+              <a:t>(</a:t>
+            </a:r>
+          </a:p>
+          <a:p>
+            <a:r>
+              <a:rPr lang="en-US" sz="1600" b="1" dirty="0">
+                <a:latin typeface="Courier"/>
+                <a:cs typeface="Courier"/>
+              </a:rPr>
+              <a:t>array</a:t>
+            </a:r>
+            <a:r>
+              <a:rPr lang="en-US" sz="1600" b="1" dirty="0">
+                <a:solidFill>
+                  <a:srgbClr val="FF00FF"/>
+                </a:solidFill>
+                <a:latin typeface="Courier"/>
+                <a:cs typeface="Courier"/>
+              </a:rPr>
+              <a:t>(</a:t>
+            </a:r>
+            <a:r>
+              <a:rPr lang="en-US" sz="1600" b="1" dirty="0">
+                <a:latin typeface="Courier"/>
+                <a:cs typeface="Courier"/>
+              </a:rPr>
+              <a:t> "</a:t>
+            </a:r>
+            <a:r>
+              <a:rPr lang="en-US" sz="1600" b="1" dirty="0">
+                <a:solidFill>
+                  <a:srgbClr val="00FF00"/>
+                </a:solidFill>
+                <a:latin typeface="Courier"/>
+                <a:cs typeface="Courier"/>
+              </a:rPr>
+              <a:t>{$CFG-&gt;</a:t>
+            </a:r>
+            <a:r>
+              <a:rPr lang="en-US" sz="1600" b="1" dirty="0" err="1">
+                <a:solidFill>
+                  <a:srgbClr val="00FF00"/>
+                </a:solidFill>
+                <a:latin typeface="Courier"/>
+                <a:cs typeface="Courier"/>
+              </a:rPr>
+              <a:t>dbprefix</a:t>
+            </a:r>
+            <a:r>
+              <a:rPr lang="en-US" sz="1600" b="1" dirty="0">
+                <a:solidFill>
+                  <a:srgbClr val="00FF00"/>
+                </a:solidFill>
+                <a:latin typeface="Courier"/>
+                <a:cs typeface="Courier"/>
+              </a:rPr>
+              <a:t>}</a:t>
+            </a:r>
+            <a:r>
+              <a:rPr lang="en-US" sz="1600" b="1" dirty="0">
+                <a:latin typeface="Courier"/>
+                <a:cs typeface="Courier"/>
+              </a:rPr>
+              <a:t>attend",</a:t>
+            </a:r>
+          </a:p>
+          <a:p>
+            <a:r>
+              <a:rPr lang="en-US" sz="1600" b="1" dirty="0">
+                <a:solidFill>
+                  <a:srgbClr val="FF8000"/>
+                </a:solidFill>
+                <a:latin typeface="Courier"/>
+                <a:cs typeface="Courier"/>
+              </a:rPr>
+              <a:t>"</a:t>
+            </a:r>
+            <a:r>
+              <a:rPr lang="en-US" sz="1600" b="1" dirty="0">
+                <a:latin typeface="Courier"/>
+                <a:cs typeface="Courier"/>
+              </a:rPr>
+              <a:t>create table </a:t>
+            </a:r>
+            <a:r>
+              <a:rPr lang="en-US" sz="1600" b="1" dirty="0">
+                <a:solidFill>
+                  <a:srgbClr val="00FF00"/>
+                </a:solidFill>
+                <a:latin typeface="Courier"/>
+                <a:cs typeface="Courier"/>
+              </a:rPr>
+              <a:t>{$CFG-&gt;</a:t>
+            </a:r>
+            <a:r>
+              <a:rPr lang="en-US" sz="1600" b="1" dirty="0" err="1">
+                <a:solidFill>
+                  <a:srgbClr val="00FF00"/>
+                </a:solidFill>
+                <a:latin typeface="Courier"/>
+                <a:cs typeface="Courier"/>
+              </a:rPr>
+              <a:t>dbprefix</a:t>
+            </a:r>
+            <a:r>
+              <a:rPr lang="en-US" sz="1600" b="1" dirty="0">
+                <a:solidFill>
+                  <a:srgbClr val="00FF00"/>
+                </a:solidFill>
+                <a:latin typeface="Courier"/>
+                <a:cs typeface="Courier"/>
+              </a:rPr>
+              <a:t>}</a:t>
+            </a:r>
+            <a:r>
+              <a:rPr lang="en-US" sz="1600" b="1" dirty="0">
+                <a:latin typeface="Courier"/>
+                <a:cs typeface="Courier"/>
+              </a:rPr>
+              <a:t>attend (</a:t>
+            </a:r>
+          </a:p>
+          <a:p>
+            <a:r>
+              <a:rPr lang="en-US" sz="1600" b="1" dirty="0">
+                <a:latin typeface="Courier"/>
+                <a:cs typeface="Courier"/>
+              </a:rPr>
+              <a:t>    </a:t>
+            </a:r>
+            <a:r>
+              <a:rPr lang="en-US" sz="1600" b="1" dirty="0" err="1">
+                <a:latin typeface="Courier"/>
+                <a:cs typeface="Courier"/>
+              </a:rPr>
+              <a:t>link_id</a:t>
+            </a:r>
+            <a:r>
+              <a:rPr lang="en-US" sz="1600" b="1" dirty="0">
+                <a:latin typeface="Courier"/>
+                <a:cs typeface="Courier"/>
+              </a:rPr>
+              <a:t>     INTEGER NOT NULL,</a:t>
+            </a:r>
+          </a:p>
+          <a:p>
+            <a:r>
+              <a:rPr lang="en-US" sz="1600" b="1" dirty="0">
+                <a:latin typeface="Courier"/>
+                <a:cs typeface="Courier"/>
+              </a:rPr>
+              <a:t>    </a:t>
+            </a:r>
+            <a:r>
+              <a:rPr lang="en-US" sz="1600" b="1" dirty="0" err="1">
+                <a:latin typeface="Courier"/>
+                <a:cs typeface="Courier"/>
+              </a:rPr>
+              <a:t>user_id</a:t>
+            </a:r>
+            <a:r>
+              <a:rPr lang="en-US" sz="1600" b="1" dirty="0">
+                <a:latin typeface="Courier"/>
+                <a:cs typeface="Courier"/>
+              </a:rPr>
+              <a:t>     INTEGER NOT NULL</a:t>
+            </a:r>
+            <a:r>
+              <a:rPr lang="en-US" sz="1600" b="1" dirty="0" smtClean="0">
+                <a:latin typeface="Courier"/>
+                <a:cs typeface="Courier"/>
+              </a:rPr>
+              <a:t>,</a:t>
+            </a:r>
+          </a:p>
+          <a:p>
+            <a:endParaRPr lang="en-US" sz="1600" b="1" dirty="0" smtClean="0">
+              <a:latin typeface="Courier"/>
+              <a:cs typeface="Courier"/>
+            </a:endParaRPr>
+          </a:p>
+          <a:p>
+            <a:r>
+              <a:rPr lang="en-US" sz="1600" b="1" dirty="0">
+                <a:latin typeface="Courier"/>
+                <a:cs typeface="Courier"/>
+              </a:rPr>
+              <a:t>  </a:t>
+            </a:r>
+            <a:r>
+              <a:rPr lang="en-US" sz="1600" b="1" dirty="0" smtClean="0">
+                <a:latin typeface="Courier"/>
+                <a:cs typeface="Courier"/>
+              </a:rPr>
+              <a:t>...</a:t>
+            </a:r>
+          </a:p>
+          <a:p>
+            <a:endParaRPr lang="en-US" sz="1600" b="1" dirty="0" smtClean="0">
+              <a:latin typeface="Courier"/>
+              <a:cs typeface="Courier"/>
+            </a:endParaRPr>
+          </a:p>
+          <a:p>
+            <a:r>
+              <a:rPr lang="en-US" sz="1600" b="1" dirty="0">
+                <a:latin typeface="Courier"/>
+                <a:cs typeface="Courier"/>
+              </a:rPr>
+              <a:t> CONSTRAINT `</a:t>
+            </a:r>
+            <a:r>
+              <a:rPr lang="en-US" sz="1600" b="1" dirty="0">
+                <a:solidFill>
+                  <a:srgbClr val="00FF00"/>
+                </a:solidFill>
+                <a:latin typeface="Courier"/>
+                <a:cs typeface="Courier"/>
+              </a:rPr>
+              <a:t>{$CFG-&gt;</a:t>
+            </a:r>
+            <a:r>
+              <a:rPr lang="en-US" sz="1600" b="1" dirty="0" err="1">
+                <a:solidFill>
+                  <a:srgbClr val="00FF00"/>
+                </a:solidFill>
+                <a:latin typeface="Courier"/>
+                <a:cs typeface="Courier"/>
+              </a:rPr>
+              <a:t>dbprefix</a:t>
+            </a:r>
+            <a:r>
+              <a:rPr lang="en-US" sz="1600" b="1" dirty="0">
+                <a:solidFill>
+                  <a:srgbClr val="00FF00"/>
+                </a:solidFill>
+                <a:latin typeface="Courier"/>
+                <a:cs typeface="Courier"/>
+              </a:rPr>
+              <a:t>}</a:t>
+            </a:r>
+            <a:r>
+              <a:rPr lang="en-US" sz="1600" b="1" dirty="0">
+                <a:latin typeface="Courier"/>
+                <a:cs typeface="Courier"/>
+              </a:rPr>
+              <a:t>attend_ibfk_2`</a:t>
+            </a:r>
+          </a:p>
+          <a:p>
+            <a:r>
+              <a:rPr lang="en-US" sz="1600" b="1" dirty="0">
+                <a:latin typeface="Courier"/>
+                <a:cs typeface="Courier"/>
+              </a:rPr>
+              <a:t>        FOREIGN KEY (`</a:t>
+            </a:r>
+            <a:r>
+              <a:rPr lang="en-US" sz="1600" b="1" dirty="0" err="1">
+                <a:latin typeface="Courier"/>
+                <a:cs typeface="Courier"/>
+              </a:rPr>
+              <a:t>user_id</a:t>
+            </a:r>
+            <a:r>
+              <a:rPr lang="en-US" sz="1600" b="1" dirty="0">
+                <a:latin typeface="Courier"/>
+                <a:cs typeface="Courier"/>
+              </a:rPr>
+              <a:t>`)</a:t>
+            </a:r>
+          </a:p>
+          <a:p>
+            <a:r>
+              <a:rPr lang="en-US" sz="1600" b="1" dirty="0">
+                <a:latin typeface="Courier"/>
+                <a:cs typeface="Courier"/>
+              </a:rPr>
+              <a:t>        REFERENCES `</a:t>
+            </a:r>
+            <a:r>
+              <a:rPr lang="en-US" sz="1600" b="1" dirty="0">
+                <a:solidFill>
+                  <a:srgbClr val="00FF00"/>
+                </a:solidFill>
+                <a:latin typeface="Courier"/>
+                <a:cs typeface="Courier"/>
+              </a:rPr>
+              <a:t>{$CFG-&gt;</a:t>
+            </a:r>
+            <a:r>
+              <a:rPr lang="en-US" sz="1600" b="1" dirty="0" err="1">
+                <a:solidFill>
+                  <a:srgbClr val="00FF00"/>
+                </a:solidFill>
+                <a:latin typeface="Courier"/>
+                <a:cs typeface="Courier"/>
+              </a:rPr>
+              <a:t>dbprefix</a:t>
+            </a:r>
+            <a:r>
+              <a:rPr lang="en-US" sz="1600" b="1" dirty="0">
+                <a:solidFill>
+                  <a:srgbClr val="00FF00"/>
+                </a:solidFill>
+                <a:latin typeface="Courier"/>
+                <a:cs typeface="Courier"/>
+              </a:rPr>
+              <a:t>}</a:t>
+            </a:r>
+            <a:r>
+              <a:rPr lang="en-US" sz="1600" b="1" dirty="0" err="1">
+                <a:latin typeface="Courier"/>
+                <a:cs typeface="Courier"/>
+              </a:rPr>
+              <a:t>lti_user</a:t>
+            </a:r>
+            <a:r>
+              <a:rPr lang="en-US" sz="1600" b="1" dirty="0">
+                <a:latin typeface="Courier"/>
+                <a:cs typeface="Courier"/>
+              </a:rPr>
+              <a:t>` (`</a:t>
+            </a:r>
+            <a:r>
+              <a:rPr lang="en-US" sz="1600" b="1" dirty="0" err="1">
+                <a:latin typeface="Courier"/>
+                <a:cs typeface="Courier"/>
+              </a:rPr>
+              <a:t>user_id</a:t>
+            </a:r>
+            <a:r>
+              <a:rPr lang="en-US" sz="1600" b="1" dirty="0">
+                <a:latin typeface="Courier"/>
+                <a:cs typeface="Courier"/>
+              </a:rPr>
+              <a:t>`)</a:t>
+            </a:r>
+          </a:p>
+          <a:p>
+            <a:r>
+              <a:rPr lang="en-US" sz="1600" b="1" dirty="0">
+                <a:latin typeface="Courier"/>
+                <a:cs typeface="Courier"/>
+              </a:rPr>
+              <a:t>        ON DELETE CASCADE ON UPDATE CASCADE,</a:t>
+            </a:r>
+          </a:p>
+          <a:p>
+            <a:endParaRPr lang="en-US" sz="1600" b="1" dirty="0">
+              <a:latin typeface="Courier"/>
+              <a:cs typeface="Courier"/>
+            </a:endParaRPr>
+          </a:p>
+          <a:p>
+            <a:r>
+              <a:rPr lang="en-US" sz="1600" b="1" dirty="0">
+                <a:latin typeface="Courier"/>
+                <a:cs typeface="Courier"/>
+              </a:rPr>
+              <a:t>    UNIQUE(</a:t>
+            </a:r>
+            <a:r>
+              <a:rPr lang="en-US" sz="1600" b="1" dirty="0" err="1">
+                <a:latin typeface="Courier"/>
+                <a:cs typeface="Courier"/>
+              </a:rPr>
+              <a:t>link_id</a:t>
+            </a:r>
+            <a:r>
+              <a:rPr lang="en-US" sz="1600" b="1" dirty="0">
+                <a:latin typeface="Courier"/>
+                <a:cs typeface="Courier"/>
+              </a:rPr>
+              <a:t>, </a:t>
+            </a:r>
+            <a:r>
+              <a:rPr lang="en-US" sz="1600" b="1" dirty="0" err="1">
+                <a:latin typeface="Courier"/>
+                <a:cs typeface="Courier"/>
+              </a:rPr>
+              <a:t>user_id</a:t>
+            </a:r>
+            <a:r>
+              <a:rPr lang="en-US" sz="1600" b="1" dirty="0">
+                <a:latin typeface="Courier"/>
+                <a:cs typeface="Courier"/>
+              </a:rPr>
+              <a:t>, attend)</a:t>
+            </a:r>
+          </a:p>
+          <a:p>
+            <a:r>
+              <a:rPr lang="en-US" sz="1600" b="1" dirty="0">
+                <a:latin typeface="Courier"/>
+                <a:cs typeface="Courier"/>
+              </a:rPr>
+              <a:t>) ENGINE = </a:t>
+            </a:r>
+            <a:r>
+              <a:rPr lang="en-US" sz="1600" b="1" dirty="0" err="1">
+                <a:latin typeface="Courier"/>
+                <a:cs typeface="Courier"/>
+              </a:rPr>
+              <a:t>InnoDB</a:t>
+            </a:r>
+            <a:r>
+              <a:rPr lang="en-US" sz="1600" b="1" dirty="0">
+                <a:latin typeface="Courier"/>
+                <a:cs typeface="Courier"/>
+              </a:rPr>
+              <a:t> DEFAULT CHARSET=utf8</a:t>
+            </a:r>
+            <a:r>
+              <a:rPr lang="en-US" sz="1600" b="1" dirty="0">
+                <a:solidFill>
+                  <a:srgbClr val="FF8000"/>
+                </a:solidFill>
+                <a:latin typeface="Courier"/>
+                <a:cs typeface="Courier"/>
+              </a:rPr>
+              <a:t>"</a:t>
+            </a:r>
+            <a:r>
+              <a:rPr lang="en-US" sz="1600" b="1" dirty="0">
+                <a:solidFill>
+                  <a:srgbClr val="FF00FF"/>
+                </a:solidFill>
+                <a:latin typeface="Courier"/>
+                <a:cs typeface="Courier"/>
+              </a:rPr>
+              <a:t>)</a:t>
+            </a:r>
+          </a:p>
+          <a:p>
+            <a:r>
+              <a:rPr lang="en-US" sz="1600" b="1" dirty="0">
+                <a:solidFill>
+                  <a:srgbClr val="FFFF00"/>
+                </a:solidFill>
+                <a:latin typeface="Courier"/>
+                <a:cs typeface="Courier"/>
+              </a:rPr>
+              <a:t>)</a:t>
+            </a:r>
+            <a:r>
+              <a:rPr lang="en-US" sz="1600" b="1" dirty="0">
+                <a:latin typeface="Courier"/>
+                <a:cs typeface="Courier"/>
+              </a:rPr>
+              <a:t>;</a:t>
+            </a:r>
+          </a:p>
+        </p:txBody>
+      </p:sp>
+      <p:sp>
+        <p:nvSpPr>
+          <p:cNvPr id="5" name="TextBox 4"/>
+          <p:cNvSpPr txBox="1"/>
+          <p:nvPr/>
+        </p:nvSpPr>
+        <p:spPr>
+          <a:xfrm>
+            <a:off x="5580806" y="6218895"/>
+            <a:ext cx="3258411" cy="369332"/>
+          </a:xfrm>
+          <a:prstGeom prst="rect">
+            <a:avLst/>
+          </a:prstGeom>
+          <a:noFill/>
+        </p:spPr>
+        <p:txBody>
+          <a:bodyPr wrap="none" rtlCol="0">
+            <a:spAutoFit/>
+          </a:bodyPr>
+          <a:lstStyle/>
+          <a:p>
+            <a:r>
+              <a:rPr lang="en-US" dirty="0" err="1">
+                <a:solidFill>
+                  <a:srgbClr val="FFFF00"/>
+                </a:solidFill>
+              </a:rPr>
+              <a:t>t</a:t>
+            </a:r>
+            <a:r>
+              <a:rPr lang="en-US" dirty="0" err="1" smtClean="0">
+                <a:solidFill>
+                  <a:srgbClr val="FFFF00"/>
+                </a:solidFill>
+              </a:rPr>
+              <a:t>sugi</a:t>
+            </a:r>
+            <a:r>
+              <a:rPr lang="en-US" dirty="0" smtClean="0">
+                <a:solidFill>
+                  <a:srgbClr val="FFFF00"/>
+                </a:solidFill>
+              </a:rPr>
+              <a:t>/mod/attend/</a:t>
+            </a:r>
+            <a:r>
+              <a:rPr lang="en-US" dirty="0" err="1" smtClean="0">
+                <a:solidFill>
+                  <a:srgbClr val="FFFF00"/>
+                </a:solidFill>
+              </a:rPr>
+              <a:t>database.php</a:t>
+            </a:r>
+            <a:endParaRPr lang="en-US" dirty="0">
+              <a:solidFill>
+                <a:srgbClr val="FFFF00"/>
+              </a:solidFill>
+            </a:endParaRPr>
+          </a:p>
+        </p:txBody>
+      </p:sp>
+    </p:spTree>
+    <p:extLst>
+      <p:ext uri="{BB962C8B-B14F-4D97-AF65-F5344CB8AC3E}">
+        <p14:creationId xmlns:p14="http://schemas.microsoft.com/office/powerpoint/2010/main" val="1379246188"/>
+      </p:ext>
+    </p:extLst>
+  </p:cSld>
+  <p:clrMapOvr>
+    <a:masterClrMapping/>
+  </p:clrMapOvr>
+</p:sld>
+</file>
+
+<file path=ppt/slides/slide27.xml><?xml version="1.0" encoding="utf-8"?>
+<p:sld xmlns:a="http://schemas.openxmlformats.org/drawingml/2006/main" xmlns:r="http://schemas.openxmlformats.org/officeDocument/2006/relationships" xmlns:p="http://schemas.openxmlformats.org/presentationml/2006/main">
+  <p:cSld>
+    <p:spTree>
+      <p:nvGrpSpPr>
+        <p:cNvPr id="1" name=""/>
+        <p:cNvGrpSpPr/>
+        <p:nvPr/>
+      </p:nvGrpSpPr>
+      <p:grpSpPr>
+        <a:xfrm>
+          <a:off x="0" y="0"/>
+          <a:ext cx="0" cy="0"/>
+          <a:chOff x="0" y="0"/>
+          <a:chExt cx="0" cy="0"/>
+        </a:xfrm>
+      </p:grpSpPr>
+      <p:sp>
+        <p:nvSpPr>
+          <p:cNvPr id="4" name="TextBox 3"/>
+          <p:cNvSpPr txBox="1"/>
+          <p:nvPr/>
+        </p:nvSpPr>
+        <p:spPr>
+          <a:xfrm>
+            <a:off x="280031" y="1019406"/>
+            <a:ext cx="8559186" cy="3785652"/>
+          </a:xfrm>
+          <a:prstGeom prst="rect">
+            <a:avLst/>
+          </a:prstGeom>
+          <a:noFill/>
+        </p:spPr>
+        <p:txBody>
+          <a:bodyPr wrap="square" rtlCol="0">
+            <a:spAutoFit/>
+          </a:bodyPr>
+          <a:lstStyle/>
+          <a:p>
+            <a:r>
+              <a:rPr lang="en-US" sz="1600" b="1" dirty="0">
+                <a:latin typeface="Courier"/>
+                <a:cs typeface="Courier"/>
+              </a:rPr>
+              <a:t>// Database upgrade</a:t>
+            </a:r>
+          </a:p>
+          <a:p>
+            <a:r>
+              <a:rPr lang="en-US" sz="1600" b="1" dirty="0">
+                <a:solidFill>
+                  <a:srgbClr val="00FFFF"/>
+                </a:solidFill>
+                <a:latin typeface="Courier"/>
+                <a:cs typeface="Courier"/>
+              </a:rPr>
+              <a:t>$DATABASE_UPGRADE </a:t>
+            </a:r>
+            <a:r>
+              <a:rPr lang="en-US" sz="1600" b="1" dirty="0">
+                <a:latin typeface="Courier"/>
+                <a:cs typeface="Courier"/>
+              </a:rPr>
+              <a:t>= function($</a:t>
+            </a:r>
+            <a:r>
+              <a:rPr lang="en-US" sz="1600" b="1" dirty="0" err="1">
+                <a:latin typeface="Courier"/>
+                <a:cs typeface="Courier"/>
+              </a:rPr>
+              <a:t>oldversion</a:t>
+            </a:r>
+            <a:r>
+              <a:rPr lang="en-US" sz="1600" b="1" dirty="0">
+                <a:latin typeface="Courier"/>
+                <a:cs typeface="Courier"/>
+              </a:rPr>
+              <a:t>) {</a:t>
+            </a:r>
+          </a:p>
+          <a:p>
+            <a:r>
+              <a:rPr lang="en-US" sz="1600" b="1" dirty="0">
+                <a:latin typeface="Courier"/>
+                <a:cs typeface="Courier"/>
+              </a:rPr>
+              <a:t>    global $CFG;</a:t>
+            </a:r>
+          </a:p>
+          <a:p>
+            <a:endParaRPr lang="en-US" sz="1600" b="1" dirty="0">
+              <a:latin typeface="Courier"/>
+              <a:cs typeface="Courier"/>
+            </a:endParaRPr>
+          </a:p>
+          <a:p>
+            <a:r>
+              <a:rPr lang="en-US" sz="1600" b="1" dirty="0">
+                <a:latin typeface="Courier"/>
+                <a:cs typeface="Courier"/>
+              </a:rPr>
+              <a:t>    // Version 2014042200 improvements</a:t>
+            </a:r>
+          </a:p>
+          <a:p>
+            <a:r>
+              <a:rPr lang="en-US" sz="1600" b="1" dirty="0">
+                <a:latin typeface="Courier"/>
+                <a:cs typeface="Courier"/>
+              </a:rPr>
+              <a:t>    if ( $</a:t>
+            </a:r>
+            <a:r>
+              <a:rPr lang="en-US" sz="1600" b="1" dirty="0" err="1">
+                <a:latin typeface="Courier"/>
+                <a:cs typeface="Courier"/>
+              </a:rPr>
+              <a:t>oldversion</a:t>
+            </a:r>
+            <a:r>
+              <a:rPr lang="en-US" sz="1600" b="1" dirty="0">
+                <a:latin typeface="Courier"/>
+                <a:cs typeface="Courier"/>
+              </a:rPr>
+              <a:t> &lt; 2014042200 ) {</a:t>
+            </a:r>
+          </a:p>
+          <a:p>
+            <a:r>
+              <a:rPr lang="en-US" sz="1600" b="1" dirty="0">
+                <a:latin typeface="Courier"/>
+                <a:cs typeface="Courier"/>
+              </a:rPr>
+              <a:t>        $</a:t>
+            </a:r>
+            <a:r>
+              <a:rPr lang="en-US" sz="1600" b="1" dirty="0" err="1">
+                <a:latin typeface="Courier"/>
+                <a:cs typeface="Courier"/>
+              </a:rPr>
+              <a:t>sql</a:t>
+            </a:r>
+            <a:r>
+              <a:rPr lang="en-US" sz="1600" b="1" dirty="0">
+                <a:latin typeface="Courier"/>
+                <a:cs typeface="Courier"/>
+              </a:rPr>
+              <a:t>= "ALTER TABLE </a:t>
+            </a:r>
+            <a:endParaRPr lang="en-US" sz="1600" b="1" dirty="0" smtClean="0">
+              <a:latin typeface="Courier"/>
+              <a:cs typeface="Courier"/>
+            </a:endParaRPr>
+          </a:p>
+          <a:p>
+            <a:r>
+              <a:rPr lang="en-US" sz="1600" b="1" dirty="0">
+                <a:latin typeface="Courier"/>
+                <a:cs typeface="Courier"/>
+              </a:rPr>
+              <a:t> </a:t>
+            </a:r>
+            <a:r>
+              <a:rPr lang="en-US" sz="1600" b="1" dirty="0" smtClean="0">
+                <a:latin typeface="Courier"/>
+                <a:cs typeface="Courier"/>
+              </a:rPr>
+              <a:t>          </a:t>
+            </a:r>
+            <a:r>
+              <a:rPr lang="en-US" sz="1600" b="1" dirty="0" smtClean="0">
+                <a:solidFill>
+                  <a:srgbClr val="00FF00"/>
+                </a:solidFill>
+                <a:latin typeface="Courier"/>
+                <a:cs typeface="Courier"/>
+              </a:rPr>
+              <a:t>{</a:t>
+            </a:r>
+            <a:r>
+              <a:rPr lang="en-US" sz="1600" b="1" dirty="0">
+                <a:solidFill>
+                  <a:srgbClr val="00FF00"/>
+                </a:solidFill>
+                <a:latin typeface="Courier"/>
+                <a:cs typeface="Courier"/>
+              </a:rPr>
+              <a:t>$CFG-&gt;</a:t>
+            </a:r>
+            <a:r>
+              <a:rPr lang="en-US" sz="1600" b="1" dirty="0" err="1">
+                <a:solidFill>
+                  <a:srgbClr val="00FF00"/>
+                </a:solidFill>
+                <a:latin typeface="Courier"/>
+                <a:cs typeface="Courier"/>
+              </a:rPr>
+              <a:t>dbprefix</a:t>
+            </a:r>
+            <a:r>
+              <a:rPr lang="en-US" sz="1600" b="1" dirty="0">
+                <a:solidFill>
+                  <a:srgbClr val="00FF00"/>
+                </a:solidFill>
+                <a:latin typeface="Courier"/>
+                <a:cs typeface="Courier"/>
+              </a:rPr>
+              <a:t>}</a:t>
+            </a:r>
+            <a:r>
+              <a:rPr lang="en-US" sz="1600" b="1" dirty="0" err="1">
+                <a:latin typeface="Courier"/>
+                <a:cs typeface="Courier"/>
+              </a:rPr>
+              <a:t>peer_submit</a:t>
+            </a:r>
+            <a:r>
+              <a:rPr lang="en-US" sz="1600" b="1" dirty="0">
+                <a:latin typeface="Courier"/>
+                <a:cs typeface="Courier"/>
+              </a:rPr>
+              <a:t> ADD </a:t>
+            </a:r>
+            <a:r>
+              <a:rPr lang="en-US" sz="1600" b="1" dirty="0" err="1">
+                <a:latin typeface="Courier"/>
+                <a:cs typeface="Courier"/>
+              </a:rPr>
+              <a:t>regrade</a:t>
+            </a:r>
+            <a:r>
+              <a:rPr lang="en-US" sz="1600" b="1" dirty="0">
+                <a:latin typeface="Courier"/>
+                <a:cs typeface="Courier"/>
+              </a:rPr>
+              <a:t> TINYINT NULL";</a:t>
+            </a:r>
+          </a:p>
+          <a:p>
+            <a:r>
+              <a:rPr lang="en-US" sz="1600" b="1" dirty="0">
+                <a:latin typeface="Courier"/>
+                <a:cs typeface="Courier"/>
+              </a:rPr>
+              <a:t>        echo("Upgrading: ".$</a:t>
+            </a:r>
+            <a:r>
+              <a:rPr lang="en-US" sz="1600" b="1" dirty="0" err="1">
+                <a:latin typeface="Courier"/>
+                <a:cs typeface="Courier"/>
+              </a:rPr>
+              <a:t>sql</a:t>
+            </a:r>
+            <a:r>
+              <a:rPr lang="en-US" sz="1600" b="1" dirty="0">
+                <a:latin typeface="Courier"/>
+                <a:cs typeface="Courier"/>
+              </a:rPr>
+              <a:t>."&lt;</a:t>
+            </a:r>
+            <a:r>
+              <a:rPr lang="en-US" sz="1600" b="1" dirty="0" err="1">
+                <a:latin typeface="Courier"/>
+                <a:cs typeface="Courier"/>
+              </a:rPr>
+              <a:t>br</a:t>
+            </a:r>
+            <a:r>
+              <a:rPr lang="en-US" sz="1600" b="1" dirty="0">
+                <a:latin typeface="Courier"/>
+                <a:cs typeface="Courier"/>
+              </a:rPr>
+              <a:t>/&gt;\n");</a:t>
+            </a:r>
+          </a:p>
+          <a:p>
+            <a:r>
+              <a:rPr lang="en-US" sz="1600" b="1" dirty="0">
+                <a:latin typeface="Courier"/>
+                <a:cs typeface="Courier"/>
+              </a:rPr>
+              <a:t>        </a:t>
+            </a:r>
+            <a:r>
+              <a:rPr lang="en-US" sz="1600" b="1" dirty="0" err="1">
+                <a:latin typeface="Courier"/>
+                <a:cs typeface="Courier"/>
+              </a:rPr>
+              <a:t>error_log</a:t>
+            </a:r>
+            <a:r>
+              <a:rPr lang="en-US" sz="1600" b="1" dirty="0">
+                <a:latin typeface="Courier"/>
+                <a:cs typeface="Courier"/>
+              </a:rPr>
+              <a:t>("Upgrading: ".$</a:t>
+            </a:r>
+            <a:r>
+              <a:rPr lang="en-US" sz="1600" b="1" dirty="0" err="1">
+                <a:latin typeface="Courier"/>
+                <a:cs typeface="Courier"/>
+              </a:rPr>
+              <a:t>sql</a:t>
+            </a:r>
+            <a:r>
+              <a:rPr lang="en-US" sz="1600" b="1" dirty="0">
+                <a:latin typeface="Courier"/>
+                <a:cs typeface="Courier"/>
+              </a:rPr>
+              <a:t>);</a:t>
+            </a:r>
+          </a:p>
+          <a:p>
+            <a:r>
+              <a:rPr lang="en-US" sz="1600" b="1" dirty="0">
+                <a:latin typeface="Courier"/>
+                <a:cs typeface="Courier"/>
+              </a:rPr>
+              <a:t>        $q = $PDOX-&gt;</a:t>
+            </a:r>
+            <a:r>
+              <a:rPr lang="en-US" sz="1600" b="1" dirty="0" err="1">
+                <a:latin typeface="Courier"/>
+                <a:cs typeface="Courier"/>
+              </a:rPr>
+              <a:t>queryDie</a:t>
+            </a:r>
+            <a:r>
+              <a:rPr lang="en-US" sz="1600" b="1" dirty="0">
+                <a:latin typeface="Courier"/>
+                <a:cs typeface="Courier"/>
+              </a:rPr>
+              <a:t>($</a:t>
+            </a:r>
+            <a:r>
+              <a:rPr lang="en-US" sz="1600" b="1" dirty="0" err="1">
+                <a:latin typeface="Courier"/>
+                <a:cs typeface="Courier"/>
+              </a:rPr>
+              <a:t>sql</a:t>
+            </a:r>
+            <a:r>
+              <a:rPr lang="en-US" sz="1600" b="1" dirty="0">
+                <a:latin typeface="Courier"/>
+                <a:cs typeface="Courier"/>
+              </a:rPr>
+              <a:t>);</a:t>
+            </a:r>
+          </a:p>
+          <a:p>
+            <a:r>
+              <a:rPr lang="en-US" sz="1600" b="1" dirty="0">
+                <a:latin typeface="Courier"/>
+                <a:cs typeface="Courier"/>
+              </a:rPr>
+              <a:t>    }</a:t>
+            </a:r>
+          </a:p>
+          <a:p>
+            <a:endParaRPr lang="en-US" sz="1600" b="1" dirty="0">
+              <a:latin typeface="Courier"/>
+              <a:cs typeface="Courier"/>
+            </a:endParaRPr>
+          </a:p>
+          <a:p>
+            <a:r>
+              <a:rPr lang="en-US" sz="1600" b="1" dirty="0">
+                <a:latin typeface="Courier"/>
+                <a:cs typeface="Courier"/>
+              </a:rPr>
+              <a:t>    return 2014042200;</a:t>
+            </a:r>
+          </a:p>
+          <a:p>
+            <a:r>
+              <a:rPr lang="en-US" sz="1600" b="1" dirty="0">
+                <a:latin typeface="Courier"/>
+                <a:cs typeface="Courier"/>
+              </a:rPr>
+              <a:t>}; // Don't forget the semicolon on anonymous functions :)</a:t>
+            </a:r>
+            <a:endParaRPr lang="en-US" sz="1600" b="1" dirty="0">
+              <a:latin typeface="Courier"/>
+              <a:cs typeface="Courier"/>
+            </a:endParaRPr>
+          </a:p>
+        </p:txBody>
+      </p:sp>
+      <p:sp>
+        <p:nvSpPr>
+          <p:cNvPr id="5" name="TextBox 4"/>
+          <p:cNvSpPr txBox="1"/>
+          <p:nvPr/>
+        </p:nvSpPr>
+        <p:spPr>
+          <a:xfrm>
+            <a:off x="5192403" y="6218895"/>
+            <a:ext cx="3646814" cy="369332"/>
+          </a:xfrm>
+          <a:prstGeom prst="rect">
+            <a:avLst/>
+          </a:prstGeom>
+          <a:noFill/>
+        </p:spPr>
+        <p:txBody>
+          <a:bodyPr wrap="none" rtlCol="0">
+            <a:spAutoFit/>
+          </a:bodyPr>
+          <a:lstStyle/>
+          <a:p>
+            <a:r>
+              <a:rPr lang="en-US" dirty="0" err="1">
+                <a:solidFill>
+                  <a:srgbClr val="FFFF00"/>
+                </a:solidFill>
+              </a:rPr>
+              <a:t>t</a:t>
+            </a:r>
+            <a:r>
+              <a:rPr lang="en-US" dirty="0" err="1" smtClean="0">
+                <a:solidFill>
+                  <a:srgbClr val="FFFF00"/>
+                </a:solidFill>
+              </a:rPr>
+              <a:t>sugi</a:t>
+            </a:r>
+            <a:r>
+              <a:rPr lang="en-US" dirty="0" smtClean="0">
+                <a:solidFill>
+                  <a:srgbClr val="FFFF00"/>
+                </a:solidFill>
+              </a:rPr>
+              <a:t>/mod/peer-grade/</a:t>
+            </a:r>
+            <a:r>
+              <a:rPr lang="en-US" dirty="0" err="1" smtClean="0">
+                <a:solidFill>
+                  <a:srgbClr val="FFFF00"/>
+                </a:solidFill>
+              </a:rPr>
+              <a:t>database.php</a:t>
+            </a:r>
+            <a:endParaRPr lang="en-US" dirty="0">
+              <a:solidFill>
+                <a:srgbClr val="FFFF00"/>
+              </a:solidFill>
+            </a:endParaRPr>
+          </a:p>
+        </p:txBody>
+      </p:sp>
+    </p:spTree>
+    <p:extLst>
+      <p:ext uri="{BB962C8B-B14F-4D97-AF65-F5344CB8AC3E}">
+        <p14:creationId xmlns:p14="http://schemas.microsoft.com/office/powerpoint/2010/main" val="4046167685"/>
+      </p:ext>
+    </p:extLst>
+  </p:cSld>
+  <p:clrMapOvr>
+    <a:masterClrMapping/>
+  </p:clrMapOvr>
+</p:sld>
+</file>
+
+<file path=ppt/slides/slide28.xml><?xml version="1.0" encoding="utf-8"?>
+<p:sld xmlns:a="http://schemas.openxmlformats.org/drawingml/2006/main" xmlns:r="http://schemas.openxmlformats.org/officeDocument/2006/relationships" xmlns:p="http://schemas.openxmlformats.org/presentationml/2006/main">
+  <p:cSld>
+    <p:spTree>
+      <p:nvGrpSpPr>
+        <p:cNvPr id="1" name=""/>
+        <p:cNvGrpSpPr/>
+        <p:nvPr/>
+      </p:nvGrpSpPr>
+      <p:grpSpPr>
+        <a:xfrm>
+          <a:off x="0" y="0"/>
+          <a:ext cx="0" cy="0"/>
+          <a:chOff x="0" y="0"/>
+          <a:chExt cx="0" cy="0"/>
+        </a:xfrm>
+      </p:grpSpPr>
+      <p:sp>
+        <p:nvSpPr>
+          <p:cNvPr id="4" name="TextBox 3"/>
+          <p:cNvSpPr txBox="1"/>
+          <p:nvPr/>
+        </p:nvSpPr>
+        <p:spPr>
+          <a:xfrm>
+            <a:off x="280031" y="367655"/>
+            <a:ext cx="8559186" cy="4524316"/>
+          </a:xfrm>
+          <a:prstGeom prst="rect">
+            <a:avLst/>
+          </a:prstGeom>
+          <a:noFill/>
+        </p:spPr>
+        <p:txBody>
+          <a:bodyPr wrap="square" rtlCol="0">
+            <a:spAutoFit/>
+          </a:bodyPr>
+          <a:lstStyle/>
+          <a:p>
+            <a:r>
+              <a:rPr lang="en-US" sz="1600" b="1" dirty="0" smtClean="0">
+                <a:latin typeface="Courier"/>
+                <a:cs typeface="Courier"/>
+              </a:rPr>
+              <a:t>...</a:t>
+            </a:r>
+          </a:p>
+          <a:p>
+            <a:endParaRPr lang="en-US" sz="1600" b="1" dirty="0" smtClean="0">
+              <a:latin typeface="Courier"/>
+              <a:cs typeface="Courier"/>
+            </a:endParaRPr>
+          </a:p>
+          <a:p>
+            <a:r>
+              <a:rPr lang="en-US" sz="1600" b="1" dirty="0" smtClean="0">
+                <a:latin typeface="Courier"/>
+                <a:cs typeface="Courier"/>
+              </a:rPr>
+              <a:t>array</a:t>
+            </a:r>
+            <a:r>
+              <a:rPr lang="en-US" sz="1600" b="1" dirty="0">
+                <a:latin typeface="Courier"/>
+                <a:cs typeface="Courier"/>
+              </a:rPr>
+              <a:t>( "</a:t>
+            </a:r>
+            <a:r>
+              <a:rPr lang="en-US" sz="1600" b="1" dirty="0">
+                <a:solidFill>
+                  <a:srgbClr val="00FF00"/>
+                </a:solidFill>
+                <a:latin typeface="Courier"/>
+                <a:cs typeface="Courier"/>
+              </a:rPr>
+              <a:t>{$CFG-&gt;</a:t>
+            </a:r>
+            <a:r>
+              <a:rPr lang="en-US" sz="1600" b="1" dirty="0" err="1">
+                <a:solidFill>
+                  <a:srgbClr val="00FF00"/>
+                </a:solidFill>
+                <a:latin typeface="Courier"/>
+                <a:cs typeface="Courier"/>
+              </a:rPr>
+              <a:t>dbprefix</a:t>
+            </a:r>
+            <a:r>
+              <a:rPr lang="en-US" sz="1600" b="1" dirty="0">
+                <a:solidFill>
+                  <a:srgbClr val="00FF00"/>
+                </a:solidFill>
+                <a:latin typeface="Courier"/>
+                <a:cs typeface="Courier"/>
+              </a:rPr>
+              <a:t>}</a:t>
+            </a:r>
+            <a:r>
+              <a:rPr lang="en-US" sz="1600" b="1" dirty="0" err="1">
+                <a:latin typeface="Courier"/>
+                <a:cs typeface="Courier"/>
+              </a:rPr>
+              <a:t>peer_submit</a:t>
+            </a:r>
+            <a:r>
+              <a:rPr lang="en-US" sz="1600" b="1" dirty="0">
+                <a:latin typeface="Courier"/>
+                <a:cs typeface="Courier"/>
+              </a:rPr>
+              <a:t>",</a:t>
+            </a:r>
+          </a:p>
+          <a:p>
+            <a:r>
+              <a:rPr lang="en-US" sz="1600" b="1" dirty="0">
+                <a:latin typeface="Courier"/>
+                <a:cs typeface="Courier"/>
+              </a:rPr>
+              <a:t>"create table </a:t>
+            </a:r>
+            <a:r>
+              <a:rPr lang="en-US" sz="1600" b="1" dirty="0">
+                <a:solidFill>
+                  <a:srgbClr val="00FF00"/>
+                </a:solidFill>
+                <a:latin typeface="Courier"/>
+                <a:cs typeface="Courier"/>
+              </a:rPr>
+              <a:t>{$CFG-&gt;</a:t>
+            </a:r>
+            <a:r>
+              <a:rPr lang="en-US" sz="1600" b="1" dirty="0" err="1">
+                <a:solidFill>
+                  <a:srgbClr val="00FF00"/>
+                </a:solidFill>
+                <a:latin typeface="Courier"/>
+                <a:cs typeface="Courier"/>
+              </a:rPr>
+              <a:t>dbprefix</a:t>
+            </a:r>
+            <a:r>
+              <a:rPr lang="en-US" sz="1600" b="1" dirty="0">
+                <a:solidFill>
+                  <a:srgbClr val="00FF00"/>
+                </a:solidFill>
+                <a:latin typeface="Courier"/>
+                <a:cs typeface="Courier"/>
+              </a:rPr>
+              <a:t>}</a:t>
+            </a:r>
+            <a:r>
+              <a:rPr lang="en-US" sz="1600" b="1" dirty="0" err="1">
+                <a:latin typeface="Courier"/>
+                <a:cs typeface="Courier"/>
+              </a:rPr>
+              <a:t>peer_submit</a:t>
+            </a:r>
+            <a:r>
+              <a:rPr lang="en-US" sz="1600" b="1" dirty="0">
+                <a:latin typeface="Courier"/>
+                <a:cs typeface="Courier"/>
+              </a:rPr>
+              <a:t> (</a:t>
+            </a:r>
+          </a:p>
+          <a:p>
+            <a:r>
+              <a:rPr lang="en-US" sz="1600" b="1" dirty="0">
+                <a:latin typeface="Courier"/>
+                <a:cs typeface="Courier"/>
+              </a:rPr>
+              <a:t>    </a:t>
+            </a:r>
+            <a:r>
+              <a:rPr lang="en-US" sz="1600" b="1" dirty="0" err="1">
+                <a:latin typeface="Courier"/>
+                <a:cs typeface="Courier"/>
+              </a:rPr>
+              <a:t>submit_id</a:t>
+            </a:r>
+            <a:r>
+              <a:rPr lang="en-US" sz="1600" b="1" dirty="0">
+                <a:latin typeface="Courier"/>
+                <a:cs typeface="Courier"/>
+              </a:rPr>
+              <a:t>  INTEGER NOT NULL KEY AUTO_INCREMENT,</a:t>
+            </a:r>
+          </a:p>
+          <a:p>
+            <a:r>
+              <a:rPr lang="en-US" sz="1600" b="1" dirty="0">
+                <a:latin typeface="Courier"/>
+                <a:cs typeface="Courier"/>
+              </a:rPr>
+              <a:t>    </a:t>
+            </a:r>
+            <a:r>
+              <a:rPr lang="en-US" sz="1600" b="1" dirty="0" err="1">
+                <a:latin typeface="Courier"/>
+                <a:cs typeface="Courier"/>
+              </a:rPr>
+              <a:t>assn_id</a:t>
+            </a:r>
+            <a:r>
+              <a:rPr lang="en-US" sz="1600" b="1" dirty="0">
+                <a:latin typeface="Courier"/>
+                <a:cs typeface="Courier"/>
+              </a:rPr>
+              <a:t>    INTEGER NOT NULL,</a:t>
+            </a:r>
+          </a:p>
+          <a:p>
+            <a:r>
+              <a:rPr lang="en-US" sz="1600" b="1" dirty="0">
+                <a:latin typeface="Courier"/>
+                <a:cs typeface="Courier"/>
+              </a:rPr>
+              <a:t>    </a:t>
+            </a:r>
+            <a:r>
+              <a:rPr lang="en-US" sz="1600" b="1" dirty="0" err="1">
+                <a:latin typeface="Courier"/>
+                <a:cs typeface="Courier"/>
+              </a:rPr>
+              <a:t>user_id</a:t>
+            </a:r>
+            <a:r>
+              <a:rPr lang="en-US" sz="1600" b="1" dirty="0">
+                <a:latin typeface="Courier"/>
+                <a:cs typeface="Courier"/>
+              </a:rPr>
+              <a:t>    INTEGER NOT NULL,</a:t>
+            </a:r>
+          </a:p>
+          <a:p>
+            <a:endParaRPr lang="en-US" sz="1600" b="1" dirty="0">
+              <a:latin typeface="Courier"/>
+              <a:cs typeface="Courier"/>
+            </a:endParaRPr>
+          </a:p>
+          <a:p>
+            <a:r>
+              <a:rPr lang="en-US" sz="1600" b="1" dirty="0">
+                <a:latin typeface="Courier"/>
+                <a:cs typeface="Courier"/>
+              </a:rPr>
+              <a:t>    </a:t>
+            </a:r>
+            <a:r>
+              <a:rPr lang="en-US" sz="1600" b="1" dirty="0" err="1">
+                <a:latin typeface="Courier"/>
+                <a:cs typeface="Courier"/>
+              </a:rPr>
+              <a:t>json</a:t>
+            </a:r>
+            <a:r>
+              <a:rPr lang="en-US" sz="1600" b="1" dirty="0">
+                <a:latin typeface="Courier"/>
+                <a:cs typeface="Courier"/>
+              </a:rPr>
+              <a:t>         TEXT NULL,</a:t>
+            </a:r>
+          </a:p>
+          <a:p>
+            <a:r>
+              <a:rPr lang="en-US" sz="1600" b="1" dirty="0">
+                <a:latin typeface="Courier"/>
+                <a:cs typeface="Courier"/>
+              </a:rPr>
+              <a:t>    note         TEXT NULL,</a:t>
+            </a:r>
+          </a:p>
+          <a:p>
+            <a:r>
+              <a:rPr lang="en-US" sz="1600" b="1" dirty="0">
+                <a:latin typeface="Courier"/>
+                <a:cs typeface="Courier"/>
+              </a:rPr>
+              <a:t>    reflect      TEXT NULL,</a:t>
+            </a:r>
+          </a:p>
+          <a:p>
+            <a:endParaRPr lang="en-US" sz="1600" b="1" dirty="0">
+              <a:latin typeface="Courier"/>
+              <a:cs typeface="Courier"/>
+            </a:endParaRPr>
+          </a:p>
+          <a:p>
+            <a:r>
+              <a:rPr lang="en-US" sz="1600" b="1" dirty="0">
+                <a:solidFill>
+                  <a:srgbClr val="FF00FF"/>
+                </a:solidFill>
+                <a:latin typeface="Courier"/>
+                <a:cs typeface="Courier"/>
+              </a:rPr>
+              <a:t>    </a:t>
+            </a:r>
+            <a:r>
+              <a:rPr lang="en-US" sz="1600" b="1" dirty="0" err="1">
+                <a:solidFill>
+                  <a:srgbClr val="FF00FF"/>
+                </a:solidFill>
+                <a:latin typeface="Courier"/>
+                <a:cs typeface="Courier"/>
+              </a:rPr>
+              <a:t>regrade</a:t>
+            </a:r>
+            <a:r>
+              <a:rPr lang="en-US" sz="1600" b="1" dirty="0">
+                <a:solidFill>
+                  <a:srgbClr val="FF00FF"/>
+                </a:solidFill>
+                <a:latin typeface="Courier"/>
+                <a:cs typeface="Courier"/>
+              </a:rPr>
+              <a:t>      TINYINT NULL,</a:t>
+            </a:r>
+          </a:p>
+          <a:p>
+            <a:endParaRPr lang="en-US" sz="1600" b="1" dirty="0">
+              <a:latin typeface="Courier"/>
+              <a:cs typeface="Courier"/>
+            </a:endParaRPr>
+          </a:p>
+          <a:p>
+            <a:r>
+              <a:rPr lang="en-US" sz="1600" b="1" dirty="0">
+                <a:latin typeface="Courier"/>
+                <a:cs typeface="Courier"/>
+              </a:rPr>
+              <a:t>    </a:t>
+            </a:r>
+            <a:r>
+              <a:rPr lang="en-US" sz="1600" b="1" dirty="0" err="1">
+                <a:latin typeface="Courier"/>
+                <a:cs typeface="Courier"/>
+              </a:rPr>
+              <a:t>updated_at</a:t>
+            </a:r>
+            <a:r>
+              <a:rPr lang="en-US" sz="1600" b="1" dirty="0">
+                <a:latin typeface="Courier"/>
+                <a:cs typeface="Courier"/>
+              </a:rPr>
+              <a:t>  DATETIME NOT NULL,</a:t>
+            </a:r>
+          </a:p>
+          <a:p>
+            <a:r>
+              <a:rPr lang="en-US" sz="1600" b="1" dirty="0">
+                <a:latin typeface="Courier"/>
+                <a:cs typeface="Courier"/>
+              </a:rPr>
+              <a:t>    </a:t>
+            </a:r>
+            <a:r>
+              <a:rPr lang="en-US" sz="1600" b="1" dirty="0" err="1">
+                <a:latin typeface="Courier"/>
+                <a:cs typeface="Courier"/>
+              </a:rPr>
+              <a:t>created_at</a:t>
+            </a:r>
+            <a:r>
+              <a:rPr lang="en-US" sz="1600" b="1" dirty="0">
+                <a:latin typeface="Courier"/>
+                <a:cs typeface="Courier"/>
+              </a:rPr>
+              <a:t>  DATETIME NOT NULL</a:t>
+            </a:r>
+            <a:r>
+              <a:rPr lang="en-US" sz="1600" b="1" dirty="0" smtClean="0">
+                <a:latin typeface="Courier"/>
+                <a:cs typeface="Courier"/>
+              </a:rPr>
+              <a:t>,</a:t>
+            </a:r>
+          </a:p>
+          <a:p>
+            <a:endParaRPr lang="en-US" sz="1600" b="1" dirty="0">
+              <a:latin typeface="Courier"/>
+              <a:cs typeface="Courier"/>
+            </a:endParaRPr>
+          </a:p>
+          <a:p>
+            <a:r>
+              <a:rPr lang="en-US" sz="1600" b="1" dirty="0" smtClean="0">
+                <a:latin typeface="Courier"/>
+                <a:cs typeface="Courier"/>
+              </a:rPr>
+              <a:t>....</a:t>
+            </a:r>
+            <a:endParaRPr lang="en-US" sz="1600" b="1" dirty="0">
+              <a:latin typeface="Courier"/>
+              <a:cs typeface="Courier"/>
+            </a:endParaRPr>
+          </a:p>
+        </p:txBody>
+      </p:sp>
+      <p:sp>
+        <p:nvSpPr>
+          <p:cNvPr id="5" name="TextBox 4"/>
+          <p:cNvSpPr txBox="1"/>
+          <p:nvPr/>
+        </p:nvSpPr>
+        <p:spPr>
+          <a:xfrm>
+            <a:off x="5192403" y="6218895"/>
+            <a:ext cx="3646814" cy="369332"/>
+          </a:xfrm>
+          <a:prstGeom prst="rect">
+            <a:avLst/>
+          </a:prstGeom>
+          <a:noFill/>
+        </p:spPr>
+        <p:txBody>
+          <a:bodyPr wrap="none" rtlCol="0">
+            <a:spAutoFit/>
+          </a:bodyPr>
+          <a:lstStyle/>
+          <a:p>
+            <a:r>
+              <a:rPr lang="en-US" dirty="0" err="1">
+                <a:solidFill>
+                  <a:srgbClr val="FFFF00"/>
+                </a:solidFill>
+              </a:rPr>
+              <a:t>t</a:t>
+            </a:r>
+            <a:r>
+              <a:rPr lang="en-US" dirty="0" err="1" smtClean="0">
+                <a:solidFill>
+                  <a:srgbClr val="FFFF00"/>
+                </a:solidFill>
+              </a:rPr>
+              <a:t>sugi</a:t>
+            </a:r>
+            <a:r>
+              <a:rPr lang="en-US" dirty="0" smtClean="0">
+                <a:solidFill>
+                  <a:srgbClr val="FFFF00"/>
+                </a:solidFill>
+              </a:rPr>
+              <a:t>/mod/peer-grade/</a:t>
+            </a:r>
+            <a:r>
+              <a:rPr lang="en-US" dirty="0" err="1" smtClean="0">
+                <a:solidFill>
+                  <a:srgbClr val="FFFF00"/>
+                </a:solidFill>
+              </a:rPr>
+              <a:t>database.php</a:t>
+            </a:r>
+            <a:endParaRPr lang="en-US" dirty="0">
+              <a:solidFill>
+                <a:srgbClr val="FFFF00"/>
+              </a:solidFill>
+            </a:endParaRPr>
+          </a:p>
+        </p:txBody>
+      </p:sp>
+      <p:sp>
+        <p:nvSpPr>
+          <p:cNvPr id="2" name="TextBox 1"/>
+          <p:cNvSpPr txBox="1"/>
+          <p:nvPr/>
+        </p:nvSpPr>
+        <p:spPr>
+          <a:xfrm>
+            <a:off x="451143" y="5185995"/>
+            <a:ext cx="8003611" cy="923330"/>
+          </a:xfrm>
+          <a:prstGeom prst="rect">
+            <a:avLst/>
+          </a:prstGeom>
+          <a:noFill/>
+        </p:spPr>
+        <p:txBody>
+          <a:bodyPr wrap="square" rtlCol="0">
+            <a:spAutoFit/>
+          </a:bodyPr>
+          <a:lstStyle/>
+          <a:p>
+            <a:r>
+              <a:rPr lang="en-US" dirty="0" smtClean="0">
+                <a:solidFill>
+                  <a:srgbClr val="00FFFF"/>
+                </a:solidFill>
+              </a:rPr>
+              <a:t>At the same time you add the migration to $DATABASE_UPGRADE, you change the schema in $DATABASE_INSTALL.  The upgrade will be called with a "later" version for fresh installs.</a:t>
+            </a:r>
+            <a:endParaRPr lang="en-US" dirty="0">
+              <a:solidFill>
+                <a:srgbClr val="00FFFF"/>
+              </a:solidFill>
+            </a:endParaRPr>
+          </a:p>
+        </p:txBody>
+      </p:sp>
+    </p:spTree>
+    <p:extLst>
+      <p:ext uri="{BB962C8B-B14F-4D97-AF65-F5344CB8AC3E}">
+        <p14:creationId xmlns:p14="http://schemas.microsoft.com/office/powerpoint/2010/main" val="426180598"/>
+      </p:ext>
+    </p:extLst>
+  </p:cSld>
+  <p:clrMapOvr>
+    <a:masterClrMapping/>
+  </p:clrMapOvr>
+</p:sld>
+</file>
+
+<file path=ppt/slides/slide29.xml><?xml version="1.0" encoding="utf-8"?>
+<p:sld xmlns:a="http://schemas.openxmlformats.org/drawingml/2006/main" xmlns:r="http://schemas.openxmlformats.org/officeDocument/2006/relationships" xmlns:p="http://schemas.openxmlformats.org/presentationml/2006/main">
+  <p:cSld>
+    <p:spTree>
+      <p:nvGrpSpPr>
+        <p:cNvPr id="1" name=""/>
+        <p:cNvGrpSpPr/>
+        <p:nvPr/>
+      </p:nvGrpSpPr>
+      <p:grpSpPr>
+        <a:xfrm>
+          <a:off x="0" y="0"/>
+          <a:ext cx="0" cy="0"/>
+          <a:chOff x="0" y="0"/>
+          <a:chExt cx="0" cy="0"/>
+        </a:xfrm>
+      </p:grpSpPr>
+      <p:sp>
+        <p:nvSpPr>
+          <p:cNvPr id="2" name="Title 1"/>
+          <p:cNvSpPr>
+            <a:spLocks noGrp="1"/>
+          </p:cNvSpPr>
+          <p:nvPr>
+            <p:ph type="title"/>
+          </p:nvPr>
+        </p:nvSpPr>
+        <p:spPr/>
+        <p:txBody>
+          <a:bodyPr/>
+          <a:lstStyle/>
+          <a:p>
+            <a:r>
+              <a:rPr lang="en-US" dirty="0" smtClean="0"/>
+              <a:t>Summary</a:t>
+            </a:r>
+            <a:endParaRPr lang="en-US" dirty="0"/>
+          </a:p>
+        </p:txBody>
+      </p:sp>
+      <p:sp>
+        <p:nvSpPr>
+          <p:cNvPr id="3" name="Content Placeholder 2"/>
+          <p:cNvSpPr>
+            <a:spLocks noGrp="1"/>
+          </p:cNvSpPr>
+          <p:nvPr>
+            <p:ph idx="1"/>
+          </p:nvPr>
+        </p:nvSpPr>
+        <p:spPr/>
+        <p:txBody>
+          <a:bodyPr/>
+          <a:lstStyle/>
+          <a:p>
+            <a:r>
+              <a:rPr lang="en-US" dirty="0" smtClean="0"/>
+              <a:t>Database structure for the core LTI launch data</a:t>
+            </a:r>
+          </a:p>
+          <a:p>
+            <a:r>
+              <a:rPr lang="en-US" dirty="0" smtClean="0"/>
+              <a:t>Column and table naming rules</a:t>
+            </a:r>
+          </a:p>
+          <a:p>
+            <a:r>
+              <a:rPr lang="en-US" dirty="0" smtClean="0"/>
+              <a:t>Sha256 key convention</a:t>
+            </a:r>
+          </a:p>
+          <a:p>
+            <a:r>
+              <a:rPr lang="en-US" dirty="0" smtClean="0"/>
+              <a:t>Rules for tool tables</a:t>
+            </a:r>
+          </a:p>
+          <a:p>
+            <a:r>
+              <a:rPr lang="en-US" dirty="0" smtClean="0"/>
+              <a:t>Tool table creation and migration</a:t>
+            </a:r>
+            <a:endParaRPr lang="en-US" dirty="0"/>
+          </a:p>
+        </p:txBody>
+      </p:sp>
+    </p:spTree>
+    <p:extLst>
+      <p:ext uri="{BB962C8B-B14F-4D97-AF65-F5344CB8AC3E}">
+        <p14:creationId xmlns:p14="http://schemas.microsoft.com/office/powerpoint/2010/main" val="287350532"/>
+      </p:ext>
+    </p:extLst>
+  </p:cSld>
+  <p:clrMapOvr>
+    <a:masterClrMapping/>
+  </p:clrMapOvr>
+</p:sld>
+</file>
+
 <file path=ppt/slides/slide3.xml><?xml version="1.0" encoding="utf-8"?>
 <p:sld xmlns:a="http://schemas.openxmlformats.org/drawingml/2006/main" xmlns:r="http://schemas.openxmlformats.org/officeDocument/2006/relationships" xmlns:p="http://schemas.openxmlformats.org/presentationml/2006/main">
   <p:cSld>
@@ -3926,11 +7987,11 @@
           <a:p>
             <a:r>
               <a:rPr lang="en-US" dirty="0" smtClean="0"/>
-              <a:t>The Primary Objects in </a:t>
+              <a:t>MySQL </a:t>
             </a:r>
             <a:r>
               <a:rPr lang="en-US" dirty="0" err="1" smtClean="0"/>
-              <a:t>Tsugi</a:t>
+              <a:t>WorkBench</a:t>
             </a:r>
             <a:endParaRPr lang="en-US" dirty="0"/>
           </a:p>
@@ -3946,13 +8007,170 @@
             <p:ph idx="1"/>
           </p:nvPr>
         </p:nvSpPr>
-        <p:spPr/>
+        <p:spPr>
+          <a:xfrm>
+            <a:off x="457200" y="1600200"/>
+            <a:ext cx="4639324" cy="4525963"/>
+          </a:xfrm>
+        </p:spPr>
         <p:txBody>
           <a:bodyPr/>
           <a:lstStyle/>
           <a:p>
             <a:r>
               <a:rPr lang="en-US" dirty="0" smtClean="0"/>
+              <a:t>A free tool from Oracle / MySQL</a:t>
+            </a:r>
+          </a:p>
+          <a:p>
+            <a:r>
+              <a:rPr lang="en-US" dirty="0" smtClean="0"/>
+              <a:t>Database design, visualization, etc...</a:t>
+            </a:r>
+            <a:endParaRPr lang="en-US" dirty="0"/>
+          </a:p>
+        </p:txBody>
+      </p:sp>
+      <p:pic>
+        <p:nvPicPr>
+          <p:cNvPr id="4" name="Picture 3" descr="Untitled2.png"/>
+          <p:cNvPicPr>
+            <a:picLocks noChangeAspect="1"/>
+          </p:cNvPicPr>
+          <p:nvPr/>
+        </p:nvPicPr>
+        <p:blipFill>
+          <a:blip r:embed="rId2">
+            <a:extLst>
+              <a:ext uri="{28A0092B-C50C-407E-A947-70E740481C1C}">
+                <a14:useLocalDpi xmlns:a14="http://schemas.microsoft.com/office/drawing/2010/main" val="0"/>
+              </a:ext>
+            </a:extLst>
+          </a:blip>
+          <a:stretch>
+            <a:fillRect/>
+          </a:stretch>
+        </p:blipFill>
+        <p:spPr>
+          <a:xfrm>
+            <a:off x="5569617" y="1632350"/>
+            <a:ext cx="2919322" cy="3817077"/>
+          </a:xfrm>
+          <a:prstGeom prst="rect">
+            <a:avLst/>
+          </a:prstGeom>
+        </p:spPr>
+      </p:pic>
+      <p:sp>
+        <p:nvSpPr>
+          <p:cNvPr id="5" name="Rectangle 4"/>
+          <p:cNvSpPr/>
+          <p:nvPr/>
+        </p:nvSpPr>
+        <p:spPr>
+          <a:xfrm>
+            <a:off x="662186" y="6192441"/>
+            <a:ext cx="8024613" cy="461665"/>
+          </a:xfrm>
+          <a:prstGeom prst="rect">
+            <a:avLst/>
+          </a:prstGeom>
+        </p:spPr>
+        <p:txBody>
+          <a:bodyPr wrap="square">
+            <a:spAutoFit/>
+          </a:bodyPr>
+          <a:lstStyle/>
+          <a:p>
+            <a:r>
+              <a:rPr lang="en-US" sz="2400" dirty="0"/>
+              <a:t>http://</a:t>
+            </a:r>
+            <a:r>
+              <a:rPr lang="en-US" sz="2400" dirty="0" err="1"/>
+              <a:t>www.mysql.com</a:t>
+            </a:r>
+            <a:r>
+              <a:rPr lang="en-US" sz="2400" dirty="0"/>
+              <a:t>/products/workbench/design/</a:t>
+            </a:r>
+          </a:p>
+        </p:txBody>
+      </p:sp>
+    </p:spTree>
+    <p:extLst>
+      <p:ext uri="{BB962C8B-B14F-4D97-AF65-F5344CB8AC3E}">
+        <p14:creationId xmlns:p14="http://schemas.microsoft.com/office/powerpoint/2010/main" val="2876879018"/>
+      </p:ext>
+    </p:extLst>
+  </p:cSld>
+  <p:clrMapOvr>
+    <a:masterClrMapping/>
+  </p:clrMapOvr>
+</p:sld>
+</file>
+
+<file path=ppt/slides/slide4.xml><?xml version="1.0" encoding="utf-8"?>
+<p:sld xmlns:a="http://schemas.openxmlformats.org/drawingml/2006/main" xmlns:r="http://schemas.openxmlformats.org/officeDocument/2006/relationships" xmlns:p="http://schemas.openxmlformats.org/presentationml/2006/main">
+  <p:cSld>
+    <p:spTree>
+      <p:nvGrpSpPr>
+        <p:cNvPr id="1" name=""/>
+        <p:cNvGrpSpPr/>
+        <p:nvPr/>
+      </p:nvGrpSpPr>
+      <p:grpSpPr>
+        <a:xfrm>
+          <a:off x="0" y="0"/>
+          <a:ext cx="0" cy="0"/>
+          <a:chOff x="0" y="0"/>
+          <a:chExt cx="0" cy="0"/>
+        </a:xfrm>
+      </p:grpSpPr>
+      <p:sp>
+        <p:nvSpPr>
+          <p:cNvPr id="2" name="Title 1"/>
+          <p:cNvSpPr>
+            <a:spLocks noGrp="1"/>
+          </p:cNvSpPr>
+          <p:nvPr>
+            <p:ph type="title"/>
+          </p:nvPr>
+        </p:nvSpPr>
+        <p:spPr/>
+        <p:txBody>
+          <a:bodyPr/>
+          <a:lstStyle/>
+          <a:p>
+            <a:r>
+              <a:rPr lang="en-US" dirty="0" smtClean="0"/>
+              <a:t>The Primary Objects in </a:t>
+            </a:r>
+            <a:r>
+              <a:rPr lang="en-US" dirty="0" err="1" smtClean="0"/>
+              <a:t>Tsugi</a:t>
+            </a:r>
+            <a:endParaRPr lang="en-US" dirty="0"/>
+          </a:p>
+        </p:txBody>
+      </p:sp>
+      <p:sp>
+        <p:nvSpPr>
+          <p:cNvPr id="3" name="Content Placeholder 2"/>
+          <p:cNvSpPr>
+            <a:spLocks noGrp="1"/>
+          </p:cNvSpPr>
+          <p:nvPr>
+            <p:ph idx="1"/>
+          </p:nvPr>
+        </p:nvSpPr>
+        <p:spPr/>
+        <p:txBody>
+          <a:bodyPr/>
+          <a:lstStyle/>
+          <a:p>
+            <a:r>
+              <a:rPr lang="en-US" dirty="0" smtClean="0"/>
               <a:t>$USER – The current Logged in user</a:t>
             </a:r>
           </a:p>
@@ -3983,6 +8201,55 @@
             <a:r>
               <a:rPr lang="en-US" dirty="0" smtClean="0"/>
               <a:t> can serve learning tools to multiple tenants and keep the data separate</a:t>
+            </a:r>
+            <a:endParaRPr lang="en-US" dirty="0"/>
+          </a:p>
+        </p:txBody>
+      </p:sp>
+      <p:sp>
+        <p:nvSpPr>
+          <p:cNvPr id="4" name="Rectangle 3"/>
+          <p:cNvSpPr/>
+          <p:nvPr/>
+        </p:nvSpPr>
+        <p:spPr>
+          <a:xfrm>
+            <a:off x="457200" y="6298113"/>
+            <a:ext cx="8229600" cy="369332"/>
+          </a:xfrm>
+          <a:prstGeom prst="rect">
+            <a:avLst/>
+          </a:prstGeom>
+        </p:spPr>
+        <p:txBody>
+          <a:bodyPr wrap="square">
+            <a:spAutoFit/>
+          </a:bodyPr>
+          <a:lstStyle/>
+          <a:p>
+            <a:r>
+              <a:rPr lang="en-US" dirty="0"/>
+              <a:t>http://do1.dr-chuck.com/</a:t>
+            </a:r>
+            <a:r>
+              <a:rPr lang="en-US" dirty="0" err="1"/>
+              <a:t>tsugi</a:t>
+            </a:r>
+            <a:r>
+              <a:rPr lang="en-US" dirty="0"/>
+              <a:t>/</a:t>
+            </a:r>
+            <a:r>
+              <a:rPr lang="en-US" dirty="0" err="1"/>
+              <a:t>phpdoc</a:t>
+            </a:r>
+            <a:r>
+              <a:rPr lang="en-US" dirty="0"/>
+              <a:t>/classes/</a:t>
+            </a:r>
+            <a:r>
+              <a:rPr lang="en-US" dirty="0" err="1"/>
+              <a:t>Tsugi.Core.Context.html</a:t>
             </a:r>
             <a:endParaRPr lang="en-US" dirty="0"/>
           </a:p>
@@ -4001,7 +8268,7 @@
 </p:sld>
 </file>
 
-<file path=ppt/slides/slide4.xml><?xml version="1.0" encoding="utf-8"?>
+<file path=ppt/slides/slide5.xml><?xml version="1.0" encoding="utf-8"?>
 <p:sld xmlns:a="http://schemas.openxmlformats.org/drawingml/2006/main" xmlns:r="http://schemas.openxmlformats.org/officeDocument/2006/relationships" xmlns:p="http://schemas.openxmlformats.org/presentationml/2006/main">
   <p:cSld>
     <p:spTree>
@@ -4401,7 +8668,7 @@
 </p:sld>
 </file>
 
-<file path=ppt/slides/slide5.xml><?xml version="1.0" encoding="utf-8"?>
+<file path=ppt/slides/slide6.xml><?xml version="1.0" encoding="utf-8"?>
 <p:sld xmlns:a="http://schemas.openxmlformats.org/drawingml/2006/main" xmlns:r="http://schemas.openxmlformats.org/officeDocument/2006/relationships" xmlns:p="http://schemas.openxmlformats.org/presentationml/2006/main">
   <p:cSld>
     <p:spTree>
@@ -4801,7 +9068,7 @@
 </p:sld>
 </file>
 
-<file path=ppt/slides/slide6.xml><?xml version="1.0" encoding="utf-8"?>
+<file path=ppt/slides/slide7.xml><?xml version="1.0" encoding="utf-8"?>
 <p:sld xmlns:a="http://schemas.openxmlformats.org/drawingml/2006/main" xmlns:r="http://schemas.openxmlformats.org/officeDocument/2006/relationships" xmlns:p="http://schemas.openxmlformats.org/presentationml/2006/main">
   <p:cSld>
     <p:spTree>
@@ -4818,6 +9085,128 @@
           <a:chExt cx="0" cy="0"/>
         </a:xfrm>
       </p:grpSpPr>
+      <p:pic>
+        <p:nvPicPr>
+          <p:cNvPr id="4" name="Picture 3" descr="Untitled.png"/>
+          <p:cNvPicPr>
+            <a:picLocks noChangeAspect="1"/>
+          </p:cNvPicPr>
+          <p:nvPr/>
+        </p:nvPicPr>
+        <p:blipFill>
+          <a:blip r:embed="rId2">
+            <a:extLst>
+              <a:ext uri="{28A0092B-C50C-407E-A947-70E740481C1C}">
+                <a14:useLocalDpi xmlns:a14="http://schemas.microsoft.com/office/drawing/2010/main" val="0"/>
+              </a:ext>
+            </a:extLst>
+          </a:blip>
+          <a:stretch>
+            <a:fillRect/>
+          </a:stretch>
+        </p:blipFill>
+        <p:spPr>
+          <a:xfrm>
+            <a:off x="1039543" y="112525"/>
+            <a:ext cx="7690465" cy="6188485"/>
+          </a:xfrm>
+          <a:prstGeom prst="rect">
+            <a:avLst/>
+          </a:prstGeom>
+        </p:spPr>
+      </p:pic>
+      <p:sp>
+        <p:nvSpPr>
+          <p:cNvPr id="5" name="Rectangle 4"/>
+          <p:cNvSpPr/>
+          <p:nvPr/>
+        </p:nvSpPr>
+        <p:spPr>
+          <a:xfrm>
+            <a:off x="739551" y="6363427"/>
+            <a:ext cx="8360228" cy="461665"/>
+          </a:xfrm>
+          <a:prstGeom prst="rect">
+            <a:avLst/>
+          </a:prstGeom>
+        </p:spPr>
+        <p:txBody>
+          <a:bodyPr wrap="square">
+            <a:spAutoFit/>
+          </a:bodyPr>
+          <a:lstStyle/>
+          <a:p>
+            <a:pPr algn="ctr"/>
+            <a:r>
+              <a:rPr lang="en-US" sz="2400" dirty="0" err="1">
+                <a:solidFill>
+                  <a:srgbClr val="FFFF00"/>
+                </a:solidFill>
+              </a:rPr>
+              <a:t>t</a:t>
+            </a:r>
+            <a:r>
+              <a:rPr lang="en-US" sz="2400" dirty="0" err="1" smtClean="0">
+                <a:solidFill>
+                  <a:srgbClr val="FFFF00"/>
+                </a:solidFill>
+              </a:rPr>
+              <a:t>sugi</a:t>
+            </a:r>
+            <a:r>
+              <a:rPr lang="en-US" sz="2400" dirty="0" smtClean="0">
+                <a:solidFill>
+                  <a:srgbClr val="FFFF00"/>
+                </a:solidFill>
+              </a:rPr>
+              <a:t>/docs</a:t>
+            </a:r>
+            <a:r>
+              <a:rPr lang="en-US" sz="2400" dirty="0">
+                <a:solidFill>
+                  <a:srgbClr val="FFFF00"/>
+                </a:solidFill>
+              </a:rPr>
+              <a:t>/lectures/02-Data-Model-Workbench.mwb</a:t>
+            </a:r>
+            <a:endParaRPr lang="en-US" sz="2400" dirty="0">
+              <a:solidFill>
+                <a:srgbClr val="FFFF00"/>
+              </a:solidFill>
+            </a:endParaRPr>
+          </a:p>
+        </p:txBody>
+      </p:sp>
+    </p:spTree>
+    <p:extLst>
+      <p:ext uri="{BB962C8B-B14F-4D97-AF65-F5344CB8AC3E}">
+        <p14:creationId xmlns:p14="http://schemas.microsoft.com/office/powerpoint/2010/main" val="2846415130"/>
+      </p:ext>
+    </p:extLst>
+  </p:cSld>
+  <p:clrMapOvr>
+    <a:masterClrMapping/>
+  </p:clrMapOvr>
+</p:sld>
+</file>
+
+<file path=ppt/slides/slide8.xml><?xml version="1.0" encoding="utf-8"?>
+<p:sld xmlns:a="http://schemas.openxmlformats.org/drawingml/2006/main" xmlns:r="http://schemas.openxmlformats.org/officeDocument/2006/relationships" xmlns:p="http://schemas.openxmlformats.org/presentationml/2006/main">
+  <p:cSld>
+    <p:spTree>
+      <p:nvGrpSpPr>
+        <p:cNvPr id="1" name=""/>
+        <p:cNvGrpSpPr/>
+        <p:nvPr/>
+      </p:nvGrpSpPr>
+      <p:grpSpPr>
+        <a:xfrm>
+          <a:off x="0" y="0"/>
+          <a:ext cx="0" cy="0"/>
+          <a:chOff x="0" y="0"/>
+          <a:chExt cx="0" cy="0"/>
+        </a:xfrm>
+      </p:grpSpPr>
       <p:sp>
         <p:nvSpPr>
           <p:cNvPr id="2" name="Title 1"/>
@@ -4833,7 +9222,11 @@
           <a:bodyPr/>
           <a:lstStyle/>
           <a:p>
-            <a:endParaRPr lang="en-US"/>
+            <a:r>
+              <a:rPr lang="en-US" dirty="0" smtClean="0"/>
+              <a:t>Conventions (Rails like)</a:t>
+            </a:r>
+            <a:endParaRPr lang="en-US" dirty="0"/>
           </a:p>
         </p:txBody>
       </p:sp>
@@ -4847,19 +9240,202 @@
             <p:ph idx="1"/>
           </p:nvPr>
         </p:nvSpPr>
-        <p:spPr/>
+        <p:spPr>
+          <a:xfrm>
+            <a:off x="457200" y="1600200"/>
+            <a:ext cx="4591092" cy="4525963"/>
+          </a:xfrm>
+        </p:spPr>
         <p:txBody>
           <a:bodyPr/>
           <a:lstStyle/>
           <a:p>
-            <a:endParaRPr lang="en-US"/>
-          </a:p>
-        </p:txBody>
-      </p:sp>
+            <a:r>
+              <a:rPr lang="en-US" dirty="0" smtClean="0"/>
+              <a:t>All rows have auto-increment integer primary key</a:t>
+            </a:r>
+          </a:p>
+          <a:p>
+            <a:r>
+              <a:rPr lang="en-US" dirty="0" smtClean="0"/>
+              <a:t>Date fields "..._at"</a:t>
+            </a:r>
+          </a:p>
+          <a:p>
+            <a:r>
+              <a:rPr lang="en-US" dirty="0" smtClean="0"/>
+              <a:t>Foreign key names "</a:t>
+            </a:r>
+            <a:r>
+              <a:rPr lang="en-US" dirty="0" err="1" smtClean="0"/>
+              <a:t>table_id</a:t>
+            </a:r>
+            <a:r>
+              <a:rPr lang="en-US" dirty="0" smtClean="0"/>
+              <a:t>"</a:t>
+            </a:r>
+            <a:endParaRPr lang="en-US" dirty="0"/>
+          </a:p>
+        </p:txBody>
+      </p:sp>
+      <p:pic>
+        <p:nvPicPr>
+          <p:cNvPr id="5" name="Picture 4" descr="Untitled3.png"/>
+          <p:cNvPicPr>
+            <a:picLocks noChangeAspect="1"/>
+          </p:cNvPicPr>
+          <p:nvPr/>
+        </p:nvPicPr>
+        <p:blipFill>
+          <a:blip r:embed="rId2">
+            <a:extLst>
+              <a:ext uri="{28A0092B-C50C-407E-A947-70E740481C1C}">
+                <a14:useLocalDpi xmlns:a14="http://schemas.microsoft.com/office/drawing/2010/main" val="0"/>
+              </a:ext>
+            </a:extLst>
+          </a:blip>
+          <a:stretch>
+            <a:fillRect/>
+          </a:stretch>
+        </p:blipFill>
+        <p:spPr>
+          <a:xfrm>
+            <a:off x="5820005" y="1600200"/>
+            <a:ext cx="3104983" cy="4650186"/>
+          </a:xfrm>
+          <a:prstGeom prst="rect">
+            <a:avLst/>
+          </a:prstGeom>
+        </p:spPr>
+      </p:pic>
     </p:spTree>
     <p:extLst>
       <p:ext uri="{BB962C8B-B14F-4D97-AF65-F5344CB8AC3E}">
-        <p14:creationId xmlns:p14="http://schemas.microsoft.com/office/powerpoint/2010/main" val="2846415130"/>
+        <p14:creationId xmlns:p14="http://schemas.microsoft.com/office/powerpoint/2010/main" val="2301497917"/>
+      </p:ext>
+    </p:extLst>
+  </p:cSld>
+  <p:clrMapOvr>
+    <a:masterClrMapping/>
+  </p:clrMapOvr>
+</p:sld>
+</file>
+
+<file path=ppt/slides/slide9.xml><?xml version="1.0" encoding="utf-8"?>
+<p:sld xmlns:a="http://schemas.openxmlformats.org/drawingml/2006/main" xmlns:r="http://schemas.openxmlformats.org/officeDocument/2006/relationships" xmlns:p="http://schemas.openxmlformats.org/presentationml/2006/main">
+  <p:cSld>
+    <p:spTree>
+      <p:nvGrpSpPr>
+        <p:cNvPr id="1" name=""/>
+        <p:cNvGrpSpPr/>
+        <p:nvPr/>
+      </p:nvGrpSpPr>
+      <p:grpSpPr>
+        <a:xfrm>
+          <a:off x="0" y="0"/>
+          <a:ext cx="0" cy="0"/>
+          <a:chOff x="0" y="0"/>
+          <a:chExt cx="0" cy="0"/>
+        </a:xfrm>
+      </p:grpSpPr>
+      <p:sp>
+        <p:nvSpPr>
+          <p:cNvPr id="2" name="Title 1"/>
+          <p:cNvSpPr>
+            <a:spLocks noGrp="1"/>
+          </p:cNvSpPr>
+          <p:nvPr>
+            <p:ph type="title"/>
+          </p:nvPr>
+        </p:nvSpPr>
+        <p:spPr/>
+        <p:txBody>
+          <a:bodyPr/>
+          <a:lstStyle/>
+          <a:p>
+            <a:r>
+              <a:rPr lang="en-US" dirty="0" smtClean="0"/>
+              <a:t>Not 100% Rails-Like</a:t>
+            </a:r>
+            <a:endParaRPr lang="en-US" dirty="0"/>
+          </a:p>
+        </p:txBody>
+      </p:sp>
+      <p:sp>
+        <p:nvSpPr>
+          <p:cNvPr id="3" name="Content Placeholder 2"/>
+          <p:cNvSpPr>
+            <a:spLocks noGrp="1"/>
+          </p:cNvSpPr>
+          <p:nvPr>
+            <p:ph idx="1"/>
+          </p:nvPr>
+        </p:nvSpPr>
+        <p:spPr>
+          <a:xfrm>
+            <a:off x="457200" y="1600200"/>
+            <a:ext cx="4591092" cy="4525963"/>
+          </a:xfrm>
+        </p:spPr>
+        <p:txBody>
+          <a:bodyPr/>
+          <a:lstStyle/>
+          <a:p>
+            <a:r>
+              <a:rPr lang="en-US" dirty="0" smtClean="0"/>
+              <a:t>Primary key names "</a:t>
+            </a:r>
+            <a:r>
+              <a:rPr lang="en-US" dirty="0" err="1" smtClean="0"/>
+              <a:t>table_id</a:t>
+            </a:r>
+            <a:r>
+              <a:rPr lang="en-US" dirty="0" smtClean="0"/>
+              <a:t>"</a:t>
+            </a:r>
+          </a:p>
+          <a:p>
+            <a:r>
+              <a:rPr lang="en-US" dirty="0" smtClean="0"/>
+              <a:t>Column and table names are both singular</a:t>
+            </a:r>
+          </a:p>
+        </p:txBody>
+      </p:sp>
+      <p:pic>
+        <p:nvPicPr>
+          <p:cNvPr id="4" name="Picture 3" descr="Untitled3.png"/>
+          <p:cNvPicPr>
+            <a:picLocks noChangeAspect="1"/>
+          </p:cNvPicPr>
+          <p:nvPr/>
+        </p:nvPicPr>
+        <p:blipFill>
+          <a:blip r:embed="rId2">
+            <a:extLst>
+              <a:ext uri="{28A0092B-C50C-407E-A947-70E740481C1C}">
+                <a14:useLocalDpi xmlns:a14="http://schemas.microsoft.com/office/drawing/2010/main" val="0"/>
+              </a:ext>
+            </a:extLst>
+          </a:blip>
+          <a:stretch>
+            <a:fillRect/>
+          </a:stretch>
+        </p:blipFill>
+        <p:spPr>
+          <a:xfrm>
+            <a:off x="5820005" y="1600200"/>
+            <a:ext cx="3104983" cy="4650186"/>
+          </a:xfrm>
+          <a:prstGeom prst="rect">
+            <a:avLst/>
+          </a:prstGeom>
+        </p:spPr>
+      </p:pic>
+    </p:spTree>
+    <p:extLst>
+      <p:ext uri="{BB962C8B-B14F-4D97-AF65-F5344CB8AC3E}">
+        <p14:creationId xmlns:p14="http://schemas.microsoft.com/office/powerpoint/2010/main" val="1461803390"/>
       </p:ext>
     </p:extLst>
   </p:cSld>

--- a/docs/lectures/02-Data-Model.pptx
+++ b/docs/lectures/02-Data-Model.pptx
@@ -5,7 +5,7 @@
     <p:sldMasterId id="2147483660" r:id="rId1"/>
   </p:sldMasterIdLst>
   <p:notesMasterIdLst>
-    <p:notesMasterId r:id="rId31"/>
+    <p:notesMasterId r:id="rId47"/>
   </p:notesMasterIdLst>
   <p:sldIdLst>
     <p:sldId id="256" r:id="rId2"/>
@@ -27,16 +27,32 @@
     <p:sldId id="272" r:id="rId18"/>
     <p:sldId id="273" r:id="rId19"/>
     <p:sldId id="274" r:id="rId20"/>
-    <p:sldId id="275" r:id="rId21"/>
-    <p:sldId id="276" r:id="rId22"/>
-    <p:sldId id="278" r:id="rId23"/>
-    <p:sldId id="279" r:id="rId24"/>
-    <p:sldId id="277" r:id="rId25"/>
-    <p:sldId id="280" r:id="rId26"/>
-    <p:sldId id="281" r:id="rId27"/>
-    <p:sldId id="282" r:id="rId28"/>
-    <p:sldId id="283" r:id="rId29"/>
-    <p:sldId id="284" r:id="rId30"/>
+    <p:sldId id="286" r:id="rId21"/>
+    <p:sldId id="291" r:id="rId22"/>
+    <p:sldId id="292" r:id="rId23"/>
+    <p:sldId id="293" r:id="rId24"/>
+    <p:sldId id="294" r:id="rId25"/>
+    <p:sldId id="287" r:id="rId26"/>
+    <p:sldId id="288" r:id="rId27"/>
+    <p:sldId id="289" r:id="rId28"/>
+    <p:sldId id="290" r:id="rId29"/>
+    <p:sldId id="295" r:id="rId30"/>
+    <p:sldId id="296" r:id="rId31"/>
+    <p:sldId id="297" r:id="rId32"/>
+    <p:sldId id="298" r:id="rId33"/>
+    <p:sldId id="299" r:id="rId34"/>
+    <p:sldId id="300" r:id="rId35"/>
+    <p:sldId id="285" r:id="rId36"/>
+    <p:sldId id="275" r:id="rId37"/>
+    <p:sldId id="276" r:id="rId38"/>
+    <p:sldId id="278" r:id="rId39"/>
+    <p:sldId id="279" r:id="rId40"/>
+    <p:sldId id="277" r:id="rId41"/>
+    <p:sldId id="280" r:id="rId42"/>
+    <p:sldId id="281" r:id="rId43"/>
+    <p:sldId id="282" r:id="rId44"/>
+    <p:sldId id="283" r:id="rId45"/>
+    <p:sldId id="284" r:id="rId46"/>
   </p:sldIdLst>
   <p:sldSz cx="9144000" cy="6858000" type="screen4x3"/>
   <p:notesSz cx="6858000" cy="9144000"/>
@@ -220,7 +236,7 @@
           <a:p>
             <a:fld id="{EBBA9A62-8DDB-0E41-B256-304B37729760}" type="datetimeFigureOut">
               <a:rPr lang="en-US" smtClean="0"/>
-              <a:t>11/2/14</a:t>
+              <a:t>11/3/14</a:t>
             </a:fld>
             <a:endParaRPr lang="en-US"/>
           </a:p>
@@ -751,7 +767,7 @@
           <a:p>
             <a:fld id="{843616F3-59E4-1848-8639-5E6A7639CF96}" type="datetimeFigureOut">
               <a:rPr lang="en-US" smtClean="0"/>
-              <a:t>11/2/14</a:t>
+              <a:t>11/3/14</a:t>
             </a:fld>
             <a:endParaRPr lang="en-US"/>
           </a:p>
@@ -921,7 +937,7 @@
           <a:p>
             <a:fld id="{843616F3-59E4-1848-8639-5E6A7639CF96}" type="datetimeFigureOut">
               <a:rPr lang="en-US" smtClean="0"/>
-              <a:t>11/2/14</a:t>
+              <a:t>11/3/14</a:t>
             </a:fld>
             <a:endParaRPr lang="en-US"/>
           </a:p>
@@ -1101,7 +1117,7 @@
           <a:p>
             <a:fld id="{843616F3-59E4-1848-8639-5E6A7639CF96}" type="datetimeFigureOut">
               <a:rPr lang="en-US" smtClean="0"/>
-              <a:t>11/2/14</a:t>
+              <a:t>11/3/14</a:t>
             </a:fld>
             <a:endParaRPr lang="en-US"/>
           </a:p>
@@ -1271,7 +1287,7 @@
           <a:p>
             <a:fld id="{843616F3-59E4-1848-8639-5E6A7639CF96}" type="datetimeFigureOut">
               <a:rPr lang="en-US" smtClean="0"/>
-              <a:t>11/2/14</a:t>
+              <a:t>11/3/14</a:t>
             </a:fld>
             <a:endParaRPr lang="en-US"/>
           </a:p>
@@ -1517,7 +1533,7 @@
           <a:p>
             <a:fld id="{843616F3-59E4-1848-8639-5E6A7639CF96}" type="datetimeFigureOut">
               <a:rPr lang="en-US" smtClean="0"/>
-              <a:t>11/2/14</a:t>
+              <a:t>11/3/14</a:t>
             </a:fld>
             <a:endParaRPr lang="en-US"/>
           </a:p>
@@ -1805,7 +1821,7 @@
           <a:p>
             <a:fld id="{843616F3-59E4-1848-8639-5E6A7639CF96}" type="datetimeFigureOut">
               <a:rPr lang="en-US" smtClean="0"/>
-              <a:t>11/2/14</a:t>
+              <a:t>11/3/14</a:t>
             </a:fld>
             <a:endParaRPr lang="en-US"/>
           </a:p>
@@ -2227,7 +2243,7 @@
           <a:p>
             <a:fld id="{843616F3-59E4-1848-8639-5E6A7639CF96}" type="datetimeFigureOut">
               <a:rPr lang="en-US" smtClean="0"/>
-              <a:t>11/2/14</a:t>
+              <a:t>11/3/14</a:t>
             </a:fld>
             <a:endParaRPr lang="en-US"/>
           </a:p>
@@ -2345,7 +2361,7 @@
           <a:p>
             <a:fld id="{843616F3-59E4-1848-8639-5E6A7639CF96}" type="datetimeFigureOut">
               <a:rPr lang="en-US" smtClean="0"/>
-              <a:t>11/2/14</a:t>
+              <a:t>11/3/14</a:t>
             </a:fld>
             <a:endParaRPr lang="en-US"/>
           </a:p>
@@ -2440,7 +2456,7 @@
           <a:p>
             <a:fld id="{843616F3-59E4-1848-8639-5E6A7639CF96}" type="datetimeFigureOut">
               <a:rPr lang="en-US" smtClean="0"/>
-              <a:t>11/2/14</a:t>
+              <a:t>11/3/14</a:t>
             </a:fld>
             <a:endParaRPr lang="en-US"/>
           </a:p>
@@ -2717,7 +2733,7 @@
           <a:p>
             <a:fld id="{843616F3-59E4-1848-8639-5E6A7639CF96}" type="datetimeFigureOut">
               <a:rPr lang="en-US" smtClean="0"/>
-              <a:t>11/2/14</a:t>
+              <a:t>11/3/14</a:t>
             </a:fld>
             <a:endParaRPr lang="en-US"/>
           </a:p>
@@ -2974,7 +2990,7 @@
           <a:p>
             <a:fld id="{843616F3-59E4-1848-8639-5E6A7639CF96}" type="datetimeFigureOut">
               <a:rPr lang="en-US" smtClean="0"/>
-              <a:t>11/2/14</a:t>
+              <a:t>11/3/14</a:t>
             </a:fld>
             <a:endParaRPr lang="en-US"/>
           </a:p>
@@ -3187,7 +3203,7 @@
           <a:p>
             <a:fld id="{843616F3-59E4-1848-8639-5E6A7639CF96}" type="datetimeFigureOut">
               <a:rPr lang="en-US" smtClean="0"/>
-              <a:t>11/2/14</a:t>
+              <a:t>11/3/14</a:t>
             </a:fld>
             <a:endParaRPr lang="en-US"/>
           </a:p>
@@ -3591,11 +3607,7 @@
             </a:br>
             <a:r>
               <a:rPr lang="en-US" dirty="0" smtClean="0"/>
-              <a:t>Data </a:t>
-            </a:r>
-            <a:r>
-              <a:rPr lang="en-US" dirty="0" smtClean="0"/>
-              <a:t>Model</a:t>
+              <a:t>Data Model</a:t>
             </a:r>
             <a:endParaRPr lang="en-US" dirty="0"/>
           </a:p>
@@ -4287,7 +4299,7 @@
         </p:nvSpPr>
         <p:spPr>
           <a:xfrm>
-            <a:off x="610940" y="530475"/>
+            <a:off x="610940" y="803750"/>
             <a:ext cx="8080420" cy="5355313"/>
           </a:xfrm>
           <a:prstGeom prst="rect">
@@ -4901,7 +4913,7 @@
         </p:nvSpPr>
         <p:spPr>
           <a:xfrm>
-            <a:off x="5468114" y="6304002"/>
+            <a:off x="5709275" y="179817"/>
             <a:ext cx="3223246" cy="369332"/>
           </a:xfrm>
           <a:prstGeom prst="rect">
@@ -5216,7 +5228,7 @@
           <a:p>
             <a:r>
               <a:rPr lang="en-US" dirty="0" smtClean="0"/>
-              <a:t>Migrations</a:t>
+              <a:t>IMS Learning Tools Interoperability (LTI) Launch</a:t>
             </a:r>
             <a:endParaRPr lang="en-US" dirty="0"/>
           </a:p>
@@ -5224,7 +5236,7 @@
       </p:sp>
       <p:sp>
         <p:nvSpPr>
-          <p:cNvPr id="5" name="Subtitle 4"/>
+          <p:cNvPr id="6" name="Subtitle 4"/>
           <p:cNvSpPr>
             <a:spLocks noGrp="1"/>
           </p:cNvSpPr>
@@ -5232,14 +5244,19 @@
             <p:ph type="subTitle" idx="1"/>
           </p:nvPr>
         </p:nvSpPr>
-        <p:spPr/>
+        <p:spPr>
+          <a:xfrm>
+            <a:off x="1371600" y="3886200"/>
+            <a:ext cx="6400800" cy="1752600"/>
+          </a:xfrm>
+        </p:spPr>
         <p:txBody>
           <a:bodyPr/>
           <a:lstStyle/>
           <a:p>
             <a:r>
               <a:rPr lang="en-US" dirty="0" smtClean="0"/>
-              <a:t>A blend of Moodle and Rails</a:t>
+              <a:t>Quick Review...</a:t>
             </a:r>
             <a:endParaRPr lang="en-US" dirty="0"/>
           </a:p>
@@ -5444,6 +5461,6589 @@
           <a:p>
             <a:r>
               <a:rPr lang="en-US" dirty="0" smtClean="0"/>
+              <a:t>LTI Launch</a:t>
+            </a:r>
+            <a:endParaRPr lang="en-US" dirty="0"/>
+          </a:p>
+        </p:txBody>
+      </p:sp>
+      <p:sp>
+        <p:nvSpPr>
+          <p:cNvPr id="3" name="Content Placeholder 2"/>
+          <p:cNvSpPr>
+            <a:spLocks noGrp="1"/>
+          </p:cNvSpPr>
+          <p:nvPr>
+            <p:ph idx="1"/>
+          </p:nvPr>
+        </p:nvSpPr>
+        <p:spPr/>
+        <p:txBody>
+          <a:bodyPr/>
+          <a:lstStyle/>
+          <a:p>
+            <a:r>
+              <a:rPr lang="en-US" dirty="0" smtClean="0"/>
+              <a:t>When the user clicks a link in the LMS</a:t>
+            </a:r>
+          </a:p>
+          <a:p>
+            <a:pPr lvl="1"/>
+            <a:r>
+              <a:rPr lang="en-US" dirty="0" smtClean="0"/>
+              <a:t>The tool is launched using LTI/</a:t>
+            </a:r>
+            <a:r>
+              <a:rPr lang="en-US" dirty="0" err="1" smtClean="0"/>
+              <a:t>OAuth</a:t>
+            </a:r>
+            <a:endParaRPr lang="en-US" dirty="0" smtClean="0"/>
+          </a:p>
+          <a:p>
+            <a:pPr lvl="1"/>
+            <a:r>
+              <a:rPr lang="en-US" dirty="0" smtClean="0"/>
+              <a:t>May be a new window or in an </a:t>
+            </a:r>
+            <a:r>
+              <a:rPr lang="en-US" dirty="0" err="1" smtClean="0"/>
+              <a:t>iframe</a:t>
+            </a:r>
+            <a:endParaRPr lang="en-US" dirty="0" smtClean="0"/>
+          </a:p>
+          <a:p>
+            <a:pPr lvl="1"/>
+            <a:r>
+              <a:rPr lang="en-US" dirty="0" smtClean="0"/>
+              <a:t>LMS data is signed using a shared secret and and passed to the external tool</a:t>
+            </a:r>
+          </a:p>
+          <a:p>
+            <a:pPr lvl="1"/>
+            <a:r>
+              <a:rPr lang="en-US" dirty="0" smtClean="0"/>
+              <a:t>The tool provisions the context, user, and link and then sets up a session automatically logging the user into the tool</a:t>
+            </a:r>
+            <a:endParaRPr lang="en-US" dirty="0"/>
+          </a:p>
+        </p:txBody>
+      </p:sp>
+      <p:sp>
+        <p:nvSpPr>
+          <p:cNvPr id="4" name="Rectangle 3"/>
+          <p:cNvSpPr/>
+          <p:nvPr/>
+        </p:nvSpPr>
+        <p:spPr>
+          <a:xfrm>
+            <a:off x="4385623" y="6122114"/>
+            <a:ext cx="4301177" cy="461665"/>
+          </a:xfrm>
+          <a:prstGeom prst="rect">
+            <a:avLst/>
+          </a:prstGeom>
+        </p:spPr>
+        <p:txBody>
+          <a:bodyPr wrap="none">
+            <a:spAutoFit/>
+          </a:bodyPr>
+          <a:lstStyle/>
+          <a:p>
+            <a:r>
+              <a:rPr lang="en-US" sz="2400" dirty="0">
+                <a:solidFill>
+                  <a:srgbClr val="FFFF00"/>
+                </a:solidFill>
+              </a:rPr>
+              <a:t>http://</a:t>
+            </a:r>
+            <a:r>
+              <a:rPr lang="en-US" sz="2400" dirty="0" err="1">
+                <a:solidFill>
+                  <a:srgbClr val="FFFF00"/>
+                </a:solidFill>
+              </a:rPr>
+              <a:t>developers.imsglobal.org</a:t>
+            </a:r>
+            <a:r>
+              <a:rPr lang="en-US" sz="2400" dirty="0">
+                <a:solidFill>
+                  <a:srgbClr val="FFFF00"/>
+                </a:solidFill>
+              </a:rPr>
+              <a:t>/</a:t>
+            </a:r>
+          </a:p>
+        </p:txBody>
+      </p:sp>
+    </p:spTree>
+    <p:extLst>
+      <p:ext uri="{BB962C8B-B14F-4D97-AF65-F5344CB8AC3E}">
+        <p14:creationId xmlns:p14="http://schemas.microsoft.com/office/powerpoint/2010/main" val="4001718754"/>
+      </p:ext>
+    </p:extLst>
+  </p:cSld>
+  <p:clrMapOvr>
+    <a:masterClrMapping/>
+  </p:clrMapOvr>
+</p:sld>
+</file>
+
+<file path=ppt/slides/slide21.xml><?xml version="1.0" encoding="utf-8"?>
+<p:sld xmlns:a="http://schemas.openxmlformats.org/drawingml/2006/main" xmlns:r="http://schemas.openxmlformats.org/officeDocument/2006/relationships" xmlns:p="http://schemas.openxmlformats.org/presentationml/2006/main">
+  <p:cSld>
+    <p:spTree>
+      <p:nvGrpSpPr>
+        <p:cNvPr id="1" name=""/>
+        <p:cNvGrpSpPr/>
+        <p:nvPr/>
+      </p:nvGrpSpPr>
+      <p:grpSpPr>
+        <a:xfrm>
+          <a:off x="0" y="0"/>
+          <a:ext cx="0" cy="0"/>
+          <a:chOff x="0" y="0"/>
+          <a:chExt cx="0" cy="0"/>
+        </a:xfrm>
+      </p:grpSpPr>
+      <p:pic>
+        <p:nvPicPr>
+          <p:cNvPr id="4" name="Picture 3" descr="Untitled.png"/>
+          <p:cNvPicPr>
+            <a:picLocks noChangeAspect="1"/>
+          </p:cNvPicPr>
+          <p:nvPr/>
+        </p:nvPicPr>
+        <p:blipFill>
+          <a:blip r:embed="rId2">
+            <a:extLst>
+              <a:ext uri="{28A0092B-C50C-407E-A947-70E740481C1C}">
+                <a14:useLocalDpi xmlns:a14="http://schemas.microsoft.com/office/drawing/2010/main" val="0"/>
+              </a:ext>
+            </a:extLst>
+          </a:blip>
+          <a:stretch>
+            <a:fillRect/>
+          </a:stretch>
+        </p:blipFill>
+        <p:spPr>
+          <a:xfrm>
+            <a:off x="0" y="0"/>
+            <a:ext cx="7283045" cy="5439805"/>
+          </a:xfrm>
+          <a:prstGeom prst="rect">
+            <a:avLst/>
+          </a:prstGeom>
+        </p:spPr>
+      </p:pic>
+    </p:spTree>
+    <p:extLst>
+      <p:ext uri="{BB962C8B-B14F-4D97-AF65-F5344CB8AC3E}">
+        <p14:creationId xmlns:p14="http://schemas.microsoft.com/office/powerpoint/2010/main" val="2995340436"/>
+      </p:ext>
+    </p:extLst>
+  </p:cSld>
+  <p:clrMapOvr>
+    <a:masterClrMapping/>
+  </p:clrMapOvr>
+</p:sld>
+</file>
+
+<file path=ppt/slides/slide22.xml><?xml version="1.0" encoding="utf-8"?>
+<p:sld xmlns:a="http://schemas.openxmlformats.org/drawingml/2006/main" xmlns:r="http://schemas.openxmlformats.org/officeDocument/2006/relationships" xmlns:p="http://schemas.openxmlformats.org/presentationml/2006/main">
+  <p:cSld>
+    <p:spTree>
+      <p:nvGrpSpPr>
+        <p:cNvPr id="1" name=""/>
+        <p:cNvGrpSpPr/>
+        <p:nvPr/>
+      </p:nvGrpSpPr>
+      <p:grpSpPr>
+        <a:xfrm>
+          <a:off x="0" y="0"/>
+          <a:ext cx="0" cy="0"/>
+          <a:chOff x="0" y="0"/>
+          <a:chExt cx="0" cy="0"/>
+        </a:xfrm>
+      </p:grpSpPr>
+      <p:pic>
+        <p:nvPicPr>
+          <p:cNvPr id="4" name="Picture 3" descr="Untitled.png"/>
+          <p:cNvPicPr>
+            <a:picLocks noChangeAspect="1"/>
+          </p:cNvPicPr>
+          <p:nvPr/>
+        </p:nvPicPr>
+        <p:blipFill>
+          <a:blip r:embed="rId2">
+            <a:extLst>
+              <a:ext uri="{28A0092B-C50C-407E-A947-70E740481C1C}">
+                <a14:useLocalDpi xmlns:a14="http://schemas.microsoft.com/office/drawing/2010/main" val="0"/>
+              </a:ext>
+            </a:extLst>
+          </a:blip>
+          <a:stretch>
+            <a:fillRect/>
+          </a:stretch>
+        </p:blipFill>
+        <p:spPr>
+          <a:xfrm>
+            <a:off x="0" y="0"/>
+            <a:ext cx="7283045" cy="5439805"/>
+          </a:xfrm>
+          <a:prstGeom prst="rect">
+            <a:avLst/>
+          </a:prstGeom>
+        </p:spPr>
+      </p:pic>
+      <p:pic>
+        <p:nvPicPr>
+          <p:cNvPr id="5" name="Picture 4" descr="Untitled.png"/>
+          <p:cNvPicPr>
+            <a:picLocks noChangeAspect="1"/>
+          </p:cNvPicPr>
+          <p:nvPr/>
+        </p:nvPicPr>
+        <p:blipFill>
+          <a:blip r:embed="rId3">
+            <a:extLst>
+              <a:ext uri="{28A0092B-C50C-407E-A947-70E740481C1C}">
+                <a14:useLocalDpi xmlns:a14="http://schemas.microsoft.com/office/drawing/2010/main" val="0"/>
+              </a:ext>
+            </a:extLst>
+          </a:blip>
+          <a:stretch>
+            <a:fillRect/>
+          </a:stretch>
+        </p:blipFill>
+        <p:spPr>
+          <a:xfrm>
+            <a:off x="2244049" y="1800401"/>
+            <a:ext cx="6771331" cy="5057599"/>
+          </a:xfrm>
+          <a:prstGeom prst="rect">
+            <a:avLst/>
+          </a:prstGeom>
+        </p:spPr>
+      </p:pic>
+    </p:spTree>
+    <p:extLst>
+      <p:ext uri="{BB962C8B-B14F-4D97-AF65-F5344CB8AC3E}">
+        <p14:creationId xmlns:p14="http://schemas.microsoft.com/office/powerpoint/2010/main" val="1327445863"/>
+      </p:ext>
+    </p:extLst>
+  </p:cSld>
+  <p:clrMapOvr>
+    <a:masterClrMapping/>
+  </p:clrMapOvr>
+</p:sld>
+</file>
+
+<file path=ppt/slides/slide23.xml><?xml version="1.0" encoding="utf-8"?>
+<p:sld xmlns:a="http://schemas.openxmlformats.org/drawingml/2006/main" xmlns:r="http://schemas.openxmlformats.org/officeDocument/2006/relationships" xmlns:p="http://schemas.openxmlformats.org/presentationml/2006/main">
+  <p:cSld>
+    <p:spTree>
+      <p:nvGrpSpPr>
+        <p:cNvPr id="1" name=""/>
+        <p:cNvGrpSpPr/>
+        <p:nvPr/>
+      </p:nvGrpSpPr>
+      <p:grpSpPr>
+        <a:xfrm>
+          <a:off x="0" y="0"/>
+          <a:ext cx="0" cy="0"/>
+          <a:chOff x="0" y="0"/>
+          <a:chExt cx="0" cy="0"/>
+        </a:xfrm>
+      </p:grpSpPr>
+      <p:sp>
+        <p:nvSpPr>
+          <p:cNvPr id="35842" name="Title 1"/>
+          <p:cNvSpPr>
+            <a:spLocks noGrp="1"/>
+          </p:cNvSpPr>
+          <p:nvPr>
+            <p:ph type="title"/>
+          </p:nvPr>
+        </p:nvSpPr>
+        <p:spPr/>
+        <p:txBody>
+          <a:bodyPr/>
+          <a:lstStyle/>
+          <a:p>
+            <a:r>
+              <a:rPr lang="en-US">
+                <a:latin typeface="Trebuchet MS" charset="0"/>
+                <a:ea typeface="ＭＳ Ｐゴシック" charset="0"/>
+                <a:cs typeface="ＭＳ Ｐゴシック" charset="0"/>
+              </a:rPr>
+              <a:t>LTI Sample Launch Data</a:t>
+            </a:r>
+          </a:p>
+        </p:txBody>
+      </p:sp>
+      <p:sp>
+        <p:nvSpPr>
+          <p:cNvPr id="35843" name="TextBox 4"/>
+          <p:cNvSpPr txBox="1">
+            <a:spLocks noChangeArrowheads="1"/>
+          </p:cNvSpPr>
+          <p:nvPr/>
+        </p:nvSpPr>
+        <p:spPr bwMode="auto">
+          <a:xfrm>
+            <a:off x="530225" y="1676400"/>
+            <a:ext cx="8613775" cy="4462760"/>
+          </a:xfrm>
+          <a:prstGeom prst="rect">
+            <a:avLst/>
+          </a:prstGeom>
+          <a:noFill/>
+          <a:ln>
+            <a:noFill/>
+          </a:ln>
+          <a:extLst>
+            <a:ext uri="{909E8E84-426E-40dd-AFC4-6F175D3DCCD1}">
+              <a14:hiddenFill xmlns:a14="http://schemas.microsoft.com/office/drawing/2010/main">
+                <a:solidFill>
+                  <a:srgbClr val="FFFFFF"/>
+                </a:solidFill>
+              </a14:hiddenFill>
+            </a:ext>
+            <a:ext uri="{91240B29-F687-4f45-9708-019B960494DF}">
+              <a14:hiddenLine xmlns:a14="http://schemas.microsoft.com/office/drawing/2010/main" w="9525">
+                <a:solidFill>
+                  <a:srgbClr val="000000"/>
+                </a:solidFill>
+                <a:miter lim="800000"/>
+                <a:headEnd/>
+                <a:tailEnd/>
+              </a14:hiddenLine>
+            </a:ext>
+          </a:extLst>
+        </p:spPr>
+        <p:txBody>
+          <a:bodyPr>
+            <a:spAutoFit/>
+          </a:bodyPr>
+          <a:lstStyle>
+            <a:lvl1pPr eaLnBrk="0" hangingPunct="0">
+              <a:defRPr sz="2400">
+                <a:solidFill>
+                  <a:schemeClr val="tx1"/>
+                </a:solidFill>
+                <a:latin typeface="Times New Roman" charset="0"/>
+                <a:ea typeface="ＭＳ Ｐゴシック" charset="0"/>
+                <a:cs typeface="ＭＳ Ｐゴシック" charset="0"/>
+              </a:defRPr>
+            </a:lvl1pPr>
+            <a:lvl2pPr marL="37931725" indent="-37474525" eaLnBrk="0" hangingPunct="0">
+              <a:defRPr sz="2400">
+                <a:solidFill>
+                  <a:schemeClr val="tx1"/>
+                </a:solidFill>
+                <a:latin typeface="Times New Roman" charset="0"/>
+                <a:ea typeface="ＭＳ Ｐゴシック" charset="0"/>
+              </a:defRPr>
+            </a:lvl2pPr>
+            <a:lvl3pPr eaLnBrk="0" hangingPunct="0">
+              <a:defRPr sz="2400">
+                <a:solidFill>
+                  <a:schemeClr val="tx1"/>
+                </a:solidFill>
+                <a:latin typeface="Times New Roman" charset="0"/>
+                <a:ea typeface="ＭＳ Ｐゴシック" charset="0"/>
+              </a:defRPr>
+            </a:lvl3pPr>
+            <a:lvl4pPr eaLnBrk="0" hangingPunct="0">
+              <a:defRPr sz="2400">
+                <a:solidFill>
+                  <a:schemeClr val="tx1"/>
+                </a:solidFill>
+                <a:latin typeface="Times New Roman" charset="0"/>
+                <a:ea typeface="ＭＳ Ｐゴシック" charset="0"/>
+              </a:defRPr>
+            </a:lvl4pPr>
+            <a:lvl5pPr eaLnBrk="0" hangingPunct="0">
+              <a:defRPr sz="2400">
+                <a:solidFill>
+                  <a:schemeClr val="tx1"/>
+                </a:solidFill>
+                <a:latin typeface="Times New Roman" charset="0"/>
+                <a:ea typeface="ＭＳ Ｐゴシック" charset="0"/>
+              </a:defRPr>
+            </a:lvl5pPr>
+            <a:lvl6pPr marL="457200" eaLnBrk="0" fontAlgn="base" hangingPunct="0">
+              <a:spcBef>
+                <a:spcPct val="0"/>
+              </a:spcBef>
+              <a:spcAft>
+                <a:spcPct val="0"/>
+              </a:spcAft>
+              <a:defRPr sz="2400">
+                <a:solidFill>
+                  <a:schemeClr val="tx1"/>
+                </a:solidFill>
+                <a:latin typeface="Times New Roman" charset="0"/>
+                <a:ea typeface="ＭＳ Ｐゴシック" charset="0"/>
+              </a:defRPr>
+            </a:lvl6pPr>
+            <a:lvl7pPr marL="914400" eaLnBrk="0" fontAlgn="base" hangingPunct="0">
+              <a:spcBef>
+                <a:spcPct val="0"/>
+              </a:spcBef>
+              <a:spcAft>
+                <a:spcPct val="0"/>
+              </a:spcAft>
+              <a:defRPr sz="2400">
+                <a:solidFill>
+                  <a:schemeClr val="tx1"/>
+                </a:solidFill>
+                <a:latin typeface="Times New Roman" charset="0"/>
+                <a:ea typeface="ＭＳ Ｐゴシック" charset="0"/>
+              </a:defRPr>
+            </a:lvl7pPr>
+            <a:lvl8pPr marL="1371600" eaLnBrk="0" fontAlgn="base" hangingPunct="0">
+              <a:spcBef>
+                <a:spcPct val="0"/>
+              </a:spcBef>
+              <a:spcAft>
+                <a:spcPct val="0"/>
+              </a:spcAft>
+              <a:defRPr sz="2400">
+                <a:solidFill>
+                  <a:schemeClr val="tx1"/>
+                </a:solidFill>
+                <a:latin typeface="Times New Roman" charset="0"/>
+                <a:ea typeface="ＭＳ Ｐゴシック" charset="0"/>
+              </a:defRPr>
+            </a:lvl8pPr>
+            <a:lvl9pPr marL="1828800" eaLnBrk="0" fontAlgn="base" hangingPunct="0">
+              <a:spcBef>
+                <a:spcPct val="0"/>
+              </a:spcBef>
+              <a:spcAft>
+                <a:spcPct val="0"/>
+              </a:spcAft>
+              <a:defRPr sz="2400">
+                <a:solidFill>
+                  <a:schemeClr val="tx1"/>
+                </a:solidFill>
+                <a:latin typeface="Times New Roman" charset="0"/>
+                <a:ea typeface="ＭＳ Ｐゴシック" charset="0"/>
+              </a:defRPr>
+            </a:lvl9pPr>
+          </a:lstStyle>
+          <a:p>
+            <a:pPr eaLnBrk="1" hangingPunct="1"/>
+            <a:r>
+              <a:rPr lang="en-US" sz="2200" dirty="0" err="1">
+                <a:latin typeface="Trebuchet MS" charset="0"/>
+              </a:rPr>
+              <a:t>lti_version</a:t>
+            </a:r>
+            <a:r>
+              <a:rPr lang="en-US" sz="2200" dirty="0">
+                <a:latin typeface="Trebuchet MS" charset="0"/>
+              </a:rPr>
+              <a:t>=LTI-1p0</a:t>
+            </a:r>
+          </a:p>
+          <a:p>
+            <a:pPr eaLnBrk="1" hangingPunct="1"/>
+            <a:r>
+              <a:rPr lang="en-US" sz="2200" dirty="0" err="1">
+                <a:latin typeface="Trebuchet MS" charset="0"/>
+              </a:rPr>
+              <a:t>lti_message_type</a:t>
+            </a:r>
+            <a:r>
+              <a:rPr lang="en-US" sz="2200" dirty="0">
+                <a:latin typeface="Trebuchet MS" charset="0"/>
+              </a:rPr>
+              <a:t>=basic-</a:t>
+            </a:r>
+            <a:r>
+              <a:rPr lang="en-US" sz="2200" dirty="0" err="1">
+                <a:latin typeface="Trebuchet MS" charset="0"/>
+              </a:rPr>
+              <a:t>lti</a:t>
+            </a:r>
+            <a:r>
+              <a:rPr lang="en-US" sz="2200" dirty="0">
+                <a:latin typeface="Trebuchet MS" charset="0"/>
+              </a:rPr>
+              <a:t>-launch-request</a:t>
+            </a:r>
+          </a:p>
+          <a:p>
+            <a:pPr eaLnBrk="1" hangingPunct="1"/>
+            <a:r>
+              <a:rPr lang="en-US" sz="2200" dirty="0" err="1" smtClean="0">
+                <a:latin typeface="Trebuchet MS" charset="0"/>
+              </a:rPr>
+              <a:t>context_id</a:t>
+            </a:r>
+            <a:r>
+              <a:rPr lang="en-US" sz="2200" dirty="0">
+                <a:latin typeface="Trebuchet MS" charset="0"/>
+              </a:rPr>
+              <a:t>=456434513</a:t>
+            </a:r>
+          </a:p>
+          <a:p>
+            <a:pPr eaLnBrk="1" hangingPunct="1"/>
+            <a:r>
+              <a:rPr lang="en-US" sz="2200" dirty="0" err="1">
+                <a:latin typeface="Trebuchet MS" charset="0"/>
+              </a:rPr>
+              <a:t>context_title</a:t>
+            </a:r>
+            <a:r>
+              <a:rPr lang="en-US" sz="2200" dirty="0">
+                <a:latin typeface="Trebuchet MS" charset="0"/>
+              </a:rPr>
+              <a:t>=SI301 – </a:t>
+            </a:r>
+            <a:r>
+              <a:rPr lang="en-US" sz="2200" dirty="0" smtClean="0">
+                <a:latin typeface="Trebuchet MS" charset="0"/>
+              </a:rPr>
+              <a:t>PHP</a:t>
+            </a:r>
+            <a:endParaRPr lang="en-US" sz="2200" dirty="0">
+              <a:latin typeface="Trebuchet MS" charset="0"/>
+            </a:endParaRPr>
+          </a:p>
+          <a:p>
+            <a:pPr eaLnBrk="1" hangingPunct="1"/>
+            <a:r>
+              <a:rPr lang="en-US" sz="2200" dirty="0" err="1">
+                <a:latin typeface="Trebuchet MS" charset="0"/>
+              </a:rPr>
+              <a:t>resource_link_id</a:t>
+            </a:r>
+            <a:r>
+              <a:rPr lang="en-US" sz="2200" dirty="0">
+                <a:latin typeface="Trebuchet MS" charset="0"/>
+              </a:rPr>
+              <a:t>=120988f929-274612</a:t>
+            </a:r>
+          </a:p>
+          <a:p>
+            <a:pPr eaLnBrk="1" hangingPunct="1">
+              <a:spcAft>
+                <a:spcPts val="600"/>
+              </a:spcAft>
+            </a:pPr>
+            <a:r>
+              <a:rPr lang="en-US" sz="2200" dirty="0" err="1">
+                <a:latin typeface="Trebuchet MS" charset="0"/>
+              </a:rPr>
+              <a:t>user_id</a:t>
+            </a:r>
+            <a:r>
+              <a:rPr lang="en-US" sz="2200" dirty="0">
+                <a:latin typeface="Trebuchet MS" charset="0"/>
+              </a:rPr>
+              <a:t>=292832126</a:t>
+            </a:r>
+          </a:p>
+          <a:p>
+            <a:pPr eaLnBrk="1" hangingPunct="1">
+              <a:spcAft>
+                <a:spcPts val="600"/>
+              </a:spcAft>
+            </a:pPr>
+            <a:r>
+              <a:rPr lang="en-US" sz="2200" dirty="0">
+                <a:latin typeface="Trebuchet MS" charset="0"/>
+              </a:rPr>
+              <a:t>roles=Instructor</a:t>
+            </a:r>
+          </a:p>
+          <a:p>
+            <a:pPr eaLnBrk="1" hangingPunct="1">
+              <a:spcAft>
+                <a:spcPts val="600"/>
+              </a:spcAft>
+            </a:pPr>
+            <a:r>
+              <a:rPr lang="en-US" sz="2200" dirty="0" err="1">
+                <a:latin typeface="Trebuchet MS" charset="0"/>
+              </a:rPr>
+              <a:t>lis_person_name_full</a:t>
+            </a:r>
+            <a:r>
+              <a:rPr lang="en-US" sz="2200" dirty="0">
+                <a:latin typeface="Trebuchet MS" charset="0"/>
+              </a:rPr>
+              <a:t>=Charles R. Severance</a:t>
+            </a:r>
+          </a:p>
+          <a:p>
+            <a:pPr eaLnBrk="1" hangingPunct="1">
+              <a:spcAft>
+                <a:spcPts val="600"/>
+              </a:spcAft>
+            </a:pPr>
+            <a:r>
+              <a:rPr lang="en-US" sz="2200" dirty="0" err="1">
+                <a:latin typeface="Trebuchet MS" charset="0"/>
+              </a:rPr>
+              <a:t>lis_person_contact_email_primary</a:t>
+            </a:r>
+            <a:r>
+              <a:rPr lang="en-US" sz="2200" dirty="0">
+                <a:latin typeface="Trebuchet MS" charset="0"/>
+              </a:rPr>
+              <a:t> = </a:t>
+            </a:r>
+            <a:r>
+              <a:rPr lang="en-US" sz="2200" dirty="0" err="1">
+                <a:latin typeface="Trebuchet MS" charset="0"/>
+              </a:rPr>
+              <a:t>csev@umich.edu</a:t>
+            </a:r>
+            <a:endParaRPr lang="en-US" sz="2200" dirty="0">
+              <a:latin typeface="Trebuchet MS" charset="0"/>
+            </a:endParaRPr>
+          </a:p>
+          <a:p>
+            <a:pPr eaLnBrk="1" hangingPunct="1"/>
+            <a:r>
+              <a:rPr lang="en-US" sz="2200" dirty="0" err="1" smtClean="0">
+                <a:latin typeface="Trebuchet MS" charset="0"/>
+              </a:rPr>
+              <a:t>tool_consumer_instance_description</a:t>
+            </a:r>
+            <a:r>
+              <a:rPr lang="en-US" sz="2200" dirty="0">
+                <a:latin typeface="Trebuchet MS" charset="0"/>
+              </a:rPr>
+              <a:t>=University of </a:t>
+            </a:r>
+            <a:r>
+              <a:rPr lang="en-US" sz="2200" dirty="0" smtClean="0">
+                <a:latin typeface="Trebuchet MS" charset="0"/>
+              </a:rPr>
+              <a:t>School</a:t>
+            </a:r>
+          </a:p>
+          <a:p>
+            <a:pPr eaLnBrk="1" hangingPunct="1"/>
+            <a:r>
+              <a:rPr lang="en-US" sz="2200" dirty="0" err="1">
+                <a:solidFill>
+                  <a:srgbClr val="FFFF00"/>
+                </a:solidFill>
+                <a:latin typeface="Trebuchet MS" charset="0"/>
+              </a:rPr>
+              <a:t>oauth_consumer_key</a:t>
+            </a:r>
+            <a:r>
+              <a:rPr lang="en-US" sz="2200" dirty="0">
+                <a:solidFill>
+                  <a:srgbClr val="FFFF00"/>
+                </a:solidFill>
+                <a:latin typeface="Trebuchet MS" charset="0"/>
+              </a:rPr>
+              <a:t>=</a:t>
+            </a:r>
+            <a:r>
+              <a:rPr lang="en-US" sz="2200" dirty="0" err="1">
+                <a:solidFill>
+                  <a:srgbClr val="FFFF00"/>
+                </a:solidFill>
+                <a:latin typeface="Trebuchet MS" charset="0"/>
+              </a:rPr>
+              <a:t>lmsng.school.edu</a:t>
+            </a:r>
+            <a:endParaRPr lang="en-US" sz="2200" dirty="0">
+              <a:solidFill>
+                <a:srgbClr val="FFFF00"/>
+              </a:solidFill>
+              <a:latin typeface="Trebuchet MS" charset="0"/>
+            </a:endParaRPr>
+          </a:p>
+          <a:p>
+            <a:pPr eaLnBrk="1" hangingPunct="1"/>
+            <a:r>
+              <a:rPr lang="en-US" sz="2200" dirty="0" smtClean="0">
+                <a:latin typeface="Trebuchet MS" charset="0"/>
+              </a:rPr>
+              <a:t>...</a:t>
+            </a:r>
+            <a:endParaRPr lang="en-US" sz="2200" dirty="0">
+              <a:latin typeface="Trebuchet MS" charset="0"/>
+            </a:endParaRPr>
+          </a:p>
+        </p:txBody>
+      </p:sp>
+    </p:spTree>
+    <p:extLst>
+      <p:ext uri="{BB962C8B-B14F-4D97-AF65-F5344CB8AC3E}">
+        <p14:creationId xmlns:p14="http://schemas.microsoft.com/office/powerpoint/2010/main" val="994799795"/>
+      </p:ext>
+    </p:extLst>
+  </p:cSld>
+  <p:clrMapOvr>
+    <a:masterClrMapping/>
+  </p:clrMapOvr>
+  <p:transition xmlns:p14="http://schemas.microsoft.com/office/powerpoint/2010/main"/>
+  <p:timing>
+    <p:tnLst>
+      <p:par>
+        <p:cTn xmlns:p14="http://schemas.microsoft.com/office/powerpoint/2010/main" id="1" dur="indefinite" restart="never" nodeType="tmRoot"/>
+      </p:par>
+    </p:tnLst>
+  </p:timing>
+</p:sld>
+</file>
+
+<file path=ppt/slides/slide24.xml><?xml version="1.0" encoding="utf-8"?>
+<p:sld xmlns:a="http://schemas.openxmlformats.org/drawingml/2006/main" xmlns:r="http://schemas.openxmlformats.org/officeDocument/2006/relationships" xmlns:p="http://schemas.openxmlformats.org/presentationml/2006/main">
+  <p:cSld>
+    <p:spTree>
+      <p:nvGrpSpPr>
+        <p:cNvPr id="1" name=""/>
+        <p:cNvGrpSpPr/>
+        <p:nvPr/>
+      </p:nvGrpSpPr>
+      <p:grpSpPr>
+        <a:xfrm>
+          <a:off x="0" y="0"/>
+          <a:ext cx="0" cy="0"/>
+          <a:chOff x="0" y="0"/>
+          <a:chExt cx="0" cy="0"/>
+        </a:xfrm>
+      </p:grpSpPr>
+      <p:pic>
+        <p:nvPicPr>
+          <p:cNvPr id="4" name="Picture 3" descr="Untitled.png"/>
+          <p:cNvPicPr>
+            <a:picLocks noChangeAspect="1"/>
+          </p:cNvPicPr>
+          <p:nvPr/>
+        </p:nvPicPr>
+        <p:blipFill>
+          <a:blip r:embed="rId2">
+            <a:extLst>
+              <a:ext uri="{28A0092B-C50C-407E-A947-70E740481C1C}">
+                <a14:useLocalDpi xmlns:a14="http://schemas.microsoft.com/office/drawing/2010/main" val="0"/>
+              </a:ext>
+            </a:extLst>
+          </a:blip>
+          <a:stretch>
+            <a:fillRect/>
+          </a:stretch>
+        </p:blipFill>
+        <p:spPr>
+          <a:xfrm>
+            <a:off x="1205802" y="0"/>
+            <a:ext cx="7446475" cy="6858000"/>
+          </a:xfrm>
+          <a:prstGeom prst="rect">
+            <a:avLst/>
+          </a:prstGeom>
+        </p:spPr>
+      </p:pic>
+      <p:pic>
+        <p:nvPicPr>
+          <p:cNvPr id="5" name="Picture 4" descr="Oauth_logo.svg.png"/>
+          <p:cNvPicPr>
+            <a:picLocks noChangeAspect="1"/>
+          </p:cNvPicPr>
+          <p:nvPr/>
+        </p:nvPicPr>
+        <p:blipFill>
+          <a:blip r:embed="rId3">
+            <a:extLst>
+              <a:ext uri="{28A0092B-C50C-407E-A947-70E740481C1C}">
+                <a14:useLocalDpi xmlns:a14="http://schemas.microsoft.com/office/drawing/2010/main" val="0"/>
+              </a:ext>
+            </a:extLst>
+          </a:blip>
+          <a:stretch>
+            <a:fillRect/>
+          </a:stretch>
+        </p:blipFill>
+        <p:spPr>
+          <a:xfrm>
+            <a:off x="6575641" y="2234425"/>
+            <a:ext cx="1126045" cy="1131675"/>
+          </a:xfrm>
+          <a:prstGeom prst="rect">
+            <a:avLst/>
+          </a:prstGeom>
+        </p:spPr>
+      </p:pic>
+    </p:spTree>
+    <p:extLst>
+      <p:ext uri="{BB962C8B-B14F-4D97-AF65-F5344CB8AC3E}">
+        <p14:creationId xmlns:p14="http://schemas.microsoft.com/office/powerpoint/2010/main" val="3446470679"/>
+      </p:ext>
+    </p:extLst>
+  </p:cSld>
+  <p:clrMapOvr>
+    <a:masterClrMapping/>
+  </p:clrMapOvr>
+  <p:timing>
+    <p:tnLst>
+      <p:par>
+        <p:cTn xmlns:p14="http://schemas.microsoft.com/office/powerpoint/2010/main" id="1" dur="indefinite" restart="never" nodeType="tmRoot"/>
+      </p:par>
+    </p:tnLst>
+  </p:timing>
+</p:sld>
+</file>
+
+<file path=ppt/slides/slide25.xml><?xml version="1.0" encoding="utf-8"?>
+<p:sld xmlns:a="http://schemas.openxmlformats.org/drawingml/2006/main" xmlns:r="http://schemas.openxmlformats.org/officeDocument/2006/relationships" xmlns:p="http://schemas.openxmlformats.org/presentationml/2006/main">
+  <p:cSld>
+    <p:spTree>
+      <p:nvGrpSpPr>
+        <p:cNvPr id="1" name=""/>
+        <p:cNvGrpSpPr/>
+        <p:nvPr/>
+      </p:nvGrpSpPr>
+      <p:grpSpPr>
+        <a:xfrm>
+          <a:off x="0" y="0"/>
+          <a:ext cx="0" cy="0"/>
+          <a:chOff x="0" y="0"/>
+          <a:chExt cx="0" cy="0"/>
+        </a:xfrm>
+      </p:grpSpPr>
+      <p:sp>
+        <p:nvSpPr>
+          <p:cNvPr id="4" name="Rounded Rectangle 3"/>
+          <p:cNvSpPr/>
+          <p:nvPr/>
+        </p:nvSpPr>
+        <p:spPr>
+          <a:xfrm>
+            <a:off x="5029200" y="228600"/>
+            <a:ext cx="3962400" cy="3048000"/>
+          </a:xfrm>
+          <a:prstGeom prst="roundRect">
+            <a:avLst/>
+          </a:prstGeom>
+        </p:spPr>
+        <p:style>
+          <a:lnRef idx="1">
+            <a:schemeClr val="accent1"/>
+          </a:lnRef>
+          <a:fillRef idx="3">
+            <a:schemeClr val="accent1"/>
+          </a:fillRef>
+          <a:effectRef idx="2">
+            <a:schemeClr val="accent1"/>
+          </a:effectRef>
+          <a:fontRef idx="minor">
+            <a:schemeClr val="lt1"/>
+          </a:fontRef>
+        </p:style>
+        <p:txBody>
+          <a:bodyPr/>
+          <a:lstStyle/>
+          <a:p>
+            <a:pPr>
+              <a:defRPr/>
+            </a:pPr>
+            <a:r>
+              <a:rPr lang="en-US">
+                <a:solidFill>
+                  <a:srgbClr val="FFFFFF"/>
+                </a:solidFill>
+              </a:rPr>
+              <a:t>LMS (LTI Consumer)</a:t>
+            </a:r>
+          </a:p>
+        </p:txBody>
+      </p:sp>
+      <p:sp>
+        <p:nvSpPr>
+          <p:cNvPr id="5" name="Rounded Rectangle 4"/>
+          <p:cNvSpPr/>
+          <p:nvPr/>
+        </p:nvSpPr>
+        <p:spPr>
+          <a:xfrm>
+            <a:off x="5029200" y="3581400"/>
+            <a:ext cx="3962400" cy="3048000"/>
+          </a:xfrm>
+          <a:prstGeom prst="roundRect">
+            <a:avLst/>
+          </a:prstGeom>
+        </p:spPr>
+        <p:style>
+          <a:lnRef idx="2">
+            <a:schemeClr val="accent4">
+              <a:shade val="50000"/>
+            </a:schemeClr>
+          </a:lnRef>
+          <a:fillRef idx="1">
+            <a:schemeClr val="accent4"/>
+          </a:fillRef>
+          <a:effectRef idx="0">
+            <a:schemeClr val="accent4"/>
+          </a:effectRef>
+          <a:fontRef idx="minor">
+            <a:schemeClr val="lt1"/>
+          </a:fontRef>
+        </p:style>
+        <p:txBody>
+          <a:bodyPr/>
+          <a:lstStyle/>
+          <a:p>
+            <a:pPr>
+              <a:defRPr/>
+            </a:pPr>
+            <a:r>
+              <a:rPr lang="en-US">
+                <a:solidFill>
+                  <a:srgbClr val="FFFFFF"/>
+                </a:solidFill>
+              </a:rPr>
+              <a:t>Tool (LTI Provider)</a:t>
+            </a:r>
+          </a:p>
+        </p:txBody>
+      </p:sp>
+      <p:pic>
+        <p:nvPicPr>
+          <p:cNvPr id="31749" name="Picture 5" descr="generic-browser-image-2.png"/>
+          <p:cNvPicPr>
+            <a:picLocks noChangeAspect="1"/>
+          </p:cNvPicPr>
+          <p:nvPr/>
+        </p:nvPicPr>
+        <p:blipFill>
+          <a:blip r:embed="rId2">
+            <a:extLst>
+              <a:ext uri="{28A0092B-C50C-407E-A947-70E740481C1C}">
+                <a14:useLocalDpi xmlns:a14="http://schemas.microsoft.com/office/drawing/2010/main" val="0"/>
+              </a:ext>
+            </a:extLst>
+          </a:blip>
+          <a:srcRect/>
+          <a:stretch>
+            <a:fillRect/>
+          </a:stretch>
+        </p:blipFill>
+        <p:spPr bwMode="auto">
+          <a:xfrm>
+            <a:off x="228600" y="1600200"/>
+            <a:ext cx="4616450" cy="3429000"/>
+          </a:xfrm>
+          <a:prstGeom prst="rect">
+            <a:avLst/>
+          </a:prstGeom>
+          <a:noFill/>
+          <a:ln>
+            <a:noFill/>
+          </a:ln>
+          <a:extLst>
+            <a:ext uri="{909E8E84-426E-40dd-AFC4-6F175D3DCCD1}">
+              <a14:hiddenFill xmlns:a14="http://schemas.microsoft.com/office/drawing/2010/main">
+                <a:solidFill>
+                  <a:srgbClr val="FFFFFF"/>
+                </a:solidFill>
+              </a14:hiddenFill>
+            </a:ext>
+            <a:ext uri="{91240B29-F687-4f45-9708-019B960494DF}">
+              <a14:hiddenLine xmlns:a14="http://schemas.microsoft.com/office/drawing/2010/main" w="9525">
+                <a:solidFill>
+                  <a:srgbClr val="000000"/>
+                </a:solidFill>
+                <a:miter lim="800000"/>
+                <a:headEnd/>
+                <a:tailEnd/>
+              </a14:hiddenLine>
+            </a:ext>
+          </a:extLst>
+        </p:spPr>
+      </p:pic>
+      <p:sp>
+        <p:nvSpPr>
+          <p:cNvPr id="31750" name="Rectangle 7"/>
+          <p:cNvSpPr>
+            <a:spLocks noChangeArrowheads="1"/>
+          </p:cNvSpPr>
+          <p:nvPr/>
+        </p:nvSpPr>
+        <p:spPr bwMode="auto">
+          <a:xfrm>
+            <a:off x="609600" y="2514600"/>
+            <a:ext cx="3657600" cy="1477328"/>
+          </a:xfrm>
+          <a:prstGeom prst="rect">
+            <a:avLst/>
+          </a:prstGeom>
+          <a:noFill/>
+          <a:ln>
+            <a:noFill/>
+          </a:ln>
+          <a:extLst>
+            <a:ext uri="{909E8E84-426E-40dd-AFC4-6F175D3DCCD1}">
+              <a14:hiddenFill xmlns:a14="http://schemas.microsoft.com/office/drawing/2010/main">
+                <a:solidFill>
+                  <a:srgbClr val="FFFFFF"/>
+                </a:solidFill>
+              </a14:hiddenFill>
+            </a:ext>
+            <a:ext uri="{91240B29-F687-4f45-9708-019B960494DF}">
+              <a14:hiddenLine xmlns:a14="http://schemas.microsoft.com/office/drawing/2010/main" w="9525">
+                <a:solidFill>
+                  <a:srgbClr val="000000"/>
+                </a:solidFill>
+                <a:miter lim="800000"/>
+                <a:headEnd/>
+                <a:tailEnd/>
+              </a14:hiddenLine>
+            </a:ext>
+          </a:extLst>
+        </p:spPr>
+        <p:txBody>
+          <a:bodyPr>
+            <a:spAutoFit/>
+          </a:bodyPr>
+          <a:lstStyle/>
+          <a:p>
+            <a:r>
+              <a:rPr lang="en-US" dirty="0">
+                <a:solidFill>
+                  <a:srgbClr val="0000FF"/>
+                </a:solidFill>
+                <a:latin typeface="Trebuchet MS" charset="0"/>
+              </a:rPr>
+              <a:t>Week 1</a:t>
+            </a:r>
+          </a:p>
+          <a:p>
+            <a:r>
+              <a:rPr lang="en-US" dirty="0">
+                <a:solidFill>
+                  <a:srgbClr val="0000FF"/>
+                </a:solidFill>
+                <a:latin typeface="Trebuchet MS" charset="0"/>
+              </a:rPr>
+              <a:t>  Local Resource</a:t>
+            </a:r>
+          </a:p>
+          <a:p>
+            <a:r>
+              <a:rPr lang="en-US" dirty="0">
+                <a:solidFill>
+                  <a:srgbClr val="0000FF"/>
+                </a:solidFill>
+                <a:latin typeface="Trebuchet MS" charset="0"/>
+              </a:rPr>
+              <a:t>  Local Resource</a:t>
+            </a:r>
+          </a:p>
+          <a:p>
+            <a:r>
+              <a:rPr lang="en-US" dirty="0">
+                <a:solidFill>
+                  <a:srgbClr val="0000FF"/>
+                </a:solidFill>
+                <a:latin typeface="Trebuchet MS" charset="0"/>
+              </a:rPr>
+              <a:t>  LTI Tool</a:t>
+            </a:r>
+          </a:p>
+          <a:p>
+            <a:r>
+              <a:rPr lang="en-US" dirty="0">
+                <a:solidFill>
+                  <a:srgbClr val="0000FF"/>
+                </a:solidFill>
+                <a:latin typeface="Trebuchet MS" charset="0"/>
+              </a:rPr>
+              <a:t>  Movie</a:t>
+            </a:r>
+          </a:p>
+        </p:txBody>
+      </p:sp>
+      <p:sp>
+        <p:nvSpPr>
+          <p:cNvPr id="10" name="Rectangle 9"/>
+          <p:cNvSpPr>
+            <a:spLocks noChangeArrowheads="1"/>
+          </p:cNvSpPr>
+          <p:nvPr/>
+        </p:nvSpPr>
+        <p:spPr bwMode="auto">
+          <a:xfrm>
+            <a:off x="5181600" y="990600"/>
+            <a:ext cx="3657600" cy="708025"/>
+          </a:xfrm>
+          <a:prstGeom prst="rect">
+            <a:avLst/>
+          </a:prstGeom>
+          <a:noFill/>
+          <a:ln>
+            <a:noFill/>
+          </a:ln>
+          <a:extLst>
+            <a:ext uri="{909E8E84-426E-40dd-AFC4-6F175D3DCCD1}">
+              <a14:hiddenFill xmlns:a14="http://schemas.microsoft.com/office/drawing/2010/main">
+                <a:solidFill>
+                  <a:srgbClr val="FFFFFF"/>
+                </a:solidFill>
+              </a14:hiddenFill>
+            </a:ext>
+            <a:ext uri="{91240B29-F687-4f45-9708-019B960494DF}">
+              <a14:hiddenLine xmlns:a14="http://schemas.microsoft.com/office/drawing/2010/main" w="9525">
+                <a:solidFill>
+                  <a:srgbClr val="000000"/>
+                </a:solidFill>
+                <a:miter lim="800000"/>
+                <a:headEnd/>
+                <a:tailEnd/>
+              </a14:hiddenLine>
+            </a:ext>
+          </a:extLst>
+        </p:spPr>
+        <p:txBody>
+          <a:bodyPr>
+            <a:spAutoFit/>
+          </a:bodyPr>
+          <a:lstStyle/>
+          <a:p>
+            <a:pPr algn="ctr"/>
+            <a:r>
+              <a:rPr lang="en-US" sz="2000" dirty="0">
+                <a:latin typeface="Trebuchet MS" charset="0"/>
+              </a:rPr>
+              <a:t>LMS Looks up User and Course </a:t>
+            </a:r>
+            <a:r>
+              <a:rPr lang="en-US" sz="2000" dirty="0" smtClean="0">
+                <a:latin typeface="Trebuchet MS" charset="0"/>
+              </a:rPr>
+              <a:t>Information in LMS session.</a:t>
+            </a:r>
+            <a:endParaRPr lang="en-US" sz="2000" dirty="0">
+              <a:latin typeface="Trebuchet MS" charset="0"/>
+            </a:endParaRPr>
+          </a:p>
+        </p:txBody>
+      </p:sp>
+      <p:sp>
+        <p:nvSpPr>
+          <p:cNvPr id="11" name="Rectangle 10"/>
+          <p:cNvSpPr>
+            <a:spLocks noChangeArrowheads="1"/>
+          </p:cNvSpPr>
+          <p:nvPr/>
+        </p:nvSpPr>
+        <p:spPr bwMode="auto">
+          <a:xfrm>
+            <a:off x="5334000" y="1752600"/>
+            <a:ext cx="3505200" cy="707886"/>
+          </a:xfrm>
+          <a:prstGeom prst="rect">
+            <a:avLst/>
+          </a:prstGeom>
+          <a:noFill/>
+          <a:ln>
+            <a:noFill/>
+          </a:ln>
+          <a:extLst>
+            <a:ext uri="{909E8E84-426E-40dd-AFC4-6F175D3DCCD1}">
+              <a14:hiddenFill xmlns:a14="http://schemas.microsoft.com/office/drawing/2010/main">
+                <a:solidFill>
+                  <a:srgbClr val="FFFFFF"/>
+                </a:solidFill>
+              </a14:hiddenFill>
+            </a:ext>
+            <a:ext uri="{91240B29-F687-4f45-9708-019B960494DF}">
+              <a14:hiddenLine xmlns:a14="http://schemas.microsoft.com/office/drawing/2010/main" w="9525">
+                <a:solidFill>
+                  <a:srgbClr val="000000"/>
+                </a:solidFill>
+                <a:miter lim="800000"/>
+                <a:headEnd/>
+                <a:tailEnd/>
+              </a14:hiddenLine>
+            </a:ext>
+          </a:extLst>
+        </p:spPr>
+        <p:txBody>
+          <a:bodyPr>
+            <a:spAutoFit/>
+          </a:bodyPr>
+          <a:lstStyle/>
+          <a:p>
+            <a:pPr algn="ctr"/>
+            <a:r>
+              <a:rPr lang="en-US" sz="2000" dirty="0">
+                <a:latin typeface="Trebuchet MS" charset="0"/>
+              </a:rPr>
+              <a:t>Information is signed </a:t>
+            </a:r>
+            <a:r>
+              <a:rPr lang="en-US" sz="2000" dirty="0" smtClean="0">
+                <a:latin typeface="Trebuchet MS" charset="0"/>
+              </a:rPr>
+              <a:t>using</a:t>
+            </a:r>
+          </a:p>
+          <a:p>
+            <a:pPr algn="ctr"/>
+            <a:r>
+              <a:rPr lang="en-US" sz="2000" dirty="0" err="1" smtClean="0">
+                <a:latin typeface="Trebuchet MS" charset="0"/>
+              </a:rPr>
+              <a:t>OAuth</a:t>
+            </a:r>
+            <a:r>
+              <a:rPr lang="en-US" sz="2000" dirty="0" smtClean="0">
+                <a:latin typeface="Trebuchet MS" charset="0"/>
+              </a:rPr>
+              <a:t> using a </a:t>
+            </a:r>
+            <a:r>
+              <a:rPr lang="en-US" sz="2000" dirty="0" smtClean="0">
+                <a:solidFill>
+                  <a:srgbClr val="FF0000"/>
+                </a:solidFill>
+                <a:latin typeface="Trebuchet MS" charset="0"/>
+              </a:rPr>
+              <a:t>shared secret</a:t>
+            </a:r>
+            <a:endParaRPr lang="en-US" sz="2000" dirty="0">
+              <a:latin typeface="Trebuchet MS" charset="0"/>
+            </a:endParaRPr>
+          </a:p>
+        </p:txBody>
+      </p:sp>
+      <p:sp>
+        <p:nvSpPr>
+          <p:cNvPr id="12" name="Rectangle 11"/>
+          <p:cNvSpPr>
+            <a:spLocks noChangeArrowheads="1"/>
+          </p:cNvSpPr>
+          <p:nvPr/>
+        </p:nvSpPr>
+        <p:spPr bwMode="auto">
+          <a:xfrm>
+            <a:off x="5410200" y="2590800"/>
+            <a:ext cx="3233738" cy="400050"/>
+          </a:xfrm>
+          <a:prstGeom prst="rect">
+            <a:avLst/>
+          </a:prstGeom>
+          <a:noFill/>
+          <a:ln>
+            <a:noFill/>
+          </a:ln>
+          <a:extLst>
+            <a:ext uri="{909E8E84-426E-40dd-AFC4-6F175D3DCCD1}">
+              <a14:hiddenFill xmlns:a14="http://schemas.microsoft.com/office/drawing/2010/main">
+                <a:solidFill>
+                  <a:srgbClr val="FFFFFF"/>
+                </a:solidFill>
+              </a14:hiddenFill>
+            </a:ext>
+            <a:ext uri="{91240B29-F687-4f45-9708-019B960494DF}">
+              <a14:hiddenLine xmlns:a14="http://schemas.microsoft.com/office/drawing/2010/main" w="9525">
+                <a:solidFill>
+                  <a:srgbClr val="000000"/>
+                </a:solidFill>
+                <a:miter lim="800000"/>
+                <a:headEnd/>
+                <a:tailEnd/>
+              </a14:hiddenLine>
+            </a:ext>
+          </a:extLst>
+        </p:spPr>
+        <p:txBody>
+          <a:bodyPr wrap="none">
+            <a:spAutoFit/>
+          </a:bodyPr>
+          <a:lstStyle/>
+          <a:p>
+            <a:r>
+              <a:rPr lang="en-US" sz="2000">
+                <a:latin typeface="Trebuchet MS" charset="0"/>
+              </a:rPr>
+              <a:t>Form data sent to Browser</a:t>
+            </a:r>
+          </a:p>
+        </p:txBody>
+      </p:sp>
+      <p:cxnSp>
+        <p:nvCxnSpPr>
+          <p:cNvPr id="15" name="Straight Arrow Connector 14"/>
+          <p:cNvCxnSpPr/>
+          <p:nvPr/>
+        </p:nvCxnSpPr>
+        <p:spPr>
+          <a:xfrm flipV="1">
+            <a:off x="1720278" y="1371600"/>
+            <a:ext cx="3461322" cy="2209800"/>
+          </a:xfrm>
+          <a:prstGeom prst="straightConnector1">
+            <a:avLst/>
+          </a:prstGeom>
+          <a:ln w="76200" cap="flat" cmpd="sng" algn="ctr">
+            <a:solidFill>
+              <a:schemeClr val="accent1">
+                <a:lumMod val="50000"/>
+              </a:schemeClr>
+            </a:solidFill>
+            <a:prstDash val="solid"/>
+            <a:round/>
+            <a:headEnd type="none" w="med" len="med"/>
+            <a:tailEnd type="arrow" w="med" len="med"/>
+          </a:ln>
+        </p:spPr>
+        <p:style>
+          <a:lnRef idx="2">
+            <a:schemeClr val="accent1"/>
+          </a:lnRef>
+          <a:fillRef idx="0">
+            <a:schemeClr val="accent1"/>
+          </a:fillRef>
+          <a:effectRef idx="1">
+            <a:schemeClr val="accent1"/>
+          </a:effectRef>
+          <a:fontRef idx="minor">
+            <a:schemeClr val="tx1"/>
+          </a:fontRef>
+        </p:style>
+      </p:cxnSp>
+      <p:cxnSp>
+        <p:nvCxnSpPr>
+          <p:cNvPr id="18" name="Straight Arrow Connector 17"/>
+          <p:cNvCxnSpPr/>
+          <p:nvPr/>
+        </p:nvCxnSpPr>
+        <p:spPr>
+          <a:xfrm flipH="1">
+            <a:off x="3778180" y="2895600"/>
+            <a:ext cx="1479620" cy="685800"/>
+          </a:xfrm>
+          <a:prstGeom prst="straightConnector1">
+            <a:avLst/>
+          </a:prstGeom>
+          <a:ln w="76200" cap="flat" cmpd="sng" algn="ctr">
+            <a:solidFill>
+              <a:schemeClr val="accent1">
+                <a:lumMod val="50000"/>
+              </a:schemeClr>
+            </a:solidFill>
+            <a:prstDash val="solid"/>
+            <a:round/>
+            <a:headEnd type="none" w="med" len="med"/>
+            <a:tailEnd type="arrow" w="med" len="med"/>
+          </a:ln>
+        </p:spPr>
+        <p:style>
+          <a:lnRef idx="2">
+            <a:schemeClr val="accent1"/>
+          </a:lnRef>
+          <a:fillRef idx="0">
+            <a:schemeClr val="accent1"/>
+          </a:fillRef>
+          <a:effectRef idx="1">
+            <a:schemeClr val="accent1"/>
+          </a:effectRef>
+          <a:fontRef idx="minor">
+            <a:schemeClr val="tx1"/>
+          </a:fontRef>
+        </p:style>
+      </p:cxnSp>
+      <p:pic>
+        <p:nvPicPr>
+          <p:cNvPr id="7" name="Picture 6" descr="hand-pointer.png"/>
+          <p:cNvPicPr>
+            <a:picLocks noChangeAspect="1"/>
+          </p:cNvPicPr>
+          <p:nvPr/>
+        </p:nvPicPr>
+        <p:blipFill>
+          <a:blip r:embed="rId3">
+            <a:extLst>
+              <a:ext uri="{28A0092B-C50C-407E-A947-70E740481C1C}">
+                <a14:useLocalDpi xmlns:a14="http://schemas.microsoft.com/office/drawing/2010/main" val="0"/>
+              </a:ext>
+            </a:extLst>
+          </a:blip>
+          <a:srcRect/>
+          <a:stretch>
+            <a:fillRect/>
+          </a:stretch>
+        </p:blipFill>
+        <p:spPr bwMode="auto">
+          <a:xfrm>
+            <a:off x="1905000" y="3810000"/>
+            <a:ext cx="457200" cy="484188"/>
+          </a:xfrm>
+          <a:prstGeom prst="rect">
+            <a:avLst/>
+          </a:prstGeom>
+          <a:noFill/>
+          <a:ln>
+            <a:noFill/>
+          </a:ln>
+          <a:extLst>
+            <a:ext uri="{909E8E84-426E-40dd-AFC4-6F175D3DCCD1}">
+              <a14:hiddenFill xmlns:a14="http://schemas.microsoft.com/office/drawing/2010/main">
+                <a:solidFill>
+                  <a:srgbClr val="FFFFFF"/>
+                </a:solidFill>
+              </a14:hiddenFill>
+            </a:ext>
+            <a:ext uri="{91240B29-F687-4f45-9708-019B960494DF}">
+              <a14:hiddenLine xmlns:a14="http://schemas.microsoft.com/office/drawing/2010/main" w="9525">
+                <a:solidFill>
+                  <a:srgbClr val="000000"/>
+                </a:solidFill>
+                <a:miter lim="800000"/>
+                <a:headEnd/>
+                <a:tailEnd/>
+              </a14:hiddenLine>
+            </a:ext>
+          </a:extLst>
+        </p:spPr>
+      </p:pic>
+    </p:spTree>
+    <p:extLst>
+      <p:ext uri="{BB962C8B-B14F-4D97-AF65-F5344CB8AC3E}">
+        <p14:creationId xmlns:p14="http://schemas.microsoft.com/office/powerpoint/2010/main" val="3849150823"/>
+      </p:ext>
+    </p:extLst>
+  </p:cSld>
+  <p:clrMapOvr>
+    <a:masterClrMapping/>
+  </p:clrMapOvr>
+  <p:transition xmlns:p14="http://schemas.microsoft.com/office/powerpoint/2010/main"/>
+  <p:timing>
+    <p:tnLst>
+      <p:par>
+        <p:cTn xmlns:p14="http://schemas.microsoft.com/office/powerpoint/2010/main" id="1" dur="indefinite" restart="never" nodeType="tmRoot">
+          <p:childTnLst>
+            <p:seq concurrent="1" nextAc="seek">
+              <p:cTn id="2" dur="indefinite" nodeType="mainSeq">
+                <p:childTnLst>
+                  <p:par>
+                    <p:cTn id="3" fill="hold" nodeType="clickPar">
+                      <p:stCondLst>
+                        <p:cond delay="indefinite"/>
+                      </p:stCondLst>
+                      <p:childTnLst>
+                        <p:par>
+                          <p:cTn id="4" fill="hold" nodeType="withGroup">
+                            <p:stCondLst>
+                              <p:cond delay="0"/>
+                            </p:stCondLst>
+                            <p:childTnLst>
+                              <p:par>
+                                <p:cTn id="5" presetID="15" presetClass="entr" presetSubtype="0" fill="hold" nodeType="clickEffect">
+                                  <p:stCondLst>
+                                    <p:cond delay="0"/>
+                                  </p:stCondLst>
+                                  <p:childTnLst>
+                                    <p:set>
+                                      <p:cBhvr>
+                                        <p:cTn id="6" dur="1" fill="hold">
+                                          <p:stCondLst>
+                                            <p:cond delay="0"/>
+                                          </p:stCondLst>
+                                        </p:cTn>
+                                        <p:tgtEl>
+                                          <p:spTgt spid="7"/>
+                                        </p:tgtEl>
+                                        <p:attrNameLst>
+                                          <p:attrName>style.visibility</p:attrName>
+                                        </p:attrNameLst>
+                                      </p:cBhvr>
+                                      <p:to>
+                                        <p:strVal val="visible"/>
+                                      </p:to>
+                                    </p:set>
+                                    <p:anim calcmode="lin" valueType="num">
+                                      <p:cBhvr>
+                                        <p:cTn id="7" dur="1000" fill="hold"/>
+                                        <p:tgtEl>
+                                          <p:spTgt spid="7"/>
+                                        </p:tgtEl>
+                                        <p:attrNameLst>
+                                          <p:attrName>ppt_w</p:attrName>
+                                        </p:attrNameLst>
+                                      </p:cBhvr>
+                                      <p:tavLst>
+                                        <p:tav tm="0">
+                                          <p:val>
+                                            <p:fltVal val="0"/>
+                                          </p:val>
+                                        </p:tav>
+                                        <p:tav tm="100000">
+                                          <p:val>
+                                            <p:strVal val="#ppt_w"/>
+                                          </p:val>
+                                        </p:tav>
+                                      </p:tavLst>
+                                    </p:anim>
+                                    <p:anim calcmode="lin" valueType="num">
+                                      <p:cBhvr>
+                                        <p:cTn id="8" dur="1000" fill="hold"/>
+                                        <p:tgtEl>
+                                          <p:spTgt spid="7"/>
+                                        </p:tgtEl>
+                                        <p:attrNameLst>
+                                          <p:attrName>ppt_h</p:attrName>
+                                        </p:attrNameLst>
+                                      </p:cBhvr>
+                                      <p:tavLst>
+                                        <p:tav tm="0">
+                                          <p:val>
+                                            <p:fltVal val="0"/>
+                                          </p:val>
+                                        </p:tav>
+                                        <p:tav tm="100000">
+                                          <p:val>
+                                            <p:strVal val="#ppt_h"/>
+                                          </p:val>
+                                        </p:tav>
+                                      </p:tavLst>
+                                    </p:anim>
+                                    <p:anim calcmode="lin" valueType="num">
+                                      <p:cBhvr>
+                                        <p:cTn id="9" dur="1000" fill="hold"/>
+                                        <p:tgtEl>
+                                          <p:spTgt spid="7"/>
+                                        </p:tgtEl>
+                                        <p:attrNameLst>
+                                          <p:attrName>ppt_x</p:attrName>
+                                        </p:attrNameLst>
+                                      </p:cBhvr>
+                                      <p:tavLst>
+                                        <p:tav tm="0" fmla="#ppt_x+(cos(-2*pi*(1-$))*-#ppt_x-sin(-2*pi*(1-$))*(1-#ppt_y))*(1-$)">
+                                          <p:val>
+                                            <p:fltVal val="0"/>
+                                          </p:val>
+                                        </p:tav>
+                                        <p:tav tm="100000">
+                                          <p:val>
+                                            <p:fltVal val="1"/>
+                                          </p:val>
+                                        </p:tav>
+                                      </p:tavLst>
+                                    </p:anim>
+                                    <p:anim calcmode="lin" valueType="num">
+                                      <p:cBhvr>
+                                        <p:cTn id="10" dur="1000" fill="hold"/>
+                                        <p:tgtEl>
+                                          <p:spTgt spid="7"/>
+                                        </p:tgtEl>
+                                        <p:attrNameLst>
+                                          <p:attrName>ppt_y</p:attrName>
+                                        </p:attrNameLst>
+                                      </p:cBhvr>
+                                      <p:tavLst>
+                                        <p:tav tm="0" fmla="#ppt_y+(sin(-2*pi*(1-$))*-#ppt_x+cos(-2*pi*(1-$))*(1-#ppt_y))*(1-$)">
+                                          <p:val>
+                                            <p:fltVal val="0"/>
+                                          </p:val>
+                                        </p:tav>
+                                        <p:tav tm="100000">
+                                          <p:val>
+                                            <p:fltVal val="1"/>
+                                          </p:val>
+                                        </p:tav>
+                                      </p:tavLst>
+                                    </p:anim>
+                                  </p:childTnLst>
+                                </p:cTn>
+                              </p:par>
+                            </p:childTnLst>
+                          </p:cTn>
+                        </p:par>
+                      </p:childTnLst>
+                    </p:cTn>
+                  </p:par>
+                  <p:par>
+                    <p:cTn id="11" fill="hold" nodeType="clickPar">
+                      <p:stCondLst>
+                        <p:cond delay="indefinite"/>
+                      </p:stCondLst>
+                      <p:childTnLst>
+                        <p:par>
+                          <p:cTn id="12" fill="hold" nodeType="withGroup">
+                            <p:stCondLst>
+                              <p:cond delay="0"/>
+                            </p:stCondLst>
+                            <p:childTnLst>
+                              <p:par>
+                                <p:cTn id="13" presetID="1" presetClass="entr" presetSubtype="0" fill="hold" nodeType="clickEffect">
+                                  <p:stCondLst>
+                                    <p:cond delay="0"/>
+                                  </p:stCondLst>
+                                  <p:childTnLst>
+                                    <p:set>
+                                      <p:cBhvr>
+                                        <p:cTn id="14" dur="1" fill="hold">
+                                          <p:stCondLst>
+                                            <p:cond delay="0"/>
+                                          </p:stCondLst>
+                                        </p:cTn>
+                                        <p:tgtEl>
+                                          <p:spTgt spid="15"/>
+                                        </p:tgtEl>
+                                        <p:attrNameLst>
+                                          <p:attrName>style.visibility</p:attrName>
+                                        </p:attrNameLst>
+                                      </p:cBhvr>
+                                      <p:to>
+                                        <p:strVal val="visible"/>
+                                      </p:to>
+                                    </p:set>
+                                  </p:childTnLst>
+                                </p:cTn>
+                              </p:par>
+                            </p:childTnLst>
+                          </p:cTn>
+                        </p:par>
+                      </p:childTnLst>
+                    </p:cTn>
+                  </p:par>
+                  <p:par>
+                    <p:cTn id="15" fill="hold" nodeType="clickPar">
+                      <p:stCondLst>
+                        <p:cond delay="indefinite"/>
+                      </p:stCondLst>
+                      <p:childTnLst>
+                        <p:par>
+                          <p:cTn id="16" fill="hold" nodeType="withGroup">
+                            <p:stCondLst>
+                              <p:cond delay="0"/>
+                            </p:stCondLst>
+                            <p:childTnLst>
+                              <p:par>
+                                <p:cTn id="17" presetID="1" presetClass="entr" presetSubtype="0" fill="hold" grpId="0" nodeType="clickEffect">
+                                  <p:stCondLst>
+                                    <p:cond delay="0"/>
+                                  </p:stCondLst>
+                                  <p:childTnLst>
+                                    <p:set>
+                                      <p:cBhvr>
+                                        <p:cTn id="18" dur="1" fill="hold">
+                                          <p:stCondLst>
+                                            <p:cond delay="0"/>
+                                          </p:stCondLst>
+                                        </p:cTn>
+                                        <p:tgtEl>
+                                          <p:spTgt spid="10"/>
+                                        </p:tgtEl>
+                                        <p:attrNameLst>
+                                          <p:attrName>style.visibility</p:attrName>
+                                        </p:attrNameLst>
+                                      </p:cBhvr>
+                                      <p:to>
+                                        <p:strVal val="visible"/>
+                                      </p:to>
+                                    </p:set>
+                                  </p:childTnLst>
+                                </p:cTn>
+                              </p:par>
+                            </p:childTnLst>
+                          </p:cTn>
+                        </p:par>
+                      </p:childTnLst>
+                    </p:cTn>
+                  </p:par>
+                  <p:par>
+                    <p:cTn id="19" fill="hold" nodeType="clickPar">
+                      <p:stCondLst>
+                        <p:cond delay="indefinite"/>
+                      </p:stCondLst>
+                      <p:childTnLst>
+                        <p:par>
+                          <p:cTn id="20" fill="hold" nodeType="withGroup">
+                            <p:stCondLst>
+                              <p:cond delay="0"/>
+                            </p:stCondLst>
+                            <p:childTnLst>
+                              <p:par>
+                                <p:cTn id="21" presetID="1" presetClass="exit" presetSubtype="0" fill="hold" nodeType="clickEffect">
+                                  <p:stCondLst>
+                                    <p:cond delay="0"/>
+                                  </p:stCondLst>
+                                  <p:childTnLst>
+                                    <p:set>
+                                      <p:cBhvr>
+                                        <p:cTn id="22" dur="1" fill="hold">
+                                          <p:stCondLst>
+                                            <p:cond delay="0"/>
+                                          </p:stCondLst>
+                                        </p:cTn>
+                                        <p:tgtEl>
+                                          <p:spTgt spid="7"/>
+                                        </p:tgtEl>
+                                        <p:attrNameLst>
+                                          <p:attrName>style.visibility</p:attrName>
+                                        </p:attrNameLst>
+                                      </p:cBhvr>
+                                      <p:to>
+                                        <p:strVal val="hidden"/>
+                                      </p:to>
+                                    </p:set>
+                                  </p:childTnLst>
+                                </p:cTn>
+                              </p:par>
+                            </p:childTnLst>
+                          </p:cTn>
+                        </p:par>
+                      </p:childTnLst>
+                    </p:cTn>
+                  </p:par>
+                  <p:par>
+                    <p:cTn id="23" fill="hold" nodeType="clickPar">
+                      <p:stCondLst>
+                        <p:cond delay="indefinite"/>
+                      </p:stCondLst>
+                      <p:childTnLst>
+                        <p:par>
+                          <p:cTn id="24" fill="hold" nodeType="withGroup">
+                            <p:stCondLst>
+                              <p:cond delay="0"/>
+                            </p:stCondLst>
+                            <p:childTnLst>
+                              <p:par>
+                                <p:cTn id="25" presetID="1" presetClass="entr" presetSubtype="0" fill="hold" grpId="0" nodeType="clickEffect">
+                                  <p:stCondLst>
+                                    <p:cond delay="0"/>
+                                  </p:stCondLst>
+                                  <p:childTnLst>
+                                    <p:set>
+                                      <p:cBhvr>
+                                        <p:cTn id="26" dur="1" fill="hold">
+                                          <p:stCondLst>
+                                            <p:cond delay="0"/>
+                                          </p:stCondLst>
+                                        </p:cTn>
+                                        <p:tgtEl>
+                                          <p:spTgt spid="11"/>
+                                        </p:tgtEl>
+                                        <p:attrNameLst>
+                                          <p:attrName>style.visibility</p:attrName>
+                                        </p:attrNameLst>
+                                      </p:cBhvr>
+                                      <p:to>
+                                        <p:strVal val="visible"/>
+                                      </p:to>
+                                    </p:set>
+                                  </p:childTnLst>
+                                </p:cTn>
+                              </p:par>
+                              <p:par>
+                                <p:cTn id="27" presetID="1" presetClass="exit" presetSubtype="0" fill="hold" nodeType="withEffect">
+                                  <p:stCondLst>
+                                    <p:cond delay="0"/>
+                                  </p:stCondLst>
+                                  <p:childTnLst>
+                                    <p:set>
+                                      <p:cBhvr>
+                                        <p:cTn id="28" dur="1" fill="hold">
+                                          <p:stCondLst>
+                                            <p:cond delay="0"/>
+                                          </p:stCondLst>
+                                        </p:cTn>
+                                        <p:tgtEl>
+                                          <p:spTgt spid="15"/>
+                                        </p:tgtEl>
+                                        <p:attrNameLst>
+                                          <p:attrName>style.visibility</p:attrName>
+                                        </p:attrNameLst>
+                                      </p:cBhvr>
+                                      <p:to>
+                                        <p:strVal val="hidden"/>
+                                      </p:to>
+                                    </p:set>
+                                  </p:childTnLst>
+                                </p:cTn>
+                              </p:par>
+                            </p:childTnLst>
+                          </p:cTn>
+                        </p:par>
+                      </p:childTnLst>
+                    </p:cTn>
+                  </p:par>
+                  <p:par>
+                    <p:cTn id="29" fill="hold" nodeType="clickPar">
+                      <p:stCondLst>
+                        <p:cond delay="indefinite"/>
+                      </p:stCondLst>
+                      <p:childTnLst>
+                        <p:par>
+                          <p:cTn id="30" fill="hold" nodeType="withGroup">
+                            <p:stCondLst>
+                              <p:cond delay="0"/>
+                            </p:stCondLst>
+                            <p:childTnLst>
+                              <p:par>
+                                <p:cTn id="31" presetID="1" presetClass="entr" presetSubtype="0" fill="hold" grpId="0" nodeType="clickEffect">
+                                  <p:stCondLst>
+                                    <p:cond delay="0"/>
+                                  </p:stCondLst>
+                                  <p:childTnLst>
+                                    <p:set>
+                                      <p:cBhvr>
+                                        <p:cTn id="32" dur="1" fill="hold">
+                                          <p:stCondLst>
+                                            <p:cond delay="0"/>
+                                          </p:stCondLst>
+                                        </p:cTn>
+                                        <p:tgtEl>
+                                          <p:spTgt spid="12"/>
+                                        </p:tgtEl>
+                                        <p:attrNameLst>
+                                          <p:attrName>style.visibility</p:attrName>
+                                        </p:attrNameLst>
+                                      </p:cBhvr>
+                                      <p:to>
+                                        <p:strVal val="visible"/>
+                                      </p:to>
+                                    </p:set>
+                                  </p:childTnLst>
+                                </p:cTn>
+                              </p:par>
+                              <p:par>
+                                <p:cTn id="33" presetID="1" presetClass="entr" presetSubtype="0" fill="hold" nodeType="withEffect">
+                                  <p:stCondLst>
+                                    <p:cond delay="0"/>
+                                  </p:stCondLst>
+                                  <p:childTnLst>
+                                    <p:set>
+                                      <p:cBhvr>
+                                        <p:cTn id="34" dur="1" fill="hold">
+                                          <p:stCondLst>
+                                            <p:cond delay="0"/>
+                                          </p:stCondLst>
+                                        </p:cTn>
+                                        <p:tgtEl>
+                                          <p:spTgt spid="18"/>
+                                        </p:tgtEl>
+                                        <p:attrNameLst>
+                                          <p:attrName>style.visibility</p:attrName>
+                                        </p:attrNameLst>
+                                      </p:cBhvr>
+                                      <p:to>
+                                        <p:strVal val="visible"/>
+                                      </p:to>
+                                    </p:set>
+                                  </p:childTnLst>
+                                </p:cTn>
+                              </p:par>
+                            </p:childTnLst>
+                          </p:cTn>
+                        </p:par>
+                      </p:childTnLst>
+                    </p:cTn>
+                  </p:par>
+                </p:childTnLst>
+              </p:cTn>
+              <p:prevCondLst>
+                <p:cond evt="onPrev" delay="0">
+                  <p:tgtEl>
+                    <p:sldTgt/>
+                  </p:tgtEl>
+                </p:cond>
+              </p:prevCondLst>
+              <p:nextCondLst>
+                <p:cond evt="onNext" delay="0">
+                  <p:tgtEl>
+                    <p:sldTgt/>
+                  </p:tgtEl>
+                </p:cond>
+              </p:nextCondLst>
+            </p:seq>
+          </p:childTnLst>
+        </p:cTn>
+      </p:par>
+    </p:tnLst>
+    <p:bldLst>
+      <p:bldP spid="10" grpId="0"/>
+      <p:bldP spid="11" grpId="0"/>
+      <p:bldP spid="12" grpId="0"/>
+    </p:bldLst>
+  </p:timing>
+</p:sld>
+</file>
+
+<file path=ppt/slides/slide26.xml><?xml version="1.0" encoding="utf-8"?>
+<p:sld xmlns:a="http://schemas.openxmlformats.org/drawingml/2006/main" xmlns:r="http://schemas.openxmlformats.org/officeDocument/2006/relationships" xmlns:p="http://schemas.openxmlformats.org/presentationml/2006/main">
+  <p:cSld>
+    <p:spTree>
+      <p:nvGrpSpPr>
+        <p:cNvPr id="1" name=""/>
+        <p:cNvGrpSpPr/>
+        <p:nvPr/>
+      </p:nvGrpSpPr>
+      <p:grpSpPr>
+        <a:xfrm>
+          <a:off x="0" y="0"/>
+          <a:ext cx="0" cy="0"/>
+          <a:chOff x="0" y="0"/>
+          <a:chExt cx="0" cy="0"/>
+        </a:xfrm>
+      </p:grpSpPr>
+      <p:sp>
+        <p:nvSpPr>
+          <p:cNvPr id="4" name="Rounded Rectangle 3"/>
+          <p:cNvSpPr/>
+          <p:nvPr/>
+        </p:nvSpPr>
+        <p:spPr>
+          <a:xfrm>
+            <a:off x="5029200" y="228600"/>
+            <a:ext cx="3962400" cy="3048000"/>
+          </a:xfrm>
+          <a:prstGeom prst="roundRect">
+            <a:avLst/>
+          </a:prstGeom>
+        </p:spPr>
+        <p:style>
+          <a:lnRef idx="1">
+            <a:schemeClr val="accent1"/>
+          </a:lnRef>
+          <a:fillRef idx="3">
+            <a:schemeClr val="accent1"/>
+          </a:fillRef>
+          <a:effectRef idx="2">
+            <a:schemeClr val="accent1"/>
+          </a:effectRef>
+          <a:fontRef idx="minor">
+            <a:schemeClr val="lt1"/>
+          </a:fontRef>
+        </p:style>
+        <p:txBody>
+          <a:bodyPr/>
+          <a:lstStyle/>
+          <a:p>
+            <a:pPr>
+              <a:defRPr/>
+            </a:pPr>
+            <a:r>
+              <a:rPr lang="en-US">
+                <a:solidFill>
+                  <a:srgbClr val="FFFFFF"/>
+                </a:solidFill>
+              </a:rPr>
+              <a:t>LMS (LTI Consumer)</a:t>
+            </a:r>
+          </a:p>
+        </p:txBody>
+      </p:sp>
+      <p:sp>
+        <p:nvSpPr>
+          <p:cNvPr id="5" name="Rounded Rectangle 4"/>
+          <p:cNvSpPr/>
+          <p:nvPr/>
+        </p:nvSpPr>
+        <p:spPr>
+          <a:xfrm>
+            <a:off x="5029200" y="3581400"/>
+            <a:ext cx="3962400" cy="3048000"/>
+          </a:xfrm>
+          <a:prstGeom prst="roundRect">
+            <a:avLst/>
+          </a:prstGeom>
+        </p:spPr>
+        <p:style>
+          <a:lnRef idx="2">
+            <a:schemeClr val="accent4">
+              <a:shade val="50000"/>
+            </a:schemeClr>
+          </a:lnRef>
+          <a:fillRef idx="1">
+            <a:schemeClr val="accent4"/>
+          </a:fillRef>
+          <a:effectRef idx="0">
+            <a:schemeClr val="accent4"/>
+          </a:effectRef>
+          <a:fontRef idx="minor">
+            <a:schemeClr val="lt1"/>
+          </a:fontRef>
+        </p:style>
+        <p:txBody>
+          <a:bodyPr/>
+          <a:lstStyle/>
+          <a:p>
+            <a:pPr>
+              <a:defRPr/>
+            </a:pPr>
+            <a:r>
+              <a:rPr lang="en-US">
+                <a:solidFill>
+                  <a:srgbClr val="FFFFFF"/>
+                </a:solidFill>
+              </a:rPr>
+              <a:t>Tool (LTI Provider)</a:t>
+            </a:r>
+          </a:p>
+        </p:txBody>
+      </p:sp>
+      <p:pic>
+        <p:nvPicPr>
+          <p:cNvPr id="32773" name="Picture 5" descr="generic-browser-image-2.png"/>
+          <p:cNvPicPr>
+            <a:picLocks noChangeAspect="1"/>
+          </p:cNvPicPr>
+          <p:nvPr/>
+        </p:nvPicPr>
+        <p:blipFill>
+          <a:blip r:embed="rId2">
+            <a:extLst>
+              <a:ext uri="{28A0092B-C50C-407E-A947-70E740481C1C}">
+                <a14:useLocalDpi xmlns:a14="http://schemas.microsoft.com/office/drawing/2010/main" val="0"/>
+              </a:ext>
+            </a:extLst>
+          </a:blip>
+          <a:srcRect/>
+          <a:stretch>
+            <a:fillRect/>
+          </a:stretch>
+        </p:blipFill>
+        <p:spPr bwMode="auto">
+          <a:xfrm>
+            <a:off x="228600" y="1600200"/>
+            <a:ext cx="4616450" cy="3429000"/>
+          </a:xfrm>
+          <a:prstGeom prst="rect">
+            <a:avLst/>
+          </a:prstGeom>
+          <a:noFill/>
+          <a:ln>
+            <a:noFill/>
+          </a:ln>
+          <a:extLst>
+            <a:ext uri="{909E8E84-426E-40dd-AFC4-6F175D3DCCD1}">
+              <a14:hiddenFill xmlns:a14="http://schemas.microsoft.com/office/drawing/2010/main">
+                <a:solidFill>
+                  <a:srgbClr val="FFFFFF"/>
+                </a:solidFill>
+              </a14:hiddenFill>
+            </a:ext>
+            <a:ext uri="{91240B29-F687-4f45-9708-019B960494DF}">
+              <a14:hiddenLine xmlns:a14="http://schemas.microsoft.com/office/drawing/2010/main" w="9525">
+                <a:solidFill>
+                  <a:srgbClr val="000000"/>
+                </a:solidFill>
+                <a:miter lim="800000"/>
+                <a:headEnd/>
+                <a:tailEnd/>
+              </a14:hiddenLine>
+            </a:ext>
+          </a:extLst>
+        </p:spPr>
+      </p:pic>
+      <p:sp>
+        <p:nvSpPr>
+          <p:cNvPr id="32774" name="Rectangle 7"/>
+          <p:cNvSpPr>
+            <a:spLocks noChangeArrowheads="1"/>
+          </p:cNvSpPr>
+          <p:nvPr/>
+        </p:nvSpPr>
+        <p:spPr bwMode="auto">
+          <a:xfrm>
+            <a:off x="457200" y="2286000"/>
+            <a:ext cx="4114800" cy="2308225"/>
+          </a:xfrm>
+          <a:prstGeom prst="rect">
+            <a:avLst/>
+          </a:prstGeom>
+          <a:solidFill>
+            <a:schemeClr val="bg2"/>
+          </a:solidFill>
+          <a:ln>
+            <a:noFill/>
+          </a:ln>
+          <a:extLst>
+            <a:ext uri="{91240B29-F687-4f45-9708-019B960494DF}">
+              <a14:hiddenLine xmlns:a14="http://schemas.microsoft.com/office/drawing/2010/main" w="9525">
+                <a:solidFill>
+                  <a:srgbClr val="000000"/>
+                </a:solidFill>
+                <a:miter lim="800000"/>
+                <a:headEnd/>
+                <a:tailEnd/>
+              </a14:hiddenLine>
+            </a:ext>
+          </a:extLst>
+        </p:spPr>
+        <p:txBody>
+          <a:bodyPr>
+            <a:spAutoFit/>
+          </a:bodyPr>
+          <a:lstStyle/>
+          <a:p>
+            <a:r>
+              <a:rPr lang="en-US">
+                <a:latin typeface="Trebuchet MS" charset="0"/>
+              </a:rPr>
+              <a:t>&lt;form action=</a:t>
+            </a:r>
+            <a:r>
+              <a:rPr lang="ja-JP" altLang="en-US">
+                <a:latin typeface="Trebuchet MS" charset="0"/>
+              </a:rPr>
+              <a:t>”</a:t>
+            </a:r>
+            <a:r>
+              <a:rPr lang="en-US">
+                <a:latin typeface="Trebuchet MS" charset="0"/>
+              </a:rPr>
+              <a:t>tool</a:t>
+            </a:r>
+            <a:r>
+              <a:rPr lang="ja-JP" altLang="en-US">
+                <a:latin typeface="Trebuchet MS" charset="0"/>
+              </a:rPr>
+              <a:t>”</a:t>
+            </a:r>
+            <a:r>
+              <a:rPr lang="en-US">
+                <a:latin typeface="Trebuchet MS" charset="0"/>
+              </a:rPr>
+              <a:t>/&gt;</a:t>
+            </a:r>
+          </a:p>
+          <a:p>
+            <a:r>
+              <a:rPr lang="en-US">
+                <a:latin typeface="Trebuchet MS" charset="0"/>
+              </a:rPr>
+              <a:t>&lt;input name=</a:t>
+            </a:r>
+            <a:r>
+              <a:rPr lang="ja-JP" altLang="en-US">
+                <a:latin typeface="Trebuchet MS" charset="0"/>
+              </a:rPr>
+              <a:t>”</a:t>
+            </a:r>
+            <a:r>
+              <a:rPr lang="en-US">
+                <a:latin typeface="Trebuchet MS" charset="0"/>
+              </a:rPr>
+              <a:t>user_id</a:t>
+            </a:r>
+            <a:r>
+              <a:rPr lang="ja-JP" altLang="en-US">
+                <a:latin typeface="Trebuchet MS" charset="0"/>
+              </a:rPr>
+              <a:t>”</a:t>
+            </a:r>
+            <a:r>
+              <a:rPr lang="en-US">
+                <a:latin typeface="Trebuchet MS" charset="0"/>
+              </a:rPr>
+              <a:t>   </a:t>
+            </a:r>
+          </a:p>
+          <a:p>
+            <a:r>
+              <a:rPr lang="en-US">
+                <a:latin typeface="Trebuchet MS" charset="0"/>
+              </a:rPr>
+              <a:t>   value=</a:t>
+            </a:r>
+            <a:r>
+              <a:rPr lang="ja-JP" altLang="en-US">
+                <a:latin typeface="Trebuchet MS" charset="0"/>
+              </a:rPr>
+              <a:t>”</a:t>
+            </a:r>
+            <a:r>
+              <a:rPr lang="en-US">
+                <a:latin typeface="Trebuchet MS" charset="0"/>
+              </a:rPr>
+              <a:t>2348d8dd</a:t>
+            </a:r>
+            <a:r>
+              <a:rPr lang="ja-JP" altLang="en-US">
+                <a:latin typeface="Trebuchet MS" charset="0"/>
+              </a:rPr>
+              <a:t>”</a:t>
+            </a:r>
+            <a:r>
+              <a:rPr lang="en-US">
+                <a:latin typeface="Trebuchet MS" charset="0"/>
+              </a:rPr>
+              <a:t> /&gt;</a:t>
+            </a:r>
+          </a:p>
+          <a:p>
+            <a:r>
+              <a:rPr lang="en-US">
+                <a:latin typeface="Trebuchet MS" charset="0"/>
+              </a:rPr>
+              <a:t>&lt;input name=</a:t>
+            </a:r>
+            <a:r>
+              <a:rPr lang="ja-JP" altLang="en-US">
+                <a:latin typeface="Trebuchet MS" charset="0"/>
+              </a:rPr>
+              <a:t>”</a:t>
+            </a:r>
+            <a:r>
+              <a:rPr lang="en-US">
+                <a:latin typeface="Trebuchet MS" charset="0"/>
+              </a:rPr>
+              <a:t>oauth_token</a:t>
+            </a:r>
+            <a:r>
+              <a:rPr lang="ja-JP" altLang="en-US">
+                <a:latin typeface="Trebuchet MS" charset="0"/>
+              </a:rPr>
+              <a:t>”</a:t>
+            </a:r>
+            <a:r>
+              <a:rPr lang="en-US">
+                <a:latin typeface="Trebuchet MS" charset="0"/>
+              </a:rPr>
+              <a:t>    </a:t>
+            </a:r>
+          </a:p>
+          <a:p>
+            <a:r>
+              <a:rPr lang="en-US">
+                <a:latin typeface="Trebuchet MS" charset="0"/>
+              </a:rPr>
+              <a:t>   value=</a:t>
+            </a:r>
+            <a:r>
+              <a:rPr lang="ja-JP" altLang="en-US">
+                <a:latin typeface="Trebuchet MS" charset="0"/>
+              </a:rPr>
+              <a:t>”</a:t>
+            </a:r>
+            <a:r>
+              <a:rPr lang="en-US">
+                <a:latin typeface="Trebuchet MS" charset="0"/>
+              </a:rPr>
+              <a:t>abc.edu</a:t>
+            </a:r>
+            <a:r>
+              <a:rPr lang="ja-JP" altLang="en-US">
+                <a:latin typeface="Trebuchet MS" charset="0"/>
+              </a:rPr>
+              <a:t>”</a:t>
+            </a:r>
+            <a:r>
+              <a:rPr lang="en-US">
+                <a:latin typeface="Trebuchet MS" charset="0"/>
+              </a:rPr>
+              <a:t> /&gt;</a:t>
+            </a:r>
+          </a:p>
+          <a:p>
+            <a:r>
+              <a:rPr lang="en-US">
+                <a:latin typeface="Trebuchet MS" charset="0"/>
+              </a:rPr>
+              <a:t>&lt;/form&gt;</a:t>
+            </a:r>
+          </a:p>
+        </p:txBody>
+      </p:sp>
+      <p:sp>
+        <p:nvSpPr>
+          <p:cNvPr id="10" name="Rectangle 9"/>
+          <p:cNvSpPr>
+            <a:spLocks noChangeArrowheads="1"/>
+          </p:cNvSpPr>
+          <p:nvPr/>
+        </p:nvSpPr>
+        <p:spPr bwMode="auto">
+          <a:xfrm>
+            <a:off x="5181600" y="4343400"/>
+            <a:ext cx="3657600" cy="708025"/>
+          </a:xfrm>
+          <a:prstGeom prst="rect">
+            <a:avLst/>
+          </a:prstGeom>
+          <a:noFill/>
+          <a:ln>
+            <a:noFill/>
+          </a:ln>
+          <a:extLst>
+            <a:ext uri="{909E8E84-426E-40dd-AFC4-6F175D3DCCD1}">
+              <a14:hiddenFill xmlns:a14="http://schemas.microsoft.com/office/drawing/2010/main">
+                <a:solidFill>
+                  <a:srgbClr val="FFFFFF"/>
+                </a:solidFill>
+              </a14:hiddenFill>
+            </a:ext>
+            <a:ext uri="{91240B29-F687-4f45-9708-019B960494DF}">
+              <a14:hiddenLine xmlns:a14="http://schemas.microsoft.com/office/drawing/2010/main" w="9525">
+                <a:solidFill>
+                  <a:srgbClr val="000000"/>
+                </a:solidFill>
+                <a:miter lim="800000"/>
+                <a:headEnd/>
+                <a:tailEnd/>
+              </a14:hiddenLine>
+            </a:ext>
+          </a:extLst>
+        </p:spPr>
+        <p:txBody>
+          <a:bodyPr>
+            <a:spAutoFit/>
+          </a:bodyPr>
+          <a:lstStyle/>
+          <a:p>
+            <a:pPr algn="ctr"/>
+            <a:r>
+              <a:rPr lang="en-US" sz="2000">
+                <a:latin typeface="Trebuchet MS" charset="0"/>
+              </a:rPr>
+              <a:t>Tool looks up </a:t>
+            </a:r>
+            <a:r>
+              <a:rPr lang="en-US" sz="2000">
+                <a:solidFill>
+                  <a:srgbClr val="FF0000"/>
+                </a:solidFill>
+                <a:latin typeface="Trebuchet MS" charset="0"/>
+              </a:rPr>
+              <a:t>secret </a:t>
+            </a:r>
+            <a:r>
+              <a:rPr lang="en-US" sz="2000">
+                <a:latin typeface="Trebuchet MS" charset="0"/>
+              </a:rPr>
+              <a:t>and validates signature.</a:t>
+            </a:r>
+          </a:p>
+        </p:txBody>
+      </p:sp>
+      <p:sp>
+        <p:nvSpPr>
+          <p:cNvPr id="11" name="Rectangle 10"/>
+          <p:cNvSpPr>
+            <a:spLocks noChangeArrowheads="1"/>
+          </p:cNvSpPr>
+          <p:nvPr/>
+        </p:nvSpPr>
+        <p:spPr bwMode="auto">
+          <a:xfrm>
+            <a:off x="5334000" y="5105400"/>
+            <a:ext cx="3505200" cy="708025"/>
+          </a:xfrm>
+          <a:prstGeom prst="rect">
+            <a:avLst/>
+          </a:prstGeom>
+          <a:noFill/>
+          <a:ln>
+            <a:noFill/>
+          </a:ln>
+          <a:extLst>
+            <a:ext uri="{909E8E84-426E-40dd-AFC4-6F175D3DCCD1}">
+              <a14:hiddenFill xmlns:a14="http://schemas.microsoft.com/office/drawing/2010/main">
+                <a:solidFill>
+                  <a:srgbClr val="FFFFFF"/>
+                </a:solidFill>
+              </a14:hiddenFill>
+            </a:ext>
+            <a:ext uri="{91240B29-F687-4f45-9708-019B960494DF}">
+              <a14:hiddenLine xmlns:a14="http://schemas.microsoft.com/office/drawing/2010/main" w="9525">
+                <a:solidFill>
+                  <a:srgbClr val="000000"/>
+                </a:solidFill>
+                <a:miter lim="800000"/>
+                <a:headEnd/>
+                <a:tailEnd/>
+              </a14:hiddenLine>
+            </a:ext>
+          </a:extLst>
+        </p:spPr>
+        <p:txBody>
+          <a:bodyPr>
+            <a:spAutoFit/>
+          </a:bodyPr>
+          <a:lstStyle/>
+          <a:p>
+            <a:pPr algn="ctr"/>
+            <a:r>
+              <a:rPr lang="en-US" sz="2000">
+                <a:latin typeface="Trebuchet MS" charset="0"/>
+              </a:rPr>
+              <a:t>Tool provisions user, course, and session.</a:t>
+            </a:r>
+          </a:p>
+        </p:txBody>
+      </p:sp>
+      <p:sp>
+        <p:nvSpPr>
+          <p:cNvPr id="12" name="Rectangle 11"/>
+          <p:cNvSpPr>
+            <a:spLocks noChangeArrowheads="1"/>
+          </p:cNvSpPr>
+          <p:nvPr/>
+        </p:nvSpPr>
+        <p:spPr bwMode="auto">
+          <a:xfrm>
+            <a:off x="5867400" y="5943600"/>
+            <a:ext cx="2365375" cy="400050"/>
+          </a:xfrm>
+          <a:prstGeom prst="rect">
+            <a:avLst/>
+          </a:prstGeom>
+          <a:noFill/>
+          <a:ln>
+            <a:noFill/>
+          </a:ln>
+          <a:extLst>
+            <a:ext uri="{909E8E84-426E-40dd-AFC4-6F175D3DCCD1}">
+              <a14:hiddenFill xmlns:a14="http://schemas.microsoft.com/office/drawing/2010/main">
+                <a:solidFill>
+                  <a:srgbClr val="FFFFFF"/>
+                </a:solidFill>
+              </a14:hiddenFill>
+            </a:ext>
+            <a:ext uri="{91240B29-F687-4f45-9708-019B960494DF}">
+              <a14:hiddenLine xmlns:a14="http://schemas.microsoft.com/office/drawing/2010/main" w="9525">
+                <a:solidFill>
+                  <a:srgbClr val="000000"/>
+                </a:solidFill>
+                <a:miter lim="800000"/>
+                <a:headEnd/>
+                <a:tailEnd/>
+              </a14:hiddenLine>
+            </a:ext>
+          </a:extLst>
+        </p:spPr>
+        <p:txBody>
+          <a:bodyPr wrap="none">
+            <a:spAutoFit/>
+          </a:bodyPr>
+          <a:lstStyle/>
+          <a:p>
+            <a:r>
+              <a:rPr lang="en-US" sz="2000">
+                <a:latin typeface="Trebuchet MS" charset="0"/>
+              </a:rPr>
+              <a:t>Tool sends redirect</a:t>
+            </a:r>
+          </a:p>
+        </p:txBody>
+      </p:sp>
+      <p:cxnSp>
+        <p:nvCxnSpPr>
+          <p:cNvPr id="15" name="Straight Arrow Connector 14"/>
+          <p:cNvCxnSpPr/>
+          <p:nvPr/>
+        </p:nvCxnSpPr>
+        <p:spPr>
+          <a:xfrm>
+            <a:off x="4038600" y="4267200"/>
+            <a:ext cx="1600200" cy="533400"/>
+          </a:xfrm>
+          <a:prstGeom prst="straightConnector1">
+            <a:avLst/>
+          </a:prstGeom>
+          <a:ln w="76200" cap="flat" cmpd="sng" algn="ctr">
+            <a:solidFill>
+              <a:schemeClr val="accent2">
+                <a:lumMod val="50000"/>
+              </a:schemeClr>
+            </a:solidFill>
+            <a:prstDash val="solid"/>
+            <a:round/>
+            <a:headEnd type="none" w="med" len="med"/>
+            <a:tailEnd type="arrow" w="med" len="med"/>
+          </a:ln>
+        </p:spPr>
+        <p:style>
+          <a:lnRef idx="2">
+            <a:schemeClr val="accent1"/>
+          </a:lnRef>
+          <a:fillRef idx="0">
+            <a:schemeClr val="accent1"/>
+          </a:fillRef>
+          <a:effectRef idx="1">
+            <a:schemeClr val="accent1"/>
+          </a:effectRef>
+          <a:fontRef idx="minor">
+            <a:schemeClr val="tx1"/>
+          </a:fontRef>
+        </p:style>
+      </p:cxnSp>
+      <p:cxnSp>
+        <p:nvCxnSpPr>
+          <p:cNvPr id="18" name="Straight Arrow Connector 17"/>
+          <p:cNvCxnSpPr/>
+          <p:nvPr/>
+        </p:nvCxnSpPr>
+        <p:spPr>
+          <a:xfrm rot="10800000">
+            <a:off x="3886200" y="4800600"/>
+            <a:ext cx="1600200" cy="1295400"/>
+          </a:xfrm>
+          <a:prstGeom prst="straightConnector1">
+            <a:avLst/>
+          </a:prstGeom>
+          <a:ln w="76200" cap="flat" cmpd="sng" algn="ctr">
+            <a:solidFill>
+              <a:srgbClr val="191966"/>
+            </a:solidFill>
+            <a:prstDash val="solid"/>
+            <a:round/>
+            <a:headEnd type="none" w="med" len="med"/>
+            <a:tailEnd type="arrow" w="med" len="med"/>
+          </a:ln>
+        </p:spPr>
+        <p:style>
+          <a:lnRef idx="2">
+            <a:schemeClr val="accent1"/>
+          </a:lnRef>
+          <a:fillRef idx="0">
+            <a:schemeClr val="accent1"/>
+          </a:fillRef>
+          <a:effectRef idx="1">
+            <a:schemeClr val="accent1"/>
+          </a:effectRef>
+          <a:fontRef idx="minor">
+            <a:schemeClr val="tx1"/>
+          </a:fontRef>
+        </p:style>
+      </p:cxnSp>
+      <p:sp>
+        <p:nvSpPr>
+          <p:cNvPr id="19" name="Rectangle 18"/>
+          <p:cNvSpPr>
+            <a:spLocks noChangeArrowheads="1"/>
+          </p:cNvSpPr>
+          <p:nvPr/>
+        </p:nvSpPr>
+        <p:spPr bwMode="auto">
+          <a:xfrm>
+            <a:off x="457200" y="381000"/>
+            <a:ext cx="4114800" cy="646331"/>
+          </a:xfrm>
+          <a:prstGeom prst="rect">
+            <a:avLst/>
+          </a:prstGeom>
+          <a:noFill/>
+          <a:ln>
+            <a:noFill/>
+          </a:ln>
+          <a:extLst>
+            <a:ext uri="{909E8E84-426E-40dd-AFC4-6F175D3DCCD1}">
+              <a14:hiddenFill xmlns:a14="http://schemas.microsoft.com/office/drawing/2010/main">
+                <a:solidFill>
+                  <a:srgbClr val="FFFFFF"/>
+                </a:solidFill>
+              </a14:hiddenFill>
+            </a:ext>
+            <a:ext uri="{91240B29-F687-4f45-9708-019B960494DF}">
+              <a14:hiddenLine xmlns:a14="http://schemas.microsoft.com/office/drawing/2010/main" w="9525">
+                <a:solidFill>
+                  <a:srgbClr val="000000"/>
+                </a:solidFill>
+                <a:miter lim="800000"/>
+                <a:headEnd/>
+                <a:tailEnd/>
+              </a14:hiddenLine>
+            </a:ext>
+          </a:extLst>
+        </p:spPr>
+        <p:txBody>
+          <a:bodyPr>
+            <a:spAutoFit/>
+          </a:bodyPr>
+          <a:lstStyle/>
+          <a:p>
+            <a:r>
+              <a:rPr lang="en-US" dirty="0">
+                <a:latin typeface="Trebuchet MS" charset="0"/>
+              </a:rPr>
+              <a:t>Form is immediately auto-submitted using JavaScript.</a:t>
+            </a:r>
+          </a:p>
+        </p:txBody>
+      </p:sp>
+    </p:spTree>
+    <p:extLst>
+      <p:ext uri="{BB962C8B-B14F-4D97-AF65-F5344CB8AC3E}">
+        <p14:creationId xmlns:p14="http://schemas.microsoft.com/office/powerpoint/2010/main" val="3712387215"/>
+      </p:ext>
+    </p:extLst>
+  </p:cSld>
+  <p:clrMapOvr>
+    <a:masterClrMapping/>
+  </p:clrMapOvr>
+  <p:transition xmlns:p14="http://schemas.microsoft.com/office/powerpoint/2010/main"/>
+  <p:timing>
+    <p:tnLst>
+      <p:par>
+        <p:cTn xmlns:p14="http://schemas.microsoft.com/office/powerpoint/2010/main" id="1" dur="indefinite" restart="never" nodeType="tmRoot">
+          <p:childTnLst>
+            <p:seq concurrent="1" nextAc="seek">
+              <p:cTn id="2" dur="indefinite" nodeType="mainSeq">
+                <p:childTnLst>
+                  <p:par>
+                    <p:cTn id="3" fill="hold" nodeType="clickPar">
+                      <p:stCondLst>
+                        <p:cond delay="indefinite"/>
+                      </p:stCondLst>
+                      <p:childTnLst>
+                        <p:par>
+                          <p:cTn id="4" fill="hold" nodeType="withGroup">
+                            <p:stCondLst>
+                              <p:cond delay="0"/>
+                            </p:stCondLst>
+                            <p:childTnLst>
+                              <p:par>
+                                <p:cTn id="5" presetID="34" presetClass="entr" presetSubtype="0" fill="hold" grpId="0" nodeType="clickEffect">
+                                  <p:stCondLst>
+                                    <p:cond delay="0"/>
+                                  </p:stCondLst>
+                                  <p:childTnLst>
+                                    <p:set>
+                                      <p:cBhvr>
+                                        <p:cTn id="6" dur="1" fill="hold">
+                                          <p:stCondLst>
+                                            <p:cond delay="0"/>
+                                          </p:stCondLst>
+                                        </p:cTn>
+                                        <p:tgtEl>
+                                          <p:spTgt spid="19"/>
+                                        </p:tgtEl>
+                                        <p:attrNameLst>
+                                          <p:attrName>style.visibility</p:attrName>
+                                        </p:attrNameLst>
+                                      </p:cBhvr>
+                                      <p:to>
+                                        <p:strVal val="visible"/>
+                                      </p:to>
+                                    </p:set>
+                                    <p:anim from="(-#ppt_w/2)" to="(#ppt_x)" calcmode="lin" valueType="num">
+                                      <p:cBhvr>
+                                        <p:cTn id="7" dur="600" fill="hold">
+                                          <p:stCondLst>
+                                            <p:cond delay="0"/>
+                                          </p:stCondLst>
+                                        </p:cTn>
+                                        <p:tgtEl>
+                                          <p:spTgt spid="19"/>
+                                        </p:tgtEl>
+                                        <p:attrNameLst>
+                                          <p:attrName>ppt_x</p:attrName>
+                                        </p:attrNameLst>
+                                      </p:cBhvr>
+                                    </p:anim>
+                                    <p:anim from="0" to="-1.0" calcmode="lin" valueType="num">
+                                      <p:cBhvr>
+                                        <p:cTn id="8" dur="200" decel="50000" autoRev="1" fill="hold">
+                                          <p:stCondLst>
+                                            <p:cond delay="600"/>
+                                          </p:stCondLst>
+                                        </p:cTn>
+                                        <p:tgtEl>
+                                          <p:spTgt spid="19"/>
+                                        </p:tgtEl>
+                                        <p:attrNameLst>
+                                          <p:attrName>xshear</p:attrName>
+                                        </p:attrNameLst>
+                                      </p:cBhvr>
+                                    </p:anim>
+                                    <p:animScale>
+                                      <p:cBhvr>
+                                        <p:cTn id="9" dur="200" decel="100000" autoRev="1" fill="hold">
+                                          <p:stCondLst>
+                                            <p:cond delay="600"/>
+                                          </p:stCondLst>
+                                        </p:cTn>
+                                        <p:tgtEl>
+                                          <p:spTgt spid="19"/>
+                                        </p:tgtEl>
+                                      </p:cBhvr>
+                                      <p:from x="100000" y="100000"/>
+                                      <p:to x="80000" y="100000"/>
+                                    </p:animScale>
+                                    <p:anim by="(#ppt_h/3+#ppt_w*0.1)" calcmode="lin" valueType="num">
+                                      <p:cBhvr additive="sum">
+                                        <p:cTn id="10" dur="200" decel="100000" autoRev="1" fill="hold">
+                                          <p:stCondLst>
+                                            <p:cond delay="600"/>
+                                          </p:stCondLst>
+                                        </p:cTn>
+                                        <p:tgtEl>
+                                          <p:spTgt spid="19"/>
+                                        </p:tgtEl>
+                                        <p:attrNameLst>
+                                          <p:attrName>ppt_x</p:attrName>
+                                        </p:attrNameLst>
+                                      </p:cBhvr>
+                                    </p:anim>
+                                  </p:childTnLst>
+                                </p:cTn>
+                              </p:par>
+                            </p:childTnLst>
+                          </p:cTn>
+                        </p:par>
+                      </p:childTnLst>
+                    </p:cTn>
+                  </p:par>
+                  <p:par>
+                    <p:cTn id="11" fill="hold" nodeType="clickPar">
+                      <p:stCondLst>
+                        <p:cond delay="indefinite"/>
+                      </p:stCondLst>
+                      <p:childTnLst>
+                        <p:par>
+                          <p:cTn id="12" fill="hold" nodeType="withGroup">
+                            <p:stCondLst>
+                              <p:cond delay="0"/>
+                            </p:stCondLst>
+                            <p:childTnLst>
+                              <p:par>
+                                <p:cTn id="13" presetID="1" presetClass="entr" presetSubtype="0" fill="hold" nodeType="clickEffect">
+                                  <p:stCondLst>
+                                    <p:cond delay="0"/>
+                                  </p:stCondLst>
+                                  <p:childTnLst>
+                                    <p:set>
+                                      <p:cBhvr>
+                                        <p:cTn id="14" dur="1" fill="hold">
+                                          <p:stCondLst>
+                                            <p:cond delay="0"/>
+                                          </p:stCondLst>
+                                        </p:cTn>
+                                        <p:tgtEl>
+                                          <p:spTgt spid="15"/>
+                                        </p:tgtEl>
+                                        <p:attrNameLst>
+                                          <p:attrName>style.visibility</p:attrName>
+                                        </p:attrNameLst>
+                                      </p:cBhvr>
+                                      <p:to>
+                                        <p:strVal val="visible"/>
+                                      </p:to>
+                                    </p:set>
+                                  </p:childTnLst>
+                                </p:cTn>
+                              </p:par>
+                            </p:childTnLst>
+                          </p:cTn>
+                        </p:par>
+                      </p:childTnLst>
+                    </p:cTn>
+                  </p:par>
+                  <p:par>
+                    <p:cTn id="15" fill="hold" nodeType="clickPar">
+                      <p:stCondLst>
+                        <p:cond delay="indefinite"/>
+                      </p:stCondLst>
+                      <p:childTnLst>
+                        <p:par>
+                          <p:cTn id="16" fill="hold" nodeType="withGroup">
+                            <p:stCondLst>
+                              <p:cond delay="0"/>
+                            </p:stCondLst>
+                            <p:childTnLst>
+                              <p:par>
+                                <p:cTn id="17" presetID="1" presetClass="entr" presetSubtype="0" fill="hold" grpId="0" nodeType="clickEffect">
+                                  <p:stCondLst>
+                                    <p:cond delay="0"/>
+                                  </p:stCondLst>
+                                  <p:childTnLst>
+                                    <p:set>
+                                      <p:cBhvr>
+                                        <p:cTn id="18" dur="1" fill="hold">
+                                          <p:stCondLst>
+                                            <p:cond delay="0"/>
+                                          </p:stCondLst>
+                                        </p:cTn>
+                                        <p:tgtEl>
+                                          <p:spTgt spid="10"/>
+                                        </p:tgtEl>
+                                        <p:attrNameLst>
+                                          <p:attrName>style.visibility</p:attrName>
+                                        </p:attrNameLst>
+                                      </p:cBhvr>
+                                      <p:to>
+                                        <p:strVal val="visible"/>
+                                      </p:to>
+                                    </p:set>
+                                  </p:childTnLst>
+                                </p:cTn>
+                              </p:par>
+                            </p:childTnLst>
+                          </p:cTn>
+                        </p:par>
+                      </p:childTnLst>
+                    </p:cTn>
+                  </p:par>
+                  <p:par>
+                    <p:cTn id="19" fill="hold" nodeType="clickPar">
+                      <p:stCondLst>
+                        <p:cond delay="indefinite"/>
+                      </p:stCondLst>
+                      <p:childTnLst>
+                        <p:par>
+                          <p:cTn id="20" fill="hold" nodeType="withGroup">
+                            <p:stCondLst>
+                              <p:cond delay="0"/>
+                            </p:stCondLst>
+                            <p:childTnLst>
+                              <p:par>
+                                <p:cTn id="21" presetID="1" presetClass="entr" presetSubtype="0" fill="hold" grpId="0" nodeType="clickEffect">
+                                  <p:stCondLst>
+                                    <p:cond delay="0"/>
+                                  </p:stCondLst>
+                                  <p:childTnLst>
+                                    <p:set>
+                                      <p:cBhvr>
+                                        <p:cTn id="22" dur="1" fill="hold">
+                                          <p:stCondLst>
+                                            <p:cond delay="0"/>
+                                          </p:stCondLst>
+                                        </p:cTn>
+                                        <p:tgtEl>
+                                          <p:spTgt spid="11"/>
+                                        </p:tgtEl>
+                                        <p:attrNameLst>
+                                          <p:attrName>style.visibility</p:attrName>
+                                        </p:attrNameLst>
+                                      </p:cBhvr>
+                                      <p:to>
+                                        <p:strVal val="visible"/>
+                                      </p:to>
+                                    </p:set>
+                                  </p:childTnLst>
+                                </p:cTn>
+                              </p:par>
+                              <p:par>
+                                <p:cTn id="23" presetID="1" presetClass="exit" presetSubtype="0" fill="hold" nodeType="withEffect">
+                                  <p:stCondLst>
+                                    <p:cond delay="0"/>
+                                  </p:stCondLst>
+                                  <p:childTnLst>
+                                    <p:set>
+                                      <p:cBhvr>
+                                        <p:cTn id="24" dur="1" fill="hold">
+                                          <p:stCondLst>
+                                            <p:cond delay="0"/>
+                                          </p:stCondLst>
+                                        </p:cTn>
+                                        <p:tgtEl>
+                                          <p:spTgt spid="15"/>
+                                        </p:tgtEl>
+                                        <p:attrNameLst>
+                                          <p:attrName>style.visibility</p:attrName>
+                                        </p:attrNameLst>
+                                      </p:cBhvr>
+                                      <p:to>
+                                        <p:strVal val="hidden"/>
+                                      </p:to>
+                                    </p:set>
+                                  </p:childTnLst>
+                                </p:cTn>
+                              </p:par>
+                            </p:childTnLst>
+                          </p:cTn>
+                        </p:par>
+                      </p:childTnLst>
+                    </p:cTn>
+                  </p:par>
+                  <p:par>
+                    <p:cTn id="25" fill="hold" nodeType="clickPar">
+                      <p:stCondLst>
+                        <p:cond delay="indefinite"/>
+                      </p:stCondLst>
+                      <p:childTnLst>
+                        <p:par>
+                          <p:cTn id="26" fill="hold" nodeType="withGroup">
+                            <p:stCondLst>
+                              <p:cond delay="0"/>
+                            </p:stCondLst>
+                            <p:childTnLst>
+                              <p:par>
+                                <p:cTn id="27" presetID="1" presetClass="entr" presetSubtype="0" fill="hold" grpId="0" nodeType="clickEffect">
+                                  <p:stCondLst>
+                                    <p:cond delay="0"/>
+                                  </p:stCondLst>
+                                  <p:childTnLst>
+                                    <p:set>
+                                      <p:cBhvr>
+                                        <p:cTn id="28" dur="1" fill="hold">
+                                          <p:stCondLst>
+                                            <p:cond delay="0"/>
+                                          </p:stCondLst>
+                                        </p:cTn>
+                                        <p:tgtEl>
+                                          <p:spTgt spid="12"/>
+                                        </p:tgtEl>
+                                        <p:attrNameLst>
+                                          <p:attrName>style.visibility</p:attrName>
+                                        </p:attrNameLst>
+                                      </p:cBhvr>
+                                      <p:to>
+                                        <p:strVal val="visible"/>
+                                      </p:to>
+                                    </p:set>
+                                  </p:childTnLst>
+                                </p:cTn>
+                              </p:par>
+                              <p:par>
+                                <p:cTn id="29" presetID="1" presetClass="entr" presetSubtype="0" fill="hold" nodeType="withEffect">
+                                  <p:stCondLst>
+                                    <p:cond delay="0"/>
+                                  </p:stCondLst>
+                                  <p:childTnLst>
+                                    <p:set>
+                                      <p:cBhvr>
+                                        <p:cTn id="30" dur="1" fill="hold">
+                                          <p:stCondLst>
+                                            <p:cond delay="0"/>
+                                          </p:stCondLst>
+                                        </p:cTn>
+                                        <p:tgtEl>
+                                          <p:spTgt spid="18"/>
+                                        </p:tgtEl>
+                                        <p:attrNameLst>
+                                          <p:attrName>style.visibility</p:attrName>
+                                        </p:attrNameLst>
+                                      </p:cBhvr>
+                                      <p:to>
+                                        <p:strVal val="visible"/>
+                                      </p:to>
+                                    </p:set>
+                                  </p:childTnLst>
+                                </p:cTn>
+                              </p:par>
+                            </p:childTnLst>
+                          </p:cTn>
+                        </p:par>
+                      </p:childTnLst>
+                    </p:cTn>
+                  </p:par>
+                </p:childTnLst>
+              </p:cTn>
+              <p:prevCondLst>
+                <p:cond evt="onPrev" delay="0">
+                  <p:tgtEl>
+                    <p:sldTgt/>
+                  </p:tgtEl>
+                </p:cond>
+              </p:prevCondLst>
+              <p:nextCondLst>
+                <p:cond evt="onNext" delay="0">
+                  <p:tgtEl>
+                    <p:sldTgt/>
+                  </p:tgtEl>
+                </p:cond>
+              </p:nextCondLst>
+            </p:seq>
+          </p:childTnLst>
+        </p:cTn>
+      </p:par>
+    </p:tnLst>
+    <p:bldLst>
+      <p:bldP spid="10" grpId="0"/>
+      <p:bldP spid="11" grpId="0"/>
+      <p:bldP spid="12" grpId="0"/>
+      <p:bldP spid="19" grpId="0"/>
+    </p:bldLst>
+  </p:timing>
+</p:sld>
+</file>
+
+<file path=ppt/slides/slide27.xml><?xml version="1.0" encoding="utf-8"?>
+<p:sld xmlns:a="http://schemas.openxmlformats.org/drawingml/2006/main" xmlns:r="http://schemas.openxmlformats.org/officeDocument/2006/relationships" xmlns:p="http://schemas.openxmlformats.org/presentationml/2006/main">
+  <p:cSld>
+    <p:spTree>
+      <p:nvGrpSpPr>
+        <p:cNvPr id="1" name=""/>
+        <p:cNvGrpSpPr/>
+        <p:nvPr/>
+      </p:nvGrpSpPr>
+      <p:grpSpPr>
+        <a:xfrm>
+          <a:off x="0" y="0"/>
+          <a:ext cx="0" cy="0"/>
+          <a:chOff x="0" y="0"/>
+          <a:chExt cx="0" cy="0"/>
+        </a:xfrm>
+      </p:grpSpPr>
+      <p:sp>
+        <p:nvSpPr>
+          <p:cNvPr id="4" name="Rounded Rectangle 3"/>
+          <p:cNvSpPr/>
+          <p:nvPr/>
+        </p:nvSpPr>
+        <p:spPr>
+          <a:xfrm>
+            <a:off x="5029200" y="228600"/>
+            <a:ext cx="3962400" cy="3048000"/>
+          </a:xfrm>
+          <a:prstGeom prst="roundRect">
+            <a:avLst/>
+          </a:prstGeom>
+        </p:spPr>
+        <p:style>
+          <a:lnRef idx="1">
+            <a:schemeClr val="accent1"/>
+          </a:lnRef>
+          <a:fillRef idx="3">
+            <a:schemeClr val="accent1"/>
+          </a:fillRef>
+          <a:effectRef idx="2">
+            <a:schemeClr val="accent1"/>
+          </a:effectRef>
+          <a:fontRef idx="minor">
+            <a:schemeClr val="lt1"/>
+          </a:fontRef>
+        </p:style>
+        <p:txBody>
+          <a:bodyPr/>
+          <a:lstStyle/>
+          <a:p>
+            <a:pPr>
+              <a:defRPr/>
+            </a:pPr>
+            <a:r>
+              <a:rPr lang="en-US">
+                <a:solidFill>
+                  <a:srgbClr val="FFFFFF"/>
+                </a:solidFill>
+              </a:rPr>
+              <a:t>LMS (LTI Consumer)</a:t>
+            </a:r>
+          </a:p>
+        </p:txBody>
+      </p:sp>
+      <p:sp>
+        <p:nvSpPr>
+          <p:cNvPr id="5" name="Rounded Rectangle 4"/>
+          <p:cNvSpPr/>
+          <p:nvPr/>
+        </p:nvSpPr>
+        <p:spPr>
+          <a:xfrm>
+            <a:off x="5029200" y="3581400"/>
+            <a:ext cx="3962400" cy="3048000"/>
+          </a:xfrm>
+          <a:prstGeom prst="roundRect">
+            <a:avLst/>
+          </a:prstGeom>
+        </p:spPr>
+        <p:style>
+          <a:lnRef idx="2">
+            <a:schemeClr val="accent4">
+              <a:shade val="50000"/>
+            </a:schemeClr>
+          </a:lnRef>
+          <a:fillRef idx="1">
+            <a:schemeClr val="accent4"/>
+          </a:fillRef>
+          <a:effectRef idx="0">
+            <a:schemeClr val="accent4"/>
+          </a:effectRef>
+          <a:fontRef idx="minor">
+            <a:schemeClr val="lt1"/>
+          </a:fontRef>
+        </p:style>
+        <p:txBody>
+          <a:bodyPr/>
+          <a:lstStyle/>
+          <a:p>
+            <a:pPr>
+              <a:defRPr/>
+            </a:pPr>
+            <a:r>
+              <a:rPr lang="en-US">
+                <a:solidFill>
+                  <a:srgbClr val="FFFFFF"/>
+                </a:solidFill>
+              </a:rPr>
+              <a:t>Tool (LTI Provider)</a:t>
+            </a:r>
+          </a:p>
+        </p:txBody>
+      </p:sp>
+      <p:pic>
+        <p:nvPicPr>
+          <p:cNvPr id="33797" name="Picture 5" descr="generic-browser-image-2.png"/>
+          <p:cNvPicPr>
+            <a:picLocks noChangeAspect="1"/>
+          </p:cNvPicPr>
+          <p:nvPr/>
+        </p:nvPicPr>
+        <p:blipFill>
+          <a:blip r:embed="rId2">
+            <a:extLst>
+              <a:ext uri="{28A0092B-C50C-407E-A947-70E740481C1C}">
+                <a14:useLocalDpi xmlns:a14="http://schemas.microsoft.com/office/drawing/2010/main" val="0"/>
+              </a:ext>
+            </a:extLst>
+          </a:blip>
+          <a:srcRect/>
+          <a:stretch>
+            <a:fillRect/>
+          </a:stretch>
+        </p:blipFill>
+        <p:spPr bwMode="auto">
+          <a:xfrm>
+            <a:off x="228600" y="1600200"/>
+            <a:ext cx="4616450" cy="3429000"/>
+          </a:xfrm>
+          <a:prstGeom prst="rect">
+            <a:avLst/>
+          </a:prstGeom>
+          <a:noFill/>
+          <a:ln>
+            <a:noFill/>
+          </a:ln>
+          <a:extLst>
+            <a:ext uri="{909E8E84-426E-40dd-AFC4-6F175D3DCCD1}">
+              <a14:hiddenFill xmlns:a14="http://schemas.microsoft.com/office/drawing/2010/main">
+                <a:solidFill>
+                  <a:srgbClr val="FFFFFF"/>
+                </a:solidFill>
+              </a14:hiddenFill>
+            </a:ext>
+            <a:ext uri="{91240B29-F687-4f45-9708-019B960494DF}">
+              <a14:hiddenLine xmlns:a14="http://schemas.microsoft.com/office/drawing/2010/main" w="9525">
+                <a:solidFill>
+                  <a:srgbClr val="000000"/>
+                </a:solidFill>
+                <a:miter lim="800000"/>
+                <a:headEnd/>
+                <a:tailEnd/>
+              </a14:hiddenLine>
+            </a:ext>
+          </a:extLst>
+        </p:spPr>
+      </p:pic>
+      <p:sp>
+        <p:nvSpPr>
+          <p:cNvPr id="33798" name="Rectangle 7"/>
+          <p:cNvSpPr>
+            <a:spLocks noChangeArrowheads="1"/>
+          </p:cNvSpPr>
+          <p:nvPr/>
+        </p:nvSpPr>
+        <p:spPr bwMode="auto">
+          <a:xfrm>
+            <a:off x="457200" y="2286000"/>
+            <a:ext cx="4114800" cy="1570038"/>
+          </a:xfrm>
+          <a:prstGeom prst="rect">
+            <a:avLst/>
+          </a:prstGeom>
+          <a:solidFill>
+            <a:schemeClr val="bg2"/>
+          </a:solidFill>
+          <a:ln>
+            <a:noFill/>
+          </a:ln>
+          <a:extLst>
+            <a:ext uri="{91240B29-F687-4f45-9708-019B960494DF}">
+              <a14:hiddenLine xmlns:a14="http://schemas.microsoft.com/office/drawing/2010/main" w="9525">
+                <a:solidFill>
+                  <a:srgbClr val="000000"/>
+                </a:solidFill>
+                <a:miter lim="800000"/>
+                <a:headEnd/>
+                <a:tailEnd/>
+              </a14:hiddenLine>
+            </a:ext>
+          </a:extLst>
+        </p:spPr>
+        <p:txBody>
+          <a:bodyPr>
+            <a:spAutoFit/>
+          </a:bodyPr>
+          <a:lstStyle/>
+          <a:p>
+            <a:r>
+              <a:rPr lang="en-US">
+                <a:latin typeface="Trebuchet MS" charset="0"/>
+              </a:rPr>
+              <a:t>&lt;head&gt;</a:t>
+            </a:r>
+          </a:p>
+          <a:p>
+            <a:r>
+              <a:rPr lang="en-US">
+                <a:latin typeface="Trebuchet MS" charset="0"/>
+              </a:rPr>
+              <a:t>&lt;meta redirect </a:t>
+            </a:r>
+          </a:p>
+          <a:p>
+            <a:r>
+              <a:rPr lang="en-US">
+                <a:latin typeface="Trebuchet MS" charset="0"/>
+              </a:rPr>
+              <a:t>     page=</a:t>
+            </a:r>
+            <a:r>
+              <a:rPr lang="ja-JP" altLang="en-US">
+                <a:latin typeface="Trebuchet MS" charset="0"/>
+              </a:rPr>
+              <a:t>”</a:t>
+            </a:r>
+            <a:r>
+              <a:rPr lang="en-US">
+                <a:latin typeface="Trebuchet MS" charset="0"/>
+              </a:rPr>
+              <a:t>main.php</a:t>
+            </a:r>
+            <a:r>
+              <a:rPr lang="ja-JP" altLang="en-US">
+                <a:latin typeface="Trebuchet MS" charset="0"/>
+              </a:rPr>
+              <a:t>”</a:t>
+            </a:r>
+            <a:r>
+              <a:rPr lang="en-US">
+                <a:latin typeface="Trebuchet MS" charset="0"/>
+              </a:rPr>
+              <a:t>&gt;</a:t>
+            </a:r>
+          </a:p>
+          <a:p>
+            <a:r>
+              <a:rPr lang="en-US">
+                <a:latin typeface="Trebuchet MS" charset="0"/>
+              </a:rPr>
+              <a:t>&lt;/head&gt;</a:t>
+            </a:r>
+          </a:p>
+        </p:txBody>
+      </p:sp>
+      <p:sp>
+        <p:nvSpPr>
+          <p:cNvPr id="11" name="Rectangle 10"/>
+          <p:cNvSpPr>
+            <a:spLocks noChangeArrowheads="1"/>
+          </p:cNvSpPr>
+          <p:nvPr/>
+        </p:nvSpPr>
+        <p:spPr bwMode="auto">
+          <a:xfrm>
+            <a:off x="5334000" y="4953000"/>
+            <a:ext cx="3505200" cy="708025"/>
+          </a:xfrm>
+          <a:prstGeom prst="rect">
+            <a:avLst/>
+          </a:prstGeom>
+          <a:noFill/>
+          <a:ln>
+            <a:noFill/>
+          </a:ln>
+          <a:extLst>
+            <a:ext uri="{909E8E84-426E-40dd-AFC4-6F175D3DCCD1}">
+              <a14:hiddenFill xmlns:a14="http://schemas.microsoft.com/office/drawing/2010/main">
+                <a:solidFill>
+                  <a:srgbClr val="FFFFFF"/>
+                </a:solidFill>
+              </a14:hiddenFill>
+            </a:ext>
+            <a:ext uri="{91240B29-F687-4f45-9708-019B960494DF}">
+              <a14:hiddenLine xmlns:a14="http://schemas.microsoft.com/office/drawing/2010/main" w="9525">
+                <a:solidFill>
+                  <a:srgbClr val="000000"/>
+                </a:solidFill>
+                <a:miter lim="800000"/>
+                <a:headEnd/>
+                <a:tailEnd/>
+              </a14:hiddenLine>
+            </a:ext>
+          </a:extLst>
+        </p:spPr>
+        <p:txBody>
+          <a:bodyPr>
+            <a:spAutoFit/>
+          </a:bodyPr>
+          <a:lstStyle/>
+          <a:p>
+            <a:pPr algn="ctr"/>
+            <a:r>
+              <a:rPr lang="en-US" sz="2000">
+                <a:latin typeface="Trebuchet MS" charset="0"/>
+              </a:rPr>
+              <a:t>Tool produces </a:t>
+            </a:r>
+          </a:p>
+          <a:p>
+            <a:pPr algn="ctr"/>
+            <a:r>
+              <a:rPr lang="en-US" sz="2000">
+                <a:latin typeface="Trebuchet MS" charset="0"/>
+              </a:rPr>
+              <a:t>first page.</a:t>
+            </a:r>
+          </a:p>
+        </p:txBody>
+      </p:sp>
+      <p:cxnSp>
+        <p:nvCxnSpPr>
+          <p:cNvPr id="15" name="Straight Arrow Connector 14"/>
+          <p:cNvCxnSpPr/>
+          <p:nvPr/>
+        </p:nvCxnSpPr>
+        <p:spPr>
+          <a:xfrm>
+            <a:off x="3657600" y="3352800"/>
+            <a:ext cx="2667000" cy="1600200"/>
+          </a:xfrm>
+          <a:prstGeom prst="straightConnector1">
+            <a:avLst/>
+          </a:prstGeom>
+          <a:ln w="76200" cap="flat" cmpd="sng" algn="ctr">
+            <a:solidFill>
+              <a:schemeClr val="accent2">
+                <a:lumMod val="50000"/>
+              </a:schemeClr>
+            </a:solidFill>
+            <a:prstDash val="solid"/>
+            <a:round/>
+            <a:headEnd type="none" w="med" len="med"/>
+            <a:tailEnd type="arrow" w="med" len="med"/>
+          </a:ln>
+        </p:spPr>
+        <p:style>
+          <a:lnRef idx="2">
+            <a:schemeClr val="accent1"/>
+          </a:lnRef>
+          <a:fillRef idx="0">
+            <a:schemeClr val="accent1"/>
+          </a:fillRef>
+          <a:effectRef idx="1">
+            <a:schemeClr val="accent1"/>
+          </a:effectRef>
+          <a:fontRef idx="minor">
+            <a:schemeClr val="tx1"/>
+          </a:fontRef>
+        </p:style>
+      </p:cxnSp>
+      <p:cxnSp>
+        <p:nvCxnSpPr>
+          <p:cNvPr id="18" name="Straight Arrow Connector 17"/>
+          <p:cNvCxnSpPr/>
+          <p:nvPr/>
+        </p:nvCxnSpPr>
+        <p:spPr>
+          <a:xfrm rot="10800000">
+            <a:off x="4267200" y="4267200"/>
+            <a:ext cx="1676400" cy="990600"/>
+          </a:xfrm>
+          <a:prstGeom prst="straightConnector1">
+            <a:avLst/>
+          </a:prstGeom>
+          <a:ln w="76200" cap="flat" cmpd="sng" algn="ctr">
+            <a:solidFill>
+              <a:srgbClr val="191966"/>
+            </a:solidFill>
+            <a:prstDash val="solid"/>
+            <a:round/>
+            <a:headEnd type="none" w="med" len="med"/>
+            <a:tailEnd type="arrow" w="med" len="med"/>
+          </a:ln>
+        </p:spPr>
+        <p:style>
+          <a:lnRef idx="2">
+            <a:schemeClr val="accent1"/>
+          </a:lnRef>
+          <a:fillRef idx="0">
+            <a:schemeClr val="accent1"/>
+          </a:fillRef>
+          <a:effectRef idx="1">
+            <a:schemeClr val="accent1"/>
+          </a:effectRef>
+          <a:fontRef idx="minor">
+            <a:schemeClr val="tx1"/>
+          </a:fontRef>
+        </p:style>
+      </p:cxnSp>
+      <p:sp>
+        <p:nvSpPr>
+          <p:cNvPr id="19" name="Rectangle 18"/>
+          <p:cNvSpPr>
+            <a:spLocks noChangeArrowheads="1"/>
+          </p:cNvSpPr>
+          <p:nvPr/>
+        </p:nvSpPr>
+        <p:spPr bwMode="auto">
+          <a:xfrm>
+            <a:off x="457200" y="381000"/>
+            <a:ext cx="4114800" cy="369332"/>
+          </a:xfrm>
+          <a:prstGeom prst="rect">
+            <a:avLst/>
+          </a:prstGeom>
+          <a:noFill/>
+          <a:ln>
+            <a:noFill/>
+          </a:ln>
+          <a:extLst>
+            <a:ext uri="{909E8E84-426E-40dd-AFC4-6F175D3DCCD1}">
+              <a14:hiddenFill xmlns:a14="http://schemas.microsoft.com/office/drawing/2010/main">
+                <a:solidFill>
+                  <a:srgbClr val="FFFFFF"/>
+                </a:solidFill>
+              </a14:hiddenFill>
+            </a:ext>
+            <a:ext uri="{91240B29-F687-4f45-9708-019B960494DF}">
+              <a14:hiddenLine xmlns:a14="http://schemas.microsoft.com/office/drawing/2010/main" w="9525">
+                <a:solidFill>
+                  <a:srgbClr val="000000"/>
+                </a:solidFill>
+                <a:miter lim="800000"/>
+                <a:headEnd/>
+                <a:tailEnd/>
+              </a14:hiddenLine>
+            </a:ext>
+          </a:extLst>
+        </p:spPr>
+        <p:txBody>
+          <a:bodyPr>
+            <a:spAutoFit/>
+          </a:bodyPr>
+          <a:lstStyle/>
+          <a:p>
+            <a:r>
+              <a:rPr lang="en-US" dirty="0">
+                <a:solidFill>
+                  <a:srgbClr val="FFFFFF"/>
+                </a:solidFill>
+                <a:latin typeface="Trebuchet MS" charset="0"/>
+              </a:rPr>
+              <a:t>Browser follows redirect…</a:t>
+            </a:r>
+          </a:p>
+        </p:txBody>
+      </p:sp>
+    </p:spTree>
+    <p:extLst>
+      <p:ext uri="{BB962C8B-B14F-4D97-AF65-F5344CB8AC3E}">
+        <p14:creationId xmlns:p14="http://schemas.microsoft.com/office/powerpoint/2010/main" val="2100953339"/>
+      </p:ext>
+    </p:extLst>
+  </p:cSld>
+  <p:clrMapOvr>
+    <a:masterClrMapping/>
+  </p:clrMapOvr>
+  <p:transition xmlns:p14="http://schemas.microsoft.com/office/powerpoint/2010/main"/>
+  <p:timing>
+    <p:tnLst>
+      <p:par>
+        <p:cTn xmlns:p14="http://schemas.microsoft.com/office/powerpoint/2010/main" id="1" dur="indefinite" restart="never" nodeType="tmRoot">
+          <p:childTnLst>
+            <p:seq concurrent="1" nextAc="seek">
+              <p:cTn id="2" dur="indefinite" nodeType="mainSeq">
+                <p:childTnLst>
+                  <p:par>
+                    <p:cTn id="3" fill="hold" nodeType="clickPar">
+                      <p:stCondLst>
+                        <p:cond delay="indefinite"/>
+                      </p:stCondLst>
+                      <p:childTnLst>
+                        <p:par>
+                          <p:cTn id="4" fill="hold" nodeType="withGroup">
+                            <p:stCondLst>
+                              <p:cond delay="0"/>
+                            </p:stCondLst>
+                            <p:childTnLst>
+                              <p:par>
+                                <p:cTn id="5" presetID="34" presetClass="entr" presetSubtype="0" fill="hold" grpId="0" nodeType="clickEffect">
+                                  <p:stCondLst>
+                                    <p:cond delay="0"/>
+                                  </p:stCondLst>
+                                  <p:childTnLst>
+                                    <p:set>
+                                      <p:cBhvr>
+                                        <p:cTn id="6" dur="1" fill="hold">
+                                          <p:stCondLst>
+                                            <p:cond delay="0"/>
+                                          </p:stCondLst>
+                                        </p:cTn>
+                                        <p:tgtEl>
+                                          <p:spTgt spid="19"/>
+                                        </p:tgtEl>
+                                        <p:attrNameLst>
+                                          <p:attrName>style.visibility</p:attrName>
+                                        </p:attrNameLst>
+                                      </p:cBhvr>
+                                      <p:to>
+                                        <p:strVal val="visible"/>
+                                      </p:to>
+                                    </p:set>
+                                    <p:anim from="(-#ppt_w/2)" to="(#ppt_x)" calcmode="lin" valueType="num">
+                                      <p:cBhvr>
+                                        <p:cTn id="7" dur="600" fill="hold">
+                                          <p:stCondLst>
+                                            <p:cond delay="0"/>
+                                          </p:stCondLst>
+                                        </p:cTn>
+                                        <p:tgtEl>
+                                          <p:spTgt spid="19"/>
+                                        </p:tgtEl>
+                                        <p:attrNameLst>
+                                          <p:attrName>ppt_x</p:attrName>
+                                        </p:attrNameLst>
+                                      </p:cBhvr>
+                                    </p:anim>
+                                    <p:anim from="0" to="-1.0" calcmode="lin" valueType="num">
+                                      <p:cBhvr>
+                                        <p:cTn id="8" dur="200" decel="50000" autoRev="1" fill="hold">
+                                          <p:stCondLst>
+                                            <p:cond delay="600"/>
+                                          </p:stCondLst>
+                                        </p:cTn>
+                                        <p:tgtEl>
+                                          <p:spTgt spid="19"/>
+                                        </p:tgtEl>
+                                        <p:attrNameLst>
+                                          <p:attrName>xshear</p:attrName>
+                                        </p:attrNameLst>
+                                      </p:cBhvr>
+                                    </p:anim>
+                                    <p:animScale>
+                                      <p:cBhvr>
+                                        <p:cTn id="9" dur="200" decel="100000" autoRev="1" fill="hold">
+                                          <p:stCondLst>
+                                            <p:cond delay="600"/>
+                                          </p:stCondLst>
+                                        </p:cTn>
+                                        <p:tgtEl>
+                                          <p:spTgt spid="19"/>
+                                        </p:tgtEl>
+                                      </p:cBhvr>
+                                      <p:from x="100000" y="100000"/>
+                                      <p:to x="80000" y="100000"/>
+                                    </p:animScale>
+                                    <p:anim by="(#ppt_h/3+#ppt_w*0.1)" calcmode="lin" valueType="num">
+                                      <p:cBhvr additive="sum">
+                                        <p:cTn id="10" dur="200" decel="100000" autoRev="1" fill="hold">
+                                          <p:stCondLst>
+                                            <p:cond delay="600"/>
+                                          </p:stCondLst>
+                                        </p:cTn>
+                                        <p:tgtEl>
+                                          <p:spTgt spid="19"/>
+                                        </p:tgtEl>
+                                        <p:attrNameLst>
+                                          <p:attrName>ppt_x</p:attrName>
+                                        </p:attrNameLst>
+                                      </p:cBhvr>
+                                    </p:anim>
+                                  </p:childTnLst>
+                                </p:cTn>
+                              </p:par>
+                            </p:childTnLst>
+                          </p:cTn>
+                        </p:par>
+                      </p:childTnLst>
+                    </p:cTn>
+                  </p:par>
+                  <p:par>
+                    <p:cTn id="11" fill="hold" nodeType="clickPar">
+                      <p:stCondLst>
+                        <p:cond delay="indefinite"/>
+                      </p:stCondLst>
+                      <p:childTnLst>
+                        <p:par>
+                          <p:cTn id="12" fill="hold" nodeType="withGroup">
+                            <p:stCondLst>
+                              <p:cond delay="0"/>
+                            </p:stCondLst>
+                            <p:childTnLst>
+                              <p:par>
+                                <p:cTn id="13" presetID="1" presetClass="entr" presetSubtype="0" fill="hold" nodeType="clickEffect">
+                                  <p:stCondLst>
+                                    <p:cond delay="0"/>
+                                  </p:stCondLst>
+                                  <p:childTnLst>
+                                    <p:set>
+                                      <p:cBhvr>
+                                        <p:cTn id="14" dur="1" fill="hold">
+                                          <p:stCondLst>
+                                            <p:cond delay="0"/>
+                                          </p:stCondLst>
+                                        </p:cTn>
+                                        <p:tgtEl>
+                                          <p:spTgt spid="15"/>
+                                        </p:tgtEl>
+                                        <p:attrNameLst>
+                                          <p:attrName>style.visibility</p:attrName>
+                                        </p:attrNameLst>
+                                      </p:cBhvr>
+                                      <p:to>
+                                        <p:strVal val="visible"/>
+                                      </p:to>
+                                    </p:set>
+                                  </p:childTnLst>
+                                </p:cTn>
+                              </p:par>
+                            </p:childTnLst>
+                          </p:cTn>
+                        </p:par>
+                      </p:childTnLst>
+                    </p:cTn>
+                  </p:par>
+                  <p:par>
+                    <p:cTn id="15" fill="hold" nodeType="clickPar">
+                      <p:stCondLst>
+                        <p:cond delay="indefinite"/>
+                      </p:stCondLst>
+                      <p:childTnLst>
+                        <p:par>
+                          <p:cTn id="16" fill="hold" nodeType="withGroup">
+                            <p:stCondLst>
+                              <p:cond delay="0"/>
+                            </p:stCondLst>
+                            <p:childTnLst>
+                              <p:par>
+                                <p:cTn id="17" presetID="1" presetClass="entr" presetSubtype="0" fill="hold" grpId="0" nodeType="clickEffect">
+                                  <p:stCondLst>
+                                    <p:cond delay="0"/>
+                                  </p:stCondLst>
+                                  <p:childTnLst>
+                                    <p:set>
+                                      <p:cBhvr>
+                                        <p:cTn id="18" dur="1" fill="hold">
+                                          <p:stCondLst>
+                                            <p:cond delay="0"/>
+                                          </p:stCondLst>
+                                        </p:cTn>
+                                        <p:tgtEl>
+                                          <p:spTgt spid="11"/>
+                                        </p:tgtEl>
+                                        <p:attrNameLst>
+                                          <p:attrName>style.visibility</p:attrName>
+                                        </p:attrNameLst>
+                                      </p:cBhvr>
+                                      <p:to>
+                                        <p:strVal val="visible"/>
+                                      </p:to>
+                                    </p:set>
+                                  </p:childTnLst>
+                                </p:cTn>
+                              </p:par>
+                              <p:par>
+                                <p:cTn id="19" presetID="1" presetClass="exit" presetSubtype="0" fill="hold" nodeType="withEffect">
+                                  <p:stCondLst>
+                                    <p:cond delay="0"/>
+                                  </p:stCondLst>
+                                  <p:childTnLst>
+                                    <p:set>
+                                      <p:cBhvr>
+                                        <p:cTn id="20" dur="1" fill="hold">
+                                          <p:stCondLst>
+                                            <p:cond delay="0"/>
+                                          </p:stCondLst>
+                                        </p:cTn>
+                                        <p:tgtEl>
+                                          <p:spTgt spid="15"/>
+                                        </p:tgtEl>
+                                        <p:attrNameLst>
+                                          <p:attrName>style.visibility</p:attrName>
+                                        </p:attrNameLst>
+                                      </p:cBhvr>
+                                      <p:to>
+                                        <p:strVal val="hidden"/>
+                                      </p:to>
+                                    </p:set>
+                                  </p:childTnLst>
+                                </p:cTn>
+                              </p:par>
+                              <p:par>
+                                <p:cTn id="21" presetID="1" presetClass="entr" presetSubtype="0" fill="hold" nodeType="withEffect">
+                                  <p:stCondLst>
+                                    <p:cond delay="0"/>
+                                  </p:stCondLst>
+                                  <p:childTnLst>
+                                    <p:set>
+                                      <p:cBhvr>
+                                        <p:cTn id="22" dur="1" fill="hold">
+                                          <p:stCondLst>
+                                            <p:cond delay="0"/>
+                                          </p:stCondLst>
+                                        </p:cTn>
+                                        <p:tgtEl>
+                                          <p:spTgt spid="18"/>
+                                        </p:tgtEl>
+                                        <p:attrNameLst>
+                                          <p:attrName>style.visibility</p:attrName>
+                                        </p:attrNameLst>
+                                      </p:cBhvr>
+                                      <p:to>
+                                        <p:strVal val="visible"/>
+                                      </p:to>
+                                    </p:set>
+                                  </p:childTnLst>
+                                </p:cTn>
+                              </p:par>
+                            </p:childTnLst>
+                          </p:cTn>
+                        </p:par>
+                      </p:childTnLst>
+                    </p:cTn>
+                  </p:par>
+                </p:childTnLst>
+              </p:cTn>
+              <p:prevCondLst>
+                <p:cond evt="onPrev" delay="0">
+                  <p:tgtEl>
+                    <p:sldTgt/>
+                  </p:tgtEl>
+                </p:cond>
+              </p:prevCondLst>
+              <p:nextCondLst>
+                <p:cond evt="onNext" delay="0">
+                  <p:tgtEl>
+                    <p:sldTgt/>
+                  </p:tgtEl>
+                </p:cond>
+              </p:nextCondLst>
+            </p:seq>
+          </p:childTnLst>
+        </p:cTn>
+      </p:par>
+    </p:tnLst>
+    <p:bldLst>
+      <p:bldP spid="11" grpId="0"/>
+      <p:bldP spid="19" grpId="0"/>
+    </p:bldLst>
+  </p:timing>
+</p:sld>
+</file>
+
+<file path=ppt/slides/slide28.xml><?xml version="1.0" encoding="utf-8"?>
+<p:sld xmlns:a="http://schemas.openxmlformats.org/drawingml/2006/main" xmlns:r="http://schemas.openxmlformats.org/officeDocument/2006/relationships" xmlns:p="http://schemas.openxmlformats.org/presentationml/2006/main">
+  <p:cSld>
+    <p:spTree>
+      <p:nvGrpSpPr>
+        <p:cNvPr id="1" name=""/>
+        <p:cNvGrpSpPr/>
+        <p:nvPr/>
+      </p:nvGrpSpPr>
+      <p:grpSpPr>
+        <a:xfrm>
+          <a:off x="0" y="0"/>
+          <a:ext cx="0" cy="0"/>
+          <a:chOff x="0" y="0"/>
+          <a:chExt cx="0" cy="0"/>
+        </a:xfrm>
+      </p:grpSpPr>
+      <p:sp>
+        <p:nvSpPr>
+          <p:cNvPr id="4" name="Rounded Rectangle 3"/>
+          <p:cNvSpPr/>
+          <p:nvPr/>
+        </p:nvSpPr>
+        <p:spPr>
+          <a:xfrm>
+            <a:off x="5029200" y="228600"/>
+            <a:ext cx="3962400" cy="3048000"/>
+          </a:xfrm>
+          <a:prstGeom prst="roundRect">
+            <a:avLst/>
+          </a:prstGeom>
+        </p:spPr>
+        <p:style>
+          <a:lnRef idx="1">
+            <a:schemeClr val="accent1"/>
+          </a:lnRef>
+          <a:fillRef idx="3">
+            <a:schemeClr val="accent1"/>
+          </a:fillRef>
+          <a:effectRef idx="2">
+            <a:schemeClr val="accent1"/>
+          </a:effectRef>
+          <a:fontRef idx="minor">
+            <a:schemeClr val="lt1"/>
+          </a:fontRef>
+        </p:style>
+        <p:txBody>
+          <a:bodyPr/>
+          <a:lstStyle/>
+          <a:p>
+            <a:pPr>
+              <a:defRPr/>
+            </a:pPr>
+            <a:r>
+              <a:rPr lang="en-US">
+                <a:solidFill>
+                  <a:srgbClr val="FFFFFF"/>
+                </a:solidFill>
+              </a:rPr>
+              <a:t>LMS (LTI Consumer)</a:t>
+            </a:r>
+          </a:p>
+        </p:txBody>
+      </p:sp>
+      <p:sp>
+        <p:nvSpPr>
+          <p:cNvPr id="5" name="Rounded Rectangle 4"/>
+          <p:cNvSpPr/>
+          <p:nvPr/>
+        </p:nvSpPr>
+        <p:spPr>
+          <a:xfrm>
+            <a:off x="5029200" y="3581400"/>
+            <a:ext cx="3962400" cy="3048000"/>
+          </a:xfrm>
+          <a:prstGeom prst="roundRect">
+            <a:avLst/>
+          </a:prstGeom>
+        </p:spPr>
+        <p:style>
+          <a:lnRef idx="2">
+            <a:schemeClr val="accent4">
+              <a:shade val="50000"/>
+            </a:schemeClr>
+          </a:lnRef>
+          <a:fillRef idx="1">
+            <a:schemeClr val="accent4"/>
+          </a:fillRef>
+          <a:effectRef idx="0">
+            <a:schemeClr val="accent4"/>
+          </a:effectRef>
+          <a:fontRef idx="minor">
+            <a:schemeClr val="lt1"/>
+          </a:fontRef>
+        </p:style>
+        <p:txBody>
+          <a:bodyPr/>
+          <a:lstStyle/>
+          <a:p>
+            <a:pPr>
+              <a:defRPr/>
+            </a:pPr>
+            <a:r>
+              <a:rPr lang="en-US">
+                <a:solidFill>
+                  <a:srgbClr val="FFFFFF"/>
+                </a:solidFill>
+              </a:rPr>
+              <a:t>Tool (LTI Provider)</a:t>
+            </a:r>
+          </a:p>
+        </p:txBody>
+      </p:sp>
+      <p:pic>
+        <p:nvPicPr>
+          <p:cNvPr id="34821" name="Picture 5" descr="generic-browser-image-2.png"/>
+          <p:cNvPicPr>
+            <a:picLocks noChangeAspect="1"/>
+          </p:cNvPicPr>
+          <p:nvPr/>
+        </p:nvPicPr>
+        <p:blipFill>
+          <a:blip r:embed="rId2">
+            <a:extLst>
+              <a:ext uri="{28A0092B-C50C-407E-A947-70E740481C1C}">
+                <a14:useLocalDpi xmlns:a14="http://schemas.microsoft.com/office/drawing/2010/main" val="0"/>
+              </a:ext>
+            </a:extLst>
+          </a:blip>
+          <a:srcRect/>
+          <a:stretch>
+            <a:fillRect/>
+          </a:stretch>
+        </p:blipFill>
+        <p:spPr bwMode="auto">
+          <a:xfrm>
+            <a:off x="228600" y="1600200"/>
+            <a:ext cx="4616450" cy="3429000"/>
+          </a:xfrm>
+          <a:prstGeom prst="rect">
+            <a:avLst/>
+          </a:prstGeom>
+          <a:noFill/>
+          <a:ln>
+            <a:noFill/>
+          </a:ln>
+          <a:extLst>
+            <a:ext uri="{909E8E84-426E-40dd-AFC4-6F175D3DCCD1}">
+              <a14:hiddenFill xmlns:a14="http://schemas.microsoft.com/office/drawing/2010/main">
+                <a:solidFill>
+                  <a:srgbClr val="FFFFFF"/>
+                </a:solidFill>
+              </a14:hiddenFill>
+            </a:ext>
+            <a:ext uri="{91240B29-F687-4f45-9708-019B960494DF}">
+              <a14:hiddenLine xmlns:a14="http://schemas.microsoft.com/office/drawing/2010/main" w="9525">
+                <a:solidFill>
+                  <a:srgbClr val="000000"/>
+                </a:solidFill>
+                <a:miter lim="800000"/>
+                <a:headEnd/>
+                <a:tailEnd/>
+              </a14:hiddenLine>
+            </a:ext>
+          </a:extLst>
+        </p:spPr>
+      </p:pic>
+      <p:pic>
+        <p:nvPicPr>
+          <p:cNvPr id="34823" name="Picture 11" descr="Untitled Image.jpg"/>
+          <p:cNvPicPr>
+            <a:picLocks noChangeAspect="1"/>
+          </p:cNvPicPr>
+          <p:nvPr/>
+        </p:nvPicPr>
+        <p:blipFill>
+          <a:blip r:embed="rId3">
+            <a:extLst>
+              <a:ext uri="{28A0092B-C50C-407E-A947-70E740481C1C}">
+                <a14:useLocalDpi xmlns:a14="http://schemas.microsoft.com/office/drawing/2010/main" val="0"/>
+              </a:ext>
+            </a:extLst>
+          </a:blip>
+          <a:srcRect/>
+          <a:stretch>
+            <a:fillRect/>
+          </a:stretch>
+        </p:blipFill>
+        <p:spPr bwMode="auto">
+          <a:xfrm>
+            <a:off x="457200" y="2209800"/>
+            <a:ext cx="4032250" cy="2598738"/>
+          </a:xfrm>
+          <a:prstGeom prst="rect">
+            <a:avLst/>
+          </a:prstGeom>
+          <a:noFill/>
+          <a:ln>
+            <a:noFill/>
+          </a:ln>
+          <a:extLst>
+            <a:ext uri="{909E8E84-426E-40dd-AFC4-6F175D3DCCD1}">
+              <a14:hiddenFill xmlns:a14="http://schemas.microsoft.com/office/drawing/2010/main">
+                <a:solidFill>
+                  <a:srgbClr val="FFFFFF"/>
+                </a:solidFill>
+              </a14:hiddenFill>
+            </a:ext>
+            <a:ext uri="{91240B29-F687-4f45-9708-019B960494DF}">
+              <a14:hiddenLine xmlns:a14="http://schemas.microsoft.com/office/drawing/2010/main" w="9525">
+                <a:solidFill>
+                  <a:srgbClr val="000000"/>
+                </a:solidFill>
+                <a:miter lim="800000"/>
+                <a:headEnd/>
+                <a:tailEnd/>
+              </a14:hiddenLine>
+            </a:ext>
+          </a:extLst>
+        </p:spPr>
+      </p:pic>
+    </p:spTree>
+    <p:extLst>
+      <p:ext uri="{BB962C8B-B14F-4D97-AF65-F5344CB8AC3E}">
+        <p14:creationId xmlns:p14="http://schemas.microsoft.com/office/powerpoint/2010/main" val="2130665597"/>
+      </p:ext>
+    </p:extLst>
+  </p:cSld>
+  <p:clrMapOvr>
+    <a:masterClrMapping/>
+  </p:clrMapOvr>
+  <p:transition xmlns:p14="http://schemas.microsoft.com/office/powerpoint/2010/main"/>
+  <p:timing>
+    <p:tnLst>
+      <p:par>
+        <p:cTn xmlns:p14="http://schemas.microsoft.com/office/powerpoint/2010/main" id="1" dur="indefinite" restart="never" nodeType="tmRoot"/>
+      </p:par>
+    </p:tnLst>
+  </p:timing>
+</p:sld>
+</file>
+
+<file path=ppt/slides/slide29.xml><?xml version="1.0" encoding="utf-8"?>
+<p:sld xmlns:a="http://schemas.openxmlformats.org/drawingml/2006/main" xmlns:r="http://schemas.openxmlformats.org/officeDocument/2006/relationships" xmlns:p="http://schemas.openxmlformats.org/presentationml/2006/main">
+  <p:cSld>
+    <p:spTree>
+      <p:nvGrpSpPr>
+        <p:cNvPr id="1" name=""/>
+        <p:cNvGrpSpPr/>
+        <p:nvPr/>
+      </p:nvGrpSpPr>
+      <p:grpSpPr>
+        <a:xfrm>
+          <a:off x="0" y="0"/>
+          <a:ext cx="0" cy="0"/>
+          <a:chOff x="0" y="0"/>
+          <a:chExt cx="0" cy="0"/>
+        </a:xfrm>
+      </p:grpSpPr>
+      <p:sp>
+        <p:nvSpPr>
+          <p:cNvPr id="4" name="Title 3"/>
+          <p:cNvSpPr>
+            <a:spLocks noGrp="1"/>
+          </p:cNvSpPr>
+          <p:nvPr>
+            <p:ph type="ctrTitle"/>
+          </p:nvPr>
+        </p:nvSpPr>
+        <p:spPr/>
+        <p:txBody>
+          <a:bodyPr/>
+          <a:lstStyle/>
+          <a:p>
+            <a:r>
+              <a:rPr lang="en-US" dirty="0" smtClean="0"/>
+              <a:t>LTI Launch </a:t>
+            </a:r>
+            <a:r>
+              <a:rPr lang="en-US" dirty="0" smtClean="0"/>
+              <a:t>and </a:t>
+            </a:r>
+            <a:r>
+              <a:rPr lang="en-US" dirty="0" smtClean="0"/>
+              <a:t>the Core Tables</a:t>
+            </a:r>
+            <a:endParaRPr lang="en-US" dirty="0"/>
+          </a:p>
+        </p:txBody>
+      </p:sp>
+      <p:sp>
+        <p:nvSpPr>
+          <p:cNvPr id="5" name="Subtitle 4"/>
+          <p:cNvSpPr>
+            <a:spLocks noGrp="1"/>
+          </p:cNvSpPr>
+          <p:nvPr>
+            <p:ph type="subTitle" idx="1"/>
+          </p:nvPr>
+        </p:nvSpPr>
+        <p:spPr/>
+        <p:txBody>
+          <a:bodyPr/>
+          <a:lstStyle/>
+          <a:p>
+            <a:r>
+              <a:rPr lang="en-US" dirty="0" smtClean="0"/>
+              <a:t>a.k.a. "The big join"</a:t>
+            </a:r>
+            <a:endParaRPr lang="en-US" dirty="0"/>
+          </a:p>
+        </p:txBody>
+      </p:sp>
+    </p:spTree>
+    <p:extLst>
+      <p:ext uri="{BB962C8B-B14F-4D97-AF65-F5344CB8AC3E}">
+        <p14:creationId xmlns:p14="http://schemas.microsoft.com/office/powerpoint/2010/main" val="2593787810"/>
+      </p:ext>
+    </p:extLst>
+  </p:cSld>
+  <p:clrMapOvr>
+    <a:masterClrMapping/>
+  </p:clrMapOvr>
+</p:sld>
+</file>
+
+<file path=ppt/slides/slide3.xml><?xml version="1.0" encoding="utf-8"?>
+<p:sld xmlns:a="http://schemas.openxmlformats.org/drawingml/2006/main" xmlns:r="http://schemas.openxmlformats.org/officeDocument/2006/relationships" xmlns:p="http://schemas.openxmlformats.org/presentationml/2006/main">
+  <p:cSld>
+    <p:spTree>
+      <p:nvGrpSpPr>
+        <p:cNvPr id="1" name=""/>
+        <p:cNvGrpSpPr/>
+        <p:nvPr/>
+      </p:nvGrpSpPr>
+      <p:grpSpPr>
+        <a:xfrm>
+          <a:off x="0" y="0"/>
+          <a:ext cx="0" cy="0"/>
+          <a:chOff x="0" y="0"/>
+          <a:chExt cx="0" cy="0"/>
+        </a:xfrm>
+      </p:grpSpPr>
+      <p:sp>
+        <p:nvSpPr>
+          <p:cNvPr id="2" name="Title 1"/>
+          <p:cNvSpPr>
+            <a:spLocks noGrp="1"/>
+          </p:cNvSpPr>
+          <p:nvPr>
+            <p:ph type="title"/>
+          </p:nvPr>
+        </p:nvSpPr>
+        <p:spPr/>
+        <p:txBody>
+          <a:bodyPr/>
+          <a:lstStyle/>
+          <a:p>
+            <a:r>
+              <a:rPr lang="en-US" dirty="0" smtClean="0"/>
+              <a:t>MySQL </a:t>
+            </a:r>
+            <a:r>
+              <a:rPr lang="en-US" dirty="0" err="1" smtClean="0"/>
+              <a:t>WorkBench</a:t>
+            </a:r>
+            <a:endParaRPr lang="en-US" dirty="0"/>
+          </a:p>
+        </p:txBody>
+      </p:sp>
+      <p:sp>
+        <p:nvSpPr>
+          <p:cNvPr id="3" name="Content Placeholder 2"/>
+          <p:cNvSpPr>
+            <a:spLocks noGrp="1"/>
+          </p:cNvSpPr>
+          <p:nvPr>
+            <p:ph idx="1"/>
+          </p:nvPr>
+        </p:nvSpPr>
+        <p:spPr>
+          <a:xfrm>
+            <a:off x="457200" y="1600200"/>
+            <a:ext cx="4639324" cy="4525963"/>
+          </a:xfrm>
+        </p:spPr>
+        <p:txBody>
+          <a:bodyPr/>
+          <a:lstStyle/>
+          <a:p>
+            <a:r>
+              <a:rPr lang="en-US" dirty="0" smtClean="0"/>
+              <a:t>A free tool from Oracle / MySQL</a:t>
+            </a:r>
+          </a:p>
+          <a:p>
+            <a:r>
+              <a:rPr lang="en-US" dirty="0" smtClean="0"/>
+              <a:t>Database design, visualization, etc...</a:t>
+            </a:r>
+            <a:endParaRPr lang="en-US" dirty="0"/>
+          </a:p>
+        </p:txBody>
+      </p:sp>
+      <p:pic>
+        <p:nvPicPr>
+          <p:cNvPr id="4" name="Picture 3" descr="Untitled2.png"/>
+          <p:cNvPicPr>
+            <a:picLocks noChangeAspect="1"/>
+          </p:cNvPicPr>
+          <p:nvPr/>
+        </p:nvPicPr>
+        <p:blipFill>
+          <a:blip r:embed="rId2">
+            <a:extLst>
+              <a:ext uri="{28A0092B-C50C-407E-A947-70E740481C1C}">
+                <a14:useLocalDpi xmlns:a14="http://schemas.microsoft.com/office/drawing/2010/main" val="0"/>
+              </a:ext>
+            </a:extLst>
+          </a:blip>
+          <a:stretch>
+            <a:fillRect/>
+          </a:stretch>
+        </p:blipFill>
+        <p:spPr>
+          <a:xfrm>
+            <a:off x="5569617" y="1632350"/>
+            <a:ext cx="2919322" cy="3817077"/>
+          </a:xfrm>
+          <a:prstGeom prst="rect">
+            <a:avLst/>
+          </a:prstGeom>
+        </p:spPr>
+      </p:pic>
+      <p:sp>
+        <p:nvSpPr>
+          <p:cNvPr id="5" name="Rectangle 4"/>
+          <p:cNvSpPr/>
+          <p:nvPr/>
+        </p:nvSpPr>
+        <p:spPr>
+          <a:xfrm>
+            <a:off x="662186" y="6192441"/>
+            <a:ext cx="8024613" cy="461665"/>
+          </a:xfrm>
+          <a:prstGeom prst="rect">
+            <a:avLst/>
+          </a:prstGeom>
+        </p:spPr>
+        <p:txBody>
+          <a:bodyPr wrap="square">
+            <a:spAutoFit/>
+          </a:bodyPr>
+          <a:lstStyle/>
+          <a:p>
+            <a:r>
+              <a:rPr lang="en-US" sz="2400" dirty="0"/>
+              <a:t>http://</a:t>
+            </a:r>
+            <a:r>
+              <a:rPr lang="en-US" sz="2400" dirty="0" err="1"/>
+              <a:t>www.mysql.com</a:t>
+            </a:r>
+            <a:r>
+              <a:rPr lang="en-US" sz="2400" dirty="0"/>
+              <a:t>/products/workbench/design/</a:t>
+            </a:r>
+          </a:p>
+        </p:txBody>
+      </p:sp>
+    </p:spTree>
+    <p:extLst>
+      <p:ext uri="{BB962C8B-B14F-4D97-AF65-F5344CB8AC3E}">
+        <p14:creationId xmlns:p14="http://schemas.microsoft.com/office/powerpoint/2010/main" val="2876879018"/>
+      </p:ext>
+    </p:extLst>
+  </p:cSld>
+  <p:clrMapOvr>
+    <a:masterClrMapping/>
+  </p:clrMapOvr>
+</p:sld>
+</file>
+
+<file path=ppt/slides/slide30.xml><?xml version="1.0" encoding="utf-8"?>
+<p:sld xmlns:a="http://schemas.openxmlformats.org/drawingml/2006/main" xmlns:r="http://schemas.openxmlformats.org/officeDocument/2006/relationships" xmlns:p="http://schemas.openxmlformats.org/presentationml/2006/main">
+  <p:cSld>
+    <p:spTree>
+      <p:nvGrpSpPr>
+        <p:cNvPr id="1" name=""/>
+        <p:cNvGrpSpPr/>
+        <p:nvPr/>
+      </p:nvGrpSpPr>
+      <p:grpSpPr>
+        <a:xfrm>
+          <a:off x="0" y="0"/>
+          <a:ext cx="0" cy="0"/>
+          <a:chOff x="0" y="0"/>
+          <a:chExt cx="0" cy="0"/>
+        </a:xfrm>
+      </p:grpSpPr>
+      <p:sp>
+        <p:nvSpPr>
+          <p:cNvPr id="4" name="Rounded Rectangle 3"/>
+          <p:cNvSpPr/>
+          <p:nvPr/>
+        </p:nvSpPr>
+        <p:spPr>
+          <a:xfrm>
+            <a:off x="5029200" y="228600"/>
+            <a:ext cx="3962400" cy="3048000"/>
+          </a:xfrm>
+          <a:prstGeom prst="roundRect">
+            <a:avLst/>
+          </a:prstGeom>
+        </p:spPr>
+        <p:style>
+          <a:lnRef idx="1">
+            <a:schemeClr val="accent1"/>
+          </a:lnRef>
+          <a:fillRef idx="3">
+            <a:schemeClr val="accent1"/>
+          </a:fillRef>
+          <a:effectRef idx="2">
+            <a:schemeClr val="accent1"/>
+          </a:effectRef>
+          <a:fontRef idx="minor">
+            <a:schemeClr val="lt1"/>
+          </a:fontRef>
+        </p:style>
+        <p:txBody>
+          <a:bodyPr/>
+          <a:lstStyle/>
+          <a:p>
+            <a:pPr>
+              <a:defRPr/>
+            </a:pPr>
+            <a:r>
+              <a:rPr lang="en-US">
+                <a:solidFill>
+                  <a:srgbClr val="FFFFFF"/>
+                </a:solidFill>
+              </a:rPr>
+              <a:t>LMS (LTI Consumer)</a:t>
+            </a:r>
+          </a:p>
+        </p:txBody>
+      </p:sp>
+      <p:sp>
+        <p:nvSpPr>
+          <p:cNvPr id="5" name="Rounded Rectangle 4"/>
+          <p:cNvSpPr/>
+          <p:nvPr/>
+        </p:nvSpPr>
+        <p:spPr>
+          <a:xfrm>
+            <a:off x="5029200" y="3581400"/>
+            <a:ext cx="3962400" cy="3048000"/>
+          </a:xfrm>
+          <a:prstGeom prst="roundRect">
+            <a:avLst/>
+          </a:prstGeom>
+        </p:spPr>
+        <p:style>
+          <a:lnRef idx="2">
+            <a:schemeClr val="accent4">
+              <a:shade val="50000"/>
+            </a:schemeClr>
+          </a:lnRef>
+          <a:fillRef idx="1">
+            <a:schemeClr val="accent4"/>
+          </a:fillRef>
+          <a:effectRef idx="0">
+            <a:schemeClr val="accent4"/>
+          </a:effectRef>
+          <a:fontRef idx="minor">
+            <a:schemeClr val="lt1"/>
+          </a:fontRef>
+        </p:style>
+        <p:txBody>
+          <a:bodyPr/>
+          <a:lstStyle/>
+          <a:p>
+            <a:pPr>
+              <a:defRPr/>
+            </a:pPr>
+            <a:r>
+              <a:rPr lang="en-US">
+                <a:solidFill>
+                  <a:srgbClr val="FFFFFF"/>
+                </a:solidFill>
+              </a:rPr>
+              <a:t>Tool (LTI Provider)</a:t>
+            </a:r>
+          </a:p>
+        </p:txBody>
+      </p:sp>
+      <p:pic>
+        <p:nvPicPr>
+          <p:cNvPr id="32773" name="Picture 5" descr="generic-browser-image-2.png"/>
+          <p:cNvPicPr>
+            <a:picLocks noChangeAspect="1"/>
+          </p:cNvPicPr>
+          <p:nvPr/>
+        </p:nvPicPr>
+        <p:blipFill>
+          <a:blip r:embed="rId2">
+            <a:extLst>
+              <a:ext uri="{28A0092B-C50C-407E-A947-70E740481C1C}">
+                <a14:useLocalDpi xmlns:a14="http://schemas.microsoft.com/office/drawing/2010/main" val="0"/>
+              </a:ext>
+            </a:extLst>
+          </a:blip>
+          <a:srcRect/>
+          <a:stretch>
+            <a:fillRect/>
+          </a:stretch>
+        </p:blipFill>
+        <p:spPr bwMode="auto">
+          <a:xfrm>
+            <a:off x="228600" y="1600200"/>
+            <a:ext cx="4616450" cy="3429000"/>
+          </a:xfrm>
+          <a:prstGeom prst="rect">
+            <a:avLst/>
+          </a:prstGeom>
+          <a:noFill/>
+          <a:ln>
+            <a:noFill/>
+          </a:ln>
+          <a:extLst>
+            <a:ext uri="{909E8E84-426E-40dd-AFC4-6F175D3DCCD1}">
+              <a14:hiddenFill xmlns:a14="http://schemas.microsoft.com/office/drawing/2010/main">
+                <a:solidFill>
+                  <a:srgbClr val="FFFFFF"/>
+                </a:solidFill>
+              </a14:hiddenFill>
+            </a:ext>
+            <a:ext uri="{91240B29-F687-4f45-9708-019B960494DF}">
+              <a14:hiddenLine xmlns:a14="http://schemas.microsoft.com/office/drawing/2010/main" w="9525">
+                <a:solidFill>
+                  <a:srgbClr val="000000"/>
+                </a:solidFill>
+                <a:miter lim="800000"/>
+                <a:headEnd/>
+                <a:tailEnd/>
+              </a14:hiddenLine>
+            </a:ext>
+          </a:extLst>
+        </p:spPr>
+      </p:pic>
+      <p:sp>
+        <p:nvSpPr>
+          <p:cNvPr id="32774" name="Rectangle 7"/>
+          <p:cNvSpPr>
+            <a:spLocks noChangeArrowheads="1"/>
+          </p:cNvSpPr>
+          <p:nvPr/>
+        </p:nvSpPr>
+        <p:spPr bwMode="auto">
+          <a:xfrm>
+            <a:off x="457200" y="2286000"/>
+            <a:ext cx="4114800" cy="2308225"/>
+          </a:xfrm>
+          <a:prstGeom prst="rect">
+            <a:avLst/>
+          </a:prstGeom>
+          <a:solidFill>
+            <a:schemeClr val="bg2"/>
+          </a:solidFill>
+          <a:ln>
+            <a:noFill/>
+          </a:ln>
+          <a:extLst>
+            <a:ext uri="{91240B29-F687-4f45-9708-019B960494DF}">
+              <a14:hiddenLine xmlns:a14="http://schemas.microsoft.com/office/drawing/2010/main" w="9525">
+                <a:solidFill>
+                  <a:srgbClr val="000000"/>
+                </a:solidFill>
+                <a:miter lim="800000"/>
+                <a:headEnd/>
+                <a:tailEnd/>
+              </a14:hiddenLine>
+            </a:ext>
+          </a:extLst>
+        </p:spPr>
+        <p:txBody>
+          <a:bodyPr>
+            <a:spAutoFit/>
+          </a:bodyPr>
+          <a:lstStyle/>
+          <a:p>
+            <a:r>
+              <a:rPr lang="en-US">
+                <a:latin typeface="Trebuchet MS" charset="0"/>
+              </a:rPr>
+              <a:t>&lt;form action=</a:t>
+            </a:r>
+            <a:r>
+              <a:rPr lang="ja-JP" altLang="en-US">
+                <a:latin typeface="Trebuchet MS" charset="0"/>
+              </a:rPr>
+              <a:t>”</a:t>
+            </a:r>
+            <a:r>
+              <a:rPr lang="en-US">
+                <a:latin typeface="Trebuchet MS" charset="0"/>
+              </a:rPr>
+              <a:t>tool</a:t>
+            </a:r>
+            <a:r>
+              <a:rPr lang="ja-JP" altLang="en-US">
+                <a:latin typeface="Trebuchet MS" charset="0"/>
+              </a:rPr>
+              <a:t>”</a:t>
+            </a:r>
+            <a:r>
+              <a:rPr lang="en-US">
+                <a:latin typeface="Trebuchet MS" charset="0"/>
+              </a:rPr>
+              <a:t>/&gt;</a:t>
+            </a:r>
+          </a:p>
+          <a:p>
+            <a:r>
+              <a:rPr lang="en-US">
+                <a:latin typeface="Trebuchet MS" charset="0"/>
+              </a:rPr>
+              <a:t>&lt;input name=</a:t>
+            </a:r>
+            <a:r>
+              <a:rPr lang="ja-JP" altLang="en-US">
+                <a:latin typeface="Trebuchet MS" charset="0"/>
+              </a:rPr>
+              <a:t>”</a:t>
+            </a:r>
+            <a:r>
+              <a:rPr lang="en-US">
+                <a:latin typeface="Trebuchet MS" charset="0"/>
+              </a:rPr>
+              <a:t>user_id</a:t>
+            </a:r>
+            <a:r>
+              <a:rPr lang="ja-JP" altLang="en-US">
+                <a:latin typeface="Trebuchet MS" charset="0"/>
+              </a:rPr>
+              <a:t>”</a:t>
+            </a:r>
+            <a:r>
+              <a:rPr lang="en-US">
+                <a:latin typeface="Trebuchet MS" charset="0"/>
+              </a:rPr>
+              <a:t>   </a:t>
+            </a:r>
+          </a:p>
+          <a:p>
+            <a:r>
+              <a:rPr lang="en-US">
+                <a:latin typeface="Trebuchet MS" charset="0"/>
+              </a:rPr>
+              <a:t>   value=</a:t>
+            </a:r>
+            <a:r>
+              <a:rPr lang="ja-JP" altLang="en-US">
+                <a:latin typeface="Trebuchet MS" charset="0"/>
+              </a:rPr>
+              <a:t>”</a:t>
+            </a:r>
+            <a:r>
+              <a:rPr lang="en-US">
+                <a:latin typeface="Trebuchet MS" charset="0"/>
+              </a:rPr>
+              <a:t>2348d8dd</a:t>
+            </a:r>
+            <a:r>
+              <a:rPr lang="ja-JP" altLang="en-US">
+                <a:latin typeface="Trebuchet MS" charset="0"/>
+              </a:rPr>
+              <a:t>”</a:t>
+            </a:r>
+            <a:r>
+              <a:rPr lang="en-US">
+                <a:latin typeface="Trebuchet MS" charset="0"/>
+              </a:rPr>
+              <a:t> /&gt;</a:t>
+            </a:r>
+          </a:p>
+          <a:p>
+            <a:r>
+              <a:rPr lang="en-US">
+                <a:latin typeface="Trebuchet MS" charset="0"/>
+              </a:rPr>
+              <a:t>&lt;input name=</a:t>
+            </a:r>
+            <a:r>
+              <a:rPr lang="ja-JP" altLang="en-US">
+                <a:latin typeface="Trebuchet MS" charset="0"/>
+              </a:rPr>
+              <a:t>”</a:t>
+            </a:r>
+            <a:r>
+              <a:rPr lang="en-US">
+                <a:latin typeface="Trebuchet MS" charset="0"/>
+              </a:rPr>
+              <a:t>oauth_token</a:t>
+            </a:r>
+            <a:r>
+              <a:rPr lang="ja-JP" altLang="en-US">
+                <a:latin typeface="Trebuchet MS" charset="0"/>
+              </a:rPr>
+              <a:t>”</a:t>
+            </a:r>
+            <a:r>
+              <a:rPr lang="en-US">
+                <a:latin typeface="Trebuchet MS" charset="0"/>
+              </a:rPr>
+              <a:t>    </a:t>
+            </a:r>
+          </a:p>
+          <a:p>
+            <a:r>
+              <a:rPr lang="en-US">
+                <a:latin typeface="Trebuchet MS" charset="0"/>
+              </a:rPr>
+              <a:t>   value=</a:t>
+            </a:r>
+            <a:r>
+              <a:rPr lang="ja-JP" altLang="en-US">
+                <a:latin typeface="Trebuchet MS" charset="0"/>
+              </a:rPr>
+              <a:t>”</a:t>
+            </a:r>
+            <a:r>
+              <a:rPr lang="en-US">
+                <a:latin typeface="Trebuchet MS" charset="0"/>
+              </a:rPr>
+              <a:t>abc.edu</a:t>
+            </a:r>
+            <a:r>
+              <a:rPr lang="ja-JP" altLang="en-US">
+                <a:latin typeface="Trebuchet MS" charset="0"/>
+              </a:rPr>
+              <a:t>”</a:t>
+            </a:r>
+            <a:r>
+              <a:rPr lang="en-US">
+                <a:latin typeface="Trebuchet MS" charset="0"/>
+              </a:rPr>
+              <a:t> /&gt;</a:t>
+            </a:r>
+          </a:p>
+          <a:p>
+            <a:r>
+              <a:rPr lang="en-US">
+                <a:latin typeface="Trebuchet MS" charset="0"/>
+              </a:rPr>
+              <a:t>&lt;/form&gt;</a:t>
+            </a:r>
+          </a:p>
+        </p:txBody>
+      </p:sp>
+      <p:sp>
+        <p:nvSpPr>
+          <p:cNvPr id="10" name="Rectangle 9"/>
+          <p:cNvSpPr>
+            <a:spLocks noChangeArrowheads="1"/>
+          </p:cNvSpPr>
+          <p:nvPr/>
+        </p:nvSpPr>
+        <p:spPr bwMode="auto">
+          <a:xfrm>
+            <a:off x="5181600" y="4343400"/>
+            <a:ext cx="3657600" cy="708025"/>
+          </a:xfrm>
+          <a:prstGeom prst="rect">
+            <a:avLst/>
+          </a:prstGeom>
+          <a:noFill/>
+          <a:ln>
+            <a:noFill/>
+          </a:ln>
+          <a:extLst>
+            <a:ext uri="{909E8E84-426E-40dd-AFC4-6F175D3DCCD1}">
+              <a14:hiddenFill xmlns:a14="http://schemas.microsoft.com/office/drawing/2010/main">
+                <a:solidFill>
+                  <a:srgbClr val="FFFFFF"/>
+                </a:solidFill>
+              </a14:hiddenFill>
+            </a:ext>
+            <a:ext uri="{91240B29-F687-4f45-9708-019B960494DF}">
+              <a14:hiddenLine xmlns:a14="http://schemas.microsoft.com/office/drawing/2010/main" w="9525">
+                <a:solidFill>
+                  <a:srgbClr val="000000"/>
+                </a:solidFill>
+                <a:miter lim="800000"/>
+                <a:headEnd/>
+                <a:tailEnd/>
+              </a14:hiddenLine>
+            </a:ext>
+          </a:extLst>
+        </p:spPr>
+        <p:txBody>
+          <a:bodyPr>
+            <a:spAutoFit/>
+          </a:bodyPr>
+          <a:lstStyle/>
+          <a:p>
+            <a:pPr algn="ctr"/>
+            <a:r>
+              <a:rPr lang="en-US" sz="2000">
+                <a:latin typeface="Trebuchet MS" charset="0"/>
+              </a:rPr>
+              <a:t>Tool looks up </a:t>
+            </a:r>
+            <a:r>
+              <a:rPr lang="en-US" sz="2000">
+                <a:solidFill>
+                  <a:srgbClr val="FF0000"/>
+                </a:solidFill>
+                <a:latin typeface="Trebuchet MS" charset="0"/>
+              </a:rPr>
+              <a:t>secret </a:t>
+            </a:r>
+            <a:r>
+              <a:rPr lang="en-US" sz="2000">
+                <a:latin typeface="Trebuchet MS" charset="0"/>
+              </a:rPr>
+              <a:t>and validates signature.</a:t>
+            </a:r>
+          </a:p>
+        </p:txBody>
+      </p:sp>
+      <p:sp>
+        <p:nvSpPr>
+          <p:cNvPr id="11" name="Rectangle 10"/>
+          <p:cNvSpPr>
+            <a:spLocks noChangeArrowheads="1"/>
+          </p:cNvSpPr>
+          <p:nvPr/>
+        </p:nvSpPr>
+        <p:spPr bwMode="auto">
+          <a:xfrm>
+            <a:off x="5334000" y="5105400"/>
+            <a:ext cx="3505200" cy="708025"/>
+          </a:xfrm>
+          <a:prstGeom prst="rect">
+            <a:avLst/>
+          </a:prstGeom>
+          <a:noFill/>
+          <a:ln>
+            <a:noFill/>
+          </a:ln>
+          <a:extLst>
+            <a:ext uri="{909E8E84-426E-40dd-AFC4-6F175D3DCCD1}">
+              <a14:hiddenFill xmlns:a14="http://schemas.microsoft.com/office/drawing/2010/main">
+                <a:solidFill>
+                  <a:srgbClr val="FFFFFF"/>
+                </a:solidFill>
+              </a14:hiddenFill>
+            </a:ext>
+            <a:ext uri="{91240B29-F687-4f45-9708-019B960494DF}">
+              <a14:hiddenLine xmlns:a14="http://schemas.microsoft.com/office/drawing/2010/main" w="9525">
+                <a:solidFill>
+                  <a:srgbClr val="000000"/>
+                </a:solidFill>
+                <a:miter lim="800000"/>
+                <a:headEnd/>
+                <a:tailEnd/>
+              </a14:hiddenLine>
+            </a:ext>
+          </a:extLst>
+        </p:spPr>
+        <p:txBody>
+          <a:bodyPr>
+            <a:spAutoFit/>
+          </a:bodyPr>
+          <a:lstStyle/>
+          <a:p>
+            <a:pPr algn="ctr"/>
+            <a:r>
+              <a:rPr lang="en-US" sz="2000">
+                <a:latin typeface="Trebuchet MS" charset="0"/>
+              </a:rPr>
+              <a:t>Tool provisions user, course, and session.</a:t>
+            </a:r>
+          </a:p>
+        </p:txBody>
+      </p:sp>
+      <p:sp>
+        <p:nvSpPr>
+          <p:cNvPr id="12" name="Rectangle 11"/>
+          <p:cNvSpPr>
+            <a:spLocks noChangeArrowheads="1"/>
+          </p:cNvSpPr>
+          <p:nvPr/>
+        </p:nvSpPr>
+        <p:spPr bwMode="auto">
+          <a:xfrm>
+            <a:off x="5867400" y="5943600"/>
+            <a:ext cx="2365375" cy="400050"/>
+          </a:xfrm>
+          <a:prstGeom prst="rect">
+            <a:avLst/>
+          </a:prstGeom>
+          <a:noFill/>
+          <a:ln>
+            <a:noFill/>
+          </a:ln>
+          <a:extLst>
+            <a:ext uri="{909E8E84-426E-40dd-AFC4-6F175D3DCCD1}">
+              <a14:hiddenFill xmlns:a14="http://schemas.microsoft.com/office/drawing/2010/main">
+                <a:solidFill>
+                  <a:srgbClr val="FFFFFF"/>
+                </a:solidFill>
+              </a14:hiddenFill>
+            </a:ext>
+            <a:ext uri="{91240B29-F687-4f45-9708-019B960494DF}">
+              <a14:hiddenLine xmlns:a14="http://schemas.microsoft.com/office/drawing/2010/main" w="9525">
+                <a:solidFill>
+                  <a:srgbClr val="000000"/>
+                </a:solidFill>
+                <a:miter lim="800000"/>
+                <a:headEnd/>
+                <a:tailEnd/>
+              </a14:hiddenLine>
+            </a:ext>
+          </a:extLst>
+        </p:spPr>
+        <p:txBody>
+          <a:bodyPr wrap="none">
+            <a:spAutoFit/>
+          </a:bodyPr>
+          <a:lstStyle/>
+          <a:p>
+            <a:r>
+              <a:rPr lang="en-US" sz="2000">
+                <a:latin typeface="Trebuchet MS" charset="0"/>
+              </a:rPr>
+              <a:t>Tool sends redirect</a:t>
+            </a:r>
+          </a:p>
+        </p:txBody>
+      </p:sp>
+      <p:sp>
+        <p:nvSpPr>
+          <p:cNvPr id="2" name="Rectangle 1"/>
+          <p:cNvSpPr/>
+          <p:nvPr/>
+        </p:nvSpPr>
+        <p:spPr>
+          <a:xfrm>
+            <a:off x="5181600" y="4343400"/>
+            <a:ext cx="3657600" cy="1600200"/>
+          </a:xfrm>
+          <a:prstGeom prst="rect">
+            <a:avLst/>
+          </a:prstGeom>
+          <a:noFill/>
+          <a:ln>
+            <a:solidFill>
+              <a:srgbClr val="FFFF00"/>
+            </a:solidFill>
+          </a:ln>
+        </p:spPr>
+        <p:style>
+          <a:lnRef idx="1">
+            <a:schemeClr val="accent1"/>
+          </a:lnRef>
+          <a:fillRef idx="3">
+            <a:schemeClr val="accent1"/>
+          </a:fillRef>
+          <a:effectRef idx="2">
+            <a:schemeClr val="accent1"/>
+          </a:effectRef>
+          <a:fontRef idx="minor">
+            <a:schemeClr val="lt1"/>
+          </a:fontRef>
+        </p:style>
+        <p:txBody>
+          <a:bodyPr rtlCol="0" anchor="ctr"/>
+          <a:lstStyle/>
+          <a:p>
+            <a:pPr algn="ctr"/>
+            <a:endParaRPr lang="en-US"/>
+          </a:p>
+        </p:txBody>
+      </p:sp>
+      <p:cxnSp>
+        <p:nvCxnSpPr>
+          <p:cNvPr id="15" name="Straight Arrow Connector 14"/>
+          <p:cNvCxnSpPr/>
+          <p:nvPr/>
+        </p:nvCxnSpPr>
+        <p:spPr>
+          <a:xfrm>
+            <a:off x="4038600" y="4267200"/>
+            <a:ext cx="1600200" cy="533400"/>
+          </a:xfrm>
+          <a:prstGeom prst="straightConnector1">
+            <a:avLst/>
+          </a:prstGeom>
+          <a:ln w="76200" cap="flat" cmpd="sng" algn="ctr">
+            <a:solidFill>
+              <a:schemeClr val="accent2">
+                <a:lumMod val="50000"/>
+              </a:schemeClr>
+            </a:solidFill>
+            <a:prstDash val="solid"/>
+            <a:round/>
+            <a:headEnd type="none" w="med" len="med"/>
+            <a:tailEnd type="arrow" w="med" len="med"/>
+          </a:ln>
+        </p:spPr>
+        <p:style>
+          <a:lnRef idx="2">
+            <a:schemeClr val="accent1"/>
+          </a:lnRef>
+          <a:fillRef idx="0">
+            <a:schemeClr val="accent1"/>
+          </a:fillRef>
+          <a:effectRef idx="1">
+            <a:schemeClr val="accent1"/>
+          </a:effectRef>
+          <a:fontRef idx="minor">
+            <a:schemeClr val="tx1"/>
+          </a:fontRef>
+        </p:style>
+      </p:cxnSp>
+      <p:cxnSp>
+        <p:nvCxnSpPr>
+          <p:cNvPr id="18" name="Straight Arrow Connector 17"/>
+          <p:cNvCxnSpPr/>
+          <p:nvPr/>
+        </p:nvCxnSpPr>
+        <p:spPr>
+          <a:xfrm rot="10800000">
+            <a:off x="3886200" y="4800600"/>
+            <a:ext cx="1600200" cy="1295400"/>
+          </a:xfrm>
+          <a:prstGeom prst="straightConnector1">
+            <a:avLst/>
+          </a:prstGeom>
+          <a:ln w="76200" cap="flat" cmpd="sng" algn="ctr">
+            <a:solidFill>
+              <a:srgbClr val="191966"/>
+            </a:solidFill>
+            <a:prstDash val="solid"/>
+            <a:round/>
+            <a:headEnd type="none" w="med" len="med"/>
+            <a:tailEnd type="arrow" w="med" len="med"/>
+          </a:ln>
+        </p:spPr>
+        <p:style>
+          <a:lnRef idx="2">
+            <a:schemeClr val="accent1"/>
+          </a:lnRef>
+          <a:fillRef idx="0">
+            <a:schemeClr val="accent1"/>
+          </a:fillRef>
+          <a:effectRef idx="1">
+            <a:schemeClr val="accent1"/>
+          </a:effectRef>
+          <a:fontRef idx="minor">
+            <a:schemeClr val="tx1"/>
+          </a:fontRef>
+        </p:style>
+      </p:cxnSp>
+    </p:spTree>
+    <p:extLst>
+      <p:ext uri="{BB962C8B-B14F-4D97-AF65-F5344CB8AC3E}">
+        <p14:creationId xmlns:p14="http://schemas.microsoft.com/office/powerpoint/2010/main" val="3273287267"/>
+      </p:ext>
+    </p:extLst>
+  </p:cSld>
+  <p:clrMapOvr>
+    <a:masterClrMapping/>
+  </p:clrMapOvr>
+  <p:transition xmlns:p14="http://schemas.microsoft.com/office/powerpoint/2010/main"/>
+  <p:timing>
+    <p:tnLst>
+      <p:par>
+        <p:cTn xmlns:p14="http://schemas.microsoft.com/office/powerpoint/2010/main" id="1" dur="indefinite" restart="never" nodeType="tmRoot">
+          <p:childTnLst>
+            <p:seq concurrent="1" nextAc="seek">
+              <p:cTn id="2" dur="indefinite" nodeType="mainSeq">
+                <p:childTnLst>
+                  <p:par>
+                    <p:cTn id="3" fill="hold" nodeType="clickPar">
+                      <p:stCondLst>
+                        <p:cond delay="indefinite"/>
+                      </p:stCondLst>
+                      <p:childTnLst>
+                        <p:par>
+                          <p:cTn id="4" fill="hold" nodeType="withGroup">
+                            <p:stCondLst>
+                              <p:cond delay="0"/>
+                            </p:stCondLst>
+                            <p:childTnLst>
+                              <p:par>
+                                <p:cTn id="5" presetID="1" presetClass="entr" presetSubtype="0" fill="hold" nodeType="clickEffect">
+                                  <p:stCondLst>
+                                    <p:cond delay="0"/>
+                                  </p:stCondLst>
+                                  <p:childTnLst>
+                                    <p:set>
+                                      <p:cBhvr>
+                                        <p:cTn id="6" dur="1" fill="hold">
+                                          <p:stCondLst>
+                                            <p:cond delay="0"/>
+                                          </p:stCondLst>
+                                        </p:cTn>
+                                        <p:tgtEl>
+                                          <p:spTgt spid="15"/>
+                                        </p:tgtEl>
+                                        <p:attrNameLst>
+                                          <p:attrName>style.visibility</p:attrName>
+                                        </p:attrNameLst>
+                                      </p:cBhvr>
+                                      <p:to>
+                                        <p:strVal val="visible"/>
+                                      </p:to>
+                                    </p:set>
+                                  </p:childTnLst>
+                                </p:cTn>
+                              </p:par>
+                            </p:childTnLst>
+                          </p:cTn>
+                        </p:par>
+                      </p:childTnLst>
+                    </p:cTn>
+                  </p:par>
+                  <p:par>
+                    <p:cTn id="7" fill="hold" nodeType="clickPar">
+                      <p:stCondLst>
+                        <p:cond delay="indefinite"/>
+                      </p:stCondLst>
+                      <p:childTnLst>
+                        <p:par>
+                          <p:cTn id="8" fill="hold" nodeType="withGroup">
+                            <p:stCondLst>
+                              <p:cond delay="0"/>
+                            </p:stCondLst>
+                            <p:childTnLst>
+                              <p:par>
+                                <p:cTn id="9" presetID="1" presetClass="entr" presetSubtype="0" fill="hold" grpId="0" nodeType="clickEffect">
+                                  <p:stCondLst>
+                                    <p:cond delay="0"/>
+                                  </p:stCondLst>
+                                  <p:childTnLst>
+                                    <p:set>
+                                      <p:cBhvr>
+                                        <p:cTn id="10" dur="1" fill="hold">
+                                          <p:stCondLst>
+                                            <p:cond delay="0"/>
+                                          </p:stCondLst>
+                                        </p:cTn>
+                                        <p:tgtEl>
+                                          <p:spTgt spid="10"/>
+                                        </p:tgtEl>
+                                        <p:attrNameLst>
+                                          <p:attrName>style.visibility</p:attrName>
+                                        </p:attrNameLst>
+                                      </p:cBhvr>
+                                      <p:to>
+                                        <p:strVal val="visible"/>
+                                      </p:to>
+                                    </p:set>
+                                  </p:childTnLst>
+                                </p:cTn>
+                              </p:par>
+                            </p:childTnLst>
+                          </p:cTn>
+                        </p:par>
+                      </p:childTnLst>
+                    </p:cTn>
+                  </p:par>
+                  <p:par>
+                    <p:cTn id="11" fill="hold" nodeType="clickPar">
+                      <p:stCondLst>
+                        <p:cond delay="indefinite"/>
+                      </p:stCondLst>
+                      <p:childTnLst>
+                        <p:par>
+                          <p:cTn id="12" fill="hold" nodeType="withGroup">
+                            <p:stCondLst>
+                              <p:cond delay="0"/>
+                            </p:stCondLst>
+                            <p:childTnLst>
+                              <p:par>
+                                <p:cTn id="13" presetID="1" presetClass="entr" presetSubtype="0" fill="hold" grpId="0" nodeType="clickEffect">
+                                  <p:stCondLst>
+                                    <p:cond delay="0"/>
+                                  </p:stCondLst>
+                                  <p:childTnLst>
+                                    <p:set>
+                                      <p:cBhvr>
+                                        <p:cTn id="14" dur="1" fill="hold">
+                                          <p:stCondLst>
+                                            <p:cond delay="0"/>
+                                          </p:stCondLst>
+                                        </p:cTn>
+                                        <p:tgtEl>
+                                          <p:spTgt spid="11"/>
+                                        </p:tgtEl>
+                                        <p:attrNameLst>
+                                          <p:attrName>style.visibility</p:attrName>
+                                        </p:attrNameLst>
+                                      </p:cBhvr>
+                                      <p:to>
+                                        <p:strVal val="visible"/>
+                                      </p:to>
+                                    </p:set>
+                                  </p:childTnLst>
+                                </p:cTn>
+                              </p:par>
+                              <p:par>
+                                <p:cTn id="15" presetID="1" presetClass="exit" presetSubtype="0" fill="hold" nodeType="withEffect">
+                                  <p:stCondLst>
+                                    <p:cond delay="0"/>
+                                  </p:stCondLst>
+                                  <p:childTnLst>
+                                    <p:set>
+                                      <p:cBhvr>
+                                        <p:cTn id="16" dur="1" fill="hold">
+                                          <p:stCondLst>
+                                            <p:cond delay="0"/>
+                                          </p:stCondLst>
+                                        </p:cTn>
+                                        <p:tgtEl>
+                                          <p:spTgt spid="15"/>
+                                        </p:tgtEl>
+                                        <p:attrNameLst>
+                                          <p:attrName>style.visibility</p:attrName>
+                                        </p:attrNameLst>
+                                      </p:cBhvr>
+                                      <p:to>
+                                        <p:strVal val="hidden"/>
+                                      </p:to>
+                                    </p:set>
+                                  </p:childTnLst>
+                                </p:cTn>
+                              </p:par>
+                            </p:childTnLst>
+                          </p:cTn>
+                        </p:par>
+                      </p:childTnLst>
+                    </p:cTn>
+                  </p:par>
+                  <p:par>
+                    <p:cTn id="17" fill="hold" nodeType="clickPar">
+                      <p:stCondLst>
+                        <p:cond delay="indefinite"/>
+                      </p:stCondLst>
+                      <p:childTnLst>
+                        <p:par>
+                          <p:cTn id="18" fill="hold" nodeType="withGroup">
+                            <p:stCondLst>
+                              <p:cond delay="0"/>
+                            </p:stCondLst>
+                            <p:childTnLst>
+                              <p:par>
+                                <p:cTn id="19" presetID="1" presetClass="entr" presetSubtype="0" fill="hold" grpId="0" nodeType="clickEffect">
+                                  <p:stCondLst>
+                                    <p:cond delay="0"/>
+                                  </p:stCondLst>
+                                  <p:childTnLst>
+                                    <p:set>
+                                      <p:cBhvr>
+                                        <p:cTn id="20" dur="1" fill="hold">
+                                          <p:stCondLst>
+                                            <p:cond delay="0"/>
+                                          </p:stCondLst>
+                                        </p:cTn>
+                                        <p:tgtEl>
+                                          <p:spTgt spid="12"/>
+                                        </p:tgtEl>
+                                        <p:attrNameLst>
+                                          <p:attrName>style.visibility</p:attrName>
+                                        </p:attrNameLst>
+                                      </p:cBhvr>
+                                      <p:to>
+                                        <p:strVal val="visible"/>
+                                      </p:to>
+                                    </p:set>
+                                  </p:childTnLst>
+                                </p:cTn>
+                              </p:par>
+                              <p:par>
+                                <p:cTn id="21" presetID="1" presetClass="entr" presetSubtype="0" fill="hold" nodeType="withEffect">
+                                  <p:stCondLst>
+                                    <p:cond delay="0"/>
+                                  </p:stCondLst>
+                                  <p:childTnLst>
+                                    <p:set>
+                                      <p:cBhvr>
+                                        <p:cTn id="22" dur="1" fill="hold">
+                                          <p:stCondLst>
+                                            <p:cond delay="0"/>
+                                          </p:stCondLst>
+                                        </p:cTn>
+                                        <p:tgtEl>
+                                          <p:spTgt spid="18"/>
+                                        </p:tgtEl>
+                                        <p:attrNameLst>
+                                          <p:attrName>style.visibility</p:attrName>
+                                        </p:attrNameLst>
+                                      </p:cBhvr>
+                                      <p:to>
+                                        <p:strVal val="visible"/>
+                                      </p:to>
+                                    </p:set>
+                                  </p:childTnLst>
+                                </p:cTn>
+                              </p:par>
+                            </p:childTnLst>
+                          </p:cTn>
+                        </p:par>
+                      </p:childTnLst>
+                    </p:cTn>
+                  </p:par>
+                </p:childTnLst>
+              </p:cTn>
+              <p:prevCondLst>
+                <p:cond evt="onPrev" delay="0">
+                  <p:tgtEl>
+                    <p:sldTgt/>
+                  </p:tgtEl>
+                </p:cond>
+              </p:prevCondLst>
+              <p:nextCondLst>
+                <p:cond evt="onNext" delay="0">
+                  <p:tgtEl>
+                    <p:sldTgt/>
+                  </p:tgtEl>
+                </p:cond>
+              </p:nextCondLst>
+            </p:seq>
+          </p:childTnLst>
+        </p:cTn>
+      </p:par>
+    </p:tnLst>
+    <p:bldLst>
+      <p:bldP spid="10" grpId="0"/>
+      <p:bldP spid="11" grpId="0"/>
+      <p:bldP spid="12" grpId="0"/>
+    </p:bldLst>
+  </p:timing>
+</p:sld>
+</file>
+
+<file path=ppt/slides/slide31.xml><?xml version="1.0" encoding="utf-8"?>
+<p:sld xmlns:a="http://schemas.openxmlformats.org/drawingml/2006/main" xmlns:r="http://schemas.openxmlformats.org/officeDocument/2006/relationships" xmlns:p="http://schemas.openxmlformats.org/presentationml/2006/main">
+  <p:cSld>
+    <p:spTree>
+      <p:nvGrpSpPr>
+        <p:cNvPr id="1" name=""/>
+        <p:cNvGrpSpPr/>
+        <p:nvPr/>
+      </p:nvGrpSpPr>
+      <p:grpSpPr>
+        <a:xfrm>
+          <a:off x="0" y="0"/>
+          <a:ext cx="0" cy="0"/>
+          <a:chOff x="0" y="0"/>
+          <a:chExt cx="0" cy="0"/>
+        </a:xfrm>
+      </p:grpSpPr>
+      <p:pic>
+        <p:nvPicPr>
+          <p:cNvPr id="4" name="Picture 3" descr="Untitled.png"/>
+          <p:cNvPicPr>
+            <a:picLocks noChangeAspect="1"/>
+          </p:cNvPicPr>
+          <p:nvPr/>
+        </p:nvPicPr>
+        <p:blipFill>
+          <a:blip r:embed="rId2">
+            <a:extLst>
+              <a:ext uri="{28A0092B-C50C-407E-A947-70E740481C1C}">
+                <a14:useLocalDpi xmlns:a14="http://schemas.microsoft.com/office/drawing/2010/main" val="0"/>
+              </a:ext>
+            </a:extLst>
+          </a:blip>
+          <a:stretch>
+            <a:fillRect/>
+          </a:stretch>
+        </p:blipFill>
+        <p:spPr>
+          <a:xfrm>
+            <a:off x="1039543" y="112525"/>
+            <a:ext cx="7690465" cy="6188485"/>
+          </a:xfrm>
+          <a:prstGeom prst="rect">
+            <a:avLst/>
+          </a:prstGeom>
+        </p:spPr>
+      </p:pic>
+      <p:sp>
+        <p:nvSpPr>
+          <p:cNvPr id="5" name="Rectangle 4"/>
+          <p:cNvSpPr/>
+          <p:nvPr/>
+        </p:nvSpPr>
+        <p:spPr>
+          <a:xfrm>
+            <a:off x="0" y="6363427"/>
+            <a:ext cx="7250891" cy="461665"/>
+          </a:xfrm>
+          <a:prstGeom prst="rect">
+            <a:avLst/>
+          </a:prstGeom>
+        </p:spPr>
+        <p:txBody>
+          <a:bodyPr wrap="square">
+            <a:spAutoFit/>
+          </a:bodyPr>
+          <a:lstStyle/>
+          <a:p>
+            <a:pPr algn="ctr"/>
+            <a:r>
+              <a:rPr lang="en-US" sz="2400" dirty="0" err="1">
+                <a:solidFill>
+                  <a:srgbClr val="FFFF00"/>
+                </a:solidFill>
+              </a:rPr>
+              <a:t>t</a:t>
+            </a:r>
+            <a:r>
+              <a:rPr lang="en-US" sz="2400" dirty="0" err="1" smtClean="0">
+                <a:solidFill>
+                  <a:srgbClr val="FFFF00"/>
+                </a:solidFill>
+              </a:rPr>
+              <a:t>sugi</a:t>
+            </a:r>
+            <a:r>
+              <a:rPr lang="en-US" sz="2400" dirty="0" smtClean="0">
+                <a:solidFill>
+                  <a:srgbClr val="FFFF00"/>
+                </a:solidFill>
+              </a:rPr>
+              <a:t>/docs</a:t>
+            </a:r>
+            <a:r>
+              <a:rPr lang="en-US" sz="2400" dirty="0">
+                <a:solidFill>
+                  <a:srgbClr val="FFFF00"/>
+                </a:solidFill>
+              </a:rPr>
+              <a:t>/lectures/02-Data-Model-Workbench.mwb</a:t>
+            </a:r>
+          </a:p>
+        </p:txBody>
+      </p:sp>
+    </p:spTree>
+    <p:extLst>
+      <p:ext uri="{BB962C8B-B14F-4D97-AF65-F5344CB8AC3E}">
+        <p14:creationId xmlns:p14="http://schemas.microsoft.com/office/powerpoint/2010/main" val="1728772409"/>
+      </p:ext>
+    </p:extLst>
+  </p:cSld>
+  <p:clrMapOvr>
+    <a:masterClrMapping/>
+  </p:clrMapOvr>
+</p:sld>
+</file>
+
+<file path=ppt/slides/slide32.xml><?xml version="1.0" encoding="utf-8"?>
+<p:sld xmlns:a="http://schemas.openxmlformats.org/drawingml/2006/main" xmlns:r="http://schemas.openxmlformats.org/officeDocument/2006/relationships" xmlns:p="http://schemas.openxmlformats.org/presentationml/2006/main">
+  <p:cSld>
+    <p:spTree>
+      <p:nvGrpSpPr>
+        <p:cNvPr id="1" name=""/>
+        <p:cNvGrpSpPr/>
+        <p:nvPr/>
+      </p:nvGrpSpPr>
+      <p:grpSpPr>
+        <a:xfrm>
+          <a:off x="0" y="0"/>
+          <a:ext cx="0" cy="0"/>
+          <a:chOff x="0" y="0"/>
+          <a:chExt cx="0" cy="0"/>
+        </a:xfrm>
+      </p:grpSpPr>
+      <p:sp>
+        <p:nvSpPr>
+          <p:cNvPr id="2" name="Title 1"/>
+          <p:cNvSpPr>
+            <a:spLocks noGrp="1"/>
+          </p:cNvSpPr>
+          <p:nvPr>
+            <p:ph type="title"/>
+          </p:nvPr>
+        </p:nvSpPr>
+        <p:spPr/>
+        <p:txBody>
+          <a:bodyPr/>
+          <a:lstStyle/>
+          <a:p>
+            <a:r>
+              <a:rPr lang="en-US" dirty="0" smtClean="0"/>
+              <a:t>Problems to Solve</a:t>
+            </a:r>
+            <a:endParaRPr lang="en-US" dirty="0"/>
+          </a:p>
+        </p:txBody>
+      </p:sp>
+      <p:sp>
+        <p:nvSpPr>
+          <p:cNvPr id="3" name="Content Placeholder 2"/>
+          <p:cNvSpPr>
+            <a:spLocks noGrp="1"/>
+          </p:cNvSpPr>
+          <p:nvPr>
+            <p:ph idx="1"/>
+          </p:nvPr>
+        </p:nvSpPr>
+        <p:spPr/>
+        <p:txBody>
+          <a:bodyPr/>
+          <a:lstStyle/>
+          <a:p>
+            <a:r>
+              <a:rPr lang="en-US" dirty="0" smtClean="0"/>
+              <a:t>Might be seeing context, link and user for the first time – need to create </a:t>
+            </a:r>
+          </a:p>
+          <a:p>
+            <a:r>
+              <a:rPr lang="en-US" dirty="0" smtClean="0"/>
+              <a:t>Might already have records in place but see new data like name, title or email</a:t>
+            </a:r>
+          </a:p>
+          <a:p>
+            <a:r>
+              <a:rPr lang="en-US" dirty="0" smtClean="0"/>
+              <a:t>Might already have the data no changed are needed (most common)</a:t>
+            </a:r>
+          </a:p>
+          <a:p>
+            <a:r>
+              <a:rPr lang="en-US" dirty="0" smtClean="0"/>
+              <a:t>Need to provision the session and global objects ($USER, $CONTEXT, and $LINK)</a:t>
+            </a:r>
+            <a:endParaRPr lang="en-US" dirty="0"/>
+          </a:p>
+        </p:txBody>
+      </p:sp>
+    </p:spTree>
+    <p:extLst>
+      <p:ext uri="{BB962C8B-B14F-4D97-AF65-F5344CB8AC3E}">
+        <p14:creationId xmlns:p14="http://schemas.microsoft.com/office/powerpoint/2010/main" val="2892298827"/>
+      </p:ext>
+    </p:extLst>
+  </p:cSld>
+  <p:clrMapOvr>
+    <a:masterClrMapping/>
+  </p:clrMapOvr>
+  <p:timing>
+    <p:tnLst>
+      <p:par>
+        <p:cTn xmlns:p14="http://schemas.microsoft.com/office/powerpoint/2010/main" id="1" dur="indefinite" restart="never" nodeType="tmRoot"/>
+      </p:par>
+    </p:tnLst>
+  </p:timing>
+</p:sld>
+</file>
+
+<file path=ppt/slides/slide33.xml><?xml version="1.0" encoding="utf-8"?>
+<p:sld xmlns:a="http://schemas.openxmlformats.org/drawingml/2006/main" xmlns:r="http://schemas.openxmlformats.org/officeDocument/2006/relationships" xmlns:p="http://schemas.openxmlformats.org/presentationml/2006/main">
+  <p:cSld>
+    <p:spTree>
+      <p:nvGrpSpPr>
+        <p:cNvPr id="1" name=""/>
+        <p:cNvGrpSpPr/>
+        <p:nvPr/>
+      </p:nvGrpSpPr>
+      <p:grpSpPr>
+        <a:xfrm>
+          <a:off x="0" y="0"/>
+          <a:ext cx="0" cy="0"/>
+          <a:chOff x="0" y="0"/>
+          <a:chExt cx="0" cy="0"/>
+        </a:xfrm>
+      </p:grpSpPr>
+      <p:sp>
+        <p:nvSpPr>
+          <p:cNvPr id="4" name="TextBox 3"/>
+          <p:cNvSpPr txBox="1"/>
+          <p:nvPr/>
+        </p:nvSpPr>
+        <p:spPr>
+          <a:xfrm>
+            <a:off x="96462" y="401875"/>
+            <a:ext cx="8911889" cy="5909311"/>
+          </a:xfrm>
+          <a:prstGeom prst="rect">
+            <a:avLst/>
+          </a:prstGeom>
+          <a:noFill/>
+        </p:spPr>
+        <p:txBody>
+          <a:bodyPr wrap="none" rtlCol="0">
+            <a:spAutoFit/>
+          </a:bodyPr>
+          <a:lstStyle/>
+          <a:p>
+            <a:r>
+              <a:rPr lang="en-US" dirty="0"/>
+              <a:t>SELECT </a:t>
+            </a:r>
+            <a:r>
+              <a:rPr lang="en-US" dirty="0" err="1"/>
+              <a:t>k.key_id</a:t>
+            </a:r>
+            <a:r>
+              <a:rPr lang="en-US" dirty="0"/>
+              <a:t>, </a:t>
+            </a:r>
+            <a:r>
+              <a:rPr lang="en-US" dirty="0" err="1"/>
+              <a:t>k.key_key</a:t>
+            </a:r>
+            <a:r>
+              <a:rPr lang="en-US" dirty="0"/>
+              <a:t>, </a:t>
+            </a:r>
+            <a:r>
+              <a:rPr lang="en-US" dirty="0" err="1"/>
+              <a:t>k.secret</a:t>
+            </a:r>
+            <a:r>
+              <a:rPr lang="en-US" dirty="0"/>
+              <a:t>, </a:t>
+            </a:r>
+            <a:r>
+              <a:rPr lang="en-US" dirty="0" err="1"/>
+              <a:t>k.new_secret</a:t>
+            </a:r>
+            <a:r>
+              <a:rPr lang="en-US" dirty="0"/>
+              <a:t>, </a:t>
+            </a:r>
+            <a:r>
+              <a:rPr lang="en-US" dirty="0" err="1"/>
+              <a:t>c.settings_url</a:t>
+            </a:r>
+            <a:r>
+              <a:rPr lang="en-US" dirty="0"/>
+              <a:t> AS </a:t>
+            </a:r>
+            <a:r>
+              <a:rPr lang="en-US" dirty="0" err="1"/>
+              <a:t>key_settings_url</a:t>
+            </a:r>
+            <a:r>
+              <a:rPr lang="en-US" dirty="0"/>
+              <a:t>,</a:t>
+            </a:r>
+          </a:p>
+          <a:p>
+            <a:r>
+              <a:rPr lang="en-US" dirty="0"/>
+              <a:t>  </a:t>
+            </a:r>
+            <a:r>
+              <a:rPr lang="en-US" dirty="0" err="1"/>
+              <a:t>n.nonce</a:t>
+            </a:r>
+            <a:r>
+              <a:rPr lang="en-US" dirty="0"/>
+              <a:t>,</a:t>
+            </a:r>
+          </a:p>
+          <a:p>
+            <a:r>
+              <a:rPr lang="en-US" dirty="0"/>
+              <a:t>  </a:t>
+            </a:r>
+            <a:r>
+              <a:rPr lang="en-US" dirty="0" err="1"/>
+              <a:t>c.context_id</a:t>
+            </a:r>
+            <a:r>
+              <a:rPr lang="en-US" dirty="0"/>
+              <a:t>, </a:t>
+            </a:r>
+            <a:r>
+              <a:rPr lang="en-US" dirty="0" err="1"/>
+              <a:t>c.title</a:t>
+            </a:r>
+            <a:r>
+              <a:rPr lang="en-US" dirty="0"/>
+              <a:t> AS </a:t>
+            </a:r>
+            <a:r>
+              <a:rPr lang="en-US" dirty="0" err="1"/>
+              <a:t>context_title</a:t>
+            </a:r>
+            <a:r>
+              <a:rPr lang="en-US" dirty="0"/>
+              <a:t>, context_sha256, </a:t>
+            </a:r>
+            <a:r>
+              <a:rPr lang="en-US" dirty="0" err="1"/>
+              <a:t>c.settings_url</a:t>
+            </a:r>
+            <a:r>
+              <a:rPr lang="en-US" dirty="0"/>
+              <a:t> AS </a:t>
+            </a:r>
+            <a:r>
+              <a:rPr lang="en-US" dirty="0" err="1"/>
+              <a:t>context_settings_url</a:t>
+            </a:r>
+            <a:r>
+              <a:rPr lang="en-US" dirty="0"/>
+              <a:t>,</a:t>
+            </a:r>
+          </a:p>
+          <a:p>
+            <a:r>
+              <a:rPr lang="en-US" dirty="0"/>
+              <a:t>  </a:t>
+            </a:r>
+            <a:r>
+              <a:rPr lang="en-US" dirty="0" err="1"/>
+              <a:t>l.link_id</a:t>
+            </a:r>
+            <a:r>
+              <a:rPr lang="en-US" dirty="0"/>
+              <a:t>, </a:t>
+            </a:r>
+            <a:r>
+              <a:rPr lang="en-US" dirty="0" err="1"/>
+              <a:t>l.title</a:t>
+            </a:r>
+            <a:r>
+              <a:rPr lang="en-US" dirty="0"/>
+              <a:t> AS </a:t>
+            </a:r>
+            <a:r>
+              <a:rPr lang="en-US" dirty="0" err="1"/>
+              <a:t>link_title</a:t>
+            </a:r>
+            <a:r>
+              <a:rPr lang="en-US" dirty="0"/>
+              <a:t>, </a:t>
+            </a:r>
+            <a:r>
+              <a:rPr lang="en-US" dirty="0" err="1"/>
+              <a:t>l.settings</a:t>
+            </a:r>
+            <a:r>
+              <a:rPr lang="en-US" dirty="0"/>
+              <a:t> AS </a:t>
+            </a:r>
+            <a:r>
+              <a:rPr lang="en-US" dirty="0" err="1"/>
+              <a:t>link_settings</a:t>
+            </a:r>
+            <a:r>
+              <a:rPr lang="en-US" dirty="0"/>
+              <a:t>, </a:t>
+            </a:r>
+            <a:r>
+              <a:rPr lang="en-US" dirty="0" err="1"/>
+              <a:t>l.settings_url</a:t>
+            </a:r>
+            <a:r>
+              <a:rPr lang="en-US" dirty="0"/>
+              <a:t> AS </a:t>
+            </a:r>
+            <a:r>
+              <a:rPr lang="en-US" dirty="0" err="1"/>
+              <a:t>link_settings_url</a:t>
+            </a:r>
+            <a:r>
+              <a:rPr lang="en-US" dirty="0"/>
+              <a:t>,</a:t>
+            </a:r>
+          </a:p>
+          <a:p>
+            <a:r>
+              <a:rPr lang="en-US" dirty="0"/>
+              <a:t>  </a:t>
+            </a:r>
+            <a:r>
+              <a:rPr lang="en-US" dirty="0" err="1"/>
+              <a:t>u.user_id</a:t>
+            </a:r>
+            <a:r>
+              <a:rPr lang="en-US" dirty="0"/>
+              <a:t>, </a:t>
+            </a:r>
+            <a:r>
+              <a:rPr lang="en-US" dirty="0" err="1"/>
+              <a:t>u.displayname</a:t>
+            </a:r>
+            <a:r>
+              <a:rPr lang="en-US" dirty="0"/>
+              <a:t> AS </a:t>
+            </a:r>
+            <a:r>
+              <a:rPr lang="en-US" dirty="0" err="1"/>
+              <a:t>user_displayname</a:t>
+            </a:r>
+            <a:r>
+              <a:rPr lang="en-US" dirty="0"/>
+              <a:t>, </a:t>
+            </a:r>
+            <a:r>
+              <a:rPr lang="en-US" dirty="0" err="1"/>
+              <a:t>u.email</a:t>
+            </a:r>
+            <a:r>
+              <a:rPr lang="en-US" dirty="0"/>
+              <a:t> AS </a:t>
+            </a:r>
+            <a:r>
+              <a:rPr lang="en-US" dirty="0" err="1"/>
+              <a:t>user_email</a:t>
+            </a:r>
+            <a:r>
+              <a:rPr lang="en-US" dirty="0"/>
+              <a:t>,</a:t>
+            </a:r>
+          </a:p>
+          <a:p>
+            <a:r>
+              <a:rPr lang="en-US" dirty="0"/>
+              <a:t>  </a:t>
+            </a:r>
+            <a:r>
+              <a:rPr lang="en-US" dirty="0" err="1"/>
+              <a:t>u.subscribe</a:t>
+            </a:r>
+            <a:r>
+              <a:rPr lang="en-US" dirty="0"/>
+              <a:t> AS subscribe, u.user_sha256 AS user_sha256,</a:t>
+            </a:r>
+          </a:p>
+          <a:p>
+            <a:r>
+              <a:rPr lang="en-US" dirty="0"/>
+              <a:t>  </a:t>
+            </a:r>
+            <a:r>
+              <a:rPr lang="en-US" dirty="0" err="1"/>
+              <a:t>m.membership_id</a:t>
+            </a:r>
+            <a:r>
+              <a:rPr lang="en-US" dirty="0"/>
+              <a:t>, </a:t>
+            </a:r>
+            <a:r>
+              <a:rPr lang="en-US" dirty="0" err="1"/>
+              <a:t>m.role</a:t>
+            </a:r>
+            <a:r>
+              <a:rPr lang="en-US" dirty="0"/>
+              <a:t>, </a:t>
+            </a:r>
+            <a:r>
+              <a:rPr lang="en-US" dirty="0" err="1"/>
+              <a:t>m.role_override</a:t>
+            </a:r>
+            <a:r>
+              <a:rPr lang="en-US" dirty="0"/>
+              <a:t>,</a:t>
+            </a:r>
+          </a:p>
+          <a:p>
+            <a:r>
+              <a:rPr lang="en-US" dirty="0"/>
+              <a:t>  </a:t>
+            </a:r>
+            <a:r>
+              <a:rPr lang="en-US" dirty="0" err="1"/>
+              <a:t>p.profile_id</a:t>
+            </a:r>
+            <a:r>
+              <a:rPr lang="en-US" dirty="0"/>
+              <a:t>, </a:t>
+            </a:r>
+            <a:r>
+              <a:rPr lang="en-US" dirty="0" err="1"/>
+              <a:t>p.displayname</a:t>
+            </a:r>
+            <a:r>
+              <a:rPr lang="en-US" dirty="0"/>
+              <a:t> AS </a:t>
+            </a:r>
+            <a:r>
+              <a:rPr lang="en-US" dirty="0" err="1"/>
+              <a:t>profile_displayname</a:t>
+            </a:r>
+            <a:r>
+              <a:rPr lang="en-US" dirty="0"/>
+              <a:t>, </a:t>
+            </a:r>
+            <a:r>
+              <a:rPr lang="en-US" dirty="0" err="1"/>
+              <a:t>p.email</a:t>
+            </a:r>
+            <a:r>
+              <a:rPr lang="en-US" dirty="0"/>
+              <a:t> AS </a:t>
+            </a:r>
+            <a:r>
+              <a:rPr lang="en-US" dirty="0" err="1"/>
+              <a:t>profile_email</a:t>
+            </a:r>
+            <a:r>
+              <a:rPr lang="en-US" dirty="0"/>
+              <a:t>,</a:t>
+            </a:r>
+          </a:p>
+          <a:p>
+            <a:r>
+              <a:rPr lang="en-US" dirty="0"/>
+              <a:t>  </a:t>
+            </a:r>
+            <a:r>
+              <a:rPr lang="en-US" dirty="0" err="1"/>
+              <a:t>p.subscribe</a:t>
+            </a:r>
+            <a:r>
+              <a:rPr lang="en-US" dirty="0"/>
+              <a:t> AS </a:t>
+            </a:r>
+            <a:r>
+              <a:rPr lang="en-US" dirty="0" err="1"/>
+              <a:t>profile_subscribe</a:t>
+            </a:r>
+            <a:r>
+              <a:rPr lang="en-US" dirty="0"/>
+              <a:t>,</a:t>
+            </a:r>
+          </a:p>
+          <a:p>
+            <a:r>
+              <a:rPr lang="en-US" dirty="0"/>
+              <a:t>  </a:t>
+            </a:r>
+            <a:r>
+              <a:rPr lang="en-US" dirty="0" err="1"/>
+              <a:t>s.service_id</a:t>
+            </a:r>
+            <a:r>
+              <a:rPr lang="en-US" dirty="0"/>
+              <a:t>, </a:t>
+            </a:r>
+            <a:r>
+              <a:rPr lang="en-US" dirty="0" err="1"/>
+              <a:t>s.service_key</a:t>
+            </a:r>
+            <a:r>
+              <a:rPr lang="en-US" dirty="0"/>
+              <a:t> AS service,</a:t>
+            </a:r>
+          </a:p>
+          <a:p>
+            <a:r>
+              <a:rPr lang="en-US" dirty="0"/>
+              <a:t>  </a:t>
+            </a:r>
+            <a:r>
+              <a:rPr lang="en-US" dirty="0" err="1"/>
+              <a:t>r.result_id</a:t>
+            </a:r>
+            <a:r>
+              <a:rPr lang="en-US" dirty="0"/>
+              <a:t>, </a:t>
+            </a:r>
+            <a:r>
+              <a:rPr lang="en-US" dirty="0" err="1"/>
+              <a:t>r.sourcedid</a:t>
+            </a:r>
+            <a:r>
+              <a:rPr lang="en-US" dirty="0"/>
+              <a:t>, </a:t>
+            </a:r>
+            <a:r>
+              <a:rPr lang="en-US" dirty="0" err="1"/>
+              <a:t>r.grade</a:t>
+            </a:r>
+            <a:r>
+              <a:rPr lang="en-US" dirty="0"/>
+              <a:t>, </a:t>
+            </a:r>
+            <a:r>
+              <a:rPr lang="en-US" dirty="0" err="1"/>
+              <a:t>r.result_url</a:t>
+            </a:r>
+            <a:endParaRPr lang="en-US" dirty="0"/>
+          </a:p>
+          <a:p>
+            <a:r>
+              <a:rPr lang="en-US" dirty="0"/>
+              <a:t>FROM </a:t>
+            </a:r>
+            <a:r>
+              <a:rPr lang="en-US" dirty="0" err="1"/>
+              <a:t>lti_key</a:t>
+            </a:r>
+            <a:r>
+              <a:rPr lang="en-US" dirty="0"/>
+              <a:t> AS k</a:t>
+            </a:r>
+          </a:p>
+          <a:p>
+            <a:r>
+              <a:rPr lang="en-US" dirty="0"/>
+              <a:t>  LEFT JOIN </a:t>
+            </a:r>
+            <a:r>
+              <a:rPr lang="en-US" dirty="0" err="1"/>
+              <a:t>lti_nonce</a:t>
+            </a:r>
+            <a:r>
+              <a:rPr lang="en-US" dirty="0"/>
+              <a:t> AS n ON </a:t>
+            </a:r>
+            <a:r>
+              <a:rPr lang="en-US" dirty="0" err="1"/>
+              <a:t>k.key_id</a:t>
+            </a:r>
+            <a:r>
+              <a:rPr lang="en-US" dirty="0"/>
+              <a:t> = </a:t>
+            </a:r>
+            <a:r>
+              <a:rPr lang="en-US" dirty="0" err="1"/>
+              <a:t>n.key_id</a:t>
+            </a:r>
+            <a:r>
+              <a:rPr lang="en-US" dirty="0"/>
+              <a:t> AND </a:t>
+            </a:r>
+            <a:r>
+              <a:rPr lang="en-US" dirty="0" err="1"/>
+              <a:t>n.nonce</a:t>
+            </a:r>
+            <a:r>
+              <a:rPr lang="en-US" dirty="0"/>
+              <a:t> = :nonce</a:t>
+            </a:r>
+          </a:p>
+          <a:p>
+            <a:r>
+              <a:rPr lang="en-US" dirty="0"/>
+              <a:t>  LEFT JOIN </a:t>
+            </a:r>
+            <a:r>
+              <a:rPr lang="en-US" dirty="0" err="1"/>
+              <a:t>lti_context</a:t>
+            </a:r>
+            <a:r>
+              <a:rPr lang="en-US" dirty="0"/>
+              <a:t> AS c ON </a:t>
+            </a:r>
+            <a:r>
+              <a:rPr lang="en-US" dirty="0" err="1"/>
+              <a:t>k.key_id</a:t>
+            </a:r>
+            <a:r>
+              <a:rPr lang="en-US" dirty="0"/>
+              <a:t> = </a:t>
+            </a:r>
+            <a:r>
+              <a:rPr lang="en-US" dirty="0" err="1"/>
+              <a:t>c.key_id</a:t>
+            </a:r>
+            <a:r>
+              <a:rPr lang="en-US" dirty="0"/>
+              <a:t> AND c.context_sha256 = :context</a:t>
+            </a:r>
+          </a:p>
+          <a:p>
+            <a:r>
+              <a:rPr lang="en-US" dirty="0"/>
+              <a:t>  LEFT JOIN </a:t>
+            </a:r>
+            <a:r>
+              <a:rPr lang="en-US" dirty="0" err="1"/>
+              <a:t>lti_link</a:t>
+            </a:r>
+            <a:r>
+              <a:rPr lang="en-US" dirty="0"/>
+              <a:t> AS l ON </a:t>
+            </a:r>
+            <a:r>
+              <a:rPr lang="en-US" dirty="0" err="1"/>
+              <a:t>c.context_id</a:t>
+            </a:r>
+            <a:r>
+              <a:rPr lang="en-US" dirty="0"/>
+              <a:t> = </a:t>
+            </a:r>
+            <a:r>
+              <a:rPr lang="en-US" dirty="0" err="1"/>
+              <a:t>l.context_id</a:t>
+            </a:r>
+            <a:r>
+              <a:rPr lang="en-US" dirty="0"/>
+              <a:t> AND l.link_sha256 = :link</a:t>
+            </a:r>
+          </a:p>
+          <a:p>
+            <a:r>
+              <a:rPr lang="en-US" dirty="0"/>
+              <a:t>  LEFT JOIN </a:t>
+            </a:r>
+            <a:r>
+              <a:rPr lang="en-US" dirty="0" err="1"/>
+              <a:t>lti_user</a:t>
+            </a:r>
+            <a:r>
+              <a:rPr lang="en-US" dirty="0"/>
+              <a:t> AS u ON </a:t>
+            </a:r>
+            <a:r>
+              <a:rPr lang="en-US" dirty="0" err="1"/>
+              <a:t>k.key_id</a:t>
+            </a:r>
+            <a:r>
+              <a:rPr lang="en-US" dirty="0"/>
+              <a:t> = </a:t>
+            </a:r>
+            <a:r>
+              <a:rPr lang="en-US" dirty="0" err="1"/>
+              <a:t>u.key_id</a:t>
+            </a:r>
+            <a:r>
+              <a:rPr lang="en-US" dirty="0"/>
+              <a:t> AND u.user_sha256 = :user</a:t>
+            </a:r>
+          </a:p>
+          <a:p>
+            <a:r>
+              <a:rPr lang="en-US" dirty="0"/>
+              <a:t>  LEFT JOIN </a:t>
+            </a:r>
+            <a:r>
+              <a:rPr lang="en-US" dirty="0" err="1"/>
+              <a:t>lti_membership</a:t>
+            </a:r>
+            <a:r>
+              <a:rPr lang="en-US" dirty="0"/>
+              <a:t> AS m ON </a:t>
+            </a:r>
+            <a:r>
+              <a:rPr lang="en-US" dirty="0" err="1"/>
+              <a:t>u.user_id</a:t>
+            </a:r>
+            <a:r>
+              <a:rPr lang="en-US" dirty="0"/>
+              <a:t> = </a:t>
+            </a:r>
+            <a:r>
+              <a:rPr lang="en-US" dirty="0" err="1"/>
+              <a:t>m.user_id</a:t>
+            </a:r>
+            <a:r>
+              <a:rPr lang="en-US" dirty="0"/>
+              <a:t> AND </a:t>
+            </a:r>
+            <a:r>
+              <a:rPr lang="en-US" dirty="0" err="1"/>
+              <a:t>c.context_id</a:t>
+            </a:r>
+            <a:r>
+              <a:rPr lang="en-US" dirty="0"/>
+              <a:t> = </a:t>
+            </a:r>
+            <a:r>
+              <a:rPr lang="en-US" dirty="0" err="1"/>
+              <a:t>m.context_id</a:t>
+            </a:r>
+            <a:endParaRPr lang="en-US" dirty="0"/>
+          </a:p>
+          <a:p>
+            <a:r>
+              <a:rPr lang="en-US" dirty="0"/>
+              <a:t>  LEFT JOIN profile AS p ON </a:t>
+            </a:r>
+            <a:r>
+              <a:rPr lang="en-US" dirty="0" err="1"/>
+              <a:t>u.profile_id</a:t>
+            </a:r>
+            <a:r>
+              <a:rPr lang="en-US" dirty="0"/>
+              <a:t> = </a:t>
+            </a:r>
+            <a:r>
+              <a:rPr lang="en-US" dirty="0" err="1"/>
+              <a:t>p.profile_id</a:t>
+            </a:r>
+            <a:endParaRPr lang="en-US" dirty="0"/>
+          </a:p>
+          <a:p>
+            <a:r>
+              <a:rPr lang="en-US" dirty="0"/>
+              <a:t>  LEFT JOIN </a:t>
+            </a:r>
+            <a:r>
+              <a:rPr lang="en-US" dirty="0" err="1"/>
+              <a:t>lti_service</a:t>
+            </a:r>
+            <a:r>
+              <a:rPr lang="en-US" dirty="0"/>
+              <a:t> AS s ON </a:t>
+            </a:r>
+            <a:r>
+              <a:rPr lang="en-US" dirty="0" err="1"/>
+              <a:t>k.key_id</a:t>
+            </a:r>
+            <a:r>
+              <a:rPr lang="en-US" dirty="0"/>
+              <a:t> = </a:t>
+            </a:r>
+            <a:r>
+              <a:rPr lang="en-US" dirty="0" err="1"/>
+              <a:t>s.key_id</a:t>
+            </a:r>
+            <a:r>
+              <a:rPr lang="en-US" dirty="0"/>
+              <a:t> AND s.service_sha256 = :service</a:t>
+            </a:r>
+          </a:p>
+          <a:p>
+            <a:r>
+              <a:rPr lang="en-US" dirty="0"/>
+              <a:t>  LEFT JOIN </a:t>
+            </a:r>
+            <a:r>
+              <a:rPr lang="en-US" dirty="0" err="1"/>
+              <a:t>lti_result</a:t>
+            </a:r>
+            <a:r>
+              <a:rPr lang="en-US" dirty="0"/>
+              <a:t> AS r ON </a:t>
+            </a:r>
+            <a:r>
+              <a:rPr lang="en-US" dirty="0" err="1"/>
+              <a:t>u.user_id</a:t>
+            </a:r>
+            <a:r>
+              <a:rPr lang="en-US" dirty="0"/>
+              <a:t> = </a:t>
+            </a:r>
+            <a:r>
+              <a:rPr lang="en-US" dirty="0" err="1"/>
+              <a:t>r.user_id</a:t>
+            </a:r>
+            <a:r>
+              <a:rPr lang="en-US" dirty="0"/>
+              <a:t> AND </a:t>
+            </a:r>
+            <a:r>
+              <a:rPr lang="en-US" dirty="0" err="1"/>
+              <a:t>l.link_id</a:t>
+            </a:r>
+            <a:r>
+              <a:rPr lang="en-US" dirty="0"/>
+              <a:t> = </a:t>
+            </a:r>
+            <a:r>
+              <a:rPr lang="en-US" dirty="0" err="1"/>
+              <a:t>r.link_id</a:t>
+            </a:r>
+            <a:endParaRPr lang="en-US" dirty="0"/>
+          </a:p>
+          <a:p>
+            <a:r>
+              <a:rPr lang="en-US" dirty="0"/>
+              <a:t>WHERE k.key_sha256 = :key LIMIT 1</a:t>
+            </a:r>
+          </a:p>
+        </p:txBody>
+      </p:sp>
+      <p:sp>
+        <p:nvSpPr>
+          <p:cNvPr id="5" name="Rectangle 4"/>
+          <p:cNvSpPr/>
+          <p:nvPr/>
+        </p:nvSpPr>
+        <p:spPr>
+          <a:xfrm>
+            <a:off x="982089" y="6347485"/>
+            <a:ext cx="5056154" cy="369332"/>
+          </a:xfrm>
+          <a:prstGeom prst="rect">
+            <a:avLst/>
+          </a:prstGeom>
+        </p:spPr>
+        <p:txBody>
+          <a:bodyPr wrap="none">
+            <a:spAutoFit/>
+          </a:bodyPr>
+          <a:lstStyle/>
+          <a:p>
+            <a:r>
+              <a:rPr lang="en-US" dirty="0" err="1" smtClean="0">
+                <a:solidFill>
+                  <a:srgbClr val="FFFF00"/>
+                </a:solidFill>
+              </a:rPr>
+              <a:t>tsugi</a:t>
+            </a:r>
+            <a:r>
+              <a:rPr lang="en-US" dirty="0" smtClean="0">
+                <a:solidFill>
+                  <a:srgbClr val="FFFF00"/>
+                </a:solidFill>
+              </a:rPr>
+              <a:t>/</a:t>
+            </a:r>
+            <a:r>
+              <a:rPr lang="en-US" dirty="0">
+                <a:solidFill>
+                  <a:srgbClr val="FFFF00"/>
+                </a:solidFill>
+              </a:rPr>
+              <a:t>lib/vendor/</a:t>
+            </a:r>
+            <a:r>
+              <a:rPr lang="en-US" dirty="0" err="1">
+                <a:solidFill>
+                  <a:srgbClr val="FFFF00"/>
+                </a:solidFill>
+              </a:rPr>
+              <a:t>Tsugi</a:t>
+            </a:r>
+            <a:r>
+              <a:rPr lang="en-US" dirty="0">
+                <a:solidFill>
+                  <a:srgbClr val="FFFF00"/>
+                </a:solidFill>
+              </a:rPr>
+              <a:t>/Core/</a:t>
+            </a:r>
+            <a:r>
+              <a:rPr lang="en-US" dirty="0" err="1" smtClean="0">
+                <a:solidFill>
+                  <a:srgbClr val="FFFF00"/>
+                </a:solidFill>
+              </a:rPr>
+              <a:t>LTIX.php</a:t>
+            </a:r>
+            <a:r>
+              <a:rPr lang="en-US" dirty="0" smtClean="0">
+                <a:solidFill>
+                  <a:srgbClr val="FFFF00"/>
+                </a:solidFill>
+              </a:rPr>
+              <a:t>  </a:t>
+            </a:r>
+            <a:r>
+              <a:rPr lang="en-US" dirty="0" err="1" smtClean="0">
+                <a:solidFill>
+                  <a:srgbClr val="FFFF00"/>
+                </a:solidFill>
+              </a:rPr>
+              <a:t>loadAllData</a:t>
+            </a:r>
+            <a:r>
+              <a:rPr lang="en-US" dirty="0" smtClean="0">
+                <a:solidFill>
+                  <a:srgbClr val="FFFF00"/>
+                </a:solidFill>
+              </a:rPr>
+              <a:t>()</a:t>
+            </a:r>
+            <a:endParaRPr lang="en-US" dirty="0">
+              <a:solidFill>
+                <a:srgbClr val="FFFF00"/>
+              </a:solidFill>
+            </a:endParaRPr>
+          </a:p>
+        </p:txBody>
+      </p:sp>
+    </p:spTree>
+    <p:extLst>
+      <p:ext uri="{BB962C8B-B14F-4D97-AF65-F5344CB8AC3E}">
+        <p14:creationId xmlns:p14="http://schemas.microsoft.com/office/powerpoint/2010/main" val="3140738186"/>
+      </p:ext>
+    </p:extLst>
+  </p:cSld>
+  <p:clrMapOvr>
+    <a:masterClrMapping/>
+  </p:clrMapOvr>
+  <p:timing>
+    <p:tnLst>
+      <p:par>
+        <p:cTn xmlns:p14="http://schemas.microsoft.com/office/powerpoint/2010/main" id="1" dur="indefinite" restart="never" nodeType="tmRoot"/>
+      </p:par>
+    </p:tnLst>
+  </p:timing>
+</p:sld>
+</file>
+
+<file path=ppt/slides/slide34.xml><?xml version="1.0" encoding="utf-8"?>
+<p:sld xmlns:a="http://schemas.openxmlformats.org/drawingml/2006/main" xmlns:r="http://schemas.openxmlformats.org/officeDocument/2006/relationships" xmlns:p="http://schemas.openxmlformats.org/presentationml/2006/main">
+  <p:cSld>
+    <p:spTree>
+      <p:nvGrpSpPr>
+        <p:cNvPr id="1" name=""/>
+        <p:cNvGrpSpPr/>
+        <p:nvPr/>
+      </p:nvGrpSpPr>
+      <p:grpSpPr>
+        <a:xfrm>
+          <a:off x="0" y="0"/>
+          <a:ext cx="0" cy="0"/>
+          <a:chOff x="0" y="0"/>
+          <a:chExt cx="0" cy="0"/>
+        </a:xfrm>
+      </p:grpSpPr>
+      <p:sp>
+        <p:nvSpPr>
+          <p:cNvPr id="2" name="Title 1"/>
+          <p:cNvSpPr>
+            <a:spLocks noGrp="1"/>
+          </p:cNvSpPr>
+          <p:nvPr>
+            <p:ph type="title"/>
+          </p:nvPr>
+        </p:nvSpPr>
+        <p:spPr/>
+        <p:txBody>
+          <a:bodyPr/>
+          <a:lstStyle/>
+          <a:p>
+            <a:r>
+              <a:rPr lang="en-US" dirty="0" smtClean="0"/>
+              <a:t>After the "Big Join"</a:t>
+            </a:r>
+            <a:endParaRPr lang="en-US" dirty="0"/>
+          </a:p>
+        </p:txBody>
+      </p:sp>
+      <p:sp>
+        <p:nvSpPr>
+          <p:cNvPr id="3" name="Content Placeholder 2"/>
+          <p:cNvSpPr>
+            <a:spLocks noGrp="1"/>
+          </p:cNvSpPr>
+          <p:nvPr>
+            <p:ph idx="1"/>
+          </p:nvPr>
+        </p:nvSpPr>
+        <p:spPr/>
+        <p:txBody>
+          <a:bodyPr/>
+          <a:lstStyle/>
+          <a:p>
+            <a:r>
+              <a:rPr lang="en-US" dirty="0" smtClean="0"/>
+              <a:t>The join may be</a:t>
+            </a:r>
+          </a:p>
+          <a:p>
+            <a:pPr lvl="1"/>
+            <a:r>
+              <a:rPr lang="en-US" dirty="0" smtClean="0"/>
+              <a:t>Completely empty (all new data)</a:t>
+            </a:r>
+          </a:p>
+          <a:p>
+            <a:pPr lvl="1"/>
+            <a:r>
+              <a:rPr lang="en-US" dirty="0" smtClean="0"/>
+              <a:t>Match launch data perfectly</a:t>
+            </a:r>
+          </a:p>
+          <a:p>
+            <a:pPr lvl="1"/>
+            <a:r>
+              <a:rPr lang="en-US" dirty="0" smtClean="0"/>
+              <a:t>Partially there or updated data</a:t>
+            </a:r>
+          </a:p>
+          <a:p>
+            <a:r>
+              <a:rPr lang="en-US" dirty="0" smtClean="0"/>
+              <a:t>LTIX::</a:t>
+            </a:r>
+            <a:r>
+              <a:rPr lang="en-US" dirty="0" err="1" smtClean="0"/>
+              <a:t>adjustData</a:t>
+            </a:r>
+            <a:r>
+              <a:rPr lang="en-US" dirty="0" smtClean="0"/>
+              <a:t>() uses INSERT and UPDATE statements to make sure the data in the </a:t>
+            </a:r>
+            <a:r>
+              <a:rPr lang="en-US" dirty="0" err="1" smtClean="0"/>
+              <a:t>lti</a:t>
+            </a:r>
+            <a:r>
+              <a:rPr lang="en-US" dirty="0" smtClean="0"/>
+              <a:t>_ tables matches incoming LTI data</a:t>
+            </a:r>
+          </a:p>
+          <a:p>
+            <a:r>
+              <a:rPr lang="en-US" dirty="0" smtClean="0"/>
+              <a:t>Session is provisioned and tool is launched</a:t>
+            </a:r>
+            <a:endParaRPr lang="en-US" dirty="0"/>
+          </a:p>
+        </p:txBody>
+      </p:sp>
+      <p:sp>
+        <p:nvSpPr>
+          <p:cNvPr id="4" name="Rectangle 3"/>
+          <p:cNvSpPr/>
+          <p:nvPr/>
+        </p:nvSpPr>
+        <p:spPr>
+          <a:xfrm>
+            <a:off x="322917" y="6345342"/>
+            <a:ext cx="3707453" cy="369332"/>
+          </a:xfrm>
+          <a:prstGeom prst="rect">
+            <a:avLst/>
+          </a:prstGeom>
+        </p:spPr>
+        <p:txBody>
+          <a:bodyPr wrap="none">
+            <a:spAutoFit/>
+          </a:bodyPr>
+          <a:lstStyle/>
+          <a:p>
+            <a:r>
+              <a:rPr lang="en-US" dirty="0" err="1" smtClean="0">
+                <a:solidFill>
+                  <a:srgbClr val="FFFF00"/>
+                </a:solidFill>
+              </a:rPr>
+              <a:t>tsugi</a:t>
+            </a:r>
+            <a:r>
+              <a:rPr lang="en-US" dirty="0" smtClean="0">
+                <a:solidFill>
+                  <a:srgbClr val="FFFF00"/>
+                </a:solidFill>
+              </a:rPr>
+              <a:t>/</a:t>
+            </a:r>
+            <a:r>
+              <a:rPr lang="en-US" dirty="0">
+                <a:solidFill>
+                  <a:srgbClr val="FFFF00"/>
+                </a:solidFill>
+              </a:rPr>
+              <a:t>lib/vendor/</a:t>
+            </a:r>
+            <a:r>
+              <a:rPr lang="en-US" dirty="0" err="1">
+                <a:solidFill>
+                  <a:srgbClr val="FFFF00"/>
+                </a:solidFill>
+              </a:rPr>
+              <a:t>Tsugi</a:t>
+            </a:r>
+            <a:r>
+              <a:rPr lang="en-US" dirty="0">
+                <a:solidFill>
+                  <a:srgbClr val="FFFF00"/>
+                </a:solidFill>
+              </a:rPr>
+              <a:t>/Core/</a:t>
+            </a:r>
+            <a:r>
+              <a:rPr lang="en-US" dirty="0" err="1" smtClean="0">
+                <a:solidFill>
+                  <a:srgbClr val="FFFF00"/>
+                </a:solidFill>
+              </a:rPr>
+              <a:t>LTIX.php</a:t>
+            </a:r>
+            <a:endParaRPr lang="en-US" dirty="0">
+              <a:solidFill>
+                <a:srgbClr val="FFFF00"/>
+              </a:solidFill>
+            </a:endParaRPr>
+          </a:p>
+        </p:txBody>
+      </p:sp>
+    </p:spTree>
+    <p:extLst>
+      <p:ext uri="{BB962C8B-B14F-4D97-AF65-F5344CB8AC3E}">
+        <p14:creationId xmlns:p14="http://schemas.microsoft.com/office/powerpoint/2010/main" val="1432272104"/>
+      </p:ext>
+    </p:extLst>
+  </p:cSld>
+  <p:clrMapOvr>
+    <a:masterClrMapping/>
+  </p:clrMapOvr>
+</p:sld>
+</file>
+
+<file path=ppt/slides/slide35.xml><?xml version="1.0" encoding="utf-8"?>
+<p:sld xmlns:a="http://schemas.openxmlformats.org/drawingml/2006/main" xmlns:r="http://schemas.openxmlformats.org/officeDocument/2006/relationships" xmlns:p="http://schemas.openxmlformats.org/presentationml/2006/main">
+  <p:cSld>
+    <p:spTree>
+      <p:nvGrpSpPr>
+        <p:cNvPr id="1" name=""/>
+        <p:cNvGrpSpPr/>
+        <p:nvPr/>
+      </p:nvGrpSpPr>
+      <p:grpSpPr>
+        <a:xfrm>
+          <a:off x="0" y="0"/>
+          <a:ext cx="0" cy="0"/>
+          <a:chOff x="0" y="0"/>
+          <a:chExt cx="0" cy="0"/>
+        </a:xfrm>
+      </p:grpSpPr>
+      <p:sp>
+        <p:nvSpPr>
+          <p:cNvPr id="4" name="Title 3"/>
+          <p:cNvSpPr>
+            <a:spLocks noGrp="1"/>
+          </p:cNvSpPr>
+          <p:nvPr>
+            <p:ph type="ctrTitle"/>
+          </p:nvPr>
+        </p:nvSpPr>
+        <p:spPr/>
+        <p:txBody>
+          <a:bodyPr/>
+          <a:lstStyle/>
+          <a:p>
+            <a:r>
+              <a:rPr lang="en-US" dirty="0" smtClean="0"/>
+              <a:t>Migrations</a:t>
+            </a:r>
+            <a:endParaRPr lang="en-US" dirty="0"/>
+          </a:p>
+        </p:txBody>
+      </p:sp>
+      <p:sp>
+        <p:nvSpPr>
+          <p:cNvPr id="5" name="Subtitle 4"/>
+          <p:cNvSpPr>
+            <a:spLocks noGrp="1"/>
+          </p:cNvSpPr>
+          <p:nvPr>
+            <p:ph type="subTitle" idx="1"/>
+          </p:nvPr>
+        </p:nvSpPr>
+        <p:spPr/>
+        <p:txBody>
+          <a:bodyPr/>
+          <a:lstStyle/>
+          <a:p>
+            <a:r>
+              <a:rPr lang="en-US" dirty="0" smtClean="0"/>
+              <a:t>A blend of Moodle and Rails</a:t>
+            </a:r>
+            <a:endParaRPr lang="en-US" dirty="0"/>
+          </a:p>
+        </p:txBody>
+      </p:sp>
+    </p:spTree>
+    <p:extLst>
+      <p:ext uri="{BB962C8B-B14F-4D97-AF65-F5344CB8AC3E}">
+        <p14:creationId xmlns:p14="http://schemas.microsoft.com/office/powerpoint/2010/main" val="965030500"/>
+      </p:ext>
+    </p:extLst>
+  </p:cSld>
+  <p:clrMapOvr>
+    <a:masterClrMapping/>
+  </p:clrMapOvr>
+  <p:timing>
+    <p:tnLst>
+      <p:par>
+        <p:cTn xmlns:p14="http://schemas.microsoft.com/office/powerpoint/2010/main" id="1" dur="indefinite" restart="never" nodeType="tmRoot"/>
+      </p:par>
+    </p:tnLst>
+  </p:timing>
+</p:sld>
+</file>
+
+<file path=ppt/slides/slide36.xml><?xml version="1.0" encoding="utf-8"?>
+<p:sld xmlns:a="http://schemas.openxmlformats.org/drawingml/2006/main" xmlns:r="http://schemas.openxmlformats.org/officeDocument/2006/relationships" xmlns:p="http://schemas.openxmlformats.org/presentationml/2006/main">
+  <p:cSld>
+    <p:spTree>
+      <p:nvGrpSpPr>
+        <p:cNvPr id="1" name=""/>
+        <p:cNvGrpSpPr/>
+        <p:nvPr/>
+      </p:nvGrpSpPr>
+      <p:grpSpPr>
+        <a:xfrm>
+          <a:off x="0" y="0"/>
+          <a:ext cx="0" cy="0"/>
+          <a:chOff x="0" y="0"/>
+          <a:chExt cx="0" cy="0"/>
+        </a:xfrm>
+      </p:grpSpPr>
+      <p:sp>
+        <p:nvSpPr>
+          <p:cNvPr id="2" name="Title 1"/>
+          <p:cNvSpPr>
+            <a:spLocks noGrp="1"/>
+          </p:cNvSpPr>
+          <p:nvPr>
+            <p:ph type="title"/>
+          </p:nvPr>
+        </p:nvSpPr>
+        <p:spPr/>
+        <p:txBody>
+          <a:bodyPr/>
+          <a:lstStyle/>
+          <a:p>
+            <a:r>
+              <a:rPr lang="en-US" dirty="0" smtClean="0"/>
               <a:t>Creating and Updating Schema</a:t>
             </a:r>
             <a:endParaRPr lang="en-US" dirty="0"/>
@@ -5504,7 +12104,7 @@
 </p:sld>
 </file>
 
-<file path=ppt/slides/slide21.xml><?xml version="1.0" encoding="utf-8"?>
+<file path=ppt/slides/slide37.xml><?xml version="1.0" encoding="utf-8"?>
 <p:sld xmlns:a="http://schemas.openxmlformats.org/drawingml/2006/main" xmlns:r="http://schemas.openxmlformats.org/officeDocument/2006/relationships" xmlns:p="http://schemas.openxmlformats.org/presentationml/2006/main">
   <p:cSld>
     <p:spTree>
@@ -5564,7 +12164,7 @@
 </p:sld>
 </file>
 
-<file path=ppt/slides/slide22.xml><?xml version="1.0" encoding="utf-8"?>
+<file path=ppt/slides/slide38.xml><?xml version="1.0" encoding="utf-8"?>
 <p:sld xmlns:a="http://schemas.openxmlformats.org/drawingml/2006/main" xmlns:r="http://schemas.openxmlformats.org/officeDocument/2006/relationships" xmlns:p="http://schemas.openxmlformats.org/presentationml/2006/main">
   <p:cSld>
     <p:spTree>
@@ -5834,7 +12434,7 @@
 </p:sld>
 </file>
 
-<file path=ppt/slides/slide23.xml><?xml version="1.0" encoding="utf-8"?>
+<file path=ppt/slides/slide39.xml><?xml version="1.0" encoding="utf-8"?>
 <p:sld xmlns:a="http://schemas.openxmlformats.org/drawingml/2006/main" xmlns:r="http://schemas.openxmlformats.org/officeDocument/2006/relationships" xmlns:p="http://schemas.openxmlformats.org/presentationml/2006/main">
   <p:cSld>
     <p:spTree>
@@ -5894,7 +12494,165 @@
 </p:sld>
 </file>
 
-<file path=ppt/slides/slide24.xml><?xml version="1.0" encoding="utf-8"?>
+<file path=ppt/slides/slide4.xml><?xml version="1.0" encoding="utf-8"?>
+<p:sld xmlns:a="http://schemas.openxmlformats.org/drawingml/2006/main" xmlns:r="http://schemas.openxmlformats.org/officeDocument/2006/relationships" xmlns:p="http://schemas.openxmlformats.org/presentationml/2006/main">
+  <p:cSld>
+    <p:spTree>
+      <p:nvGrpSpPr>
+        <p:cNvPr id="1" name=""/>
+        <p:cNvGrpSpPr/>
+        <p:nvPr/>
+      </p:nvGrpSpPr>
+      <p:grpSpPr>
+        <a:xfrm>
+          <a:off x="0" y="0"/>
+          <a:ext cx="0" cy="0"/>
+          <a:chOff x="0" y="0"/>
+          <a:chExt cx="0" cy="0"/>
+        </a:xfrm>
+      </p:grpSpPr>
+      <p:sp>
+        <p:nvSpPr>
+          <p:cNvPr id="2" name="Title 1"/>
+          <p:cNvSpPr>
+            <a:spLocks noGrp="1"/>
+          </p:cNvSpPr>
+          <p:nvPr>
+            <p:ph type="title"/>
+          </p:nvPr>
+        </p:nvSpPr>
+        <p:spPr/>
+        <p:txBody>
+          <a:bodyPr/>
+          <a:lstStyle/>
+          <a:p>
+            <a:r>
+              <a:rPr lang="en-US" dirty="0" smtClean="0"/>
+              <a:t>The Primary Objects in </a:t>
+            </a:r>
+            <a:r>
+              <a:rPr lang="en-US" dirty="0" err="1" smtClean="0"/>
+              <a:t>Tsugi</a:t>
+            </a:r>
+            <a:endParaRPr lang="en-US" dirty="0"/>
+          </a:p>
+        </p:txBody>
+      </p:sp>
+      <p:sp>
+        <p:nvSpPr>
+          <p:cNvPr id="3" name="Content Placeholder 2"/>
+          <p:cNvSpPr>
+            <a:spLocks noGrp="1"/>
+          </p:cNvSpPr>
+          <p:nvPr>
+            <p:ph idx="1"/>
+          </p:nvPr>
+        </p:nvSpPr>
+        <p:spPr/>
+        <p:txBody>
+          <a:bodyPr/>
+          <a:lstStyle/>
+          <a:p>
+            <a:r>
+              <a:rPr lang="en-US" dirty="0" smtClean="0"/>
+              <a:t>$USER – The current Logged in user</a:t>
+            </a:r>
+          </a:p>
+          <a:p>
+            <a:r>
+              <a:rPr lang="en-US" dirty="0" smtClean="0"/>
+              <a:t>$CONTEXT – A more general word for "course" – could also mean "worksite"</a:t>
+            </a:r>
+          </a:p>
+          <a:p>
+            <a:r>
+              <a:rPr lang="en-US" dirty="0" smtClean="0"/>
+              <a:t>$LINK – Which "resource link" within the context are we "in" at this moment</a:t>
+            </a:r>
+          </a:p>
+          <a:p>
+            <a:endParaRPr lang="en-US" dirty="0"/>
+          </a:p>
+          <a:p>
+            <a:r>
+              <a:rPr lang="en-US" dirty="0" smtClean="0"/>
+              <a:t>Tennant – </a:t>
+            </a:r>
+            <a:r>
+              <a:rPr lang="en-US" dirty="0" err="1" smtClean="0"/>
+              <a:t>Tsugi</a:t>
+            </a:r>
+            <a:r>
+              <a:rPr lang="en-US" dirty="0" smtClean="0"/>
+              <a:t> can serve learning tools to multiple tenants and keep the data separate</a:t>
+            </a:r>
+            <a:endParaRPr lang="en-US" dirty="0"/>
+          </a:p>
+        </p:txBody>
+      </p:sp>
+      <p:sp>
+        <p:nvSpPr>
+          <p:cNvPr id="4" name="Rectangle 3"/>
+          <p:cNvSpPr/>
+          <p:nvPr/>
+        </p:nvSpPr>
+        <p:spPr>
+          <a:xfrm>
+            <a:off x="457200" y="6298113"/>
+            <a:ext cx="8229600" cy="369332"/>
+          </a:xfrm>
+          <a:prstGeom prst="rect">
+            <a:avLst/>
+          </a:prstGeom>
+        </p:spPr>
+        <p:txBody>
+          <a:bodyPr wrap="square">
+            <a:spAutoFit/>
+          </a:bodyPr>
+          <a:lstStyle/>
+          <a:p>
+            <a:r>
+              <a:rPr lang="en-US" dirty="0"/>
+              <a:t>http://do1.dr-chuck.com/</a:t>
+            </a:r>
+            <a:r>
+              <a:rPr lang="en-US" dirty="0" err="1"/>
+              <a:t>tsugi</a:t>
+            </a:r>
+            <a:r>
+              <a:rPr lang="en-US" dirty="0"/>
+              <a:t>/</a:t>
+            </a:r>
+            <a:r>
+              <a:rPr lang="en-US" dirty="0" err="1"/>
+              <a:t>phpdoc</a:t>
+            </a:r>
+            <a:r>
+              <a:rPr lang="en-US" dirty="0"/>
+              <a:t>/classes/</a:t>
+            </a:r>
+            <a:r>
+              <a:rPr lang="en-US" dirty="0" err="1"/>
+              <a:t>Tsugi.Core.Context.html</a:t>
+            </a:r>
+            <a:endParaRPr lang="en-US" dirty="0"/>
+          </a:p>
+        </p:txBody>
+      </p:sp>
+    </p:spTree>
+    <p:extLst>
+      <p:ext uri="{BB962C8B-B14F-4D97-AF65-F5344CB8AC3E}">
+        <p14:creationId xmlns:p14="http://schemas.microsoft.com/office/powerpoint/2010/main" val="3389858380"/>
+      </p:ext>
+    </p:extLst>
+  </p:cSld>
+  <p:clrMapOvr>
+    <a:masterClrMapping/>
+  </p:clrMapOvr>
+</p:sld>
+</file>
+
+<file path=ppt/slides/slide40.xml><?xml version="1.0" encoding="utf-8"?>
 <p:sld xmlns:a="http://schemas.openxmlformats.org/drawingml/2006/main" xmlns:r="http://schemas.openxmlformats.org/officeDocument/2006/relationships" xmlns:p="http://schemas.openxmlformats.org/presentationml/2006/main">
   <p:cSld>
     <p:spTree>
@@ -6024,7 +12782,7 @@
 </p:sld>
 </file>
 
-<file path=ppt/slides/slide25.xml><?xml version="1.0" encoding="utf-8"?>
+<file path=ppt/slides/slide41.xml><?xml version="1.0" encoding="utf-8"?>
 <p:sld xmlns:a="http://schemas.openxmlformats.org/drawingml/2006/main" xmlns:r="http://schemas.openxmlformats.org/officeDocument/2006/relationships" xmlns:p="http://schemas.openxmlformats.org/presentationml/2006/main">
   <p:cSld>
     <p:spTree>
@@ -6145,7 +12903,7 @@
 </p:sld>
 </file>
 
-<file path=ppt/slides/slide26.xml><?xml version="1.0" encoding="utf-8"?>
+<file path=ppt/slides/slide42.xml><?xml version="1.0" encoding="utf-8"?>
 <p:sld xmlns:a="http://schemas.openxmlformats.org/drawingml/2006/main" xmlns:r="http://schemas.openxmlformats.org/officeDocument/2006/relationships" xmlns:p="http://schemas.openxmlformats.org/presentationml/2006/main">
   <p:cSld>
     <p:spTree>
@@ -6877,7 +13635,7 @@
 </p:sld>
 </file>
 
-<file path=ppt/slides/slide27.xml><?xml version="1.0" encoding="utf-8"?>
+<file path=ppt/slides/slide43.xml><?xml version="1.0" encoding="utf-8"?>
 <p:sld xmlns:a="http://schemas.openxmlformats.org/drawingml/2006/main" xmlns:r="http://schemas.openxmlformats.org/officeDocument/2006/relationships" xmlns:p="http://schemas.openxmlformats.org/presentationml/2006/main">
   <p:cSld>
     <p:spTree>
@@ -7258,10 +14016,6 @@
               </a:rPr>
               <a:t>}; // Don't forget the semicolon on anonymous functions :)</a:t>
             </a:r>
-            <a:endParaRPr lang="en-US" sz="1600" b="1" dirty="0">
-              <a:latin typeface="Courier"/>
-              <a:cs typeface="Courier"/>
-            </a:endParaRPr>
           </a:p>
         </p:txBody>
       </p:sp>
@@ -7340,7 +14094,7 @@
 </p:sld>
 </file>
 
-<file path=ppt/slides/slide28.xml><?xml version="1.0" encoding="utf-8"?>
+<file path=ppt/slides/slide44.xml><?xml version="1.0" encoding="utf-8"?>
 <p:sld xmlns:a="http://schemas.openxmlformats.org/drawingml/2006/main" xmlns:r="http://schemas.openxmlformats.org/officeDocument/2006/relationships" xmlns:p="http://schemas.openxmlformats.org/presentationml/2006/main">
   <p:cSld>
     <p:spTree>
@@ -7853,7 +14607,7 @@
 </p:sld>
 </file>
 
-<file path=ppt/slides/slide29.xml><?xml version="1.0" encoding="utf-8"?>
+<file path=ppt/slides/slide45.xml><?xml version="1.0" encoding="utf-8"?>
 <p:sld xmlns:a="http://schemas.openxmlformats.org/drawingml/2006/main" xmlns:r="http://schemas.openxmlformats.org/officeDocument/2006/relationships" xmlns:p="http://schemas.openxmlformats.org/presentationml/2006/main">
   <p:cSld>
     <p:spTree>
@@ -7928,8 +14682,33 @@
           <a:p>
             <a:r>
               <a:rPr lang="en-US" dirty="0" smtClean="0"/>
-              <a:t>Rules for tool tables</a:t>
-            </a:r>
+              <a:t>Rules for tool </a:t>
+            </a:r>
+            <a:r>
+              <a:rPr lang="en-US" dirty="0" smtClean="0"/>
+              <a:t>tables</a:t>
+            </a:r>
+          </a:p>
+          <a:p>
+            <a:r>
+              <a:rPr lang="en-US" dirty="0" smtClean="0"/>
+              <a:t>LTI Launch Review</a:t>
+            </a:r>
+          </a:p>
+          <a:p>
+            <a:r>
+              <a:rPr lang="en-US" dirty="0" smtClean="0"/>
+              <a:t>Handling launch </a:t>
+            </a:r>
+            <a:r>
+              <a:rPr lang="en-US" smtClean="0"/>
+              <a:t>data with the </a:t>
+            </a:r>
+            <a:r>
+              <a:rPr lang="en-US" dirty="0" smtClean="0"/>
+              <a:t>"Big Join"</a:t>
+            </a:r>
+            <a:endParaRPr lang="en-US" dirty="0" smtClean="0"/>
           </a:p>
           <a:p>
             <a:r>
@@ -7944,321 +14723,6 @@
     <p:extLst>
       <p:ext uri="{BB962C8B-B14F-4D97-AF65-F5344CB8AC3E}">
         <p14:creationId xmlns:p14="http://schemas.microsoft.com/office/powerpoint/2010/main" val="287350532"/>
-      </p:ext>
-    </p:extLst>
-  </p:cSld>
-  <p:clrMapOvr>
-    <a:masterClrMapping/>
-  </p:clrMapOvr>
-</p:sld>
-</file>
-
-<file path=ppt/slides/slide3.xml><?xml version="1.0" encoding="utf-8"?>
-<p:sld xmlns:a="http://schemas.openxmlformats.org/drawingml/2006/main" xmlns:r="http://schemas.openxmlformats.org/officeDocument/2006/relationships" xmlns:p="http://schemas.openxmlformats.org/presentationml/2006/main">
-  <p:cSld>
-    <p:spTree>
-      <p:nvGrpSpPr>
-        <p:cNvPr id="1" name=""/>
-        <p:cNvGrpSpPr/>
-        <p:nvPr/>
-      </p:nvGrpSpPr>
-      <p:grpSpPr>
-        <a:xfrm>
-          <a:off x="0" y="0"/>
-          <a:ext cx="0" cy="0"/>
-          <a:chOff x="0" y="0"/>
-          <a:chExt cx="0" cy="0"/>
-        </a:xfrm>
-      </p:grpSpPr>
-      <p:sp>
-        <p:nvSpPr>
-          <p:cNvPr id="2" name="Title 1"/>
-          <p:cNvSpPr>
-            <a:spLocks noGrp="1"/>
-          </p:cNvSpPr>
-          <p:nvPr>
-            <p:ph type="title"/>
-          </p:nvPr>
-        </p:nvSpPr>
-        <p:spPr/>
-        <p:txBody>
-          <a:bodyPr/>
-          <a:lstStyle/>
-          <a:p>
-            <a:r>
-              <a:rPr lang="en-US" dirty="0" smtClean="0"/>
-              <a:t>MySQL </a:t>
-            </a:r>
-            <a:r>
-              <a:rPr lang="en-US" dirty="0" err="1" smtClean="0"/>
-              <a:t>WorkBench</a:t>
-            </a:r>
-            <a:endParaRPr lang="en-US" dirty="0"/>
-          </a:p>
-        </p:txBody>
-      </p:sp>
-      <p:sp>
-        <p:nvSpPr>
-          <p:cNvPr id="3" name="Content Placeholder 2"/>
-          <p:cNvSpPr>
-            <a:spLocks noGrp="1"/>
-          </p:cNvSpPr>
-          <p:nvPr>
-            <p:ph idx="1"/>
-          </p:nvPr>
-        </p:nvSpPr>
-        <p:spPr>
-          <a:xfrm>
-            <a:off x="457200" y="1600200"/>
-            <a:ext cx="4639324" cy="4525963"/>
-          </a:xfrm>
-        </p:spPr>
-        <p:txBody>
-          <a:bodyPr/>
-          <a:lstStyle/>
-          <a:p>
-            <a:r>
-              <a:rPr lang="en-US" dirty="0" smtClean="0"/>
-              <a:t>A free tool from Oracle / MySQL</a:t>
-            </a:r>
-          </a:p>
-          <a:p>
-            <a:r>
-              <a:rPr lang="en-US" dirty="0" smtClean="0"/>
-              <a:t>Database design, visualization, etc...</a:t>
-            </a:r>
-            <a:endParaRPr lang="en-US" dirty="0"/>
-          </a:p>
-        </p:txBody>
-      </p:sp>
-      <p:pic>
-        <p:nvPicPr>
-          <p:cNvPr id="4" name="Picture 3" descr="Untitled2.png"/>
-          <p:cNvPicPr>
-            <a:picLocks noChangeAspect="1"/>
-          </p:cNvPicPr>
-          <p:nvPr/>
-        </p:nvPicPr>
-        <p:blipFill>
-          <a:blip r:embed="rId2">
-            <a:extLst>
-              <a:ext uri="{28A0092B-C50C-407E-A947-70E740481C1C}">
-                <a14:useLocalDpi xmlns:a14="http://schemas.microsoft.com/office/drawing/2010/main" val="0"/>
-              </a:ext>
-            </a:extLst>
-          </a:blip>
-          <a:stretch>
-            <a:fillRect/>
-          </a:stretch>
-        </p:blipFill>
-        <p:spPr>
-          <a:xfrm>
-            <a:off x="5569617" y="1632350"/>
-            <a:ext cx="2919322" cy="3817077"/>
-          </a:xfrm>
-          <a:prstGeom prst="rect">
-            <a:avLst/>
-          </a:prstGeom>
-        </p:spPr>
-      </p:pic>
-      <p:sp>
-        <p:nvSpPr>
-          <p:cNvPr id="5" name="Rectangle 4"/>
-          <p:cNvSpPr/>
-          <p:nvPr/>
-        </p:nvSpPr>
-        <p:spPr>
-          <a:xfrm>
-            <a:off x="662186" y="6192441"/>
-            <a:ext cx="8024613" cy="461665"/>
-          </a:xfrm>
-          <a:prstGeom prst="rect">
-            <a:avLst/>
-          </a:prstGeom>
-        </p:spPr>
-        <p:txBody>
-          <a:bodyPr wrap="square">
-            <a:spAutoFit/>
-          </a:bodyPr>
-          <a:lstStyle/>
-          <a:p>
-            <a:r>
-              <a:rPr lang="en-US" sz="2400" dirty="0"/>
-              <a:t>http://</a:t>
-            </a:r>
-            <a:r>
-              <a:rPr lang="en-US" sz="2400" dirty="0" err="1"/>
-              <a:t>www.mysql.com</a:t>
-            </a:r>
-            <a:r>
-              <a:rPr lang="en-US" sz="2400" dirty="0"/>
-              <a:t>/products/workbench/design/</a:t>
-            </a:r>
-          </a:p>
-        </p:txBody>
-      </p:sp>
-    </p:spTree>
-    <p:extLst>
-      <p:ext uri="{BB962C8B-B14F-4D97-AF65-F5344CB8AC3E}">
-        <p14:creationId xmlns:p14="http://schemas.microsoft.com/office/powerpoint/2010/main" val="2876879018"/>
-      </p:ext>
-    </p:extLst>
-  </p:cSld>
-  <p:clrMapOvr>
-    <a:masterClrMapping/>
-  </p:clrMapOvr>
-</p:sld>
-</file>
-
-<file path=ppt/slides/slide4.xml><?xml version="1.0" encoding="utf-8"?>
-<p:sld xmlns:a="http://schemas.openxmlformats.org/drawingml/2006/main" xmlns:r="http://schemas.openxmlformats.org/officeDocument/2006/relationships" xmlns:p="http://schemas.openxmlformats.org/presentationml/2006/main">
-  <p:cSld>
-    <p:spTree>
-      <p:nvGrpSpPr>
-        <p:cNvPr id="1" name=""/>
-        <p:cNvGrpSpPr/>
-        <p:nvPr/>
-      </p:nvGrpSpPr>
-      <p:grpSpPr>
-        <a:xfrm>
-          <a:off x="0" y="0"/>
-          <a:ext cx="0" cy="0"/>
-          <a:chOff x="0" y="0"/>
-          <a:chExt cx="0" cy="0"/>
-        </a:xfrm>
-      </p:grpSpPr>
-      <p:sp>
-        <p:nvSpPr>
-          <p:cNvPr id="2" name="Title 1"/>
-          <p:cNvSpPr>
-            <a:spLocks noGrp="1"/>
-          </p:cNvSpPr>
-          <p:nvPr>
-            <p:ph type="title"/>
-          </p:nvPr>
-        </p:nvSpPr>
-        <p:spPr/>
-        <p:txBody>
-          <a:bodyPr/>
-          <a:lstStyle/>
-          <a:p>
-            <a:r>
-              <a:rPr lang="en-US" dirty="0" smtClean="0"/>
-              <a:t>The Primary Objects in </a:t>
-            </a:r>
-            <a:r>
-              <a:rPr lang="en-US" dirty="0" err="1" smtClean="0"/>
-              <a:t>Tsugi</a:t>
-            </a:r>
-            <a:endParaRPr lang="en-US" dirty="0"/>
-          </a:p>
-        </p:txBody>
-      </p:sp>
-      <p:sp>
-        <p:nvSpPr>
-          <p:cNvPr id="3" name="Content Placeholder 2"/>
-          <p:cNvSpPr>
-            <a:spLocks noGrp="1"/>
-          </p:cNvSpPr>
-          <p:nvPr>
-            <p:ph idx="1"/>
-          </p:nvPr>
-        </p:nvSpPr>
-        <p:spPr/>
-        <p:txBody>
-          <a:bodyPr/>
-          <a:lstStyle/>
-          <a:p>
-            <a:r>
-              <a:rPr lang="en-US" dirty="0" smtClean="0"/>
-              <a:t>$USER – The current Logged in user</a:t>
-            </a:r>
-          </a:p>
-          <a:p>
-            <a:r>
-              <a:rPr lang="en-US" dirty="0" smtClean="0"/>
-              <a:t>$CONTEXT – A more general word for "course" – could also mean "worksite"</a:t>
-            </a:r>
-          </a:p>
-          <a:p>
-            <a:r>
-              <a:rPr lang="en-US" dirty="0" smtClean="0"/>
-              <a:t>$LINK – Which "resource link" within the context are we "in" at this moment</a:t>
-            </a:r>
-          </a:p>
-          <a:p>
-            <a:endParaRPr lang="en-US" dirty="0"/>
-          </a:p>
-          <a:p>
-            <a:r>
-              <a:rPr lang="en-US" dirty="0" smtClean="0"/>
-              <a:t>Tennant – </a:t>
-            </a:r>
-            <a:r>
-              <a:rPr lang="en-US" dirty="0" err="1" smtClean="0"/>
-              <a:t>Tsugi</a:t>
-            </a:r>
-            <a:r>
-              <a:rPr lang="en-US" dirty="0" smtClean="0"/>
-              <a:t> can serve learning tools to multiple tenants and keep the data separate</a:t>
-            </a:r>
-            <a:endParaRPr lang="en-US" dirty="0"/>
-          </a:p>
-        </p:txBody>
-      </p:sp>
-      <p:sp>
-        <p:nvSpPr>
-          <p:cNvPr id="4" name="Rectangle 3"/>
-          <p:cNvSpPr/>
-          <p:nvPr/>
-        </p:nvSpPr>
-        <p:spPr>
-          <a:xfrm>
-            <a:off x="457200" y="6298113"/>
-            <a:ext cx="8229600" cy="369332"/>
-          </a:xfrm>
-          <a:prstGeom prst="rect">
-            <a:avLst/>
-          </a:prstGeom>
-        </p:spPr>
-        <p:txBody>
-          <a:bodyPr wrap="square">
-            <a:spAutoFit/>
-          </a:bodyPr>
-          <a:lstStyle/>
-          <a:p>
-            <a:r>
-              <a:rPr lang="en-US" dirty="0"/>
-              <a:t>http://do1.dr-chuck.com/</a:t>
-            </a:r>
-            <a:r>
-              <a:rPr lang="en-US" dirty="0" err="1"/>
-              <a:t>tsugi</a:t>
-            </a:r>
-            <a:r>
-              <a:rPr lang="en-US" dirty="0"/>
-              <a:t>/</a:t>
-            </a:r>
-            <a:r>
-              <a:rPr lang="en-US" dirty="0" err="1"/>
-              <a:t>phpdoc</a:t>
-            </a:r>
-            <a:r>
-              <a:rPr lang="en-US" dirty="0"/>
-              <a:t>/classes/</a:t>
-            </a:r>
-            <a:r>
-              <a:rPr lang="en-US" dirty="0" err="1"/>
-              <a:t>Tsugi.Core.Context.html</a:t>
-            </a:r>
-            <a:endParaRPr lang="en-US" dirty="0"/>
-          </a:p>
-        </p:txBody>
-      </p:sp>
-    </p:spTree>
-    <p:extLst>
-      <p:ext uri="{BB962C8B-B14F-4D97-AF65-F5344CB8AC3E}">
-        <p14:creationId xmlns:p14="http://schemas.microsoft.com/office/powerpoint/2010/main" val="3389858380"/>
       </p:ext>
     </p:extLst>
   </p:cSld>
@@ -8589,7 +15053,7 @@
         </p:nvSpPr>
         <p:spPr>
           <a:xfrm>
-            <a:off x="6347659" y="6337939"/>
+            <a:off x="5240904" y="6337939"/>
             <a:ext cx="1654119" cy="461665"/>
           </a:xfrm>
           <a:prstGeom prst="rect">
@@ -8622,13 +15086,15 @@
       <p:cxnSp>
         <p:nvCxnSpPr>
           <p:cNvPr id="28" name="Straight Arrow Connector 27"/>
-          <p:cNvCxnSpPr/>
+          <p:cNvCxnSpPr>
+            <a:stCxn id="27" idx="0"/>
+          </p:cNvCxnSpPr>
           <p:nvPr/>
         </p:nvCxnSpPr>
         <p:spPr>
           <a:xfrm flipH="1" flipV="1">
             <a:off x="4838449" y="5349737"/>
-            <a:ext cx="1509210" cy="988202"/>
+            <a:ext cx="1229515" cy="988202"/>
           </a:xfrm>
           <a:prstGeom prst="straightConnector1">
             <a:avLst/>
@@ -8989,7 +15455,7 @@
         </p:nvSpPr>
         <p:spPr>
           <a:xfrm>
-            <a:off x="5941621" y="5919105"/>
+            <a:off x="4583861" y="5919105"/>
             <a:ext cx="1654119" cy="461665"/>
           </a:xfrm>
           <a:prstGeom prst="rect">
@@ -9027,8 +15493,8 @@
         </p:nvCxnSpPr>
         <p:spPr>
           <a:xfrm flipH="1" flipV="1">
-            <a:off x="4291895" y="5007544"/>
-            <a:ext cx="1649726" cy="911561"/>
+            <a:off x="4291895" y="5007545"/>
+            <a:ext cx="917170" cy="911560"/>
           </a:xfrm>
           <a:prstGeom prst="straightConnector1">
             <a:avLst/>
@@ -9169,11 +15635,6 @@
               </a:rPr>
               <a:t>/lectures/02-Data-Model-Workbench.mwb</a:t>
             </a:r>
-            <a:endParaRPr lang="en-US" sz="2400" dirty="0">
-              <a:solidFill>
-                <a:srgbClr val="FFFF00"/>
-              </a:solidFill>
-            </a:endParaRPr>
           </a:p>
         </p:txBody>
       </p:sp>

--- a/docs/lectures/02-Data-Model.pptx
+++ b/docs/lectures/02-Data-Model.pptx
@@ -236,7 +236,7 @@
           <a:p>
             <a:fld id="{EBBA9A62-8DDB-0E41-B256-304B37729760}" type="datetimeFigureOut">
               <a:rPr lang="en-US" smtClean="0"/>
-              <a:t>11/3/14</a:t>
+              <a:t>11/8/14</a:t>
             </a:fld>
             <a:endParaRPr lang="en-US"/>
           </a:p>
@@ -588,6 +588,3618 @@
 </p:notes>
 </file>
 
+<file path=ppt/notesSlides/notesSlide10.xml><?xml version="1.0" encoding="utf-8"?>
+<p:notes xmlns:a="http://schemas.openxmlformats.org/drawingml/2006/main" xmlns:r="http://schemas.openxmlformats.org/officeDocument/2006/relationships" xmlns:p="http://schemas.openxmlformats.org/presentationml/2006/main">
+  <p:cSld>
+    <p:spTree>
+      <p:nvGrpSpPr>
+        <p:cNvPr id="1" name=""/>
+        <p:cNvGrpSpPr/>
+        <p:nvPr/>
+      </p:nvGrpSpPr>
+      <p:grpSpPr>
+        <a:xfrm>
+          <a:off x="0" y="0"/>
+          <a:ext cx="0" cy="0"/>
+          <a:chOff x="0" y="0"/>
+          <a:chExt cx="0" cy="0"/>
+        </a:xfrm>
+      </p:grpSpPr>
+      <p:sp>
+        <p:nvSpPr>
+          <p:cNvPr id="2" name="Slide Image Placeholder 1"/>
+          <p:cNvSpPr>
+            <a:spLocks noGrp="1" noRot="1" noChangeAspect="1"/>
+          </p:cNvSpPr>
+          <p:nvPr>
+            <p:ph type="sldImg"/>
+          </p:nvPr>
+        </p:nvSpPr>
+        <p:spPr/>
+      </p:sp>
+      <p:sp>
+        <p:nvSpPr>
+          <p:cNvPr id="3" name="Notes Placeholder 2"/>
+          <p:cNvSpPr>
+            <a:spLocks noGrp="1"/>
+          </p:cNvSpPr>
+          <p:nvPr>
+            <p:ph type="body" idx="1"/>
+          </p:nvPr>
+        </p:nvSpPr>
+        <p:spPr/>
+        <p:txBody>
+          <a:bodyPr/>
+          <a:lstStyle/>
+          <a:p>
+            <a:endParaRPr lang="en-US"/>
+          </a:p>
+        </p:txBody>
+      </p:sp>
+      <p:sp>
+        <p:nvSpPr>
+          <p:cNvPr id="4" name="Slide Number Placeholder 3"/>
+          <p:cNvSpPr>
+            <a:spLocks noGrp="1"/>
+          </p:cNvSpPr>
+          <p:nvPr>
+            <p:ph type="sldNum" sz="quarter" idx="10"/>
+          </p:nvPr>
+        </p:nvSpPr>
+        <p:spPr/>
+        <p:txBody>
+          <a:bodyPr/>
+          <a:lstStyle/>
+          <a:p>
+            <a:fld id="{62ABD1DD-85B7-1A4E-8CDE-50088CCF2F1A}" type="slidenum">
+              <a:rPr lang="en-US" smtClean="0"/>
+              <a:t>10</a:t>
+            </a:fld>
+            <a:endParaRPr lang="en-US"/>
+          </a:p>
+        </p:txBody>
+      </p:sp>
+    </p:spTree>
+    <p:extLst>
+      <p:ext uri="{BB962C8B-B14F-4D97-AF65-F5344CB8AC3E}">
+        <p14:creationId xmlns:p14="http://schemas.microsoft.com/office/powerpoint/2010/main" val="931504315"/>
+      </p:ext>
+    </p:extLst>
+  </p:cSld>
+  <p:clrMapOvr>
+    <a:masterClrMapping/>
+  </p:clrMapOvr>
+</p:notes>
+</file>
+
+<file path=ppt/notesSlides/notesSlide11.xml><?xml version="1.0" encoding="utf-8"?>
+<p:notes xmlns:a="http://schemas.openxmlformats.org/drawingml/2006/main" xmlns:r="http://schemas.openxmlformats.org/officeDocument/2006/relationships" xmlns:p="http://schemas.openxmlformats.org/presentationml/2006/main">
+  <p:cSld>
+    <p:spTree>
+      <p:nvGrpSpPr>
+        <p:cNvPr id="1" name=""/>
+        <p:cNvGrpSpPr/>
+        <p:nvPr/>
+      </p:nvGrpSpPr>
+      <p:grpSpPr>
+        <a:xfrm>
+          <a:off x="0" y="0"/>
+          <a:ext cx="0" cy="0"/>
+          <a:chOff x="0" y="0"/>
+          <a:chExt cx="0" cy="0"/>
+        </a:xfrm>
+      </p:grpSpPr>
+      <p:sp>
+        <p:nvSpPr>
+          <p:cNvPr id="2" name="Slide Image Placeholder 1"/>
+          <p:cNvSpPr>
+            <a:spLocks noGrp="1" noRot="1" noChangeAspect="1"/>
+          </p:cNvSpPr>
+          <p:nvPr>
+            <p:ph type="sldImg"/>
+          </p:nvPr>
+        </p:nvSpPr>
+        <p:spPr/>
+      </p:sp>
+      <p:sp>
+        <p:nvSpPr>
+          <p:cNvPr id="3" name="Notes Placeholder 2"/>
+          <p:cNvSpPr>
+            <a:spLocks noGrp="1"/>
+          </p:cNvSpPr>
+          <p:nvPr>
+            <p:ph type="body" idx="1"/>
+          </p:nvPr>
+        </p:nvSpPr>
+        <p:spPr/>
+        <p:txBody>
+          <a:bodyPr/>
+          <a:lstStyle/>
+          <a:p>
+            <a:endParaRPr lang="en-US"/>
+          </a:p>
+        </p:txBody>
+      </p:sp>
+      <p:sp>
+        <p:nvSpPr>
+          <p:cNvPr id="4" name="Slide Number Placeholder 3"/>
+          <p:cNvSpPr>
+            <a:spLocks noGrp="1"/>
+          </p:cNvSpPr>
+          <p:nvPr>
+            <p:ph type="sldNum" sz="quarter" idx="10"/>
+          </p:nvPr>
+        </p:nvSpPr>
+        <p:spPr/>
+        <p:txBody>
+          <a:bodyPr/>
+          <a:lstStyle/>
+          <a:p>
+            <a:fld id="{62ABD1DD-85B7-1A4E-8CDE-50088CCF2F1A}" type="slidenum">
+              <a:rPr lang="en-US" smtClean="0"/>
+              <a:t>11</a:t>
+            </a:fld>
+            <a:endParaRPr lang="en-US"/>
+          </a:p>
+        </p:txBody>
+      </p:sp>
+    </p:spTree>
+    <p:extLst>
+      <p:ext uri="{BB962C8B-B14F-4D97-AF65-F5344CB8AC3E}">
+        <p14:creationId xmlns:p14="http://schemas.microsoft.com/office/powerpoint/2010/main" val="1942189366"/>
+      </p:ext>
+    </p:extLst>
+  </p:cSld>
+  <p:clrMapOvr>
+    <a:masterClrMapping/>
+  </p:clrMapOvr>
+</p:notes>
+</file>
+
+<file path=ppt/notesSlides/notesSlide12.xml><?xml version="1.0" encoding="utf-8"?>
+<p:notes xmlns:a="http://schemas.openxmlformats.org/drawingml/2006/main" xmlns:r="http://schemas.openxmlformats.org/officeDocument/2006/relationships" xmlns:p="http://schemas.openxmlformats.org/presentationml/2006/main">
+  <p:cSld>
+    <p:spTree>
+      <p:nvGrpSpPr>
+        <p:cNvPr id="1" name=""/>
+        <p:cNvGrpSpPr/>
+        <p:nvPr/>
+      </p:nvGrpSpPr>
+      <p:grpSpPr>
+        <a:xfrm>
+          <a:off x="0" y="0"/>
+          <a:ext cx="0" cy="0"/>
+          <a:chOff x="0" y="0"/>
+          <a:chExt cx="0" cy="0"/>
+        </a:xfrm>
+      </p:grpSpPr>
+      <p:sp>
+        <p:nvSpPr>
+          <p:cNvPr id="2" name="Slide Image Placeholder 1"/>
+          <p:cNvSpPr>
+            <a:spLocks noGrp="1" noRot="1" noChangeAspect="1"/>
+          </p:cNvSpPr>
+          <p:nvPr>
+            <p:ph type="sldImg"/>
+          </p:nvPr>
+        </p:nvSpPr>
+        <p:spPr/>
+      </p:sp>
+      <p:sp>
+        <p:nvSpPr>
+          <p:cNvPr id="3" name="Notes Placeholder 2"/>
+          <p:cNvSpPr>
+            <a:spLocks noGrp="1"/>
+          </p:cNvSpPr>
+          <p:nvPr>
+            <p:ph type="body" idx="1"/>
+          </p:nvPr>
+        </p:nvSpPr>
+        <p:spPr/>
+        <p:txBody>
+          <a:bodyPr/>
+          <a:lstStyle/>
+          <a:p>
+            <a:endParaRPr lang="en-US"/>
+          </a:p>
+        </p:txBody>
+      </p:sp>
+      <p:sp>
+        <p:nvSpPr>
+          <p:cNvPr id="4" name="Slide Number Placeholder 3"/>
+          <p:cNvSpPr>
+            <a:spLocks noGrp="1"/>
+          </p:cNvSpPr>
+          <p:nvPr>
+            <p:ph type="sldNum" sz="quarter" idx="10"/>
+          </p:nvPr>
+        </p:nvSpPr>
+        <p:spPr/>
+        <p:txBody>
+          <a:bodyPr/>
+          <a:lstStyle/>
+          <a:p>
+            <a:fld id="{62ABD1DD-85B7-1A4E-8CDE-50088CCF2F1A}" type="slidenum">
+              <a:rPr lang="en-US" smtClean="0"/>
+              <a:t>12</a:t>
+            </a:fld>
+            <a:endParaRPr lang="en-US"/>
+          </a:p>
+        </p:txBody>
+      </p:sp>
+    </p:spTree>
+    <p:extLst>
+      <p:ext uri="{BB962C8B-B14F-4D97-AF65-F5344CB8AC3E}">
+        <p14:creationId xmlns:p14="http://schemas.microsoft.com/office/powerpoint/2010/main" val="1697221418"/>
+      </p:ext>
+    </p:extLst>
+  </p:cSld>
+  <p:clrMapOvr>
+    <a:masterClrMapping/>
+  </p:clrMapOvr>
+</p:notes>
+</file>
+
+<file path=ppt/notesSlides/notesSlide13.xml><?xml version="1.0" encoding="utf-8"?>
+<p:notes xmlns:a="http://schemas.openxmlformats.org/drawingml/2006/main" xmlns:r="http://schemas.openxmlformats.org/officeDocument/2006/relationships" xmlns:p="http://schemas.openxmlformats.org/presentationml/2006/main">
+  <p:cSld>
+    <p:spTree>
+      <p:nvGrpSpPr>
+        <p:cNvPr id="1" name=""/>
+        <p:cNvGrpSpPr/>
+        <p:nvPr/>
+      </p:nvGrpSpPr>
+      <p:grpSpPr>
+        <a:xfrm>
+          <a:off x="0" y="0"/>
+          <a:ext cx="0" cy="0"/>
+          <a:chOff x="0" y="0"/>
+          <a:chExt cx="0" cy="0"/>
+        </a:xfrm>
+      </p:grpSpPr>
+      <p:sp>
+        <p:nvSpPr>
+          <p:cNvPr id="2" name="Slide Image Placeholder 1"/>
+          <p:cNvSpPr>
+            <a:spLocks noGrp="1" noRot="1" noChangeAspect="1"/>
+          </p:cNvSpPr>
+          <p:nvPr>
+            <p:ph type="sldImg"/>
+          </p:nvPr>
+        </p:nvSpPr>
+        <p:spPr/>
+      </p:sp>
+      <p:sp>
+        <p:nvSpPr>
+          <p:cNvPr id="3" name="Notes Placeholder 2"/>
+          <p:cNvSpPr>
+            <a:spLocks noGrp="1"/>
+          </p:cNvSpPr>
+          <p:nvPr>
+            <p:ph type="body" idx="1"/>
+          </p:nvPr>
+        </p:nvSpPr>
+        <p:spPr/>
+        <p:txBody>
+          <a:bodyPr/>
+          <a:lstStyle/>
+          <a:p>
+            <a:endParaRPr lang="en-US"/>
+          </a:p>
+        </p:txBody>
+      </p:sp>
+      <p:sp>
+        <p:nvSpPr>
+          <p:cNvPr id="4" name="Slide Number Placeholder 3"/>
+          <p:cNvSpPr>
+            <a:spLocks noGrp="1"/>
+          </p:cNvSpPr>
+          <p:nvPr>
+            <p:ph type="sldNum" sz="quarter" idx="10"/>
+          </p:nvPr>
+        </p:nvSpPr>
+        <p:spPr/>
+        <p:txBody>
+          <a:bodyPr/>
+          <a:lstStyle/>
+          <a:p>
+            <a:fld id="{62ABD1DD-85B7-1A4E-8CDE-50088CCF2F1A}" type="slidenum">
+              <a:rPr lang="en-US" smtClean="0"/>
+              <a:t>13</a:t>
+            </a:fld>
+            <a:endParaRPr lang="en-US"/>
+          </a:p>
+        </p:txBody>
+      </p:sp>
+    </p:spTree>
+    <p:extLst>
+      <p:ext uri="{BB962C8B-B14F-4D97-AF65-F5344CB8AC3E}">
+        <p14:creationId xmlns:p14="http://schemas.microsoft.com/office/powerpoint/2010/main" val="3144795797"/>
+      </p:ext>
+    </p:extLst>
+  </p:cSld>
+  <p:clrMapOvr>
+    <a:masterClrMapping/>
+  </p:clrMapOvr>
+</p:notes>
+</file>
+
+<file path=ppt/notesSlides/notesSlide14.xml><?xml version="1.0" encoding="utf-8"?>
+<p:notes xmlns:a="http://schemas.openxmlformats.org/drawingml/2006/main" xmlns:r="http://schemas.openxmlformats.org/officeDocument/2006/relationships" xmlns:p="http://schemas.openxmlformats.org/presentationml/2006/main">
+  <p:cSld>
+    <p:spTree>
+      <p:nvGrpSpPr>
+        <p:cNvPr id="1" name=""/>
+        <p:cNvGrpSpPr/>
+        <p:nvPr/>
+      </p:nvGrpSpPr>
+      <p:grpSpPr>
+        <a:xfrm>
+          <a:off x="0" y="0"/>
+          <a:ext cx="0" cy="0"/>
+          <a:chOff x="0" y="0"/>
+          <a:chExt cx="0" cy="0"/>
+        </a:xfrm>
+      </p:grpSpPr>
+      <p:sp>
+        <p:nvSpPr>
+          <p:cNvPr id="2" name="Slide Image Placeholder 1"/>
+          <p:cNvSpPr>
+            <a:spLocks noGrp="1" noRot="1" noChangeAspect="1"/>
+          </p:cNvSpPr>
+          <p:nvPr>
+            <p:ph type="sldImg"/>
+          </p:nvPr>
+        </p:nvSpPr>
+        <p:spPr/>
+      </p:sp>
+      <p:sp>
+        <p:nvSpPr>
+          <p:cNvPr id="3" name="Notes Placeholder 2"/>
+          <p:cNvSpPr>
+            <a:spLocks noGrp="1"/>
+          </p:cNvSpPr>
+          <p:nvPr>
+            <p:ph type="body" idx="1"/>
+          </p:nvPr>
+        </p:nvSpPr>
+        <p:spPr/>
+        <p:txBody>
+          <a:bodyPr/>
+          <a:lstStyle/>
+          <a:p>
+            <a:endParaRPr lang="en-US"/>
+          </a:p>
+        </p:txBody>
+      </p:sp>
+      <p:sp>
+        <p:nvSpPr>
+          <p:cNvPr id="4" name="Slide Number Placeholder 3"/>
+          <p:cNvSpPr>
+            <a:spLocks noGrp="1"/>
+          </p:cNvSpPr>
+          <p:nvPr>
+            <p:ph type="sldNum" sz="quarter" idx="10"/>
+          </p:nvPr>
+        </p:nvSpPr>
+        <p:spPr/>
+        <p:txBody>
+          <a:bodyPr/>
+          <a:lstStyle/>
+          <a:p>
+            <a:fld id="{62ABD1DD-85B7-1A4E-8CDE-50088CCF2F1A}" type="slidenum">
+              <a:rPr lang="en-US" smtClean="0"/>
+              <a:t>14</a:t>
+            </a:fld>
+            <a:endParaRPr lang="en-US"/>
+          </a:p>
+        </p:txBody>
+      </p:sp>
+    </p:spTree>
+    <p:extLst>
+      <p:ext uri="{BB962C8B-B14F-4D97-AF65-F5344CB8AC3E}">
+        <p14:creationId xmlns:p14="http://schemas.microsoft.com/office/powerpoint/2010/main" val="3604938177"/>
+      </p:ext>
+    </p:extLst>
+  </p:cSld>
+  <p:clrMapOvr>
+    <a:masterClrMapping/>
+  </p:clrMapOvr>
+</p:notes>
+</file>
+
+<file path=ppt/notesSlides/notesSlide15.xml><?xml version="1.0" encoding="utf-8"?>
+<p:notes xmlns:a="http://schemas.openxmlformats.org/drawingml/2006/main" xmlns:r="http://schemas.openxmlformats.org/officeDocument/2006/relationships" xmlns:p="http://schemas.openxmlformats.org/presentationml/2006/main">
+  <p:cSld>
+    <p:spTree>
+      <p:nvGrpSpPr>
+        <p:cNvPr id="1" name=""/>
+        <p:cNvGrpSpPr/>
+        <p:nvPr/>
+      </p:nvGrpSpPr>
+      <p:grpSpPr>
+        <a:xfrm>
+          <a:off x="0" y="0"/>
+          <a:ext cx="0" cy="0"/>
+          <a:chOff x="0" y="0"/>
+          <a:chExt cx="0" cy="0"/>
+        </a:xfrm>
+      </p:grpSpPr>
+      <p:sp>
+        <p:nvSpPr>
+          <p:cNvPr id="2" name="Slide Image Placeholder 1"/>
+          <p:cNvSpPr>
+            <a:spLocks noGrp="1" noRot="1" noChangeAspect="1"/>
+          </p:cNvSpPr>
+          <p:nvPr>
+            <p:ph type="sldImg"/>
+          </p:nvPr>
+        </p:nvSpPr>
+        <p:spPr/>
+      </p:sp>
+      <p:sp>
+        <p:nvSpPr>
+          <p:cNvPr id="3" name="Notes Placeholder 2"/>
+          <p:cNvSpPr>
+            <a:spLocks noGrp="1"/>
+          </p:cNvSpPr>
+          <p:nvPr>
+            <p:ph type="body" idx="1"/>
+          </p:nvPr>
+        </p:nvSpPr>
+        <p:spPr/>
+        <p:txBody>
+          <a:bodyPr/>
+          <a:lstStyle/>
+          <a:p>
+            <a:endParaRPr lang="en-US"/>
+          </a:p>
+        </p:txBody>
+      </p:sp>
+      <p:sp>
+        <p:nvSpPr>
+          <p:cNvPr id="4" name="Slide Number Placeholder 3"/>
+          <p:cNvSpPr>
+            <a:spLocks noGrp="1"/>
+          </p:cNvSpPr>
+          <p:nvPr>
+            <p:ph type="sldNum" sz="quarter" idx="10"/>
+          </p:nvPr>
+        </p:nvSpPr>
+        <p:spPr/>
+        <p:txBody>
+          <a:bodyPr/>
+          <a:lstStyle/>
+          <a:p>
+            <a:fld id="{62ABD1DD-85B7-1A4E-8CDE-50088CCF2F1A}" type="slidenum">
+              <a:rPr lang="en-US" smtClean="0"/>
+              <a:t>15</a:t>
+            </a:fld>
+            <a:endParaRPr lang="en-US"/>
+          </a:p>
+        </p:txBody>
+      </p:sp>
+    </p:spTree>
+    <p:extLst>
+      <p:ext uri="{BB962C8B-B14F-4D97-AF65-F5344CB8AC3E}">
+        <p14:creationId xmlns:p14="http://schemas.microsoft.com/office/powerpoint/2010/main" val="3253669104"/>
+      </p:ext>
+    </p:extLst>
+  </p:cSld>
+  <p:clrMapOvr>
+    <a:masterClrMapping/>
+  </p:clrMapOvr>
+</p:notes>
+</file>
+
+<file path=ppt/notesSlides/notesSlide16.xml><?xml version="1.0" encoding="utf-8"?>
+<p:notes xmlns:a="http://schemas.openxmlformats.org/drawingml/2006/main" xmlns:r="http://schemas.openxmlformats.org/officeDocument/2006/relationships" xmlns:p="http://schemas.openxmlformats.org/presentationml/2006/main">
+  <p:cSld>
+    <p:spTree>
+      <p:nvGrpSpPr>
+        <p:cNvPr id="1" name=""/>
+        <p:cNvGrpSpPr/>
+        <p:nvPr/>
+      </p:nvGrpSpPr>
+      <p:grpSpPr>
+        <a:xfrm>
+          <a:off x="0" y="0"/>
+          <a:ext cx="0" cy="0"/>
+          <a:chOff x="0" y="0"/>
+          <a:chExt cx="0" cy="0"/>
+        </a:xfrm>
+      </p:grpSpPr>
+      <p:sp>
+        <p:nvSpPr>
+          <p:cNvPr id="2" name="Slide Image Placeholder 1"/>
+          <p:cNvSpPr>
+            <a:spLocks noGrp="1" noRot="1" noChangeAspect="1"/>
+          </p:cNvSpPr>
+          <p:nvPr>
+            <p:ph type="sldImg"/>
+          </p:nvPr>
+        </p:nvSpPr>
+        <p:spPr/>
+      </p:sp>
+      <p:sp>
+        <p:nvSpPr>
+          <p:cNvPr id="3" name="Notes Placeholder 2"/>
+          <p:cNvSpPr>
+            <a:spLocks noGrp="1"/>
+          </p:cNvSpPr>
+          <p:nvPr>
+            <p:ph type="body" idx="1"/>
+          </p:nvPr>
+        </p:nvSpPr>
+        <p:spPr/>
+        <p:txBody>
+          <a:bodyPr/>
+          <a:lstStyle/>
+          <a:p>
+            <a:endParaRPr lang="en-US"/>
+          </a:p>
+        </p:txBody>
+      </p:sp>
+      <p:sp>
+        <p:nvSpPr>
+          <p:cNvPr id="4" name="Slide Number Placeholder 3"/>
+          <p:cNvSpPr>
+            <a:spLocks noGrp="1"/>
+          </p:cNvSpPr>
+          <p:nvPr>
+            <p:ph type="sldNum" sz="quarter" idx="10"/>
+          </p:nvPr>
+        </p:nvSpPr>
+        <p:spPr/>
+        <p:txBody>
+          <a:bodyPr/>
+          <a:lstStyle/>
+          <a:p>
+            <a:fld id="{62ABD1DD-85B7-1A4E-8CDE-50088CCF2F1A}" type="slidenum">
+              <a:rPr lang="en-US" smtClean="0"/>
+              <a:t>16</a:t>
+            </a:fld>
+            <a:endParaRPr lang="en-US"/>
+          </a:p>
+        </p:txBody>
+      </p:sp>
+    </p:spTree>
+    <p:extLst>
+      <p:ext uri="{BB962C8B-B14F-4D97-AF65-F5344CB8AC3E}">
+        <p14:creationId xmlns:p14="http://schemas.microsoft.com/office/powerpoint/2010/main" val="3074830638"/>
+      </p:ext>
+    </p:extLst>
+  </p:cSld>
+  <p:clrMapOvr>
+    <a:masterClrMapping/>
+  </p:clrMapOvr>
+</p:notes>
+</file>
+
+<file path=ppt/notesSlides/notesSlide17.xml><?xml version="1.0" encoding="utf-8"?>
+<p:notes xmlns:a="http://schemas.openxmlformats.org/drawingml/2006/main" xmlns:r="http://schemas.openxmlformats.org/officeDocument/2006/relationships" xmlns:p="http://schemas.openxmlformats.org/presentationml/2006/main">
+  <p:cSld>
+    <p:spTree>
+      <p:nvGrpSpPr>
+        <p:cNvPr id="1" name=""/>
+        <p:cNvGrpSpPr/>
+        <p:nvPr/>
+      </p:nvGrpSpPr>
+      <p:grpSpPr>
+        <a:xfrm>
+          <a:off x="0" y="0"/>
+          <a:ext cx="0" cy="0"/>
+          <a:chOff x="0" y="0"/>
+          <a:chExt cx="0" cy="0"/>
+        </a:xfrm>
+      </p:grpSpPr>
+      <p:sp>
+        <p:nvSpPr>
+          <p:cNvPr id="2" name="Slide Image Placeholder 1"/>
+          <p:cNvSpPr>
+            <a:spLocks noGrp="1" noRot="1" noChangeAspect="1"/>
+          </p:cNvSpPr>
+          <p:nvPr>
+            <p:ph type="sldImg"/>
+          </p:nvPr>
+        </p:nvSpPr>
+        <p:spPr/>
+      </p:sp>
+      <p:sp>
+        <p:nvSpPr>
+          <p:cNvPr id="3" name="Notes Placeholder 2"/>
+          <p:cNvSpPr>
+            <a:spLocks noGrp="1"/>
+          </p:cNvSpPr>
+          <p:nvPr>
+            <p:ph type="body" idx="1"/>
+          </p:nvPr>
+        </p:nvSpPr>
+        <p:spPr/>
+        <p:txBody>
+          <a:bodyPr/>
+          <a:lstStyle/>
+          <a:p>
+            <a:endParaRPr lang="en-US"/>
+          </a:p>
+        </p:txBody>
+      </p:sp>
+      <p:sp>
+        <p:nvSpPr>
+          <p:cNvPr id="4" name="Slide Number Placeholder 3"/>
+          <p:cNvSpPr>
+            <a:spLocks noGrp="1"/>
+          </p:cNvSpPr>
+          <p:nvPr>
+            <p:ph type="sldNum" sz="quarter" idx="10"/>
+          </p:nvPr>
+        </p:nvSpPr>
+        <p:spPr/>
+        <p:txBody>
+          <a:bodyPr/>
+          <a:lstStyle/>
+          <a:p>
+            <a:fld id="{62ABD1DD-85B7-1A4E-8CDE-50088CCF2F1A}" type="slidenum">
+              <a:rPr lang="en-US" smtClean="0"/>
+              <a:t>18</a:t>
+            </a:fld>
+            <a:endParaRPr lang="en-US"/>
+          </a:p>
+        </p:txBody>
+      </p:sp>
+    </p:spTree>
+    <p:extLst>
+      <p:ext uri="{BB962C8B-B14F-4D97-AF65-F5344CB8AC3E}">
+        <p14:creationId xmlns:p14="http://schemas.microsoft.com/office/powerpoint/2010/main" val="3550618297"/>
+      </p:ext>
+    </p:extLst>
+  </p:cSld>
+  <p:clrMapOvr>
+    <a:masterClrMapping/>
+  </p:clrMapOvr>
+</p:notes>
+</file>
+
+<file path=ppt/notesSlides/notesSlide18.xml><?xml version="1.0" encoding="utf-8"?>
+<p:notes xmlns:a="http://schemas.openxmlformats.org/drawingml/2006/main" xmlns:r="http://schemas.openxmlformats.org/officeDocument/2006/relationships" xmlns:p="http://schemas.openxmlformats.org/presentationml/2006/main">
+  <p:cSld>
+    <p:spTree>
+      <p:nvGrpSpPr>
+        <p:cNvPr id="1" name=""/>
+        <p:cNvGrpSpPr/>
+        <p:nvPr/>
+      </p:nvGrpSpPr>
+      <p:grpSpPr>
+        <a:xfrm>
+          <a:off x="0" y="0"/>
+          <a:ext cx="0" cy="0"/>
+          <a:chOff x="0" y="0"/>
+          <a:chExt cx="0" cy="0"/>
+        </a:xfrm>
+      </p:grpSpPr>
+      <p:sp>
+        <p:nvSpPr>
+          <p:cNvPr id="2" name="Slide Image Placeholder 1"/>
+          <p:cNvSpPr>
+            <a:spLocks noGrp="1" noRot="1" noChangeAspect="1"/>
+          </p:cNvSpPr>
+          <p:nvPr>
+            <p:ph type="sldImg"/>
+          </p:nvPr>
+        </p:nvSpPr>
+        <p:spPr/>
+      </p:sp>
+      <p:sp>
+        <p:nvSpPr>
+          <p:cNvPr id="3" name="Notes Placeholder 2"/>
+          <p:cNvSpPr>
+            <a:spLocks noGrp="1"/>
+          </p:cNvSpPr>
+          <p:nvPr>
+            <p:ph type="body" idx="1"/>
+          </p:nvPr>
+        </p:nvSpPr>
+        <p:spPr/>
+        <p:txBody>
+          <a:bodyPr/>
+          <a:lstStyle/>
+          <a:p>
+            <a:endParaRPr lang="en-US"/>
+          </a:p>
+        </p:txBody>
+      </p:sp>
+      <p:sp>
+        <p:nvSpPr>
+          <p:cNvPr id="4" name="Slide Number Placeholder 3"/>
+          <p:cNvSpPr>
+            <a:spLocks noGrp="1"/>
+          </p:cNvSpPr>
+          <p:nvPr>
+            <p:ph type="sldNum" sz="quarter" idx="10"/>
+          </p:nvPr>
+        </p:nvSpPr>
+        <p:spPr/>
+        <p:txBody>
+          <a:bodyPr/>
+          <a:lstStyle/>
+          <a:p>
+            <a:fld id="{62ABD1DD-85B7-1A4E-8CDE-50088CCF2F1A}" type="slidenum">
+              <a:rPr lang="en-US" smtClean="0"/>
+              <a:t>19</a:t>
+            </a:fld>
+            <a:endParaRPr lang="en-US"/>
+          </a:p>
+        </p:txBody>
+      </p:sp>
+    </p:spTree>
+    <p:extLst>
+      <p:ext uri="{BB962C8B-B14F-4D97-AF65-F5344CB8AC3E}">
+        <p14:creationId xmlns:p14="http://schemas.microsoft.com/office/powerpoint/2010/main" val="3671414192"/>
+      </p:ext>
+    </p:extLst>
+  </p:cSld>
+  <p:clrMapOvr>
+    <a:masterClrMapping/>
+  </p:clrMapOvr>
+</p:notes>
+</file>
+
+<file path=ppt/notesSlides/notesSlide19.xml><?xml version="1.0" encoding="utf-8"?>
+<p:notes xmlns:a="http://schemas.openxmlformats.org/drawingml/2006/main" xmlns:r="http://schemas.openxmlformats.org/officeDocument/2006/relationships" xmlns:p="http://schemas.openxmlformats.org/presentationml/2006/main">
+  <p:cSld>
+    <p:spTree>
+      <p:nvGrpSpPr>
+        <p:cNvPr id="1" name=""/>
+        <p:cNvGrpSpPr/>
+        <p:nvPr/>
+      </p:nvGrpSpPr>
+      <p:grpSpPr>
+        <a:xfrm>
+          <a:off x="0" y="0"/>
+          <a:ext cx="0" cy="0"/>
+          <a:chOff x="0" y="0"/>
+          <a:chExt cx="0" cy="0"/>
+        </a:xfrm>
+      </p:grpSpPr>
+      <p:sp>
+        <p:nvSpPr>
+          <p:cNvPr id="2" name="Slide Image Placeholder 1"/>
+          <p:cNvSpPr>
+            <a:spLocks noGrp="1" noRot="1" noChangeAspect="1"/>
+          </p:cNvSpPr>
+          <p:nvPr>
+            <p:ph type="sldImg"/>
+          </p:nvPr>
+        </p:nvSpPr>
+        <p:spPr/>
+      </p:sp>
+      <p:sp>
+        <p:nvSpPr>
+          <p:cNvPr id="3" name="Notes Placeholder 2"/>
+          <p:cNvSpPr>
+            <a:spLocks noGrp="1"/>
+          </p:cNvSpPr>
+          <p:nvPr>
+            <p:ph type="body" idx="1"/>
+          </p:nvPr>
+        </p:nvSpPr>
+        <p:spPr/>
+        <p:txBody>
+          <a:bodyPr/>
+          <a:lstStyle/>
+          <a:p>
+            <a:endParaRPr lang="en-US"/>
+          </a:p>
+        </p:txBody>
+      </p:sp>
+      <p:sp>
+        <p:nvSpPr>
+          <p:cNvPr id="4" name="Slide Number Placeholder 3"/>
+          <p:cNvSpPr>
+            <a:spLocks noGrp="1"/>
+          </p:cNvSpPr>
+          <p:nvPr>
+            <p:ph type="sldNum" sz="quarter" idx="10"/>
+          </p:nvPr>
+        </p:nvSpPr>
+        <p:spPr/>
+        <p:txBody>
+          <a:bodyPr/>
+          <a:lstStyle/>
+          <a:p>
+            <a:fld id="{62ABD1DD-85B7-1A4E-8CDE-50088CCF2F1A}" type="slidenum">
+              <a:rPr lang="en-US" smtClean="0"/>
+              <a:t>20</a:t>
+            </a:fld>
+            <a:endParaRPr lang="en-US"/>
+          </a:p>
+        </p:txBody>
+      </p:sp>
+    </p:spTree>
+    <p:extLst>
+      <p:ext uri="{BB962C8B-B14F-4D97-AF65-F5344CB8AC3E}">
+        <p14:creationId xmlns:p14="http://schemas.microsoft.com/office/powerpoint/2010/main" val="656062387"/>
+      </p:ext>
+    </p:extLst>
+  </p:cSld>
+  <p:clrMapOvr>
+    <a:masterClrMapping/>
+  </p:clrMapOvr>
+</p:notes>
+</file>
+
+<file path=ppt/notesSlides/notesSlide2.xml><?xml version="1.0" encoding="utf-8"?>
+<p:notes xmlns:a="http://schemas.openxmlformats.org/drawingml/2006/main" xmlns:r="http://schemas.openxmlformats.org/officeDocument/2006/relationships" xmlns:p="http://schemas.openxmlformats.org/presentationml/2006/main">
+  <p:cSld>
+    <p:spTree>
+      <p:nvGrpSpPr>
+        <p:cNvPr id="1" name=""/>
+        <p:cNvGrpSpPr/>
+        <p:nvPr/>
+      </p:nvGrpSpPr>
+      <p:grpSpPr>
+        <a:xfrm>
+          <a:off x="0" y="0"/>
+          <a:ext cx="0" cy="0"/>
+          <a:chOff x="0" y="0"/>
+          <a:chExt cx="0" cy="0"/>
+        </a:xfrm>
+      </p:grpSpPr>
+      <p:sp>
+        <p:nvSpPr>
+          <p:cNvPr id="2" name="Slide Image Placeholder 1"/>
+          <p:cNvSpPr>
+            <a:spLocks noGrp="1" noRot="1" noChangeAspect="1"/>
+          </p:cNvSpPr>
+          <p:nvPr>
+            <p:ph type="sldImg"/>
+          </p:nvPr>
+        </p:nvSpPr>
+        <p:spPr/>
+      </p:sp>
+      <p:sp>
+        <p:nvSpPr>
+          <p:cNvPr id="3" name="Notes Placeholder 2"/>
+          <p:cNvSpPr>
+            <a:spLocks noGrp="1"/>
+          </p:cNvSpPr>
+          <p:nvPr>
+            <p:ph type="body" idx="1"/>
+          </p:nvPr>
+        </p:nvSpPr>
+        <p:spPr/>
+        <p:txBody>
+          <a:bodyPr/>
+          <a:lstStyle/>
+          <a:p>
+            <a:endParaRPr lang="en-US"/>
+          </a:p>
+        </p:txBody>
+      </p:sp>
+      <p:sp>
+        <p:nvSpPr>
+          <p:cNvPr id="4" name="Slide Number Placeholder 3"/>
+          <p:cNvSpPr>
+            <a:spLocks noGrp="1"/>
+          </p:cNvSpPr>
+          <p:nvPr>
+            <p:ph type="sldNum" sz="quarter" idx="10"/>
+          </p:nvPr>
+        </p:nvSpPr>
+        <p:spPr/>
+        <p:txBody>
+          <a:bodyPr/>
+          <a:lstStyle/>
+          <a:p>
+            <a:fld id="{62ABD1DD-85B7-1A4E-8CDE-50088CCF2F1A}" type="slidenum">
+              <a:rPr lang="en-US" smtClean="0"/>
+              <a:t>2</a:t>
+            </a:fld>
+            <a:endParaRPr lang="en-US"/>
+          </a:p>
+        </p:txBody>
+      </p:sp>
+    </p:spTree>
+    <p:extLst>
+      <p:ext uri="{BB962C8B-B14F-4D97-AF65-F5344CB8AC3E}">
+        <p14:creationId xmlns:p14="http://schemas.microsoft.com/office/powerpoint/2010/main" val="3085128029"/>
+      </p:ext>
+    </p:extLst>
+  </p:cSld>
+  <p:clrMapOvr>
+    <a:masterClrMapping/>
+  </p:clrMapOvr>
+</p:notes>
+</file>
+
+<file path=ppt/notesSlides/notesSlide20.xml><?xml version="1.0" encoding="utf-8"?>
+<p:notes xmlns:a="http://schemas.openxmlformats.org/drawingml/2006/main" xmlns:r="http://schemas.openxmlformats.org/officeDocument/2006/relationships" xmlns:p="http://schemas.openxmlformats.org/presentationml/2006/main">
+  <p:cSld>
+    <p:spTree>
+      <p:nvGrpSpPr>
+        <p:cNvPr id="1" name=""/>
+        <p:cNvGrpSpPr/>
+        <p:nvPr/>
+      </p:nvGrpSpPr>
+      <p:grpSpPr>
+        <a:xfrm>
+          <a:off x="0" y="0"/>
+          <a:ext cx="0" cy="0"/>
+          <a:chOff x="0" y="0"/>
+          <a:chExt cx="0" cy="0"/>
+        </a:xfrm>
+      </p:grpSpPr>
+      <p:sp>
+        <p:nvSpPr>
+          <p:cNvPr id="2" name="Slide Image Placeholder 1"/>
+          <p:cNvSpPr>
+            <a:spLocks noGrp="1" noRot="1" noChangeAspect="1"/>
+          </p:cNvSpPr>
+          <p:nvPr>
+            <p:ph type="sldImg"/>
+          </p:nvPr>
+        </p:nvSpPr>
+        <p:spPr/>
+      </p:sp>
+      <p:sp>
+        <p:nvSpPr>
+          <p:cNvPr id="3" name="Notes Placeholder 2"/>
+          <p:cNvSpPr>
+            <a:spLocks noGrp="1"/>
+          </p:cNvSpPr>
+          <p:nvPr>
+            <p:ph type="body" idx="1"/>
+          </p:nvPr>
+        </p:nvSpPr>
+        <p:spPr/>
+        <p:txBody>
+          <a:bodyPr/>
+          <a:lstStyle/>
+          <a:p>
+            <a:endParaRPr lang="en-US"/>
+          </a:p>
+        </p:txBody>
+      </p:sp>
+      <p:sp>
+        <p:nvSpPr>
+          <p:cNvPr id="4" name="Slide Number Placeholder 3"/>
+          <p:cNvSpPr>
+            <a:spLocks noGrp="1"/>
+          </p:cNvSpPr>
+          <p:nvPr>
+            <p:ph type="sldNum" sz="quarter" idx="10"/>
+          </p:nvPr>
+        </p:nvSpPr>
+        <p:spPr/>
+        <p:txBody>
+          <a:bodyPr/>
+          <a:lstStyle/>
+          <a:p>
+            <a:fld id="{62ABD1DD-85B7-1A4E-8CDE-50088CCF2F1A}" type="slidenum">
+              <a:rPr lang="en-US" smtClean="0"/>
+              <a:t>21</a:t>
+            </a:fld>
+            <a:endParaRPr lang="en-US"/>
+          </a:p>
+        </p:txBody>
+      </p:sp>
+    </p:spTree>
+    <p:extLst>
+      <p:ext uri="{BB962C8B-B14F-4D97-AF65-F5344CB8AC3E}">
+        <p14:creationId xmlns:p14="http://schemas.microsoft.com/office/powerpoint/2010/main" val="3765205808"/>
+      </p:ext>
+    </p:extLst>
+  </p:cSld>
+  <p:clrMapOvr>
+    <a:masterClrMapping/>
+  </p:clrMapOvr>
+</p:notes>
+</file>
+
+<file path=ppt/notesSlides/notesSlide21.xml><?xml version="1.0" encoding="utf-8"?>
+<p:notes xmlns:a="http://schemas.openxmlformats.org/drawingml/2006/main" xmlns:r="http://schemas.openxmlformats.org/officeDocument/2006/relationships" xmlns:p="http://schemas.openxmlformats.org/presentationml/2006/main">
+  <p:cSld>
+    <p:spTree>
+      <p:nvGrpSpPr>
+        <p:cNvPr id="1" name=""/>
+        <p:cNvGrpSpPr/>
+        <p:nvPr/>
+      </p:nvGrpSpPr>
+      <p:grpSpPr>
+        <a:xfrm>
+          <a:off x="0" y="0"/>
+          <a:ext cx="0" cy="0"/>
+          <a:chOff x="0" y="0"/>
+          <a:chExt cx="0" cy="0"/>
+        </a:xfrm>
+      </p:grpSpPr>
+      <p:sp>
+        <p:nvSpPr>
+          <p:cNvPr id="2" name="Slide Image Placeholder 1"/>
+          <p:cNvSpPr>
+            <a:spLocks noGrp="1" noRot="1" noChangeAspect="1"/>
+          </p:cNvSpPr>
+          <p:nvPr>
+            <p:ph type="sldImg"/>
+          </p:nvPr>
+        </p:nvSpPr>
+        <p:spPr/>
+      </p:sp>
+      <p:sp>
+        <p:nvSpPr>
+          <p:cNvPr id="3" name="Notes Placeholder 2"/>
+          <p:cNvSpPr>
+            <a:spLocks noGrp="1"/>
+          </p:cNvSpPr>
+          <p:nvPr>
+            <p:ph type="body" idx="1"/>
+          </p:nvPr>
+        </p:nvSpPr>
+        <p:spPr/>
+        <p:txBody>
+          <a:bodyPr/>
+          <a:lstStyle/>
+          <a:p>
+            <a:endParaRPr lang="en-US"/>
+          </a:p>
+        </p:txBody>
+      </p:sp>
+      <p:sp>
+        <p:nvSpPr>
+          <p:cNvPr id="4" name="Slide Number Placeholder 3"/>
+          <p:cNvSpPr>
+            <a:spLocks noGrp="1"/>
+          </p:cNvSpPr>
+          <p:nvPr>
+            <p:ph type="sldNum" sz="quarter" idx="10"/>
+          </p:nvPr>
+        </p:nvSpPr>
+        <p:spPr/>
+        <p:txBody>
+          <a:bodyPr/>
+          <a:lstStyle/>
+          <a:p>
+            <a:fld id="{62ABD1DD-85B7-1A4E-8CDE-50088CCF2F1A}" type="slidenum">
+              <a:rPr lang="en-US" smtClean="0"/>
+              <a:t>22</a:t>
+            </a:fld>
+            <a:endParaRPr lang="en-US"/>
+          </a:p>
+        </p:txBody>
+      </p:sp>
+    </p:spTree>
+    <p:extLst>
+      <p:ext uri="{BB962C8B-B14F-4D97-AF65-F5344CB8AC3E}">
+        <p14:creationId xmlns:p14="http://schemas.microsoft.com/office/powerpoint/2010/main" val="1999408237"/>
+      </p:ext>
+    </p:extLst>
+  </p:cSld>
+  <p:clrMapOvr>
+    <a:masterClrMapping/>
+  </p:clrMapOvr>
+</p:notes>
+</file>
+
+<file path=ppt/notesSlides/notesSlide22.xml><?xml version="1.0" encoding="utf-8"?>
+<p:notes xmlns:a="http://schemas.openxmlformats.org/drawingml/2006/main" xmlns:r="http://schemas.openxmlformats.org/officeDocument/2006/relationships" xmlns:p="http://schemas.openxmlformats.org/presentationml/2006/main">
+  <p:cSld>
+    <p:spTree>
+      <p:nvGrpSpPr>
+        <p:cNvPr id="1" name=""/>
+        <p:cNvGrpSpPr/>
+        <p:nvPr/>
+      </p:nvGrpSpPr>
+      <p:grpSpPr>
+        <a:xfrm>
+          <a:off x="0" y="0"/>
+          <a:ext cx="0" cy="0"/>
+          <a:chOff x="0" y="0"/>
+          <a:chExt cx="0" cy="0"/>
+        </a:xfrm>
+      </p:grpSpPr>
+      <p:sp>
+        <p:nvSpPr>
+          <p:cNvPr id="2" name="Slide Image Placeholder 1"/>
+          <p:cNvSpPr>
+            <a:spLocks noGrp="1" noRot="1" noChangeAspect="1"/>
+          </p:cNvSpPr>
+          <p:nvPr>
+            <p:ph type="sldImg"/>
+          </p:nvPr>
+        </p:nvSpPr>
+        <p:spPr/>
+      </p:sp>
+      <p:sp>
+        <p:nvSpPr>
+          <p:cNvPr id="3" name="Notes Placeholder 2"/>
+          <p:cNvSpPr>
+            <a:spLocks noGrp="1"/>
+          </p:cNvSpPr>
+          <p:nvPr>
+            <p:ph type="body" idx="1"/>
+          </p:nvPr>
+        </p:nvSpPr>
+        <p:spPr/>
+        <p:txBody>
+          <a:bodyPr/>
+          <a:lstStyle/>
+          <a:p>
+            <a:endParaRPr lang="en-US"/>
+          </a:p>
+        </p:txBody>
+      </p:sp>
+      <p:sp>
+        <p:nvSpPr>
+          <p:cNvPr id="4" name="Slide Number Placeholder 3"/>
+          <p:cNvSpPr>
+            <a:spLocks noGrp="1"/>
+          </p:cNvSpPr>
+          <p:nvPr>
+            <p:ph type="sldNum" sz="quarter" idx="10"/>
+          </p:nvPr>
+        </p:nvSpPr>
+        <p:spPr/>
+        <p:txBody>
+          <a:bodyPr/>
+          <a:lstStyle/>
+          <a:p>
+            <a:fld id="{62ABD1DD-85B7-1A4E-8CDE-50088CCF2F1A}" type="slidenum">
+              <a:rPr lang="en-US" smtClean="0"/>
+              <a:t>23</a:t>
+            </a:fld>
+            <a:endParaRPr lang="en-US"/>
+          </a:p>
+        </p:txBody>
+      </p:sp>
+    </p:spTree>
+    <p:extLst>
+      <p:ext uri="{BB962C8B-B14F-4D97-AF65-F5344CB8AC3E}">
+        <p14:creationId xmlns:p14="http://schemas.microsoft.com/office/powerpoint/2010/main" val="2265879015"/>
+      </p:ext>
+    </p:extLst>
+  </p:cSld>
+  <p:clrMapOvr>
+    <a:masterClrMapping/>
+  </p:clrMapOvr>
+</p:notes>
+</file>
+
+<file path=ppt/notesSlides/notesSlide23.xml><?xml version="1.0" encoding="utf-8"?>
+<p:notes xmlns:a="http://schemas.openxmlformats.org/drawingml/2006/main" xmlns:r="http://schemas.openxmlformats.org/officeDocument/2006/relationships" xmlns:p="http://schemas.openxmlformats.org/presentationml/2006/main">
+  <p:cSld>
+    <p:spTree>
+      <p:nvGrpSpPr>
+        <p:cNvPr id="1" name=""/>
+        <p:cNvGrpSpPr/>
+        <p:nvPr/>
+      </p:nvGrpSpPr>
+      <p:grpSpPr>
+        <a:xfrm>
+          <a:off x="0" y="0"/>
+          <a:ext cx="0" cy="0"/>
+          <a:chOff x="0" y="0"/>
+          <a:chExt cx="0" cy="0"/>
+        </a:xfrm>
+      </p:grpSpPr>
+      <p:sp>
+        <p:nvSpPr>
+          <p:cNvPr id="2" name="Slide Image Placeholder 1"/>
+          <p:cNvSpPr>
+            <a:spLocks noGrp="1" noRot="1" noChangeAspect="1"/>
+          </p:cNvSpPr>
+          <p:nvPr>
+            <p:ph type="sldImg"/>
+          </p:nvPr>
+        </p:nvSpPr>
+        <p:spPr/>
+      </p:sp>
+      <p:sp>
+        <p:nvSpPr>
+          <p:cNvPr id="3" name="Notes Placeholder 2"/>
+          <p:cNvSpPr>
+            <a:spLocks noGrp="1"/>
+          </p:cNvSpPr>
+          <p:nvPr>
+            <p:ph type="body" idx="1"/>
+          </p:nvPr>
+        </p:nvSpPr>
+        <p:spPr/>
+        <p:txBody>
+          <a:bodyPr/>
+          <a:lstStyle/>
+          <a:p>
+            <a:endParaRPr lang="en-US"/>
+          </a:p>
+        </p:txBody>
+      </p:sp>
+      <p:sp>
+        <p:nvSpPr>
+          <p:cNvPr id="4" name="Slide Number Placeholder 3"/>
+          <p:cNvSpPr>
+            <a:spLocks noGrp="1"/>
+          </p:cNvSpPr>
+          <p:nvPr>
+            <p:ph type="sldNum" sz="quarter" idx="10"/>
+          </p:nvPr>
+        </p:nvSpPr>
+        <p:spPr/>
+        <p:txBody>
+          <a:bodyPr/>
+          <a:lstStyle/>
+          <a:p>
+            <a:fld id="{62ABD1DD-85B7-1A4E-8CDE-50088CCF2F1A}" type="slidenum">
+              <a:rPr lang="en-US" smtClean="0"/>
+              <a:t>24</a:t>
+            </a:fld>
+            <a:endParaRPr lang="en-US"/>
+          </a:p>
+        </p:txBody>
+      </p:sp>
+    </p:spTree>
+    <p:extLst>
+      <p:ext uri="{BB962C8B-B14F-4D97-AF65-F5344CB8AC3E}">
+        <p14:creationId xmlns:p14="http://schemas.microsoft.com/office/powerpoint/2010/main" val="2576655286"/>
+      </p:ext>
+    </p:extLst>
+  </p:cSld>
+  <p:clrMapOvr>
+    <a:masterClrMapping/>
+  </p:clrMapOvr>
+</p:notes>
+</file>
+
+<file path=ppt/notesSlides/notesSlide24.xml><?xml version="1.0" encoding="utf-8"?>
+<p:notes xmlns:a="http://schemas.openxmlformats.org/drawingml/2006/main" xmlns:r="http://schemas.openxmlformats.org/officeDocument/2006/relationships" xmlns:p="http://schemas.openxmlformats.org/presentationml/2006/main">
+  <p:cSld>
+    <p:spTree>
+      <p:nvGrpSpPr>
+        <p:cNvPr id="1" name=""/>
+        <p:cNvGrpSpPr/>
+        <p:nvPr/>
+      </p:nvGrpSpPr>
+      <p:grpSpPr>
+        <a:xfrm>
+          <a:off x="0" y="0"/>
+          <a:ext cx="0" cy="0"/>
+          <a:chOff x="0" y="0"/>
+          <a:chExt cx="0" cy="0"/>
+        </a:xfrm>
+      </p:grpSpPr>
+      <p:sp>
+        <p:nvSpPr>
+          <p:cNvPr id="2" name="Slide Image Placeholder 1"/>
+          <p:cNvSpPr>
+            <a:spLocks noGrp="1" noRot="1" noChangeAspect="1"/>
+          </p:cNvSpPr>
+          <p:nvPr>
+            <p:ph type="sldImg"/>
+          </p:nvPr>
+        </p:nvSpPr>
+        <p:spPr/>
+      </p:sp>
+      <p:sp>
+        <p:nvSpPr>
+          <p:cNvPr id="3" name="Notes Placeholder 2"/>
+          <p:cNvSpPr>
+            <a:spLocks noGrp="1"/>
+          </p:cNvSpPr>
+          <p:nvPr>
+            <p:ph type="body" idx="1"/>
+          </p:nvPr>
+        </p:nvSpPr>
+        <p:spPr/>
+        <p:txBody>
+          <a:bodyPr/>
+          <a:lstStyle/>
+          <a:p>
+            <a:endParaRPr lang="en-US"/>
+          </a:p>
+        </p:txBody>
+      </p:sp>
+      <p:sp>
+        <p:nvSpPr>
+          <p:cNvPr id="4" name="Slide Number Placeholder 3"/>
+          <p:cNvSpPr>
+            <a:spLocks noGrp="1"/>
+          </p:cNvSpPr>
+          <p:nvPr>
+            <p:ph type="sldNum" sz="quarter" idx="10"/>
+          </p:nvPr>
+        </p:nvSpPr>
+        <p:spPr/>
+        <p:txBody>
+          <a:bodyPr/>
+          <a:lstStyle/>
+          <a:p>
+            <a:fld id="{62ABD1DD-85B7-1A4E-8CDE-50088CCF2F1A}" type="slidenum">
+              <a:rPr lang="en-US" smtClean="0"/>
+              <a:t>25</a:t>
+            </a:fld>
+            <a:endParaRPr lang="en-US"/>
+          </a:p>
+        </p:txBody>
+      </p:sp>
+    </p:spTree>
+    <p:extLst>
+      <p:ext uri="{BB962C8B-B14F-4D97-AF65-F5344CB8AC3E}">
+        <p14:creationId xmlns:p14="http://schemas.microsoft.com/office/powerpoint/2010/main" val="97858560"/>
+      </p:ext>
+    </p:extLst>
+  </p:cSld>
+  <p:clrMapOvr>
+    <a:masterClrMapping/>
+  </p:clrMapOvr>
+</p:notes>
+</file>
+
+<file path=ppt/notesSlides/notesSlide25.xml><?xml version="1.0" encoding="utf-8"?>
+<p:notes xmlns:a="http://schemas.openxmlformats.org/drawingml/2006/main" xmlns:r="http://schemas.openxmlformats.org/officeDocument/2006/relationships" xmlns:p="http://schemas.openxmlformats.org/presentationml/2006/main">
+  <p:cSld>
+    <p:spTree>
+      <p:nvGrpSpPr>
+        <p:cNvPr id="1" name=""/>
+        <p:cNvGrpSpPr/>
+        <p:nvPr/>
+      </p:nvGrpSpPr>
+      <p:grpSpPr>
+        <a:xfrm>
+          <a:off x="0" y="0"/>
+          <a:ext cx="0" cy="0"/>
+          <a:chOff x="0" y="0"/>
+          <a:chExt cx="0" cy="0"/>
+        </a:xfrm>
+      </p:grpSpPr>
+      <p:sp>
+        <p:nvSpPr>
+          <p:cNvPr id="2" name="Slide Image Placeholder 1"/>
+          <p:cNvSpPr>
+            <a:spLocks noGrp="1" noRot="1" noChangeAspect="1"/>
+          </p:cNvSpPr>
+          <p:nvPr>
+            <p:ph type="sldImg"/>
+          </p:nvPr>
+        </p:nvSpPr>
+        <p:spPr/>
+      </p:sp>
+      <p:sp>
+        <p:nvSpPr>
+          <p:cNvPr id="3" name="Notes Placeholder 2"/>
+          <p:cNvSpPr>
+            <a:spLocks noGrp="1"/>
+          </p:cNvSpPr>
+          <p:nvPr>
+            <p:ph type="body" idx="1"/>
+          </p:nvPr>
+        </p:nvSpPr>
+        <p:spPr/>
+        <p:txBody>
+          <a:bodyPr/>
+          <a:lstStyle/>
+          <a:p>
+            <a:endParaRPr lang="en-US"/>
+          </a:p>
+        </p:txBody>
+      </p:sp>
+      <p:sp>
+        <p:nvSpPr>
+          <p:cNvPr id="4" name="Slide Number Placeholder 3"/>
+          <p:cNvSpPr>
+            <a:spLocks noGrp="1"/>
+          </p:cNvSpPr>
+          <p:nvPr>
+            <p:ph type="sldNum" sz="quarter" idx="10"/>
+          </p:nvPr>
+        </p:nvSpPr>
+        <p:spPr/>
+        <p:txBody>
+          <a:bodyPr/>
+          <a:lstStyle/>
+          <a:p>
+            <a:fld id="{62ABD1DD-85B7-1A4E-8CDE-50088CCF2F1A}" type="slidenum">
+              <a:rPr lang="en-US" smtClean="0"/>
+              <a:t>26</a:t>
+            </a:fld>
+            <a:endParaRPr lang="en-US"/>
+          </a:p>
+        </p:txBody>
+      </p:sp>
+    </p:spTree>
+    <p:extLst>
+      <p:ext uri="{BB962C8B-B14F-4D97-AF65-F5344CB8AC3E}">
+        <p14:creationId xmlns:p14="http://schemas.microsoft.com/office/powerpoint/2010/main" val="1518158612"/>
+      </p:ext>
+    </p:extLst>
+  </p:cSld>
+  <p:clrMapOvr>
+    <a:masterClrMapping/>
+  </p:clrMapOvr>
+</p:notes>
+</file>
+
+<file path=ppt/notesSlides/notesSlide26.xml><?xml version="1.0" encoding="utf-8"?>
+<p:notes xmlns:a="http://schemas.openxmlformats.org/drawingml/2006/main" xmlns:r="http://schemas.openxmlformats.org/officeDocument/2006/relationships" xmlns:p="http://schemas.openxmlformats.org/presentationml/2006/main">
+  <p:cSld>
+    <p:spTree>
+      <p:nvGrpSpPr>
+        <p:cNvPr id="1" name=""/>
+        <p:cNvGrpSpPr/>
+        <p:nvPr/>
+      </p:nvGrpSpPr>
+      <p:grpSpPr>
+        <a:xfrm>
+          <a:off x="0" y="0"/>
+          <a:ext cx="0" cy="0"/>
+          <a:chOff x="0" y="0"/>
+          <a:chExt cx="0" cy="0"/>
+        </a:xfrm>
+      </p:grpSpPr>
+      <p:sp>
+        <p:nvSpPr>
+          <p:cNvPr id="2" name="Slide Image Placeholder 1"/>
+          <p:cNvSpPr>
+            <a:spLocks noGrp="1" noRot="1" noChangeAspect="1"/>
+          </p:cNvSpPr>
+          <p:nvPr>
+            <p:ph type="sldImg"/>
+          </p:nvPr>
+        </p:nvSpPr>
+        <p:spPr/>
+      </p:sp>
+      <p:sp>
+        <p:nvSpPr>
+          <p:cNvPr id="3" name="Notes Placeholder 2"/>
+          <p:cNvSpPr>
+            <a:spLocks noGrp="1"/>
+          </p:cNvSpPr>
+          <p:nvPr>
+            <p:ph type="body" idx="1"/>
+          </p:nvPr>
+        </p:nvSpPr>
+        <p:spPr/>
+        <p:txBody>
+          <a:bodyPr/>
+          <a:lstStyle/>
+          <a:p>
+            <a:endParaRPr lang="en-US"/>
+          </a:p>
+        </p:txBody>
+      </p:sp>
+      <p:sp>
+        <p:nvSpPr>
+          <p:cNvPr id="4" name="Slide Number Placeholder 3"/>
+          <p:cNvSpPr>
+            <a:spLocks noGrp="1"/>
+          </p:cNvSpPr>
+          <p:nvPr>
+            <p:ph type="sldNum" sz="quarter" idx="10"/>
+          </p:nvPr>
+        </p:nvSpPr>
+        <p:spPr/>
+        <p:txBody>
+          <a:bodyPr/>
+          <a:lstStyle/>
+          <a:p>
+            <a:fld id="{62ABD1DD-85B7-1A4E-8CDE-50088CCF2F1A}" type="slidenum">
+              <a:rPr lang="en-US" smtClean="0"/>
+              <a:t>27</a:t>
+            </a:fld>
+            <a:endParaRPr lang="en-US"/>
+          </a:p>
+        </p:txBody>
+      </p:sp>
+    </p:spTree>
+    <p:extLst>
+      <p:ext uri="{BB962C8B-B14F-4D97-AF65-F5344CB8AC3E}">
+        <p14:creationId xmlns:p14="http://schemas.microsoft.com/office/powerpoint/2010/main" val="2745733683"/>
+      </p:ext>
+    </p:extLst>
+  </p:cSld>
+  <p:clrMapOvr>
+    <a:masterClrMapping/>
+  </p:clrMapOvr>
+</p:notes>
+</file>
+
+<file path=ppt/notesSlides/notesSlide27.xml><?xml version="1.0" encoding="utf-8"?>
+<p:notes xmlns:a="http://schemas.openxmlformats.org/drawingml/2006/main" xmlns:r="http://schemas.openxmlformats.org/officeDocument/2006/relationships" xmlns:p="http://schemas.openxmlformats.org/presentationml/2006/main">
+  <p:cSld>
+    <p:spTree>
+      <p:nvGrpSpPr>
+        <p:cNvPr id="1" name=""/>
+        <p:cNvGrpSpPr/>
+        <p:nvPr/>
+      </p:nvGrpSpPr>
+      <p:grpSpPr>
+        <a:xfrm>
+          <a:off x="0" y="0"/>
+          <a:ext cx="0" cy="0"/>
+          <a:chOff x="0" y="0"/>
+          <a:chExt cx="0" cy="0"/>
+        </a:xfrm>
+      </p:grpSpPr>
+      <p:sp>
+        <p:nvSpPr>
+          <p:cNvPr id="2" name="Slide Image Placeholder 1"/>
+          <p:cNvSpPr>
+            <a:spLocks noGrp="1" noRot="1" noChangeAspect="1"/>
+          </p:cNvSpPr>
+          <p:nvPr>
+            <p:ph type="sldImg"/>
+          </p:nvPr>
+        </p:nvSpPr>
+        <p:spPr/>
+      </p:sp>
+      <p:sp>
+        <p:nvSpPr>
+          <p:cNvPr id="3" name="Notes Placeholder 2"/>
+          <p:cNvSpPr>
+            <a:spLocks noGrp="1"/>
+          </p:cNvSpPr>
+          <p:nvPr>
+            <p:ph type="body" idx="1"/>
+          </p:nvPr>
+        </p:nvSpPr>
+        <p:spPr/>
+        <p:txBody>
+          <a:bodyPr/>
+          <a:lstStyle/>
+          <a:p>
+            <a:endParaRPr lang="en-US"/>
+          </a:p>
+        </p:txBody>
+      </p:sp>
+      <p:sp>
+        <p:nvSpPr>
+          <p:cNvPr id="4" name="Slide Number Placeholder 3"/>
+          <p:cNvSpPr>
+            <a:spLocks noGrp="1"/>
+          </p:cNvSpPr>
+          <p:nvPr>
+            <p:ph type="sldNum" sz="quarter" idx="10"/>
+          </p:nvPr>
+        </p:nvSpPr>
+        <p:spPr/>
+        <p:txBody>
+          <a:bodyPr/>
+          <a:lstStyle/>
+          <a:p>
+            <a:fld id="{62ABD1DD-85B7-1A4E-8CDE-50088CCF2F1A}" type="slidenum">
+              <a:rPr lang="en-US" smtClean="0"/>
+              <a:t>28</a:t>
+            </a:fld>
+            <a:endParaRPr lang="en-US"/>
+          </a:p>
+        </p:txBody>
+      </p:sp>
+    </p:spTree>
+    <p:extLst>
+      <p:ext uri="{BB962C8B-B14F-4D97-AF65-F5344CB8AC3E}">
+        <p14:creationId xmlns:p14="http://schemas.microsoft.com/office/powerpoint/2010/main" val="1552510610"/>
+      </p:ext>
+    </p:extLst>
+  </p:cSld>
+  <p:clrMapOvr>
+    <a:masterClrMapping/>
+  </p:clrMapOvr>
+</p:notes>
+</file>
+
+<file path=ppt/notesSlides/notesSlide28.xml><?xml version="1.0" encoding="utf-8"?>
+<p:notes xmlns:a="http://schemas.openxmlformats.org/drawingml/2006/main" xmlns:r="http://schemas.openxmlformats.org/officeDocument/2006/relationships" xmlns:p="http://schemas.openxmlformats.org/presentationml/2006/main">
+  <p:cSld>
+    <p:spTree>
+      <p:nvGrpSpPr>
+        <p:cNvPr id="1" name=""/>
+        <p:cNvGrpSpPr/>
+        <p:nvPr/>
+      </p:nvGrpSpPr>
+      <p:grpSpPr>
+        <a:xfrm>
+          <a:off x="0" y="0"/>
+          <a:ext cx="0" cy="0"/>
+          <a:chOff x="0" y="0"/>
+          <a:chExt cx="0" cy="0"/>
+        </a:xfrm>
+      </p:grpSpPr>
+      <p:sp>
+        <p:nvSpPr>
+          <p:cNvPr id="2" name="Slide Image Placeholder 1"/>
+          <p:cNvSpPr>
+            <a:spLocks noGrp="1" noRot="1" noChangeAspect="1"/>
+          </p:cNvSpPr>
+          <p:nvPr>
+            <p:ph type="sldImg"/>
+          </p:nvPr>
+        </p:nvSpPr>
+        <p:spPr/>
+      </p:sp>
+      <p:sp>
+        <p:nvSpPr>
+          <p:cNvPr id="3" name="Notes Placeholder 2"/>
+          <p:cNvSpPr>
+            <a:spLocks noGrp="1"/>
+          </p:cNvSpPr>
+          <p:nvPr>
+            <p:ph type="body" idx="1"/>
+          </p:nvPr>
+        </p:nvSpPr>
+        <p:spPr/>
+        <p:txBody>
+          <a:bodyPr/>
+          <a:lstStyle/>
+          <a:p>
+            <a:endParaRPr lang="en-US"/>
+          </a:p>
+        </p:txBody>
+      </p:sp>
+      <p:sp>
+        <p:nvSpPr>
+          <p:cNvPr id="4" name="Slide Number Placeholder 3"/>
+          <p:cNvSpPr>
+            <a:spLocks noGrp="1"/>
+          </p:cNvSpPr>
+          <p:nvPr>
+            <p:ph type="sldNum" sz="quarter" idx="10"/>
+          </p:nvPr>
+        </p:nvSpPr>
+        <p:spPr/>
+        <p:txBody>
+          <a:bodyPr/>
+          <a:lstStyle/>
+          <a:p>
+            <a:fld id="{62ABD1DD-85B7-1A4E-8CDE-50088CCF2F1A}" type="slidenum">
+              <a:rPr lang="en-US" smtClean="0"/>
+              <a:t>29</a:t>
+            </a:fld>
+            <a:endParaRPr lang="en-US"/>
+          </a:p>
+        </p:txBody>
+      </p:sp>
+    </p:spTree>
+    <p:extLst>
+      <p:ext uri="{BB962C8B-B14F-4D97-AF65-F5344CB8AC3E}">
+        <p14:creationId xmlns:p14="http://schemas.microsoft.com/office/powerpoint/2010/main" val="2814133305"/>
+      </p:ext>
+    </p:extLst>
+  </p:cSld>
+  <p:clrMapOvr>
+    <a:masterClrMapping/>
+  </p:clrMapOvr>
+</p:notes>
+</file>
+
+<file path=ppt/notesSlides/notesSlide29.xml><?xml version="1.0" encoding="utf-8"?>
+<p:notes xmlns:a="http://schemas.openxmlformats.org/drawingml/2006/main" xmlns:r="http://schemas.openxmlformats.org/officeDocument/2006/relationships" xmlns:p="http://schemas.openxmlformats.org/presentationml/2006/main">
+  <p:cSld>
+    <p:spTree>
+      <p:nvGrpSpPr>
+        <p:cNvPr id="1" name=""/>
+        <p:cNvGrpSpPr/>
+        <p:nvPr/>
+      </p:nvGrpSpPr>
+      <p:grpSpPr>
+        <a:xfrm>
+          <a:off x="0" y="0"/>
+          <a:ext cx="0" cy="0"/>
+          <a:chOff x="0" y="0"/>
+          <a:chExt cx="0" cy="0"/>
+        </a:xfrm>
+      </p:grpSpPr>
+      <p:sp>
+        <p:nvSpPr>
+          <p:cNvPr id="2" name="Slide Image Placeholder 1"/>
+          <p:cNvSpPr>
+            <a:spLocks noGrp="1" noRot="1" noChangeAspect="1"/>
+          </p:cNvSpPr>
+          <p:nvPr>
+            <p:ph type="sldImg"/>
+          </p:nvPr>
+        </p:nvSpPr>
+        <p:spPr/>
+      </p:sp>
+      <p:sp>
+        <p:nvSpPr>
+          <p:cNvPr id="3" name="Notes Placeholder 2"/>
+          <p:cNvSpPr>
+            <a:spLocks noGrp="1"/>
+          </p:cNvSpPr>
+          <p:nvPr>
+            <p:ph type="body" idx="1"/>
+          </p:nvPr>
+        </p:nvSpPr>
+        <p:spPr/>
+        <p:txBody>
+          <a:bodyPr/>
+          <a:lstStyle/>
+          <a:p>
+            <a:endParaRPr lang="en-US"/>
+          </a:p>
+        </p:txBody>
+      </p:sp>
+      <p:sp>
+        <p:nvSpPr>
+          <p:cNvPr id="4" name="Slide Number Placeholder 3"/>
+          <p:cNvSpPr>
+            <a:spLocks noGrp="1"/>
+          </p:cNvSpPr>
+          <p:nvPr>
+            <p:ph type="sldNum" sz="quarter" idx="10"/>
+          </p:nvPr>
+        </p:nvSpPr>
+        <p:spPr/>
+        <p:txBody>
+          <a:bodyPr/>
+          <a:lstStyle/>
+          <a:p>
+            <a:fld id="{62ABD1DD-85B7-1A4E-8CDE-50088CCF2F1A}" type="slidenum">
+              <a:rPr lang="en-US" smtClean="0"/>
+              <a:t>30</a:t>
+            </a:fld>
+            <a:endParaRPr lang="en-US"/>
+          </a:p>
+        </p:txBody>
+      </p:sp>
+    </p:spTree>
+    <p:extLst>
+      <p:ext uri="{BB962C8B-B14F-4D97-AF65-F5344CB8AC3E}">
+        <p14:creationId xmlns:p14="http://schemas.microsoft.com/office/powerpoint/2010/main" val="1341727016"/>
+      </p:ext>
+    </p:extLst>
+  </p:cSld>
+  <p:clrMapOvr>
+    <a:masterClrMapping/>
+  </p:clrMapOvr>
+</p:notes>
+</file>
+
+<file path=ppt/notesSlides/notesSlide3.xml><?xml version="1.0" encoding="utf-8"?>
+<p:notes xmlns:a="http://schemas.openxmlformats.org/drawingml/2006/main" xmlns:r="http://schemas.openxmlformats.org/officeDocument/2006/relationships" xmlns:p="http://schemas.openxmlformats.org/presentationml/2006/main">
+  <p:cSld>
+    <p:spTree>
+      <p:nvGrpSpPr>
+        <p:cNvPr id="1" name=""/>
+        <p:cNvGrpSpPr/>
+        <p:nvPr/>
+      </p:nvGrpSpPr>
+      <p:grpSpPr>
+        <a:xfrm>
+          <a:off x="0" y="0"/>
+          <a:ext cx="0" cy="0"/>
+          <a:chOff x="0" y="0"/>
+          <a:chExt cx="0" cy="0"/>
+        </a:xfrm>
+      </p:grpSpPr>
+      <p:sp>
+        <p:nvSpPr>
+          <p:cNvPr id="2" name="Slide Image Placeholder 1"/>
+          <p:cNvSpPr>
+            <a:spLocks noGrp="1" noRot="1" noChangeAspect="1"/>
+          </p:cNvSpPr>
+          <p:nvPr>
+            <p:ph type="sldImg"/>
+          </p:nvPr>
+        </p:nvSpPr>
+        <p:spPr/>
+      </p:sp>
+      <p:sp>
+        <p:nvSpPr>
+          <p:cNvPr id="3" name="Notes Placeholder 2"/>
+          <p:cNvSpPr>
+            <a:spLocks noGrp="1"/>
+          </p:cNvSpPr>
+          <p:nvPr>
+            <p:ph type="body" idx="1"/>
+          </p:nvPr>
+        </p:nvSpPr>
+        <p:spPr/>
+        <p:txBody>
+          <a:bodyPr/>
+          <a:lstStyle/>
+          <a:p>
+            <a:endParaRPr lang="en-US"/>
+          </a:p>
+        </p:txBody>
+      </p:sp>
+      <p:sp>
+        <p:nvSpPr>
+          <p:cNvPr id="4" name="Slide Number Placeholder 3"/>
+          <p:cNvSpPr>
+            <a:spLocks noGrp="1"/>
+          </p:cNvSpPr>
+          <p:nvPr>
+            <p:ph type="sldNum" sz="quarter" idx="10"/>
+          </p:nvPr>
+        </p:nvSpPr>
+        <p:spPr/>
+        <p:txBody>
+          <a:bodyPr/>
+          <a:lstStyle/>
+          <a:p>
+            <a:fld id="{62ABD1DD-85B7-1A4E-8CDE-50088CCF2F1A}" type="slidenum">
+              <a:rPr lang="en-US" smtClean="0"/>
+              <a:t>3</a:t>
+            </a:fld>
+            <a:endParaRPr lang="en-US"/>
+          </a:p>
+        </p:txBody>
+      </p:sp>
+    </p:spTree>
+    <p:extLst>
+      <p:ext uri="{BB962C8B-B14F-4D97-AF65-F5344CB8AC3E}">
+        <p14:creationId xmlns:p14="http://schemas.microsoft.com/office/powerpoint/2010/main" val="1267057019"/>
+      </p:ext>
+    </p:extLst>
+  </p:cSld>
+  <p:clrMapOvr>
+    <a:masterClrMapping/>
+  </p:clrMapOvr>
+</p:notes>
+</file>
+
+<file path=ppt/notesSlides/notesSlide30.xml><?xml version="1.0" encoding="utf-8"?>
+<p:notes xmlns:a="http://schemas.openxmlformats.org/drawingml/2006/main" xmlns:r="http://schemas.openxmlformats.org/officeDocument/2006/relationships" xmlns:p="http://schemas.openxmlformats.org/presentationml/2006/main">
+  <p:cSld>
+    <p:spTree>
+      <p:nvGrpSpPr>
+        <p:cNvPr id="1" name=""/>
+        <p:cNvGrpSpPr/>
+        <p:nvPr/>
+      </p:nvGrpSpPr>
+      <p:grpSpPr>
+        <a:xfrm>
+          <a:off x="0" y="0"/>
+          <a:ext cx="0" cy="0"/>
+          <a:chOff x="0" y="0"/>
+          <a:chExt cx="0" cy="0"/>
+        </a:xfrm>
+      </p:grpSpPr>
+      <p:sp>
+        <p:nvSpPr>
+          <p:cNvPr id="2" name="Slide Image Placeholder 1"/>
+          <p:cNvSpPr>
+            <a:spLocks noGrp="1" noRot="1" noChangeAspect="1"/>
+          </p:cNvSpPr>
+          <p:nvPr>
+            <p:ph type="sldImg"/>
+          </p:nvPr>
+        </p:nvSpPr>
+        <p:spPr/>
+      </p:sp>
+      <p:sp>
+        <p:nvSpPr>
+          <p:cNvPr id="3" name="Notes Placeholder 2"/>
+          <p:cNvSpPr>
+            <a:spLocks noGrp="1"/>
+          </p:cNvSpPr>
+          <p:nvPr>
+            <p:ph type="body" idx="1"/>
+          </p:nvPr>
+        </p:nvSpPr>
+        <p:spPr/>
+        <p:txBody>
+          <a:bodyPr/>
+          <a:lstStyle/>
+          <a:p>
+            <a:endParaRPr lang="en-US"/>
+          </a:p>
+        </p:txBody>
+      </p:sp>
+      <p:sp>
+        <p:nvSpPr>
+          <p:cNvPr id="4" name="Slide Number Placeholder 3"/>
+          <p:cNvSpPr>
+            <a:spLocks noGrp="1"/>
+          </p:cNvSpPr>
+          <p:nvPr>
+            <p:ph type="sldNum" sz="quarter" idx="10"/>
+          </p:nvPr>
+        </p:nvSpPr>
+        <p:spPr/>
+        <p:txBody>
+          <a:bodyPr/>
+          <a:lstStyle/>
+          <a:p>
+            <a:fld id="{62ABD1DD-85B7-1A4E-8CDE-50088CCF2F1A}" type="slidenum">
+              <a:rPr lang="en-US" smtClean="0"/>
+              <a:t>31</a:t>
+            </a:fld>
+            <a:endParaRPr lang="en-US"/>
+          </a:p>
+        </p:txBody>
+      </p:sp>
+    </p:spTree>
+    <p:extLst>
+      <p:ext uri="{BB962C8B-B14F-4D97-AF65-F5344CB8AC3E}">
+        <p14:creationId xmlns:p14="http://schemas.microsoft.com/office/powerpoint/2010/main" val="2119958148"/>
+      </p:ext>
+    </p:extLst>
+  </p:cSld>
+  <p:clrMapOvr>
+    <a:masterClrMapping/>
+  </p:clrMapOvr>
+</p:notes>
+</file>
+
+<file path=ppt/notesSlides/notesSlide31.xml><?xml version="1.0" encoding="utf-8"?>
+<p:notes xmlns:a="http://schemas.openxmlformats.org/drawingml/2006/main" xmlns:r="http://schemas.openxmlformats.org/officeDocument/2006/relationships" xmlns:p="http://schemas.openxmlformats.org/presentationml/2006/main">
+  <p:cSld>
+    <p:spTree>
+      <p:nvGrpSpPr>
+        <p:cNvPr id="1" name=""/>
+        <p:cNvGrpSpPr/>
+        <p:nvPr/>
+      </p:nvGrpSpPr>
+      <p:grpSpPr>
+        <a:xfrm>
+          <a:off x="0" y="0"/>
+          <a:ext cx="0" cy="0"/>
+          <a:chOff x="0" y="0"/>
+          <a:chExt cx="0" cy="0"/>
+        </a:xfrm>
+      </p:grpSpPr>
+      <p:sp>
+        <p:nvSpPr>
+          <p:cNvPr id="2" name="Slide Image Placeholder 1"/>
+          <p:cNvSpPr>
+            <a:spLocks noGrp="1" noRot="1" noChangeAspect="1"/>
+          </p:cNvSpPr>
+          <p:nvPr>
+            <p:ph type="sldImg"/>
+          </p:nvPr>
+        </p:nvSpPr>
+        <p:spPr/>
+      </p:sp>
+      <p:sp>
+        <p:nvSpPr>
+          <p:cNvPr id="3" name="Notes Placeholder 2"/>
+          <p:cNvSpPr>
+            <a:spLocks noGrp="1"/>
+          </p:cNvSpPr>
+          <p:nvPr>
+            <p:ph type="body" idx="1"/>
+          </p:nvPr>
+        </p:nvSpPr>
+        <p:spPr/>
+        <p:txBody>
+          <a:bodyPr/>
+          <a:lstStyle/>
+          <a:p>
+            <a:endParaRPr lang="en-US"/>
+          </a:p>
+        </p:txBody>
+      </p:sp>
+      <p:sp>
+        <p:nvSpPr>
+          <p:cNvPr id="4" name="Slide Number Placeholder 3"/>
+          <p:cNvSpPr>
+            <a:spLocks noGrp="1"/>
+          </p:cNvSpPr>
+          <p:nvPr>
+            <p:ph type="sldNum" sz="quarter" idx="10"/>
+          </p:nvPr>
+        </p:nvSpPr>
+        <p:spPr/>
+        <p:txBody>
+          <a:bodyPr/>
+          <a:lstStyle/>
+          <a:p>
+            <a:fld id="{62ABD1DD-85B7-1A4E-8CDE-50088CCF2F1A}" type="slidenum">
+              <a:rPr lang="en-US" smtClean="0"/>
+              <a:t>32</a:t>
+            </a:fld>
+            <a:endParaRPr lang="en-US"/>
+          </a:p>
+        </p:txBody>
+      </p:sp>
+    </p:spTree>
+    <p:extLst>
+      <p:ext uri="{BB962C8B-B14F-4D97-AF65-F5344CB8AC3E}">
+        <p14:creationId xmlns:p14="http://schemas.microsoft.com/office/powerpoint/2010/main" val="506047083"/>
+      </p:ext>
+    </p:extLst>
+  </p:cSld>
+  <p:clrMapOvr>
+    <a:masterClrMapping/>
+  </p:clrMapOvr>
+</p:notes>
+</file>
+
+<file path=ppt/notesSlides/notesSlide32.xml><?xml version="1.0" encoding="utf-8"?>
+<p:notes xmlns:a="http://schemas.openxmlformats.org/drawingml/2006/main" xmlns:r="http://schemas.openxmlformats.org/officeDocument/2006/relationships" xmlns:p="http://schemas.openxmlformats.org/presentationml/2006/main">
+  <p:cSld>
+    <p:spTree>
+      <p:nvGrpSpPr>
+        <p:cNvPr id="1" name=""/>
+        <p:cNvGrpSpPr/>
+        <p:nvPr/>
+      </p:nvGrpSpPr>
+      <p:grpSpPr>
+        <a:xfrm>
+          <a:off x="0" y="0"/>
+          <a:ext cx="0" cy="0"/>
+          <a:chOff x="0" y="0"/>
+          <a:chExt cx="0" cy="0"/>
+        </a:xfrm>
+      </p:grpSpPr>
+      <p:sp>
+        <p:nvSpPr>
+          <p:cNvPr id="2" name="Slide Image Placeholder 1"/>
+          <p:cNvSpPr>
+            <a:spLocks noGrp="1" noRot="1" noChangeAspect="1"/>
+          </p:cNvSpPr>
+          <p:nvPr>
+            <p:ph type="sldImg"/>
+          </p:nvPr>
+        </p:nvSpPr>
+        <p:spPr/>
+      </p:sp>
+      <p:sp>
+        <p:nvSpPr>
+          <p:cNvPr id="3" name="Notes Placeholder 2"/>
+          <p:cNvSpPr>
+            <a:spLocks noGrp="1"/>
+          </p:cNvSpPr>
+          <p:nvPr>
+            <p:ph type="body" idx="1"/>
+          </p:nvPr>
+        </p:nvSpPr>
+        <p:spPr/>
+        <p:txBody>
+          <a:bodyPr/>
+          <a:lstStyle/>
+          <a:p>
+            <a:endParaRPr lang="en-US"/>
+          </a:p>
+        </p:txBody>
+      </p:sp>
+      <p:sp>
+        <p:nvSpPr>
+          <p:cNvPr id="4" name="Slide Number Placeholder 3"/>
+          <p:cNvSpPr>
+            <a:spLocks noGrp="1"/>
+          </p:cNvSpPr>
+          <p:nvPr>
+            <p:ph type="sldNum" sz="quarter" idx="10"/>
+          </p:nvPr>
+        </p:nvSpPr>
+        <p:spPr/>
+        <p:txBody>
+          <a:bodyPr/>
+          <a:lstStyle/>
+          <a:p>
+            <a:fld id="{62ABD1DD-85B7-1A4E-8CDE-50088CCF2F1A}" type="slidenum">
+              <a:rPr lang="en-US" smtClean="0"/>
+              <a:t>33</a:t>
+            </a:fld>
+            <a:endParaRPr lang="en-US"/>
+          </a:p>
+        </p:txBody>
+      </p:sp>
+    </p:spTree>
+    <p:extLst>
+      <p:ext uri="{BB962C8B-B14F-4D97-AF65-F5344CB8AC3E}">
+        <p14:creationId xmlns:p14="http://schemas.microsoft.com/office/powerpoint/2010/main" val="2592317554"/>
+      </p:ext>
+    </p:extLst>
+  </p:cSld>
+  <p:clrMapOvr>
+    <a:masterClrMapping/>
+  </p:clrMapOvr>
+</p:notes>
+</file>
+
+<file path=ppt/notesSlides/notesSlide33.xml><?xml version="1.0" encoding="utf-8"?>
+<p:notes xmlns:a="http://schemas.openxmlformats.org/drawingml/2006/main" xmlns:r="http://schemas.openxmlformats.org/officeDocument/2006/relationships" xmlns:p="http://schemas.openxmlformats.org/presentationml/2006/main">
+  <p:cSld>
+    <p:spTree>
+      <p:nvGrpSpPr>
+        <p:cNvPr id="1" name=""/>
+        <p:cNvGrpSpPr/>
+        <p:nvPr/>
+      </p:nvGrpSpPr>
+      <p:grpSpPr>
+        <a:xfrm>
+          <a:off x="0" y="0"/>
+          <a:ext cx="0" cy="0"/>
+          <a:chOff x="0" y="0"/>
+          <a:chExt cx="0" cy="0"/>
+        </a:xfrm>
+      </p:grpSpPr>
+      <p:sp>
+        <p:nvSpPr>
+          <p:cNvPr id="2" name="Slide Image Placeholder 1"/>
+          <p:cNvSpPr>
+            <a:spLocks noGrp="1" noRot="1" noChangeAspect="1"/>
+          </p:cNvSpPr>
+          <p:nvPr>
+            <p:ph type="sldImg"/>
+          </p:nvPr>
+        </p:nvSpPr>
+        <p:spPr/>
+      </p:sp>
+      <p:sp>
+        <p:nvSpPr>
+          <p:cNvPr id="3" name="Notes Placeholder 2"/>
+          <p:cNvSpPr>
+            <a:spLocks noGrp="1"/>
+          </p:cNvSpPr>
+          <p:nvPr>
+            <p:ph type="body" idx="1"/>
+          </p:nvPr>
+        </p:nvSpPr>
+        <p:spPr/>
+        <p:txBody>
+          <a:bodyPr/>
+          <a:lstStyle/>
+          <a:p>
+            <a:endParaRPr lang="en-US"/>
+          </a:p>
+        </p:txBody>
+      </p:sp>
+      <p:sp>
+        <p:nvSpPr>
+          <p:cNvPr id="4" name="Slide Number Placeholder 3"/>
+          <p:cNvSpPr>
+            <a:spLocks noGrp="1"/>
+          </p:cNvSpPr>
+          <p:nvPr>
+            <p:ph type="sldNum" sz="quarter" idx="10"/>
+          </p:nvPr>
+        </p:nvSpPr>
+        <p:spPr/>
+        <p:txBody>
+          <a:bodyPr/>
+          <a:lstStyle/>
+          <a:p>
+            <a:fld id="{62ABD1DD-85B7-1A4E-8CDE-50088CCF2F1A}" type="slidenum">
+              <a:rPr lang="en-US" smtClean="0"/>
+              <a:t>34</a:t>
+            </a:fld>
+            <a:endParaRPr lang="en-US"/>
+          </a:p>
+        </p:txBody>
+      </p:sp>
+    </p:spTree>
+    <p:extLst>
+      <p:ext uri="{BB962C8B-B14F-4D97-AF65-F5344CB8AC3E}">
+        <p14:creationId xmlns:p14="http://schemas.microsoft.com/office/powerpoint/2010/main" val="2692573320"/>
+      </p:ext>
+    </p:extLst>
+  </p:cSld>
+  <p:clrMapOvr>
+    <a:masterClrMapping/>
+  </p:clrMapOvr>
+</p:notes>
+</file>
+
+<file path=ppt/notesSlides/notesSlide34.xml><?xml version="1.0" encoding="utf-8"?>
+<p:notes xmlns:a="http://schemas.openxmlformats.org/drawingml/2006/main" xmlns:r="http://schemas.openxmlformats.org/officeDocument/2006/relationships" xmlns:p="http://schemas.openxmlformats.org/presentationml/2006/main">
+  <p:cSld>
+    <p:spTree>
+      <p:nvGrpSpPr>
+        <p:cNvPr id="1" name=""/>
+        <p:cNvGrpSpPr/>
+        <p:nvPr/>
+      </p:nvGrpSpPr>
+      <p:grpSpPr>
+        <a:xfrm>
+          <a:off x="0" y="0"/>
+          <a:ext cx="0" cy="0"/>
+          <a:chOff x="0" y="0"/>
+          <a:chExt cx="0" cy="0"/>
+        </a:xfrm>
+      </p:grpSpPr>
+      <p:sp>
+        <p:nvSpPr>
+          <p:cNvPr id="2" name="Slide Image Placeholder 1"/>
+          <p:cNvSpPr>
+            <a:spLocks noGrp="1" noRot="1" noChangeAspect="1"/>
+          </p:cNvSpPr>
+          <p:nvPr>
+            <p:ph type="sldImg"/>
+          </p:nvPr>
+        </p:nvSpPr>
+        <p:spPr/>
+      </p:sp>
+      <p:sp>
+        <p:nvSpPr>
+          <p:cNvPr id="3" name="Notes Placeholder 2"/>
+          <p:cNvSpPr>
+            <a:spLocks noGrp="1"/>
+          </p:cNvSpPr>
+          <p:nvPr>
+            <p:ph type="body" idx="1"/>
+          </p:nvPr>
+        </p:nvSpPr>
+        <p:spPr/>
+        <p:txBody>
+          <a:bodyPr/>
+          <a:lstStyle/>
+          <a:p>
+            <a:endParaRPr lang="en-US"/>
+          </a:p>
+        </p:txBody>
+      </p:sp>
+      <p:sp>
+        <p:nvSpPr>
+          <p:cNvPr id="4" name="Slide Number Placeholder 3"/>
+          <p:cNvSpPr>
+            <a:spLocks noGrp="1"/>
+          </p:cNvSpPr>
+          <p:nvPr>
+            <p:ph type="sldNum" sz="quarter" idx="10"/>
+          </p:nvPr>
+        </p:nvSpPr>
+        <p:spPr/>
+        <p:txBody>
+          <a:bodyPr/>
+          <a:lstStyle/>
+          <a:p>
+            <a:fld id="{62ABD1DD-85B7-1A4E-8CDE-50088CCF2F1A}" type="slidenum">
+              <a:rPr lang="en-US" smtClean="0"/>
+              <a:t>35</a:t>
+            </a:fld>
+            <a:endParaRPr lang="en-US"/>
+          </a:p>
+        </p:txBody>
+      </p:sp>
+    </p:spTree>
+    <p:extLst>
+      <p:ext uri="{BB962C8B-B14F-4D97-AF65-F5344CB8AC3E}">
+        <p14:creationId xmlns:p14="http://schemas.microsoft.com/office/powerpoint/2010/main" val="4172828102"/>
+      </p:ext>
+    </p:extLst>
+  </p:cSld>
+  <p:clrMapOvr>
+    <a:masterClrMapping/>
+  </p:clrMapOvr>
+</p:notes>
+</file>
+
+<file path=ppt/notesSlides/notesSlide35.xml><?xml version="1.0" encoding="utf-8"?>
+<p:notes xmlns:a="http://schemas.openxmlformats.org/drawingml/2006/main" xmlns:r="http://schemas.openxmlformats.org/officeDocument/2006/relationships" xmlns:p="http://schemas.openxmlformats.org/presentationml/2006/main">
+  <p:cSld>
+    <p:spTree>
+      <p:nvGrpSpPr>
+        <p:cNvPr id="1" name=""/>
+        <p:cNvGrpSpPr/>
+        <p:nvPr/>
+      </p:nvGrpSpPr>
+      <p:grpSpPr>
+        <a:xfrm>
+          <a:off x="0" y="0"/>
+          <a:ext cx="0" cy="0"/>
+          <a:chOff x="0" y="0"/>
+          <a:chExt cx="0" cy="0"/>
+        </a:xfrm>
+      </p:grpSpPr>
+      <p:sp>
+        <p:nvSpPr>
+          <p:cNvPr id="2" name="Slide Image Placeholder 1"/>
+          <p:cNvSpPr>
+            <a:spLocks noGrp="1" noRot="1" noChangeAspect="1"/>
+          </p:cNvSpPr>
+          <p:nvPr>
+            <p:ph type="sldImg"/>
+          </p:nvPr>
+        </p:nvSpPr>
+        <p:spPr/>
+      </p:sp>
+      <p:sp>
+        <p:nvSpPr>
+          <p:cNvPr id="3" name="Notes Placeholder 2"/>
+          <p:cNvSpPr>
+            <a:spLocks noGrp="1"/>
+          </p:cNvSpPr>
+          <p:nvPr>
+            <p:ph type="body" idx="1"/>
+          </p:nvPr>
+        </p:nvSpPr>
+        <p:spPr/>
+        <p:txBody>
+          <a:bodyPr/>
+          <a:lstStyle/>
+          <a:p>
+            <a:endParaRPr lang="en-US"/>
+          </a:p>
+        </p:txBody>
+      </p:sp>
+      <p:sp>
+        <p:nvSpPr>
+          <p:cNvPr id="4" name="Slide Number Placeholder 3"/>
+          <p:cNvSpPr>
+            <a:spLocks noGrp="1"/>
+          </p:cNvSpPr>
+          <p:nvPr>
+            <p:ph type="sldNum" sz="quarter" idx="10"/>
+          </p:nvPr>
+        </p:nvSpPr>
+        <p:spPr/>
+        <p:txBody>
+          <a:bodyPr/>
+          <a:lstStyle/>
+          <a:p>
+            <a:fld id="{62ABD1DD-85B7-1A4E-8CDE-50088CCF2F1A}" type="slidenum">
+              <a:rPr lang="en-US" smtClean="0"/>
+              <a:t>36</a:t>
+            </a:fld>
+            <a:endParaRPr lang="en-US"/>
+          </a:p>
+        </p:txBody>
+      </p:sp>
+    </p:spTree>
+    <p:extLst>
+      <p:ext uri="{BB962C8B-B14F-4D97-AF65-F5344CB8AC3E}">
+        <p14:creationId xmlns:p14="http://schemas.microsoft.com/office/powerpoint/2010/main" val="1367208648"/>
+      </p:ext>
+    </p:extLst>
+  </p:cSld>
+  <p:clrMapOvr>
+    <a:masterClrMapping/>
+  </p:clrMapOvr>
+</p:notes>
+</file>
+
+<file path=ppt/notesSlides/notesSlide36.xml><?xml version="1.0" encoding="utf-8"?>
+<p:notes xmlns:a="http://schemas.openxmlformats.org/drawingml/2006/main" xmlns:r="http://schemas.openxmlformats.org/officeDocument/2006/relationships" xmlns:p="http://schemas.openxmlformats.org/presentationml/2006/main">
+  <p:cSld>
+    <p:spTree>
+      <p:nvGrpSpPr>
+        <p:cNvPr id="1" name=""/>
+        <p:cNvGrpSpPr/>
+        <p:nvPr/>
+      </p:nvGrpSpPr>
+      <p:grpSpPr>
+        <a:xfrm>
+          <a:off x="0" y="0"/>
+          <a:ext cx="0" cy="0"/>
+          <a:chOff x="0" y="0"/>
+          <a:chExt cx="0" cy="0"/>
+        </a:xfrm>
+      </p:grpSpPr>
+      <p:sp>
+        <p:nvSpPr>
+          <p:cNvPr id="2" name="Slide Image Placeholder 1"/>
+          <p:cNvSpPr>
+            <a:spLocks noGrp="1" noRot="1" noChangeAspect="1"/>
+          </p:cNvSpPr>
+          <p:nvPr>
+            <p:ph type="sldImg"/>
+          </p:nvPr>
+        </p:nvSpPr>
+        <p:spPr/>
+      </p:sp>
+      <p:sp>
+        <p:nvSpPr>
+          <p:cNvPr id="3" name="Notes Placeholder 2"/>
+          <p:cNvSpPr>
+            <a:spLocks noGrp="1"/>
+          </p:cNvSpPr>
+          <p:nvPr>
+            <p:ph type="body" idx="1"/>
+          </p:nvPr>
+        </p:nvSpPr>
+        <p:spPr/>
+        <p:txBody>
+          <a:bodyPr/>
+          <a:lstStyle/>
+          <a:p>
+            <a:endParaRPr lang="en-US"/>
+          </a:p>
+        </p:txBody>
+      </p:sp>
+      <p:sp>
+        <p:nvSpPr>
+          <p:cNvPr id="4" name="Slide Number Placeholder 3"/>
+          <p:cNvSpPr>
+            <a:spLocks noGrp="1"/>
+          </p:cNvSpPr>
+          <p:nvPr>
+            <p:ph type="sldNum" sz="quarter" idx="10"/>
+          </p:nvPr>
+        </p:nvSpPr>
+        <p:spPr/>
+        <p:txBody>
+          <a:bodyPr/>
+          <a:lstStyle/>
+          <a:p>
+            <a:fld id="{62ABD1DD-85B7-1A4E-8CDE-50088CCF2F1A}" type="slidenum">
+              <a:rPr lang="en-US" smtClean="0"/>
+              <a:t>37</a:t>
+            </a:fld>
+            <a:endParaRPr lang="en-US"/>
+          </a:p>
+        </p:txBody>
+      </p:sp>
+    </p:spTree>
+    <p:extLst>
+      <p:ext uri="{BB962C8B-B14F-4D97-AF65-F5344CB8AC3E}">
+        <p14:creationId xmlns:p14="http://schemas.microsoft.com/office/powerpoint/2010/main" val="3617334698"/>
+      </p:ext>
+    </p:extLst>
+  </p:cSld>
+  <p:clrMapOvr>
+    <a:masterClrMapping/>
+  </p:clrMapOvr>
+</p:notes>
+</file>
+
+<file path=ppt/notesSlides/notesSlide37.xml><?xml version="1.0" encoding="utf-8"?>
+<p:notes xmlns:a="http://schemas.openxmlformats.org/drawingml/2006/main" xmlns:r="http://schemas.openxmlformats.org/officeDocument/2006/relationships" xmlns:p="http://schemas.openxmlformats.org/presentationml/2006/main">
+  <p:cSld>
+    <p:spTree>
+      <p:nvGrpSpPr>
+        <p:cNvPr id="1" name=""/>
+        <p:cNvGrpSpPr/>
+        <p:nvPr/>
+      </p:nvGrpSpPr>
+      <p:grpSpPr>
+        <a:xfrm>
+          <a:off x="0" y="0"/>
+          <a:ext cx="0" cy="0"/>
+          <a:chOff x="0" y="0"/>
+          <a:chExt cx="0" cy="0"/>
+        </a:xfrm>
+      </p:grpSpPr>
+      <p:sp>
+        <p:nvSpPr>
+          <p:cNvPr id="2" name="Slide Image Placeholder 1"/>
+          <p:cNvSpPr>
+            <a:spLocks noGrp="1" noRot="1" noChangeAspect="1"/>
+          </p:cNvSpPr>
+          <p:nvPr>
+            <p:ph type="sldImg"/>
+          </p:nvPr>
+        </p:nvSpPr>
+        <p:spPr/>
+      </p:sp>
+      <p:sp>
+        <p:nvSpPr>
+          <p:cNvPr id="3" name="Notes Placeholder 2"/>
+          <p:cNvSpPr>
+            <a:spLocks noGrp="1"/>
+          </p:cNvSpPr>
+          <p:nvPr>
+            <p:ph type="body" idx="1"/>
+          </p:nvPr>
+        </p:nvSpPr>
+        <p:spPr/>
+        <p:txBody>
+          <a:bodyPr/>
+          <a:lstStyle/>
+          <a:p>
+            <a:endParaRPr lang="en-US"/>
+          </a:p>
+        </p:txBody>
+      </p:sp>
+      <p:sp>
+        <p:nvSpPr>
+          <p:cNvPr id="4" name="Slide Number Placeholder 3"/>
+          <p:cNvSpPr>
+            <a:spLocks noGrp="1"/>
+          </p:cNvSpPr>
+          <p:nvPr>
+            <p:ph type="sldNum" sz="quarter" idx="10"/>
+          </p:nvPr>
+        </p:nvSpPr>
+        <p:spPr/>
+        <p:txBody>
+          <a:bodyPr/>
+          <a:lstStyle/>
+          <a:p>
+            <a:fld id="{62ABD1DD-85B7-1A4E-8CDE-50088CCF2F1A}" type="slidenum">
+              <a:rPr lang="en-US" smtClean="0"/>
+              <a:t>38</a:t>
+            </a:fld>
+            <a:endParaRPr lang="en-US"/>
+          </a:p>
+        </p:txBody>
+      </p:sp>
+    </p:spTree>
+    <p:extLst>
+      <p:ext uri="{BB962C8B-B14F-4D97-AF65-F5344CB8AC3E}">
+        <p14:creationId xmlns:p14="http://schemas.microsoft.com/office/powerpoint/2010/main" val="4060789756"/>
+      </p:ext>
+    </p:extLst>
+  </p:cSld>
+  <p:clrMapOvr>
+    <a:masterClrMapping/>
+  </p:clrMapOvr>
+</p:notes>
+</file>
+
+<file path=ppt/notesSlides/notesSlide38.xml><?xml version="1.0" encoding="utf-8"?>
+<p:notes xmlns:a="http://schemas.openxmlformats.org/drawingml/2006/main" xmlns:r="http://schemas.openxmlformats.org/officeDocument/2006/relationships" xmlns:p="http://schemas.openxmlformats.org/presentationml/2006/main">
+  <p:cSld>
+    <p:spTree>
+      <p:nvGrpSpPr>
+        <p:cNvPr id="1" name=""/>
+        <p:cNvGrpSpPr/>
+        <p:nvPr/>
+      </p:nvGrpSpPr>
+      <p:grpSpPr>
+        <a:xfrm>
+          <a:off x="0" y="0"/>
+          <a:ext cx="0" cy="0"/>
+          <a:chOff x="0" y="0"/>
+          <a:chExt cx="0" cy="0"/>
+        </a:xfrm>
+      </p:grpSpPr>
+      <p:sp>
+        <p:nvSpPr>
+          <p:cNvPr id="2" name="Slide Image Placeholder 1"/>
+          <p:cNvSpPr>
+            <a:spLocks noGrp="1" noRot="1" noChangeAspect="1"/>
+          </p:cNvSpPr>
+          <p:nvPr>
+            <p:ph type="sldImg"/>
+          </p:nvPr>
+        </p:nvSpPr>
+        <p:spPr/>
+      </p:sp>
+      <p:sp>
+        <p:nvSpPr>
+          <p:cNvPr id="3" name="Notes Placeholder 2"/>
+          <p:cNvSpPr>
+            <a:spLocks noGrp="1"/>
+          </p:cNvSpPr>
+          <p:nvPr>
+            <p:ph type="body" idx="1"/>
+          </p:nvPr>
+        </p:nvSpPr>
+        <p:spPr/>
+        <p:txBody>
+          <a:bodyPr/>
+          <a:lstStyle/>
+          <a:p>
+            <a:endParaRPr lang="en-US"/>
+          </a:p>
+        </p:txBody>
+      </p:sp>
+      <p:sp>
+        <p:nvSpPr>
+          <p:cNvPr id="4" name="Slide Number Placeholder 3"/>
+          <p:cNvSpPr>
+            <a:spLocks noGrp="1"/>
+          </p:cNvSpPr>
+          <p:nvPr>
+            <p:ph type="sldNum" sz="quarter" idx="10"/>
+          </p:nvPr>
+        </p:nvSpPr>
+        <p:spPr/>
+        <p:txBody>
+          <a:bodyPr/>
+          <a:lstStyle/>
+          <a:p>
+            <a:fld id="{62ABD1DD-85B7-1A4E-8CDE-50088CCF2F1A}" type="slidenum">
+              <a:rPr lang="en-US" smtClean="0"/>
+              <a:t>39</a:t>
+            </a:fld>
+            <a:endParaRPr lang="en-US"/>
+          </a:p>
+        </p:txBody>
+      </p:sp>
+    </p:spTree>
+    <p:extLst>
+      <p:ext uri="{BB962C8B-B14F-4D97-AF65-F5344CB8AC3E}">
+        <p14:creationId xmlns:p14="http://schemas.microsoft.com/office/powerpoint/2010/main" val="810571589"/>
+      </p:ext>
+    </p:extLst>
+  </p:cSld>
+  <p:clrMapOvr>
+    <a:masterClrMapping/>
+  </p:clrMapOvr>
+</p:notes>
+</file>
+
+<file path=ppt/notesSlides/notesSlide39.xml><?xml version="1.0" encoding="utf-8"?>
+<p:notes xmlns:a="http://schemas.openxmlformats.org/drawingml/2006/main" xmlns:r="http://schemas.openxmlformats.org/officeDocument/2006/relationships" xmlns:p="http://schemas.openxmlformats.org/presentationml/2006/main">
+  <p:cSld>
+    <p:spTree>
+      <p:nvGrpSpPr>
+        <p:cNvPr id="1" name=""/>
+        <p:cNvGrpSpPr/>
+        <p:nvPr/>
+      </p:nvGrpSpPr>
+      <p:grpSpPr>
+        <a:xfrm>
+          <a:off x="0" y="0"/>
+          <a:ext cx="0" cy="0"/>
+          <a:chOff x="0" y="0"/>
+          <a:chExt cx="0" cy="0"/>
+        </a:xfrm>
+      </p:grpSpPr>
+      <p:sp>
+        <p:nvSpPr>
+          <p:cNvPr id="2" name="Slide Image Placeholder 1"/>
+          <p:cNvSpPr>
+            <a:spLocks noGrp="1" noRot="1" noChangeAspect="1"/>
+          </p:cNvSpPr>
+          <p:nvPr>
+            <p:ph type="sldImg"/>
+          </p:nvPr>
+        </p:nvSpPr>
+        <p:spPr/>
+      </p:sp>
+      <p:sp>
+        <p:nvSpPr>
+          <p:cNvPr id="3" name="Notes Placeholder 2"/>
+          <p:cNvSpPr>
+            <a:spLocks noGrp="1"/>
+          </p:cNvSpPr>
+          <p:nvPr>
+            <p:ph type="body" idx="1"/>
+          </p:nvPr>
+        </p:nvSpPr>
+        <p:spPr/>
+        <p:txBody>
+          <a:bodyPr/>
+          <a:lstStyle/>
+          <a:p>
+            <a:endParaRPr lang="en-US"/>
+          </a:p>
+        </p:txBody>
+      </p:sp>
+      <p:sp>
+        <p:nvSpPr>
+          <p:cNvPr id="4" name="Slide Number Placeholder 3"/>
+          <p:cNvSpPr>
+            <a:spLocks noGrp="1"/>
+          </p:cNvSpPr>
+          <p:nvPr>
+            <p:ph type="sldNum" sz="quarter" idx="10"/>
+          </p:nvPr>
+        </p:nvSpPr>
+        <p:spPr/>
+        <p:txBody>
+          <a:bodyPr/>
+          <a:lstStyle/>
+          <a:p>
+            <a:fld id="{62ABD1DD-85B7-1A4E-8CDE-50088CCF2F1A}" type="slidenum">
+              <a:rPr lang="en-US" smtClean="0"/>
+              <a:t>40</a:t>
+            </a:fld>
+            <a:endParaRPr lang="en-US"/>
+          </a:p>
+        </p:txBody>
+      </p:sp>
+    </p:spTree>
+    <p:extLst>
+      <p:ext uri="{BB962C8B-B14F-4D97-AF65-F5344CB8AC3E}">
+        <p14:creationId xmlns:p14="http://schemas.microsoft.com/office/powerpoint/2010/main" val="1726688068"/>
+      </p:ext>
+    </p:extLst>
+  </p:cSld>
+  <p:clrMapOvr>
+    <a:masterClrMapping/>
+  </p:clrMapOvr>
+</p:notes>
+</file>
+
+<file path=ppt/notesSlides/notesSlide4.xml><?xml version="1.0" encoding="utf-8"?>
+<p:notes xmlns:a="http://schemas.openxmlformats.org/drawingml/2006/main" xmlns:r="http://schemas.openxmlformats.org/officeDocument/2006/relationships" xmlns:p="http://schemas.openxmlformats.org/presentationml/2006/main">
+  <p:cSld>
+    <p:spTree>
+      <p:nvGrpSpPr>
+        <p:cNvPr id="1" name=""/>
+        <p:cNvGrpSpPr/>
+        <p:nvPr/>
+      </p:nvGrpSpPr>
+      <p:grpSpPr>
+        <a:xfrm>
+          <a:off x="0" y="0"/>
+          <a:ext cx="0" cy="0"/>
+          <a:chOff x="0" y="0"/>
+          <a:chExt cx="0" cy="0"/>
+        </a:xfrm>
+      </p:grpSpPr>
+      <p:sp>
+        <p:nvSpPr>
+          <p:cNvPr id="2" name="Slide Image Placeholder 1"/>
+          <p:cNvSpPr>
+            <a:spLocks noGrp="1" noRot="1" noChangeAspect="1"/>
+          </p:cNvSpPr>
+          <p:nvPr>
+            <p:ph type="sldImg"/>
+          </p:nvPr>
+        </p:nvSpPr>
+        <p:spPr/>
+      </p:sp>
+      <p:sp>
+        <p:nvSpPr>
+          <p:cNvPr id="3" name="Notes Placeholder 2"/>
+          <p:cNvSpPr>
+            <a:spLocks noGrp="1"/>
+          </p:cNvSpPr>
+          <p:nvPr>
+            <p:ph type="body" idx="1"/>
+          </p:nvPr>
+        </p:nvSpPr>
+        <p:spPr/>
+        <p:txBody>
+          <a:bodyPr/>
+          <a:lstStyle/>
+          <a:p>
+            <a:endParaRPr lang="en-US"/>
+          </a:p>
+        </p:txBody>
+      </p:sp>
+      <p:sp>
+        <p:nvSpPr>
+          <p:cNvPr id="4" name="Slide Number Placeholder 3"/>
+          <p:cNvSpPr>
+            <a:spLocks noGrp="1"/>
+          </p:cNvSpPr>
+          <p:nvPr>
+            <p:ph type="sldNum" sz="quarter" idx="10"/>
+          </p:nvPr>
+        </p:nvSpPr>
+        <p:spPr/>
+        <p:txBody>
+          <a:bodyPr/>
+          <a:lstStyle/>
+          <a:p>
+            <a:fld id="{62ABD1DD-85B7-1A4E-8CDE-50088CCF2F1A}" type="slidenum">
+              <a:rPr lang="en-US" smtClean="0"/>
+              <a:t>4</a:t>
+            </a:fld>
+            <a:endParaRPr lang="en-US"/>
+          </a:p>
+        </p:txBody>
+      </p:sp>
+    </p:spTree>
+    <p:extLst>
+      <p:ext uri="{BB962C8B-B14F-4D97-AF65-F5344CB8AC3E}">
+        <p14:creationId xmlns:p14="http://schemas.microsoft.com/office/powerpoint/2010/main" val="2973437269"/>
+      </p:ext>
+    </p:extLst>
+  </p:cSld>
+  <p:clrMapOvr>
+    <a:masterClrMapping/>
+  </p:clrMapOvr>
+</p:notes>
+</file>
+
+<file path=ppt/notesSlides/notesSlide40.xml><?xml version="1.0" encoding="utf-8"?>
+<p:notes xmlns:a="http://schemas.openxmlformats.org/drawingml/2006/main" xmlns:r="http://schemas.openxmlformats.org/officeDocument/2006/relationships" xmlns:p="http://schemas.openxmlformats.org/presentationml/2006/main">
+  <p:cSld>
+    <p:spTree>
+      <p:nvGrpSpPr>
+        <p:cNvPr id="1" name=""/>
+        <p:cNvGrpSpPr/>
+        <p:nvPr/>
+      </p:nvGrpSpPr>
+      <p:grpSpPr>
+        <a:xfrm>
+          <a:off x="0" y="0"/>
+          <a:ext cx="0" cy="0"/>
+          <a:chOff x="0" y="0"/>
+          <a:chExt cx="0" cy="0"/>
+        </a:xfrm>
+      </p:grpSpPr>
+      <p:sp>
+        <p:nvSpPr>
+          <p:cNvPr id="2" name="Slide Image Placeholder 1"/>
+          <p:cNvSpPr>
+            <a:spLocks noGrp="1" noRot="1" noChangeAspect="1"/>
+          </p:cNvSpPr>
+          <p:nvPr>
+            <p:ph type="sldImg"/>
+          </p:nvPr>
+        </p:nvSpPr>
+        <p:spPr/>
+      </p:sp>
+      <p:sp>
+        <p:nvSpPr>
+          <p:cNvPr id="3" name="Notes Placeholder 2"/>
+          <p:cNvSpPr>
+            <a:spLocks noGrp="1"/>
+          </p:cNvSpPr>
+          <p:nvPr>
+            <p:ph type="body" idx="1"/>
+          </p:nvPr>
+        </p:nvSpPr>
+        <p:spPr/>
+        <p:txBody>
+          <a:bodyPr/>
+          <a:lstStyle/>
+          <a:p>
+            <a:endParaRPr lang="en-US"/>
+          </a:p>
+        </p:txBody>
+      </p:sp>
+      <p:sp>
+        <p:nvSpPr>
+          <p:cNvPr id="4" name="Slide Number Placeholder 3"/>
+          <p:cNvSpPr>
+            <a:spLocks noGrp="1"/>
+          </p:cNvSpPr>
+          <p:nvPr>
+            <p:ph type="sldNum" sz="quarter" idx="10"/>
+          </p:nvPr>
+        </p:nvSpPr>
+        <p:spPr/>
+        <p:txBody>
+          <a:bodyPr/>
+          <a:lstStyle/>
+          <a:p>
+            <a:fld id="{62ABD1DD-85B7-1A4E-8CDE-50088CCF2F1A}" type="slidenum">
+              <a:rPr lang="en-US" smtClean="0"/>
+              <a:t>41</a:t>
+            </a:fld>
+            <a:endParaRPr lang="en-US"/>
+          </a:p>
+        </p:txBody>
+      </p:sp>
+    </p:spTree>
+    <p:extLst>
+      <p:ext uri="{BB962C8B-B14F-4D97-AF65-F5344CB8AC3E}">
+        <p14:creationId xmlns:p14="http://schemas.microsoft.com/office/powerpoint/2010/main" val="2847900879"/>
+      </p:ext>
+    </p:extLst>
+  </p:cSld>
+  <p:clrMapOvr>
+    <a:masterClrMapping/>
+  </p:clrMapOvr>
+</p:notes>
+</file>
+
+<file path=ppt/notesSlides/notesSlide41.xml><?xml version="1.0" encoding="utf-8"?>
+<p:notes xmlns:a="http://schemas.openxmlformats.org/drawingml/2006/main" xmlns:r="http://schemas.openxmlformats.org/officeDocument/2006/relationships" xmlns:p="http://schemas.openxmlformats.org/presentationml/2006/main">
+  <p:cSld>
+    <p:spTree>
+      <p:nvGrpSpPr>
+        <p:cNvPr id="1" name=""/>
+        <p:cNvGrpSpPr/>
+        <p:nvPr/>
+      </p:nvGrpSpPr>
+      <p:grpSpPr>
+        <a:xfrm>
+          <a:off x="0" y="0"/>
+          <a:ext cx="0" cy="0"/>
+          <a:chOff x="0" y="0"/>
+          <a:chExt cx="0" cy="0"/>
+        </a:xfrm>
+      </p:grpSpPr>
+      <p:sp>
+        <p:nvSpPr>
+          <p:cNvPr id="2" name="Slide Image Placeholder 1"/>
+          <p:cNvSpPr>
+            <a:spLocks noGrp="1" noRot="1" noChangeAspect="1"/>
+          </p:cNvSpPr>
+          <p:nvPr>
+            <p:ph type="sldImg"/>
+          </p:nvPr>
+        </p:nvSpPr>
+        <p:spPr/>
+      </p:sp>
+      <p:sp>
+        <p:nvSpPr>
+          <p:cNvPr id="3" name="Notes Placeholder 2"/>
+          <p:cNvSpPr>
+            <a:spLocks noGrp="1"/>
+          </p:cNvSpPr>
+          <p:nvPr>
+            <p:ph type="body" idx="1"/>
+          </p:nvPr>
+        </p:nvSpPr>
+        <p:spPr/>
+        <p:txBody>
+          <a:bodyPr/>
+          <a:lstStyle/>
+          <a:p>
+            <a:endParaRPr lang="en-US"/>
+          </a:p>
+        </p:txBody>
+      </p:sp>
+      <p:sp>
+        <p:nvSpPr>
+          <p:cNvPr id="4" name="Slide Number Placeholder 3"/>
+          <p:cNvSpPr>
+            <a:spLocks noGrp="1"/>
+          </p:cNvSpPr>
+          <p:nvPr>
+            <p:ph type="sldNum" sz="quarter" idx="10"/>
+          </p:nvPr>
+        </p:nvSpPr>
+        <p:spPr/>
+        <p:txBody>
+          <a:bodyPr/>
+          <a:lstStyle/>
+          <a:p>
+            <a:fld id="{62ABD1DD-85B7-1A4E-8CDE-50088CCF2F1A}" type="slidenum">
+              <a:rPr lang="en-US" smtClean="0"/>
+              <a:t>42</a:t>
+            </a:fld>
+            <a:endParaRPr lang="en-US"/>
+          </a:p>
+        </p:txBody>
+      </p:sp>
+    </p:spTree>
+    <p:extLst>
+      <p:ext uri="{BB962C8B-B14F-4D97-AF65-F5344CB8AC3E}">
+        <p14:creationId xmlns:p14="http://schemas.microsoft.com/office/powerpoint/2010/main" val="2202064371"/>
+      </p:ext>
+    </p:extLst>
+  </p:cSld>
+  <p:clrMapOvr>
+    <a:masterClrMapping/>
+  </p:clrMapOvr>
+</p:notes>
+</file>
+
+<file path=ppt/notesSlides/notesSlide42.xml><?xml version="1.0" encoding="utf-8"?>
+<p:notes xmlns:a="http://schemas.openxmlformats.org/drawingml/2006/main" xmlns:r="http://schemas.openxmlformats.org/officeDocument/2006/relationships" xmlns:p="http://schemas.openxmlformats.org/presentationml/2006/main">
+  <p:cSld>
+    <p:spTree>
+      <p:nvGrpSpPr>
+        <p:cNvPr id="1" name=""/>
+        <p:cNvGrpSpPr/>
+        <p:nvPr/>
+      </p:nvGrpSpPr>
+      <p:grpSpPr>
+        <a:xfrm>
+          <a:off x="0" y="0"/>
+          <a:ext cx="0" cy="0"/>
+          <a:chOff x="0" y="0"/>
+          <a:chExt cx="0" cy="0"/>
+        </a:xfrm>
+      </p:grpSpPr>
+      <p:sp>
+        <p:nvSpPr>
+          <p:cNvPr id="2" name="Slide Image Placeholder 1"/>
+          <p:cNvSpPr>
+            <a:spLocks noGrp="1" noRot="1" noChangeAspect="1"/>
+          </p:cNvSpPr>
+          <p:nvPr>
+            <p:ph type="sldImg"/>
+          </p:nvPr>
+        </p:nvSpPr>
+        <p:spPr/>
+      </p:sp>
+      <p:sp>
+        <p:nvSpPr>
+          <p:cNvPr id="3" name="Notes Placeholder 2"/>
+          <p:cNvSpPr>
+            <a:spLocks noGrp="1"/>
+          </p:cNvSpPr>
+          <p:nvPr>
+            <p:ph type="body" idx="1"/>
+          </p:nvPr>
+        </p:nvSpPr>
+        <p:spPr/>
+        <p:txBody>
+          <a:bodyPr/>
+          <a:lstStyle/>
+          <a:p>
+            <a:endParaRPr lang="en-US"/>
+          </a:p>
+        </p:txBody>
+      </p:sp>
+      <p:sp>
+        <p:nvSpPr>
+          <p:cNvPr id="4" name="Slide Number Placeholder 3"/>
+          <p:cNvSpPr>
+            <a:spLocks noGrp="1"/>
+          </p:cNvSpPr>
+          <p:nvPr>
+            <p:ph type="sldNum" sz="quarter" idx="10"/>
+          </p:nvPr>
+        </p:nvSpPr>
+        <p:spPr/>
+        <p:txBody>
+          <a:bodyPr/>
+          <a:lstStyle/>
+          <a:p>
+            <a:fld id="{62ABD1DD-85B7-1A4E-8CDE-50088CCF2F1A}" type="slidenum">
+              <a:rPr lang="en-US" smtClean="0"/>
+              <a:t>43</a:t>
+            </a:fld>
+            <a:endParaRPr lang="en-US"/>
+          </a:p>
+        </p:txBody>
+      </p:sp>
+    </p:spTree>
+    <p:extLst>
+      <p:ext uri="{BB962C8B-B14F-4D97-AF65-F5344CB8AC3E}">
+        <p14:creationId xmlns:p14="http://schemas.microsoft.com/office/powerpoint/2010/main" val="2075116358"/>
+      </p:ext>
+    </p:extLst>
+  </p:cSld>
+  <p:clrMapOvr>
+    <a:masterClrMapping/>
+  </p:clrMapOvr>
+</p:notes>
+</file>
+
+<file path=ppt/notesSlides/notesSlide43.xml><?xml version="1.0" encoding="utf-8"?>
+<p:notes xmlns:a="http://schemas.openxmlformats.org/drawingml/2006/main" xmlns:r="http://schemas.openxmlformats.org/officeDocument/2006/relationships" xmlns:p="http://schemas.openxmlformats.org/presentationml/2006/main">
+  <p:cSld>
+    <p:spTree>
+      <p:nvGrpSpPr>
+        <p:cNvPr id="1" name=""/>
+        <p:cNvGrpSpPr/>
+        <p:nvPr/>
+      </p:nvGrpSpPr>
+      <p:grpSpPr>
+        <a:xfrm>
+          <a:off x="0" y="0"/>
+          <a:ext cx="0" cy="0"/>
+          <a:chOff x="0" y="0"/>
+          <a:chExt cx="0" cy="0"/>
+        </a:xfrm>
+      </p:grpSpPr>
+      <p:sp>
+        <p:nvSpPr>
+          <p:cNvPr id="2" name="Slide Image Placeholder 1"/>
+          <p:cNvSpPr>
+            <a:spLocks noGrp="1" noRot="1" noChangeAspect="1"/>
+          </p:cNvSpPr>
+          <p:nvPr>
+            <p:ph type="sldImg"/>
+          </p:nvPr>
+        </p:nvSpPr>
+        <p:spPr/>
+      </p:sp>
+      <p:sp>
+        <p:nvSpPr>
+          <p:cNvPr id="3" name="Notes Placeholder 2"/>
+          <p:cNvSpPr>
+            <a:spLocks noGrp="1"/>
+          </p:cNvSpPr>
+          <p:nvPr>
+            <p:ph type="body" idx="1"/>
+          </p:nvPr>
+        </p:nvSpPr>
+        <p:spPr/>
+        <p:txBody>
+          <a:bodyPr/>
+          <a:lstStyle/>
+          <a:p>
+            <a:endParaRPr lang="en-US"/>
+          </a:p>
+        </p:txBody>
+      </p:sp>
+      <p:sp>
+        <p:nvSpPr>
+          <p:cNvPr id="4" name="Slide Number Placeholder 3"/>
+          <p:cNvSpPr>
+            <a:spLocks noGrp="1"/>
+          </p:cNvSpPr>
+          <p:nvPr>
+            <p:ph type="sldNum" sz="quarter" idx="10"/>
+          </p:nvPr>
+        </p:nvSpPr>
+        <p:spPr/>
+        <p:txBody>
+          <a:bodyPr/>
+          <a:lstStyle/>
+          <a:p>
+            <a:fld id="{62ABD1DD-85B7-1A4E-8CDE-50088CCF2F1A}" type="slidenum">
+              <a:rPr lang="en-US" smtClean="0"/>
+              <a:t>44</a:t>
+            </a:fld>
+            <a:endParaRPr lang="en-US"/>
+          </a:p>
+        </p:txBody>
+      </p:sp>
+    </p:spTree>
+    <p:extLst>
+      <p:ext uri="{BB962C8B-B14F-4D97-AF65-F5344CB8AC3E}">
+        <p14:creationId xmlns:p14="http://schemas.microsoft.com/office/powerpoint/2010/main" val="4128330919"/>
+      </p:ext>
+    </p:extLst>
+  </p:cSld>
+  <p:clrMapOvr>
+    <a:masterClrMapping/>
+  </p:clrMapOvr>
+</p:notes>
+</file>
+
+<file path=ppt/notesSlides/notesSlide44.xml><?xml version="1.0" encoding="utf-8"?>
+<p:notes xmlns:a="http://schemas.openxmlformats.org/drawingml/2006/main" xmlns:r="http://schemas.openxmlformats.org/officeDocument/2006/relationships" xmlns:p="http://schemas.openxmlformats.org/presentationml/2006/main">
+  <p:cSld>
+    <p:spTree>
+      <p:nvGrpSpPr>
+        <p:cNvPr id="1" name=""/>
+        <p:cNvGrpSpPr/>
+        <p:nvPr/>
+      </p:nvGrpSpPr>
+      <p:grpSpPr>
+        <a:xfrm>
+          <a:off x="0" y="0"/>
+          <a:ext cx="0" cy="0"/>
+          <a:chOff x="0" y="0"/>
+          <a:chExt cx="0" cy="0"/>
+        </a:xfrm>
+      </p:grpSpPr>
+      <p:sp>
+        <p:nvSpPr>
+          <p:cNvPr id="2" name="Slide Image Placeholder 1"/>
+          <p:cNvSpPr>
+            <a:spLocks noGrp="1" noRot="1" noChangeAspect="1"/>
+          </p:cNvSpPr>
+          <p:nvPr>
+            <p:ph type="sldImg"/>
+          </p:nvPr>
+        </p:nvSpPr>
+        <p:spPr/>
+      </p:sp>
+      <p:sp>
+        <p:nvSpPr>
+          <p:cNvPr id="3" name="Notes Placeholder 2"/>
+          <p:cNvSpPr>
+            <a:spLocks noGrp="1"/>
+          </p:cNvSpPr>
+          <p:nvPr>
+            <p:ph type="body" idx="1"/>
+          </p:nvPr>
+        </p:nvSpPr>
+        <p:spPr/>
+        <p:txBody>
+          <a:bodyPr/>
+          <a:lstStyle/>
+          <a:p>
+            <a:endParaRPr lang="en-US"/>
+          </a:p>
+        </p:txBody>
+      </p:sp>
+      <p:sp>
+        <p:nvSpPr>
+          <p:cNvPr id="4" name="Slide Number Placeholder 3"/>
+          <p:cNvSpPr>
+            <a:spLocks noGrp="1"/>
+          </p:cNvSpPr>
+          <p:nvPr>
+            <p:ph type="sldNum" sz="quarter" idx="10"/>
+          </p:nvPr>
+        </p:nvSpPr>
+        <p:spPr/>
+        <p:txBody>
+          <a:bodyPr/>
+          <a:lstStyle/>
+          <a:p>
+            <a:fld id="{62ABD1DD-85B7-1A4E-8CDE-50088CCF2F1A}" type="slidenum">
+              <a:rPr lang="en-US" smtClean="0"/>
+              <a:t>45</a:t>
+            </a:fld>
+            <a:endParaRPr lang="en-US"/>
+          </a:p>
+        </p:txBody>
+      </p:sp>
+    </p:spTree>
+    <p:extLst>
+      <p:ext uri="{BB962C8B-B14F-4D97-AF65-F5344CB8AC3E}">
+        <p14:creationId xmlns:p14="http://schemas.microsoft.com/office/powerpoint/2010/main" val="955420234"/>
+      </p:ext>
+    </p:extLst>
+  </p:cSld>
+  <p:clrMapOvr>
+    <a:masterClrMapping/>
+  </p:clrMapOvr>
+</p:notes>
+</file>
+
+<file path=ppt/notesSlides/notesSlide5.xml><?xml version="1.0" encoding="utf-8"?>
+<p:notes xmlns:a="http://schemas.openxmlformats.org/drawingml/2006/main" xmlns:r="http://schemas.openxmlformats.org/officeDocument/2006/relationships" xmlns:p="http://schemas.openxmlformats.org/presentationml/2006/main">
+  <p:cSld>
+    <p:spTree>
+      <p:nvGrpSpPr>
+        <p:cNvPr id="1" name=""/>
+        <p:cNvGrpSpPr/>
+        <p:nvPr/>
+      </p:nvGrpSpPr>
+      <p:grpSpPr>
+        <a:xfrm>
+          <a:off x="0" y="0"/>
+          <a:ext cx="0" cy="0"/>
+          <a:chOff x="0" y="0"/>
+          <a:chExt cx="0" cy="0"/>
+        </a:xfrm>
+      </p:grpSpPr>
+      <p:sp>
+        <p:nvSpPr>
+          <p:cNvPr id="2" name="Slide Image Placeholder 1"/>
+          <p:cNvSpPr>
+            <a:spLocks noGrp="1" noRot="1" noChangeAspect="1"/>
+          </p:cNvSpPr>
+          <p:nvPr>
+            <p:ph type="sldImg"/>
+          </p:nvPr>
+        </p:nvSpPr>
+        <p:spPr/>
+      </p:sp>
+      <p:sp>
+        <p:nvSpPr>
+          <p:cNvPr id="3" name="Notes Placeholder 2"/>
+          <p:cNvSpPr>
+            <a:spLocks noGrp="1"/>
+          </p:cNvSpPr>
+          <p:nvPr>
+            <p:ph type="body" idx="1"/>
+          </p:nvPr>
+        </p:nvSpPr>
+        <p:spPr/>
+        <p:txBody>
+          <a:bodyPr/>
+          <a:lstStyle/>
+          <a:p>
+            <a:endParaRPr lang="en-US"/>
+          </a:p>
+        </p:txBody>
+      </p:sp>
+      <p:sp>
+        <p:nvSpPr>
+          <p:cNvPr id="4" name="Slide Number Placeholder 3"/>
+          <p:cNvSpPr>
+            <a:spLocks noGrp="1"/>
+          </p:cNvSpPr>
+          <p:nvPr>
+            <p:ph type="sldNum" sz="quarter" idx="10"/>
+          </p:nvPr>
+        </p:nvSpPr>
+        <p:spPr/>
+        <p:txBody>
+          <a:bodyPr/>
+          <a:lstStyle/>
+          <a:p>
+            <a:fld id="{62ABD1DD-85B7-1A4E-8CDE-50088CCF2F1A}" type="slidenum">
+              <a:rPr lang="en-US" smtClean="0"/>
+              <a:t>5</a:t>
+            </a:fld>
+            <a:endParaRPr lang="en-US"/>
+          </a:p>
+        </p:txBody>
+      </p:sp>
+    </p:spTree>
+    <p:extLst>
+      <p:ext uri="{BB962C8B-B14F-4D97-AF65-F5344CB8AC3E}">
+        <p14:creationId xmlns:p14="http://schemas.microsoft.com/office/powerpoint/2010/main" val="919692879"/>
+      </p:ext>
+    </p:extLst>
+  </p:cSld>
+  <p:clrMapOvr>
+    <a:masterClrMapping/>
+  </p:clrMapOvr>
+</p:notes>
+</file>
+
+<file path=ppt/notesSlides/notesSlide6.xml><?xml version="1.0" encoding="utf-8"?>
+<p:notes xmlns:a="http://schemas.openxmlformats.org/drawingml/2006/main" xmlns:r="http://schemas.openxmlformats.org/officeDocument/2006/relationships" xmlns:p="http://schemas.openxmlformats.org/presentationml/2006/main">
+  <p:cSld>
+    <p:spTree>
+      <p:nvGrpSpPr>
+        <p:cNvPr id="1" name=""/>
+        <p:cNvGrpSpPr/>
+        <p:nvPr/>
+      </p:nvGrpSpPr>
+      <p:grpSpPr>
+        <a:xfrm>
+          <a:off x="0" y="0"/>
+          <a:ext cx="0" cy="0"/>
+          <a:chOff x="0" y="0"/>
+          <a:chExt cx="0" cy="0"/>
+        </a:xfrm>
+      </p:grpSpPr>
+      <p:sp>
+        <p:nvSpPr>
+          <p:cNvPr id="2" name="Slide Image Placeholder 1"/>
+          <p:cNvSpPr>
+            <a:spLocks noGrp="1" noRot="1" noChangeAspect="1"/>
+          </p:cNvSpPr>
+          <p:nvPr>
+            <p:ph type="sldImg"/>
+          </p:nvPr>
+        </p:nvSpPr>
+        <p:spPr/>
+      </p:sp>
+      <p:sp>
+        <p:nvSpPr>
+          <p:cNvPr id="3" name="Notes Placeholder 2"/>
+          <p:cNvSpPr>
+            <a:spLocks noGrp="1"/>
+          </p:cNvSpPr>
+          <p:nvPr>
+            <p:ph type="body" idx="1"/>
+          </p:nvPr>
+        </p:nvSpPr>
+        <p:spPr/>
+        <p:txBody>
+          <a:bodyPr/>
+          <a:lstStyle/>
+          <a:p>
+            <a:endParaRPr lang="en-US"/>
+          </a:p>
+        </p:txBody>
+      </p:sp>
+      <p:sp>
+        <p:nvSpPr>
+          <p:cNvPr id="4" name="Slide Number Placeholder 3"/>
+          <p:cNvSpPr>
+            <a:spLocks noGrp="1"/>
+          </p:cNvSpPr>
+          <p:nvPr>
+            <p:ph type="sldNum" sz="quarter" idx="10"/>
+          </p:nvPr>
+        </p:nvSpPr>
+        <p:spPr/>
+        <p:txBody>
+          <a:bodyPr/>
+          <a:lstStyle/>
+          <a:p>
+            <a:fld id="{62ABD1DD-85B7-1A4E-8CDE-50088CCF2F1A}" type="slidenum">
+              <a:rPr lang="en-US" smtClean="0"/>
+              <a:t>6</a:t>
+            </a:fld>
+            <a:endParaRPr lang="en-US"/>
+          </a:p>
+        </p:txBody>
+      </p:sp>
+    </p:spTree>
+    <p:extLst>
+      <p:ext uri="{BB962C8B-B14F-4D97-AF65-F5344CB8AC3E}">
+        <p14:creationId xmlns:p14="http://schemas.microsoft.com/office/powerpoint/2010/main" val="1169845041"/>
+      </p:ext>
+    </p:extLst>
+  </p:cSld>
+  <p:clrMapOvr>
+    <a:masterClrMapping/>
+  </p:clrMapOvr>
+</p:notes>
+</file>
+
+<file path=ppt/notesSlides/notesSlide7.xml><?xml version="1.0" encoding="utf-8"?>
+<p:notes xmlns:a="http://schemas.openxmlformats.org/drawingml/2006/main" xmlns:r="http://schemas.openxmlformats.org/officeDocument/2006/relationships" xmlns:p="http://schemas.openxmlformats.org/presentationml/2006/main">
+  <p:cSld>
+    <p:spTree>
+      <p:nvGrpSpPr>
+        <p:cNvPr id="1" name=""/>
+        <p:cNvGrpSpPr/>
+        <p:nvPr/>
+      </p:nvGrpSpPr>
+      <p:grpSpPr>
+        <a:xfrm>
+          <a:off x="0" y="0"/>
+          <a:ext cx="0" cy="0"/>
+          <a:chOff x="0" y="0"/>
+          <a:chExt cx="0" cy="0"/>
+        </a:xfrm>
+      </p:grpSpPr>
+      <p:sp>
+        <p:nvSpPr>
+          <p:cNvPr id="2" name="Slide Image Placeholder 1"/>
+          <p:cNvSpPr>
+            <a:spLocks noGrp="1" noRot="1" noChangeAspect="1"/>
+          </p:cNvSpPr>
+          <p:nvPr>
+            <p:ph type="sldImg"/>
+          </p:nvPr>
+        </p:nvSpPr>
+        <p:spPr/>
+      </p:sp>
+      <p:sp>
+        <p:nvSpPr>
+          <p:cNvPr id="3" name="Notes Placeholder 2"/>
+          <p:cNvSpPr>
+            <a:spLocks noGrp="1"/>
+          </p:cNvSpPr>
+          <p:nvPr>
+            <p:ph type="body" idx="1"/>
+          </p:nvPr>
+        </p:nvSpPr>
+        <p:spPr/>
+        <p:txBody>
+          <a:bodyPr/>
+          <a:lstStyle/>
+          <a:p>
+            <a:endParaRPr lang="en-US"/>
+          </a:p>
+        </p:txBody>
+      </p:sp>
+      <p:sp>
+        <p:nvSpPr>
+          <p:cNvPr id="4" name="Slide Number Placeholder 3"/>
+          <p:cNvSpPr>
+            <a:spLocks noGrp="1"/>
+          </p:cNvSpPr>
+          <p:nvPr>
+            <p:ph type="sldNum" sz="quarter" idx="10"/>
+          </p:nvPr>
+        </p:nvSpPr>
+        <p:spPr/>
+        <p:txBody>
+          <a:bodyPr/>
+          <a:lstStyle/>
+          <a:p>
+            <a:fld id="{62ABD1DD-85B7-1A4E-8CDE-50088CCF2F1A}" type="slidenum">
+              <a:rPr lang="en-US" smtClean="0"/>
+              <a:t>7</a:t>
+            </a:fld>
+            <a:endParaRPr lang="en-US"/>
+          </a:p>
+        </p:txBody>
+      </p:sp>
+    </p:spTree>
+    <p:extLst>
+      <p:ext uri="{BB962C8B-B14F-4D97-AF65-F5344CB8AC3E}">
+        <p14:creationId xmlns:p14="http://schemas.microsoft.com/office/powerpoint/2010/main" val="3408015379"/>
+      </p:ext>
+    </p:extLst>
+  </p:cSld>
+  <p:clrMapOvr>
+    <a:masterClrMapping/>
+  </p:clrMapOvr>
+</p:notes>
+</file>
+
+<file path=ppt/notesSlides/notesSlide8.xml><?xml version="1.0" encoding="utf-8"?>
+<p:notes xmlns:a="http://schemas.openxmlformats.org/drawingml/2006/main" xmlns:r="http://schemas.openxmlformats.org/officeDocument/2006/relationships" xmlns:p="http://schemas.openxmlformats.org/presentationml/2006/main">
+  <p:cSld>
+    <p:spTree>
+      <p:nvGrpSpPr>
+        <p:cNvPr id="1" name=""/>
+        <p:cNvGrpSpPr/>
+        <p:nvPr/>
+      </p:nvGrpSpPr>
+      <p:grpSpPr>
+        <a:xfrm>
+          <a:off x="0" y="0"/>
+          <a:ext cx="0" cy="0"/>
+          <a:chOff x="0" y="0"/>
+          <a:chExt cx="0" cy="0"/>
+        </a:xfrm>
+      </p:grpSpPr>
+      <p:sp>
+        <p:nvSpPr>
+          <p:cNvPr id="2" name="Slide Image Placeholder 1"/>
+          <p:cNvSpPr>
+            <a:spLocks noGrp="1" noRot="1" noChangeAspect="1"/>
+          </p:cNvSpPr>
+          <p:nvPr>
+            <p:ph type="sldImg"/>
+          </p:nvPr>
+        </p:nvSpPr>
+        <p:spPr/>
+      </p:sp>
+      <p:sp>
+        <p:nvSpPr>
+          <p:cNvPr id="3" name="Notes Placeholder 2"/>
+          <p:cNvSpPr>
+            <a:spLocks noGrp="1"/>
+          </p:cNvSpPr>
+          <p:nvPr>
+            <p:ph type="body" idx="1"/>
+          </p:nvPr>
+        </p:nvSpPr>
+        <p:spPr/>
+        <p:txBody>
+          <a:bodyPr/>
+          <a:lstStyle/>
+          <a:p>
+            <a:endParaRPr lang="en-US"/>
+          </a:p>
+        </p:txBody>
+      </p:sp>
+      <p:sp>
+        <p:nvSpPr>
+          <p:cNvPr id="4" name="Slide Number Placeholder 3"/>
+          <p:cNvSpPr>
+            <a:spLocks noGrp="1"/>
+          </p:cNvSpPr>
+          <p:nvPr>
+            <p:ph type="sldNum" sz="quarter" idx="10"/>
+          </p:nvPr>
+        </p:nvSpPr>
+        <p:spPr/>
+        <p:txBody>
+          <a:bodyPr/>
+          <a:lstStyle/>
+          <a:p>
+            <a:fld id="{62ABD1DD-85B7-1A4E-8CDE-50088CCF2F1A}" type="slidenum">
+              <a:rPr lang="en-US" smtClean="0"/>
+              <a:t>8</a:t>
+            </a:fld>
+            <a:endParaRPr lang="en-US"/>
+          </a:p>
+        </p:txBody>
+      </p:sp>
+    </p:spTree>
+    <p:extLst>
+      <p:ext uri="{BB962C8B-B14F-4D97-AF65-F5344CB8AC3E}">
+        <p14:creationId xmlns:p14="http://schemas.microsoft.com/office/powerpoint/2010/main" val="1848573452"/>
+      </p:ext>
+    </p:extLst>
+  </p:cSld>
+  <p:clrMapOvr>
+    <a:masterClrMapping/>
+  </p:clrMapOvr>
+</p:notes>
+</file>
+
+<file path=ppt/notesSlides/notesSlide9.xml><?xml version="1.0" encoding="utf-8"?>
+<p:notes xmlns:a="http://schemas.openxmlformats.org/drawingml/2006/main" xmlns:r="http://schemas.openxmlformats.org/officeDocument/2006/relationships" xmlns:p="http://schemas.openxmlformats.org/presentationml/2006/main">
+  <p:cSld>
+    <p:spTree>
+      <p:nvGrpSpPr>
+        <p:cNvPr id="1" name=""/>
+        <p:cNvGrpSpPr/>
+        <p:nvPr/>
+      </p:nvGrpSpPr>
+      <p:grpSpPr>
+        <a:xfrm>
+          <a:off x="0" y="0"/>
+          <a:ext cx="0" cy="0"/>
+          <a:chOff x="0" y="0"/>
+          <a:chExt cx="0" cy="0"/>
+        </a:xfrm>
+      </p:grpSpPr>
+      <p:sp>
+        <p:nvSpPr>
+          <p:cNvPr id="2" name="Slide Image Placeholder 1"/>
+          <p:cNvSpPr>
+            <a:spLocks noGrp="1" noRot="1" noChangeAspect="1"/>
+          </p:cNvSpPr>
+          <p:nvPr>
+            <p:ph type="sldImg"/>
+          </p:nvPr>
+        </p:nvSpPr>
+        <p:spPr/>
+      </p:sp>
+      <p:sp>
+        <p:nvSpPr>
+          <p:cNvPr id="3" name="Notes Placeholder 2"/>
+          <p:cNvSpPr>
+            <a:spLocks noGrp="1"/>
+          </p:cNvSpPr>
+          <p:nvPr>
+            <p:ph type="body" idx="1"/>
+          </p:nvPr>
+        </p:nvSpPr>
+        <p:spPr/>
+        <p:txBody>
+          <a:bodyPr/>
+          <a:lstStyle/>
+          <a:p>
+            <a:endParaRPr lang="en-US"/>
+          </a:p>
+        </p:txBody>
+      </p:sp>
+      <p:sp>
+        <p:nvSpPr>
+          <p:cNvPr id="4" name="Slide Number Placeholder 3"/>
+          <p:cNvSpPr>
+            <a:spLocks noGrp="1"/>
+          </p:cNvSpPr>
+          <p:nvPr>
+            <p:ph type="sldNum" sz="quarter" idx="10"/>
+          </p:nvPr>
+        </p:nvSpPr>
+        <p:spPr/>
+        <p:txBody>
+          <a:bodyPr/>
+          <a:lstStyle/>
+          <a:p>
+            <a:fld id="{62ABD1DD-85B7-1A4E-8CDE-50088CCF2F1A}" type="slidenum">
+              <a:rPr lang="en-US" smtClean="0"/>
+              <a:t>9</a:t>
+            </a:fld>
+            <a:endParaRPr lang="en-US"/>
+          </a:p>
+        </p:txBody>
+      </p:sp>
+    </p:spTree>
+    <p:extLst>
+      <p:ext uri="{BB962C8B-B14F-4D97-AF65-F5344CB8AC3E}">
+        <p14:creationId xmlns:p14="http://schemas.microsoft.com/office/powerpoint/2010/main" val="3841120658"/>
+      </p:ext>
+    </p:extLst>
+  </p:cSld>
+  <p:clrMapOvr>
+    <a:masterClrMapping/>
+  </p:clrMapOvr>
+</p:notes>
+</file>
+
 <file path=ppt/slideLayouts/slideLayout1.xml><?xml version="1.0" encoding="utf-8"?>
 <p:sldLayout xmlns:a="http://schemas.openxmlformats.org/drawingml/2006/main" xmlns:r="http://schemas.openxmlformats.org/officeDocument/2006/relationships" xmlns:p="http://schemas.openxmlformats.org/presentationml/2006/main" type="title" preserve="1">
   <p:cSld name="Title Slide">
@@ -767,7 +4379,7 @@
           <a:p>
             <a:fld id="{843616F3-59E4-1848-8639-5E6A7639CF96}" type="datetimeFigureOut">
               <a:rPr lang="en-US" smtClean="0"/>
-              <a:t>11/3/14</a:t>
+              <a:t>11/8/14</a:t>
             </a:fld>
             <a:endParaRPr lang="en-US"/>
           </a:p>
@@ -937,7 +4549,7 @@
           <a:p>
             <a:fld id="{843616F3-59E4-1848-8639-5E6A7639CF96}" type="datetimeFigureOut">
               <a:rPr lang="en-US" smtClean="0"/>
-              <a:t>11/3/14</a:t>
+              <a:t>11/8/14</a:t>
             </a:fld>
             <a:endParaRPr lang="en-US"/>
           </a:p>
@@ -1117,7 +4729,7 @@
           <a:p>
             <a:fld id="{843616F3-59E4-1848-8639-5E6A7639CF96}" type="datetimeFigureOut">
               <a:rPr lang="en-US" smtClean="0"/>
-              <a:t>11/3/14</a:t>
+              <a:t>11/8/14</a:t>
             </a:fld>
             <a:endParaRPr lang="en-US"/>
           </a:p>
@@ -1287,7 +4899,7 @@
           <a:p>
             <a:fld id="{843616F3-59E4-1848-8639-5E6A7639CF96}" type="datetimeFigureOut">
               <a:rPr lang="en-US" smtClean="0"/>
-              <a:t>11/3/14</a:t>
+              <a:t>11/8/14</a:t>
             </a:fld>
             <a:endParaRPr lang="en-US"/>
           </a:p>
@@ -1533,7 +5145,7 @@
           <a:p>
             <a:fld id="{843616F3-59E4-1848-8639-5E6A7639CF96}" type="datetimeFigureOut">
               <a:rPr lang="en-US" smtClean="0"/>
-              <a:t>11/3/14</a:t>
+              <a:t>11/8/14</a:t>
             </a:fld>
             <a:endParaRPr lang="en-US"/>
           </a:p>
@@ -1821,7 +5433,7 @@
           <a:p>
             <a:fld id="{843616F3-59E4-1848-8639-5E6A7639CF96}" type="datetimeFigureOut">
               <a:rPr lang="en-US" smtClean="0"/>
-              <a:t>11/3/14</a:t>
+              <a:t>11/8/14</a:t>
             </a:fld>
             <a:endParaRPr lang="en-US"/>
           </a:p>
@@ -2243,7 +5855,7 @@
           <a:p>
             <a:fld id="{843616F3-59E4-1848-8639-5E6A7639CF96}" type="datetimeFigureOut">
               <a:rPr lang="en-US" smtClean="0"/>
-              <a:t>11/3/14</a:t>
+              <a:t>11/8/14</a:t>
             </a:fld>
             <a:endParaRPr lang="en-US"/>
           </a:p>
@@ -2361,7 +5973,7 @@
           <a:p>
             <a:fld id="{843616F3-59E4-1848-8639-5E6A7639CF96}" type="datetimeFigureOut">
               <a:rPr lang="en-US" smtClean="0"/>
-              <a:t>11/3/14</a:t>
+              <a:t>11/8/14</a:t>
             </a:fld>
             <a:endParaRPr lang="en-US"/>
           </a:p>
@@ -2456,7 +6068,7 @@
           <a:p>
             <a:fld id="{843616F3-59E4-1848-8639-5E6A7639CF96}" type="datetimeFigureOut">
               <a:rPr lang="en-US" smtClean="0"/>
-              <a:t>11/3/14</a:t>
+              <a:t>11/8/14</a:t>
             </a:fld>
             <a:endParaRPr lang="en-US"/>
           </a:p>
@@ -2733,7 +6345,7 @@
           <a:p>
             <a:fld id="{843616F3-59E4-1848-8639-5E6A7639CF96}" type="datetimeFigureOut">
               <a:rPr lang="en-US" smtClean="0"/>
-              <a:t>11/3/14</a:t>
+              <a:t>11/8/14</a:t>
             </a:fld>
             <a:endParaRPr lang="en-US"/>
           </a:p>
@@ -2990,7 +6602,7 @@
           <a:p>
             <a:fld id="{843616F3-59E4-1848-8639-5E6A7639CF96}" type="datetimeFigureOut">
               <a:rPr lang="en-US" smtClean="0"/>
-              <a:t>11/3/14</a:t>
+              <a:t>11/8/14</a:t>
             </a:fld>
             <a:endParaRPr lang="en-US"/>
           </a:p>
@@ -3203,7 +6815,7 @@
           <a:p>
             <a:fld id="{843616F3-59E4-1848-8639-5E6A7639CF96}" type="datetimeFigureOut">
               <a:rPr lang="en-US" smtClean="0"/>
-              <a:t>11/3/14</a:t>
+              <a:t>11/8/14</a:t>
             </a:fld>
             <a:endParaRPr lang="en-US"/>
           </a:p>
@@ -3647,114 +7259,6 @@
           </a:p>
         </p:txBody>
       </p:sp>
-      <p:pic>
-        <p:nvPicPr>
-          <p:cNvPr id="9" name="Picture 7"/>
-          <p:cNvPicPr>
-            <a:picLocks noChangeAspect="1" noChangeArrowheads="1"/>
-          </p:cNvPicPr>
-          <p:nvPr/>
-        </p:nvPicPr>
-        <p:blipFill>
-          <a:blip r:embed="rId3">
-            <a:extLst>
-              <a:ext uri="{28A0092B-C50C-407E-A947-70E740481C1C}">
-                <a14:useLocalDpi xmlns:a14="http://schemas.microsoft.com/office/drawing/2010/main" val="0"/>
-              </a:ext>
-            </a:extLst>
-          </a:blip>
-          <a:srcRect/>
-          <a:stretch>
-            <a:fillRect/>
-          </a:stretch>
-        </p:blipFill>
-        <p:spPr bwMode="auto">
-          <a:xfrm>
-            <a:off x="7454900" y="7785100"/>
-            <a:ext cx="1346200" cy="1346200"/>
-          </a:xfrm>
-          <a:prstGeom prst="rect">
-            <a:avLst/>
-          </a:prstGeom>
-          <a:noFill/>
-          <a:ln>
-            <a:noFill/>
-          </a:ln>
-          <a:extLst>
-            <a:ext uri="{909E8E84-426E-40dd-AFC4-6F175D3DCCD1}">
-              <a14:hiddenFill xmlns:a14="http://schemas.microsoft.com/office/drawing/2010/main">
-                <a:solidFill>
-                  <a:srgbClr val="FFFFFF"/>
-                </a:solidFill>
-              </a14:hiddenFill>
-            </a:ext>
-            <a:ext uri="{91240B29-F687-4f45-9708-019B960494DF}">
-              <a14:hiddenLine xmlns:a14="http://schemas.microsoft.com/office/drawing/2010/main" w="12700">
-                <a:solidFill>
-                  <a:srgbClr val="000000"/>
-                </a:solidFill>
-                <a:miter lim="800000"/>
-                <a:headEnd/>
-                <a:tailEnd/>
-              </a14:hiddenLine>
-            </a:ext>
-          </a:extLst>
-        </p:spPr>
-      </p:pic>
-      <p:pic>
-        <p:nvPicPr>
-          <p:cNvPr id="10" name="Picture 7"/>
-          <p:cNvPicPr>
-            <a:picLocks noChangeAspect="1" noChangeArrowheads="1"/>
-          </p:cNvPicPr>
-          <p:nvPr/>
-        </p:nvPicPr>
-        <p:blipFill>
-          <a:blip r:embed="rId3">
-            <a:extLst>
-              <a:ext uri="{28A0092B-C50C-407E-A947-70E740481C1C}">
-                <a14:useLocalDpi xmlns:a14="http://schemas.microsoft.com/office/drawing/2010/main" val="0"/>
-              </a:ext>
-            </a:extLst>
-          </a:blip>
-          <a:srcRect/>
-          <a:stretch>
-            <a:fillRect/>
-          </a:stretch>
-        </p:blipFill>
-        <p:spPr bwMode="auto">
-          <a:xfrm>
-            <a:off x="7607300" y="7937500"/>
-            <a:ext cx="1346200" cy="1346200"/>
-          </a:xfrm>
-          <a:prstGeom prst="rect">
-            <a:avLst/>
-          </a:prstGeom>
-          <a:noFill/>
-          <a:ln>
-            <a:noFill/>
-          </a:ln>
-          <a:extLst>
-            <a:ext uri="{909E8E84-426E-40dd-AFC4-6F175D3DCCD1}">
-              <a14:hiddenFill xmlns:a14="http://schemas.microsoft.com/office/drawing/2010/main">
-                <a:solidFill>
-                  <a:srgbClr val="FFFFFF"/>
-                </a:solidFill>
-              </a14:hiddenFill>
-            </a:ext>
-            <a:ext uri="{91240B29-F687-4f45-9708-019B960494DF}">
-              <a14:hiddenLine xmlns:a14="http://schemas.microsoft.com/office/drawing/2010/main" w="12700">
-                <a:solidFill>
-                  <a:srgbClr val="000000"/>
-                </a:solidFill>
-                <a:miter lim="800000"/>
-                <a:headEnd/>
-                <a:tailEnd/>
-              </a14:hiddenLine>
-            </a:ext>
-          </a:extLst>
-        </p:spPr>
-      </p:pic>
     </p:spTree>
     <p:extLst>
       <p:ext uri="{BB962C8B-B14F-4D97-AF65-F5344CB8AC3E}">
@@ -3871,7 +7375,7 @@
           <p:nvPr/>
         </p:nvPicPr>
         <p:blipFill>
-          <a:blip r:embed="rId2">
+          <a:blip r:embed="rId3">
             <a:extLst>
               <a:ext uri="{28A0092B-C50C-407E-A947-70E740481C1C}">
                 <a14:useLocalDpi xmlns:a14="http://schemas.microsoft.com/office/drawing/2010/main" val="0"/>
@@ -3946,6 +7450,13 @@
   <p:clrMapOvr>
     <a:masterClrMapping/>
   </p:clrMapOvr>
+  <p:timing>
+    <p:tnLst>
+      <p:par>
+        <p:cTn xmlns:p14="http://schemas.microsoft.com/office/powerpoint/2010/main" id="1" dur="indefinite" restart="never" nodeType="tmRoot"/>
+      </p:par>
+    </p:tnLst>
+  </p:timing>
 </p:sld>
 </file>
 
@@ -4040,6 +7551,13 @@
   <p:clrMapOvr>
     <a:masterClrMapping/>
   </p:clrMapOvr>
+  <p:timing>
+    <p:tnLst>
+      <p:par>
+        <p:cTn xmlns:p14="http://schemas.microsoft.com/office/powerpoint/2010/main" id="1" dur="indefinite" restart="never" nodeType="tmRoot"/>
+      </p:par>
+    </p:tnLst>
+  </p:timing>
 </p:sld>
 </file>
 
@@ -4069,7 +7587,7 @@
           <p:nvPr/>
         </p:nvPicPr>
         <p:blipFill>
-          <a:blip r:embed="rId2">
+          <a:blip r:embed="rId3">
             <a:extLst>
               <a:ext uri="{28A0092B-C50C-407E-A947-70E740481C1C}">
                 <a14:useLocalDpi xmlns:a14="http://schemas.microsoft.com/office/drawing/2010/main" val="0"/>
@@ -4100,6 +7618,13 @@
   <p:clrMapOvr>
     <a:masterClrMapping/>
   </p:clrMapOvr>
+  <p:timing>
+    <p:tnLst>
+      <p:par>
+        <p:cTn xmlns:p14="http://schemas.microsoft.com/office/powerpoint/2010/main" id="1" dur="indefinite" restart="never" nodeType="tmRoot"/>
+      </p:par>
+    </p:tnLst>
+  </p:timing>
 </p:sld>
 </file>
 
@@ -4211,6 +7736,13 @@
   <p:clrMapOvr>
     <a:masterClrMapping/>
   </p:clrMapOvr>
+  <p:timing>
+    <p:tnLst>
+      <p:par>
+        <p:cTn xmlns:p14="http://schemas.microsoft.com/office/powerpoint/2010/main" id="1" dur="indefinite" restart="never" nodeType="tmRoot"/>
+      </p:par>
+    </p:tnLst>
+  </p:timing>
 </p:sld>
 </file>
 
@@ -4240,7 +7772,7 @@
           <p:nvPr/>
         </p:nvPicPr>
         <p:blipFill>
-          <a:blip r:embed="rId2">
+          <a:blip r:embed="rId3">
             <a:extLst>
               <a:ext uri="{28A0092B-C50C-407E-A947-70E740481C1C}">
                 <a14:useLocalDpi xmlns:a14="http://schemas.microsoft.com/office/drawing/2010/main" val="0"/>
@@ -4271,6 +7803,13 @@
   <p:clrMapOvr>
     <a:masterClrMapping/>
   </p:clrMapOvr>
+  <p:timing>
+    <p:tnLst>
+      <p:par>
+        <p:cTn xmlns:p14="http://schemas.microsoft.com/office/powerpoint/2010/main" id="1" dur="indefinite" restart="never" nodeType="tmRoot"/>
+      </p:par>
+    </p:tnLst>
+  </p:timing>
 </p:sld>
 </file>
 
@@ -4976,6 +8515,13 @@
   <p:clrMapOvr>
     <a:masterClrMapping/>
   </p:clrMapOvr>
+  <p:timing>
+    <p:tnLst>
+      <p:par>
+        <p:cTn xmlns:p14="http://schemas.microsoft.com/office/powerpoint/2010/main" id="1" dur="indefinite" restart="never" nodeType="tmRoot"/>
+      </p:par>
+    </p:tnLst>
+  </p:timing>
 </p:sld>
 </file>
 
@@ -5005,7 +8551,7 @@
           <p:nvPr/>
         </p:nvPicPr>
         <p:blipFill>
-          <a:blip r:embed="rId2">
+          <a:blip r:embed="rId3">
             <a:extLst>
               <a:ext uri="{28A0092B-C50C-407E-A947-70E740481C1C}">
                 <a14:useLocalDpi xmlns:a14="http://schemas.microsoft.com/office/drawing/2010/main" val="0"/>
@@ -5036,6 +8582,13 @@
   <p:clrMapOvr>
     <a:masterClrMapping/>
   </p:clrMapOvr>
+  <p:timing>
+    <p:tnLst>
+      <p:par>
+        <p:cTn xmlns:p14="http://schemas.microsoft.com/office/powerpoint/2010/main" id="1" dur="indefinite" restart="never" nodeType="tmRoot"/>
+      </p:par>
+    </p:tnLst>
+  </p:timing>
 </p:sld>
 </file>
 
@@ -5108,7 +8661,7 @@
         </p:blipFill>
         <p:spPr>
           <a:xfrm>
-            <a:off x="4280479" y="3938377"/>
+            <a:off x="4280479" y="3693249"/>
             <a:ext cx="4562072" cy="2667829"/>
           </a:xfrm>
           <a:prstGeom prst="rect">
@@ -5131,6 +8684,13 @@
   <p:clrMapOvr>
     <a:masterClrMapping/>
   </p:clrMapOvr>
+  <p:timing>
+    <p:tnLst>
+      <p:par>
+        <p:cTn xmlns:p14="http://schemas.microsoft.com/office/powerpoint/2010/main" id="1" dur="indefinite" restart="never" nodeType="tmRoot"/>
+      </p:par>
+    </p:tnLst>
+  </p:timing>
 </p:sld>
 </file>
 
@@ -5160,7 +8720,7 @@
           <p:nvPr/>
         </p:nvPicPr>
         <p:blipFill>
-          <a:blip r:embed="rId2">
+          <a:blip r:embed="rId3">
             <a:extLst>
               <a:ext uri="{28A0092B-C50C-407E-A947-70E740481C1C}">
                 <a14:useLocalDpi xmlns:a14="http://schemas.microsoft.com/office/drawing/2010/main" val="0"/>
@@ -5191,6 +8751,13 @@
   <p:clrMapOvr>
     <a:masterClrMapping/>
   </p:clrMapOvr>
+  <p:timing>
+    <p:tnLst>
+      <p:par>
+        <p:cTn xmlns:p14="http://schemas.microsoft.com/office/powerpoint/2010/main" id="1" dur="indefinite" restart="never" nodeType="tmRoot"/>
+      </p:par>
+    </p:tnLst>
+  </p:timing>
 </p:sld>
 </file>
 
@@ -5272,6 +8839,13 @@
   <p:clrMapOvr>
     <a:masterClrMapping/>
   </p:clrMapOvr>
+  <p:timing>
+    <p:tnLst>
+      <p:par>
+        <p:cTn xmlns:p14="http://schemas.microsoft.com/office/powerpoint/2010/main" id="1" dur="indefinite" restart="never" nodeType="tmRoot"/>
+      </p:par>
+    </p:tnLst>
+  </p:timing>
 </p:sld>
 </file>
 
@@ -5323,7 +8897,7 @@
         </p:nvSpPr>
         <p:spPr>
           <a:xfrm>
-            <a:off x="2145947" y="6211669"/>
+            <a:off x="0" y="6211669"/>
             <a:ext cx="4613058" cy="646331"/>
           </a:xfrm>
           <a:prstGeom prst="rect">
@@ -5388,7 +8962,7 @@
           <p:nvPr/>
         </p:nvPicPr>
         <p:blipFill>
-          <a:blip r:embed="rId2">
+          <a:blip r:embed="rId3">
             <a:extLst>
               <a:ext uri="{28A0092B-C50C-407E-A947-70E740481C1C}">
                 <a14:useLocalDpi xmlns:a14="http://schemas.microsoft.com/office/drawing/2010/main" val="0"/>
@@ -5424,6 +8998,13 @@
   <p:clrMapOvr>
     <a:masterClrMapping/>
   </p:clrMapOvr>
+  <p:timing>
+    <p:tnLst>
+      <p:par>
+        <p:cTn xmlns:p14="http://schemas.microsoft.com/office/powerpoint/2010/main" id="1" dur="indefinite" restart="never" nodeType="tmRoot"/>
+      </p:par>
+    </p:tnLst>
+  </p:timing>
 </p:sld>
 </file>
 
@@ -5536,7 +9117,7 @@
         </p:nvSpPr>
         <p:spPr>
           <a:xfrm>
-            <a:off x="4385623" y="6122114"/>
+            <a:off x="263442" y="6126163"/>
             <a:ext cx="4301177" cy="461665"/>
           </a:xfrm>
           <a:prstGeom prst="rect">
@@ -5586,6 +9167,13 @@
   <p:clrMapOvr>
     <a:masterClrMapping/>
   </p:clrMapOvr>
+  <p:timing>
+    <p:tnLst>
+      <p:par>
+        <p:cTn xmlns:p14="http://schemas.microsoft.com/office/powerpoint/2010/main" id="1" dur="indefinite" restart="never" nodeType="tmRoot"/>
+      </p:par>
+    </p:tnLst>
+  </p:timing>
 </p:sld>
 </file>
 
@@ -5615,7 +9203,7 @@
           <p:nvPr/>
         </p:nvPicPr>
         <p:blipFill>
-          <a:blip r:embed="rId2">
+          <a:blip r:embed="rId3">
             <a:extLst>
               <a:ext uri="{28A0092B-C50C-407E-A947-70E740481C1C}">
                 <a14:useLocalDpi xmlns:a14="http://schemas.microsoft.com/office/drawing/2010/main" val="0"/>
@@ -5646,6 +9234,13 @@
   <p:clrMapOvr>
     <a:masterClrMapping/>
   </p:clrMapOvr>
+  <p:timing>
+    <p:tnLst>
+      <p:par>
+        <p:cTn xmlns:p14="http://schemas.microsoft.com/office/powerpoint/2010/main" id="1" dur="indefinite" restart="never" nodeType="tmRoot"/>
+      </p:par>
+    </p:tnLst>
+  </p:timing>
 </p:sld>
 </file>
 
@@ -5675,7 +9270,7 @@
           <p:nvPr/>
         </p:nvPicPr>
         <p:blipFill>
-          <a:blip r:embed="rId2">
+          <a:blip r:embed="rId3">
             <a:extLst>
               <a:ext uri="{28A0092B-C50C-407E-A947-70E740481C1C}">
                 <a14:useLocalDpi xmlns:a14="http://schemas.microsoft.com/office/drawing/2010/main" val="0"/>
@@ -5705,7 +9300,7 @@
           <p:nvPr/>
         </p:nvPicPr>
         <p:blipFill>
-          <a:blip r:embed="rId3">
+          <a:blip r:embed="rId4">
             <a:extLst>
               <a:ext uri="{28A0092B-C50C-407E-A947-70E740481C1C}">
                 <a14:useLocalDpi xmlns:a14="http://schemas.microsoft.com/office/drawing/2010/main" val="0"/>
@@ -5736,6 +9331,13 @@
   <p:clrMapOvr>
     <a:masterClrMapping/>
   </p:clrMapOvr>
+  <p:timing>
+    <p:tnLst>
+      <p:par>
+        <p:cTn xmlns:p14="http://schemas.microsoft.com/office/powerpoint/2010/main" id="1" dur="indefinite" restart="never" nodeType="tmRoot"/>
+      </p:par>
+    </p:tnLst>
+  </p:timing>
 </p:sld>
 </file>
 
@@ -6227,7 +9829,7 @@
           <p:nvPr/>
         </p:nvPicPr>
         <p:blipFill>
-          <a:blip r:embed="rId2">
+          <a:blip r:embed="rId3">
             <a:extLst>
               <a:ext uri="{28A0092B-C50C-407E-A947-70E740481C1C}">
                 <a14:useLocalDpi xmlns:a14="http://schemas.microsoft.com/office/drawing/2010/main" val="0"/>
@@ -6257,7 +9859,7 @@
           <p:nvPr/>
         </p:nvPicPr>
         <p:blipFill>
-          <a:blip r:embed="rId3">
+          <a:blip r:embed="rId4">
             <a:extLst>
               <a:ext uri="{28A0092B-C50C-407E-A947-70E740481C1C}">
                 <a14:useLocalDpi xmlns:a14="http://schemas.microsoft.com/office/drawing/2010/main" val="0"/>
@@ -6420,7 +10022,7 @@
           <p:nvPr/>
         </p:nvPicPr>
         <p:blipFill>
-          <a:blip r:embed="rId2">
+          <a:blip r:embed="rId3">
             <a:extLst>
               <a:ext uri="{28A0092B-C50C-407E-A947-70E740481C1C}">
                 <a14:useLocalDpi xmlns:a14="http://schemas.microsoft.com/office/drawing/2010/main" val="0"/>
@@ -6867,7 +10469,7 @@
           <p:nvPr/>
         </p:nvPicPr>
         <p:blipFill>
-          <a:blip r:embed="rId3">
+          <a:blip r:embed="rId4">
             <a:extLst>
               <a:ext uri="{28A0092B-C50C-407E-A947-70E740481C1C}">
                 <a14:useLocalDpi xmlns:a14="http://schemas.microsoft.com/office/drawing/2010/main" val="0"/>
@@ -7499,7 +11101,7 @@
           <p:nvPr/>
         </p:nvPicPr>
         <p:blipFill>
-          <a:blip r:embed="rId2">
+          <a:blip r:embed="rId3">
             <a:extLst>
               <a:ext uri="{28A0092B-C50C-407E-A947-70E740481C1C}">
                 <a14:useLocalDpi xmlns:a14="http://schemas.microsoft.com/office/drawing/2010/main" val="0"/>
@@ -8581,7 +12183,7 @@
           <p:nvPr/>
         </p:nvPicPr>
         <p:blipFill>
-          <a:blip r:embed="rId2">
+          <a:blip r:embed="rId3">
             <a:extLst>
               <a:ext uri="{28A0092B-C50C-407E-A947-70E740481C1C}">
                 <a14:useLocalDpi xmlns:a14="http://schemas.microsoft.com/office/drawing/2010/main" val="0"/>
@@ -9345,7 +12947,7 @@
           <p:nvPr/>
         </p:nvPicPr>
         <p:blipFill>
-          <a:blip r:embed="rId2">
+          <a:blip r:embed="rId3">
             <a:extLst>
               <a:ext uri="{28A0092B-C50C-407E-A947-70E740481C1C}">
                 <a14:useLocalDpi xmlns:a14="http://schemas.microsoft.com/office/drawing/2010/main" val="0"/>
@@ -9399,7 +13001,7 @@
           <p:nvPr/>
         </p:nvPicPr>
         <p:blipFill>
-          <a:blip r:embed="rId3">
+          <a:blip r:embed="rId4">
             <a:extLst>
               <a:ext uri="{28A0092B-C50C-407E-A947-70E740481C1C}">
                 <a14:useLocalDpi xmlns:a14="http://schemas.microsoft.com/office/drawing/2010/main" val="0"/>
@@ -9499,15 +13101,7 @@
           <a:p>
             <a:r>
               <a:rPr lang="en-US" dirty="0" smtClean="0"/>
-              <a:t>LTI Launch </a:t>
-            </a:r>
-            <a:r>
-              <a:rPr lang="en-US" dirty="0" smtClean="0"/>
-              <a:t>and </a:t>
-            </a:r>
-            <a:r>
-              <a:rPr lang="en-US" dirty="0" smtClean="0"/>
-              <a:t>the Core Tables</a:t>
+              <a:t>LTI Launch and the Core Tables</a:t>
             </a:r>
             <a:endParaRPr lang="en-US" dirty="0"/>
           </a:p>
@@ -9546,6 +13140,13 @@
   <p:clrMapOvr>
     <a:masterClrMapping/>
   </p:clrMapOvr>
+  <p:timing>
+    <p:tnLst>
+      <p:par>
+        <p:cTn xmlns:p14="http://schemas.microsoft.com/office/powerpoint/2010/main" id="1" dur="indefinite" restart="never" nodeType="tmRoot"/>
+      </p:par>
+    </p:tnLst>
+  </p:timing>
 </p:sld>
 </file>
 
@@ -9636,7 +13237,7 @@
           <p:nvPr/>
         </p:nvPicPr>
         <p:blipFill>
-          <a:blip r:embed="rId2">
+          <a:blip r:embed="rId3">
             <a:extLst>
               <a:ext uri="{28A0092B-C50C-407E-A947-70E740481C1C}">
                 <a14:useLocalDpi xmlns:a14="http://schemas.microsoft.com/office/drawing/2010/main" val="0"/>
@@ -9665,7 +13266,7 @@
         </p:nvSpPr>
         <p:spPr>
           <a:xfrm>
-            <a:off x="662186" y="6192441"/>
+            <a:off x="194263" y="6212125"/>
             <a:ext cx="8024613" cy="461665"/>
           </a:xfrm>
           <a:prstGeom prst="rect">
@@ -9703,6 +13304,13 @@
   <p:clrMapOvr>
     <a:masterClrMapping/>
   </p:clrMapOvr>
+  <p:timing>
+    <p:tnLst>
+      <p:par>
+        <p:cTn xmlns:p14="http://schemas.microsoft.com/office/powerpoint/2010/main" id="1" dur="indefinite" restart="never" nodeType="tmRoot"/>
+      </p:par>
+    </p:tnLst>
+  </p:timing>
 </p:sld>
 </file>
 
@@ -9828,7 +13436,7 @@
           <p:nvPr/>
         </p:nvPicPr>
         <p:blipFill>
-          <a:blip r:embed="rId2">
+          <a:blip r:embed="rId3">
             <a:extLst>
               <a:ext uri="{28A0092B-C50C-407E-A947-70E740481C1C}">
                 <a14:useLocalDpi xmlns:a14="http://schemas.microsoft.com/office/drawing/2010/main" val="0"/>
@@ -10698,7 +14306,7 @@
           <p:nvPr/>
         </p:nvPicPr>
         <p:blipFill>
-          <a:blip r:embed="rId2">
+          <a:blip r:embed="rId3">
             <a:extLst>
               <a:ext uri="{28A0092B-C50C-407E-A947-70E740481C1C}">
                 <a14:useLocalDpi xmlns:a14="http://schemas.microsoft.com/office/drawing/2010/main" val="0"/>
@@ -10786,6 +14394,13 @@
   <p:clrMapOvr>
     <a:masterClrMapping/>
   </p:clrMapOvr>
+  <p:timing>
+    <p:tnLst>
+      <p:par>
+        <p:cTn xmlns:p14="http://schemas.microsoft.com/office/powerpoint/2010/main" id="1" dur="indefinite" restart="never" nodeType="tmRoot"/>
+      </p:par>
+    </p:tnLst>
+  </p:timing>
 </p:sld>
 </file>
 
@@ -11924,6 +15539,13 @@
   <p:clrMapOvr>
     <a:masterClrMapping/>
   </p:clrMapOvr>
+  <p:timing>
+    <p:tnLst>
+      <p:par>
+        <p:cTn xmlns:p14="http://schemas.microsoft.com/office/powerpoint/2010/main" id="1" dur="indefinite" restart="never" nodeType="tmRoot"/>
+      </p:par>
+    </p:tnLst>
+  </p:timing>
 </p:sld>
 </file>
 
@@ -12101,6 +15723,13 @@
   <p:clrMapOvr>
     <a:masterClrMapping/>
   </p:clrMapOvr>
+  <p:timing>
+    <p:tnLst>
+      <p:par>
+        <p:cTn xmlns:p14="http://schemas.microsoft.com/office/powerpoint/2010/main" id="1" dur="indefinite" restart="never" nodeType="tmRoot"/>
+      </p:par>
+    </p:tnLst>
+  </p:timing>
 </p:sld>
 </file>
 
@@ -12130,7 +15759,7 @@
           <p:nvPr/>
         </p:nvPicPr>
         <p:blipFill>
-          <a:blip r:embed="rId2">
+          <a:blip r:embed="rId3">
             <a:extLst>
               <a:ext uri="{28A0092B-C50C-407E-A947-70E740481C1C}">
                 <a14:useLocalDpi xmlns:a14="http://schemas.microsoft.com/office/drawing/2010/main" val="0"/>
@@ -12161,6 +15790,13 @@
   <p:clrMapOvr>
     <a:masterClrMapping/>
   </p:clrMapOvr>
+  <p:timing>
+    <p:tnLst>
+      <p:par>
+        <p:cTn xmlns:p14="http://schemas.microsoft.com/office/powerpoint/2010/main" id="1" dur="indefinite" restart="never" nodeType="tmRoot"/>
+      </p:par>
+    </p:tnLst>
+  </p:timing>
 </p:sld>
 </file>
 
@@ -12431,6 +16067,13 @@
   <p:clrMapOvr>
     <a:masterClrMapping/>
   </p:clrMapOvr>
+  <p:timing>
+    <p:tnLst>
+      <p:par>
+        <p:cTn xmlns:p14="http://schemas.microsoft.com/office/powerpoint/2010/main" id="1" dur="indefinite" restart="never" nodeType="tmRoot"/>
+      </p:par>
+    </p:tnLst>
+  </p:timing>
 </p:sld>
 </file>
 
@@ -12460,7 +16103,7 @@
           <p:nvPr/>
         </p:nvPicPr>
         <p:blipFill>
-          <a:blip r:embed="rId2">
+          <a:blip r:embed="rId3">
             <a:extLst>
               <a:ext uri="{28A0092B-C50C-407E-A947-70E740481C1C}">
                 <a14:useLocalDpi xmlns:a14="http://schemas.microsoft.com/office/drawing/2010/main" val="0"/>
@@ -12491,6 +16134,13 @@
   <p:clrMapOvr>
     <a:masterClrMapping/>
   </p:clrMapOvr>
+  <p:timing>
+    <p:tnLst>
+      <p:par>
+        <p:cTn xmlns:p14="http://schemas.microsoft.com/office/powerpoint/2010/main" id="1" dur="indefinite" restart="never" nodeType="tmRoot"/>
+      </p:par>
+    </p:tnLst>
+  </p:timing>
 </p:sld>
 </file>
 
@@ -12649,6 +16299,13 @@
   <p:clrMapOvr>
     <a:masterClrMapping/>
   </p:clrMapOvr>
+  <p:timing>
+    <p:tnLst>
+      <p:par>
+        <p:cTn xmlns:p14="http://schemas.microsoft.com/office/powerpoint/2010/main" id="1" dur="indefinite" restart="never" nodeType="tmRoot"/>
+      </p:par>
+    </p:tnLst>
+  </p:timing>
 </p:sld>
 </file>
 
@@ -12678,7 +16335,7 @@
           <p:nvPr/>
         </p:nvPicPr>
         <p:blipFill>
-          <a:blip r:embed="rId2">
+          <a:blip r:embed="rId3">
             <a:extLst>
               <a:ext uri="{28A0092B-C50C-407E-A947-70E740481C1C}">
                 <a14:useLocalDpi xmlns:a14="http://schemas.microsoft.com/office/drawing/2010/main" val="0"/>
@@ -12779,6 +16436,13 @@
   <p:clrMapOvr>
     <a:masterClrMapping/>
   </p:clrMapOvr>
+  <p:timing>
+    <p:tnLst>
+      <p:par>
+        <p:cTn xmlns:p14="http://schemas.microsoft.com/office/powerpoint/2010/main" id="1" dur="indefinite" restart="never" nodeType="tmRoot"/>
+      </p:par>
+    </p:tnLst>
+  </p:timing>
 </p:sld>
 </file>
 
@@ -12900,6 +16564,13 @@
   <p:clrMapOvr>
     <a:masterClrMapping/>
   </p:clrMapOvr>
+  <p:timing>
+    <p:tnLst>
+      <p:par>
+        <p:cTn xmlns:p14="http://schemas.microsoft.com/office/powerpoint/2010/main" id="1" dur="indefinite" restart="never" nodeType="tmRoot"/>
+      </p:par>
+    </p:tnLst>
+  </p:timing>
 </p:sld>
 </file>
 
@@ -13562,14 +17233,14 @@
       </p:sp>
       <p:sp>
         <p:nvSpPr>
-          <p:cNvPr id="5" name="TextBox 4"/>
+          <p:cNvPr id="6" name="TextBox 5"/>
           <p:cNvSpPr txBox="1"/>
           <p:nvPr/>
         </p:nvSpPr>
         <p:spPr>
           <a:xfrm>
-            <a:off x="5580806" y="6218895"/>
-            <a:ext cx="3258411" cy="369332"/>
+            <a:off x="1757801" y="6218895"/>
+            <a:ext cx="3223246" cy="369332"/>
           </a:xfrm>
           <a:prstGeom prst="rect">
             <a:avLst/>
@@ -13632,6 +17303,13 @@
   <p:clrMapOvr>
     <a:masterClrMapping/>
   </p:clrMapOvr>
+  <p:timing>
+    <p:tnLst>
+      <p:par>
+        <p:cTn xmlns:p14="http://schemas.microsoft.com/office/powerpoint/2010/main" id="1" dur="indefinite" restart="never" nodeType="tmRoot"/>
+      </p:par>
+    </p:tnLst>
+  </p:timing>
 </p:sld>
 </file>
 
@@ -14027,7 +17705,7 @@
         </p:nvSpPr>
         <p:spPr>
           <a:xfrm>
-            <a:off x="5192403" y="6218895"/>
+            <a:off x="1757801" y="6218895"/>
             <a:ext cx="3646814" cy="369332"/>
           </a:xfrm>
           <a:prstGeom prst="rect">
@@ -14091,6 +17769,13 @@
   <p:clrMapOvr>
     <a:masterClrMapping/>
   </p:clrMapOvr>
+  <p:timing>
+    <p:tnLst>
+      <p:par>
+        <p:cTn xmlns:p14="http://schemas.microsoft.com/office/powerpoint/2010/main" id="1" dur="indefinite" restart="never" nodeType="tmRoot"/>
+      </p:par>
+    </p:tnLst>
+  </p:timing>
 </p:sld>
 </file>
 
@@ -14496,68 +18181,6 @@
       </p:sp>
       <p:sp>
         <p:nvSpPr>
-          <p:cNvPr id="5" name="TextBox 4"/>
-          <p:cNvSpPr txBox="1"/>
-          <p:nvPr/>
-        </p:nvSpPr>
-        <p:spPr>
-          <a:xfrm>
-            <a:off x="5192403" y="6218895"/>
-            <a:ext cx="3646814" cy="369332"/>
-          </a:xfrm>
-          <a:prstGeom prst="rect">
-            <a:avLst/>
-          </a:prstGeom>
-          <a:noFill/>
-        </p:spPr>
-        <p:txBody>
-          <a:bodyPr wrap="none" rtlCol="0">
-            <a:spAutoFit/>
-          </a:bodyPr>
-          <a:lstStyle/>
-          <a:p>
-            <a:r>
-              <a:rPr lang="en-US" dirty="0" err="1">
-                <a:solidFill>
-                  <a:srgbClr val="FFFF00"/>
-                </a:solidFill>
-              </a:rPr>
-              <a:t>t</a:t>
-            </a:r>
-            <a:r>
-              <a:rPr lang="en-US" dirty="0" err="1" smtClean="0">
-                <a:solidFill>
-                  <a:srgbClr val="FFFF00"/>
-                </a:solidFill>
-              </a:rPr>
-              <a:t>sugi</a:t>
-            </a:r>
-            <a:r>
-              <a:rPr lang="en-US" dirty="0" smtClean="0">
-                <a:solidFill>
-                  <a:srgbClr val="FFFF00"/>
-                </a:solidFill>
-              </a:rPr>
-              <a:t>/mod/peer-grade/</a:t>
-            </a:r>
-            <a:r>
-              <a:rPr lang="en-US" dirty="0" err="1" smtClean="0">
-                <a:solidFill>
-                  <a:srgbClr val="FFFF00"/>
-                </a:solidFill>
-              </a:rPr>
-              <a:t>database.php</a:t>
-            </a:r>
-            <a:endParaRPr lang="en-US" dirty="0">
-              <a:solidFill>
-                <a:srgbClr val="FFFF00"/>
-              </a:solidFill>
-            </a:endParaRPr>
-          </a:p>
-        </p:txBody>
-      </p:sp>
-      <p:sp>
-        <p:nvSpPr>
           <p:cNvPr id="2" name="TextBox 1"/>
           <p:cNvSpPr txBox="1"/>
           <p:nvPr/>
@@ -14594,6 +18217,68 @@
           </a:p>
         </p:txBody>
       </p:sp>
+      <p:sp>
+        <p:nvSpPr>
+          <p:cNvPr id="6" name="TextBox 5"/>
+          <p:cNvSpPr txBox="1"/>
+          <p:nvPr/>
+        </p:nvSpPr>
+        <p:spPr>
+          <a:xfrm>
+            <a:off x="1757801" y="6218895"/>
+            <a:ext cx="3646814" cy="369332"/>
+          </a:xfrm>
+          <a:prstGeom prst="rect">
+            <a:avLst/>
+          </a:prstGeom>
+          <a:noFill/>
+        </p:spPr>
+        <p:txBody>
+          <a:bodyPr wrap="none" rtlCol="0">
+            <a:spAutoFit/>
+          </a:bodyPr>
+          <a:lstStyle/>
+          <a:p>
+            <a:r>
+              <a:rPr lang="en-US" dirty="0" err="1">
+                <a:solidFill>
+                  <a:srgbClr val="FFFF00"/>
+                </a:solidFill>
+              </a:rPr>
+              <a:t>t</a:t>
+            </a:r>
+            <a:r>
+              <a:rPr lang="en-US" dirty="0" err="1" smtClean="0">
+                <a:solidFill>
+                  <a:srgbClr val="FFFF00"/>
+                </a:solidFill>
+              </a:rPr>
+              <a:t>sugi</a:t>
+            </a:r>
+            <a:r>
+              <a:rPr lang="en-US" dirty="0" smtClean="0">
+                <a:solidFill>
+                  <a:srgbClr val="FFFF00"/>
+                </a:solidFill>
+              </a:rPr>
+              <a:t>/mod/peer-grade/</a:t>
+            </a:r>
+            <a:r>
+              <a:rPr lang="en-US" dirty="0" err="1" smtClean="0">
+                <a:solidFill>
+                  <a:srgbClr val="FFFF00"/>
+                </a:solidFill>
+              </a:rPr>
+              <a:t>database.php</a:t>
+            </a:r>
+            <a:endParaRPr lang="en-US" dirty="0">
+              <a:solidFill>
+                <a:srgbClr val="FFFF00"/>
+              </a:solidFill>
+            </a:endParaRPr>
+          </a:p>
+        </p:txBody>
+      </p:sp>
     </p:spTree>
     <p:extLst>
       <p:ext uri="{BB962C8B-B14F-4D97-AF65-F5344CB8AC3E}">
@@ -14604,6 +18289,13 @@
   <p:clrMapOvr>
     <a:masterClrMapping/>
   </p:clrMapOvr>
+  <p:timing>
+    <p:tnLst>
+      <p:par>
+        <p:cTn xmlns:p14="http://schemas.microsoft.com/office/powerpoint/2010/main" id="1" dur="indefinite" restart="never" nodeType="tmRoot"/>
+      </p:par>
+    </p:tnLst>
+  </p:timing>
 </p:sld>
 </file>
 
@@ -14682,11 +18374,7 @@
           <a:p>
             <a:r>
               <a:rPr lang="en-US" dirty="0" smtClean="0"/>
-              <a:t>Rules for tool </a:t>
-            </a:r>
-            <a:r>
-              <a:rPr lang="en-US" dirty="0" smtClean="0"/>
-              <a:t>tables</a:t>
+              <a:t>Rules for tool tables</a:t>
             </a:r>
           </a:p>
           <a:p>
@@ -14708,7 +18396,6 @@
               <a:rPr lang="en-US" dirty="0" smtClean="0"/>
               <a:t>"Big Join"</a:t>
             </a:r>
-            <a:endParaRPr lang="en-US" dirty="0" smtClean="0"/>
           </a:p>
           <a:p>
             <a:r>
@@ -14729,6 +18416,13 @@
   <p:clrMapOvr>
     <a:masterClrMapping/>
   </p:clrMapOvr>
+  <p:timing>
+    <p:tnLst>
+      <p:par>
+        <p:cTn xmlns:p14="http://schemas.microsoft.com/office/powerpoint/2010/main" id="1" dur="indefinite" restart="never" nodeType="tmRoot"/>
+      </p:par>
+    </p:tnLst>
+  </p:timing>
 </p:sld>
 </file>
 
@@ -14758,7 +18452,7 @@
           <p:nvPr/>
         </p:nvPicPr>
         <p:blipFill>
-          <a:blip r:embed="rId2">
+          <a:blip r:embed="rId3">
             <a:extLst>
               <a:ext uri="{28A0092B-C50C-407E-A947-70E740481C1C}">
                 <a14:useLocalDpi xmlns:a14="http://schemas.microsoft.com/office/drawing/2010/main" val="0"/>
@@ -15131,6 +18825,13 @@
   <p:clrMapOvr>
     <a:masterClrMapping/>
   </p:clrMapOvr>
+  <p:timing>
+    <p:tnLst>
+      <p:par>
+        <p:cTn xmlns:p14="http://schemas.microsoft.com/office/powerpoint/2010/main" id="1" dur="indefinite" restart="never" nodeType="tmRoot"/>
+      </p:par>
+    </p:tnLst>
+  </p:timing>
 </p:sld>
 </file>
 
@@ -15160,7 +18861,7 @@
           <p:nvPr/>
         </p:nvPicPr>
         <p:blipFill>
-          <a:blip r:embed="rId2">
+          <a:blip r:embed="rId3">
             <a:extLst>
               <a:ext uri="{28A0092B-C50C-407E-A947-70E740481C1C}">
                 <a14:useLocalDpi xmlns:a14="http://schemas.microsoft.com/office/drawing/2010/main" val="0"/>
@@ -15531,6 +19232,13 @@
   <p:clrMapOvr>
     <a:masterClrMapping/>
   </p:clrMapOvr>
+  <p:timing>
+    <p:tnLst>
+      <p:par>
+        <p:cTn xmlns:p14="http://schemas.microsoft.com/office/powerpoint/2010/main" id="1" dur="indefinite" restart="never" nodeType="tmRoot"/>
+      </p:par>
+    </p:tnLst>
+  </p:timing>
 </p:sld>
 </file>
 
@@ -15560,7 +19268,7 @@
           <p:nvPr/>
         </p:nvPicPr>
         <p:blipFill>
-          <a:blip r:embed="rId2">
+          <a:blip r:embed="rId3">
             <a:extLst>
               <a:ext uri="{28A0092B-C50C-407E-A947-70E740481C1C}">
                 <a14:useLocalDpi xmlns:a14="http://schemas.microsoft.com/office/drawing/2010/main" val="0"/>
@@ -15573,7 +19281,7 @@
         </p:blipFill>
         <p:spPr>
           <a:xfrm>
-            <a:off x="1039543" y="112525"/>
+            <a:off x="669763" y="112525"/>
             <a:ext cx="7690465" cy="6188485"/>
           </a:xfrm>
           <a:prstGeom prst="rect">
@@ -15589,8 +19297,8 @@
         </p:nvSpPr>
         <p:spPr>
           <a:xfrm>
-            <a:off x="739551" y="6363427"/>
-            <a:ext cx="8360228" cy="461665"/>
+            <a:off x="0" y="6301010"/>
+            <a:ext cx="7602638" cy="461665"/>
           </a:xfrm>
           <a:prstGeom prst="rect">
             <a:avLst/>
@@ -15648,6 +19356,13 @@
   <p:clrMapOvr>
     <a:masterClrMapping/>
   </p:clrMapOvr>
+  <p:timing>
+    <p:tnLst>
+      <p:par>
+        <p:cTn xmlns:p14="http://schemas.microsoft.com/office/powerpoint/2010/main" id="1" dur="indefinite" restart="never" nodeType="tmRoot"/>
+      </p:par>
+    </p:tnLst>
+  </p:timing>
 </p:sld>
 </file>
 
@@ -15748,7 +19463,7 @@
           <p:nvPr/>
         </p:nvPicPr>
         <p:blipFill>
-          <a:blip r:embed="rId2">
+          <a:blip r:embed="rId3">
             <a:extLst>
               <a:ext uri="{28A0092B-C50C-407E-A947-70E740481C1C}">
                 <a14:useLocalDpi xmlns:a14="http://schemas.microsoft.com/office/drawing/2010/main" val="0"/>
@@ -15761,7 +19476,7 @@
         </p:blipFill>
         <p:spPr>
           <a:xfrm>
-            <a:off x="5820005" y="1600200"/>
+            <a:off x="5820005" y="1545771"/>
             <a:ext cx="3104983" cy="4650186"/>
           </a:xfrm>
           <a:prstGeom prst="rect">
@@ -15779,6 +19494,13 @@
   <p:clrMapOvr>
     <a:masterClrMapping/>
   </p:clrMapOvr>
+  <p:timing>
+    <p:tnLst>
+      <p:par>
+        <p:cTn xmlns:p14="http://schemas.microsoft.com/office/powerpoint/2010/main" id="1" dur="indefinite" restart="never" nodeType="tmRoot"/>
+      </p:par>
+    </p:tnLst>
+  </p:timing>
 </p:sld>
 </file>
 
@@ -15872,7 +19594,7 @@
           <p:nvPr/>
         </p:nvPicPr>
         <p:blipFill>
-          <a:blip r:embed="rId2">
+          <a:blip r:embed="rId3">
             <a:extLst>
               <a:ext uri="{28A0092B-C50C-407E-A947-70E740481C1C}">
                 <a14:useLocalDpi xmlns:a14="http://schemas.microsoft.com/office/drawing/2010/main" val="0"/>
@@ -15903,6 +19625,13 @@
   <p:clrMapOvr>
     <a:masterClrMapping/>
   </p:clrMapOvr>
+  <p:timing>
+    <p:tnLst>
+      <p:par>
+        <p:cTn xmlns:p14="http://schemas.microsoft.com/office/powerpoint/2010/main" id="1" dur="indefinite" restart="never" nodeType="tmRoot"/>
+      </p:par>
+    </p:tnLst>
+  </p:timing>
 </p:sld>
 </file>
 

--- a/docs/lectures/02-Data-Model.pptx
+++ b/docs/lectures/02-Data-Model.pptx
@@ -236,7 +236,7 @@
           <a:p>
             <a:fld id="{EBBA9A62-8DDB-0E41-B256-304B37729760}" type="datetimeFigureOut">
               <a:rPr lang="en-US" smtClean="0"/>
-              <a:t>11/8/14</a:t>
+              <a:t>11/9/14</a:t>
             </a:fld>
             <a:endParaRPr lang="en-US"/>
           </a:p>
@@ -4379,7 +4379,7 @@
           <a:p>
             <a:fld id="{843616F3-59E4-1848-8639-5E6A7639CF96}" type="datetimeFigureOut">
               <a:rPr lang="en-US" smtClean="0"/>
-              <a:t>11/8/14</a:t>
+              <a:t>11/9/14</a:t>
             </a:fld>
             <a:endParaRPr lang="en-US"/>
           </a:p>
@@ -4549,7 +4549,7 @@
           <a:p>
             <a:fld id="{843616F3-59E4-1848-8639-5E6A7639CF96}" type="datetimeFigureOut">
               <a:rPr lang="en-US" smtClean="0"/>
-              <a:t>11/8/14</a:t>
+              <a:t>11/9/14</a:t>
             </a:fld>
             <a:endParaRPr lang="en-US"/>
           </a:p>
@@ -4729,7 +4729,7 @@
           <a:p>
             <a:fld id="{843616F3-59E4-1848-8639-5E6A7639CF96}" type="datetimeFigureOut">
               <a:rPr lang="en-US" smtClean="0"/>
-              <a:t>11/8/14</a:t>
+              <a:t>11/9/14</a:t>
             </a:fld>
             <a:endParaRPr lang="en-US"/>
           </a:p>
@@ -4899,7 +4899,7 @@
           <a:p>
             <a:fld id="{843616F3-59E4-1848-8639-5E6A7639CF96}" type="datetimeFigureOut">
               <a:rPr lang="en-US" smtClean="0"/>
-              <a:t>11/8/14</a:t>
+              <a:t>11/9/14</a:t>
             </a:fld>
             <a:endParaRPr lang="en-US"/>
           </a:p>
@@ -5145,7 +5145,7 @@
           <a:p>
             <a:fld id="{843616F3-59E4-1848-8639-5E6A7639CF96}" type="datetimeFigureOut">
               <a:rPr lang="en-US" smtClean="0"/>
-              <a:t>11/8/14</a:t>
+              <a:t>11/9/14</a:t>
             </a:fld>
             <a:endParaRPr lang="en-US"/>
           </a:p>
@@ -5433,7 +5433,7 @@
           <a:p>
             <a:fld id="{843616F3-59E4-1848-8639-5E6A7639CF96}" type="datetimeFigureOut">
               <a:rPr lang="en-US" smtClean="0"/>
-              <a:t>11/8/14</a:t>
+              <a:t>11/9/14</a:t>
             </a:fld>
             <a:endParaRPr lang="en-US"/>
           </a:p>
@@ -5855,7 +5855,7 @@
           <a:p>
             <a:fld id="{843616F3-59E4-1848-8639-5E6A7639CF96}" type="datetimeFigureOut">
               <a:rPr lang="en-US" smtClean="0"/>
-              <a:t>11/8/14</a:t>
+              <a:t>11/9/14</a:t>
             </a:fld>
             <a:endParaRPr lang="en-US"/>
           </a:p>
@@ -5973,7 +5973,7 @@
           <a:p>
             <a:fld id="{843616F3-59E4-1848-8639-5E6A7639CF96}" type="datetimeFigureOut">
               <a:rPr lang="en-US" smtClean="0"/>
-              <a:t>11/8/14</a:t>
+              <a:t>11/9/14</a:t>
             </a:fld>
             <a:endParaRPr lang="en-US"/>
           </a:p>
@@ -6068,7 +6068,7 @@
           <a:p>
             <a:fld id="{843616F3-59E4-1848-8639-5E6A7639CF96}" type="datetimeFigureOut">
               <a:rPr lang="en-US" smtClean="0"/>
-              <a:t>11/8/14</a:t>
+              <a:t>11/9/14</a:t>
             </a:fld>
             <a:endParaRPr lang="en-US"/>
           </a:p>
@@ -6345,7 +6345,7 @@
           <a:p>
             <a:fld id="{843616F3-59E4-1848-8639-5E6A7639CF96}" type="datetimeFigureOut">
               <a:rPr lang="en-US" smtClean="0"/>
-              <a:t>11/8/14</a:t>
+              <a:t>11/9/14</a:t>
             </a:fld>
             <a:endParaRPr lang="en-US"/>
           </a:p>
@@ -6602,7 +6602,7 @@
           <a:p>
             <a:fld id="{843616F3-59E4-1848-8639-5E6A7639CF96}" type="datetimeFigureOut">
               <a:rPr lang="en-US" smtClean="0"/>
-              <a:t>11/8/14</a:t>
+              <a:t>11/9/14</a:t>
             </a:fld>
             <a:endParaRPr lang="en-US"/>
           </a:p>
@@ -6815,7 +6815,7 @@
           <a:p>
             <a:fld id="{843616F3-59E4-1848-8639-5E6A7639CF96}" type="datetimeFigureOut">
               <a:rPr lang="en-US" smtClean="0"/>
-              <a:t>11/8/14</a:t>
+              <a:t>11/9/14</a:t>
             </a:fld>
             <a:endParaRPr lang="en-US"/>
           </a:p>

--- a/docs/lectures/02-Data-Model.pptx
+++ b/docs/lectures/02-Data-Model.pptx
@@ -236,7 +236,7 @@
           <a:p>
             <a:fld id="{EBBA9A62-8DDB-0E41-B256-304B37729760}" type="datetimeFigureOut">
               <a:rPr lang="en-US" smtClean="0"/>
-              <a:t>11/9/14</a:t>
+              <a:t>5/21/16</a:t>
             </a:fld>
             <a:endParaRPr lang="en-US"/>
           </a:p>
@@ -4379,7 +4379,7 @@
           <a:p>
             <a:fld id="{843616F3-59E4-1848-8639-5E6A7639CF96}" type="datetimeFigureOut">
               <a:rPr lang="en-US" smtClean="0"/>
-              <a:t>11/9/14</a:t>
+              <a:t>5/21/16</a:t>
             </a:fld>
             <a:endParaRPr lang="en-US"/>
           </a:p>
@@ -4549,7 +4549,7 @@
           <a:p>
             <a:fld id="{843616F3-59E4-1848-8639-5E6A7639CF96}" type="datetimeFigureOut">
               <a:rPr lang="en-US" smtClean="0"/>
-              <a:t>11/9/14</a:t>
+              <a:t>5/21/16</a:t>
             </a:fld>
             <a:endParaRPr lang="en-US"/>
           </a:p>
@@ -4729,7 +4729,7 @@
           <a:p>
             <a:fld id="{843616F3-59E4-1848-8639-5E6A7639CF96}" type="datetimeFigureOut">
               <a:rPr lang="en-US" smtClean="0"/>
-              <a:t>11/9/14</a:t>
+              <a:t>5/21/16</a:t>
             </a:fld>
             <a:endParaRPr lang="en-US"/>
           </a:p>
@@ -4899,7 +4899,7 @@
           <a:p>
             <a:fld id="{843616F3-59E4-1848-8639-5E6A7639CF96}" type="datetimeFigureOut">
               <a:rPr lang="en-US" smtClean="0"/>
-              <a:t>11/9/14</a:t>
+              <a:t>5/21/16</a:t>
             </a:fld>
             <a:endParaRPr lang="en-US"/>
           </a:p>
@@ -5145,7 +5145,7 @@
           <a:p>
             <a:fld id="{843616F3-59E4-1848-8639-5E6A7639CF96}" type="datetimeFigureOut">
               <a:rPr lang="en-US" smtClean="0"/>
-              <a:t>11/9/14</a:t>
+              <a:t>5/21/16</a:t>
             </a:fld>
             <a:endParaRPr lang="en-US"/>
           </a:p>
@@ -5433,7 +5433,7 @@
           <a:p>
             <a:fld id="{843616F3-59E4-1848-8639-5E6A7639CF96}" type="datetimeFigureOut">
               <a:rPr lang="en-US" smtClean="0"/>
-              <a:t>11/9/14</a:t>
+              <a:t>5/21/16</a:t>
             </a:fld>
             <a:endParaRPr lang="en-US"/>
           </a:p>
@@ -5855,7 +5855,7 @@
           <a:p>
             <a:fld id="{843616F3-59E4-1848-8639-5E6A7639CF96}" type="datetimeFigureOut">
               <a:rPr lang="en-US" smtClean="0"/>
-              <a:t>11/9/14</a:t>
+              <a:t>5/21/16</a:t>
             </a:fld>
             <a:endParaRPr lang="en-US"/>
           </a:p>
@@ -5973,7 +5973,7 @@
           <a:p>
             <a:fld id="{843616F3-59E4-1848-8639-5E6A7639CF96}" type="datetimeFigureOut">
               <a:rPr lang="en-US" smtClean="0"/>
-              <a:t>11/9/14</a:t>
+              <a:t>5/21/16</a:t>
             </a:fld>
             <a:endParaRPr lang="en-US"/>
           </a:p>
@@ -6068,7 +6068,7 @@
           <a:p>
             <a:fld id="{843616F3-59E4-1848-8639-5E6A7639CF96}" type="datetimeFigureOut">
               <a:rPr lang="en-US" smtClean="0"/>
-              <a:t>11/9/14</a:t>
+              <a:t>5/21/16</a:t>
             </a:fld>
             <a:endParaRPr lang="en-US"/>
           </a:p>
@@ -6345,7 +6345,7 @@
           <a:p>
             <a:fld id="{843616F3-59E4-1848-8639-5E6A7639CF96}" type="datetimeFigureOut">
               <a:rPr lang="en-US" smtClean="0"/>
-              <a:t>11/9/14</a:t>
+              <a:t>5/21/16</a:t>
             </a:fld>
             <a:endParaRPr lang="en-US"/>
           </a:p>
@@ -6602,7 +6602,7 @@
           <a:p>
             <a:fld id="{843616F3-59E4-1848-8639-5E6A7639CF96}" type="datetimeFigureOut">
               <a:rPr lang="en-US" smtClean="0"/>
-              <a:t>11/9/14</a:t>
+              <a:t>5/21/16</a:t>
             </a:fld>
             <a:endParaRPr lang="en-US"/>
           </a:p>
@@ -6815,7 +6815,7 @@
           <a:p>
             <a:fld id="{843616F3-59E4-1848-8639-5E6A7639CF96}" type="datetimeFigureOut">
               <a:rPr lang="en-US" smtClean="0"/>
-              <a:t>11/9/14</a:t>
+              <a:t>5/21/16</a:t>
             </a:fld>
             <a:endParaRPr lang="en-US"/>
           </a:p>
@@ -8829,6 +8829,39 @@
           </a:p>
         </p:txBody>
       </p:sp>
+      <p:pic>
+        <p:nvPicPr>
+          <p:cNvPr id="5" name="Picture 4" descr="tsugi-logo.png"/>
+          <p:cNvPicPr>
+            <a:picLocks noChangeAspect="1"/>
+          </p:cNvPicPr>
+          <p:nvPr/>
+        </p:nvPicPr>
+        <p:blipFill>
+          <a:blip r:embed="rId3">
+            <a:extLst>
+              <a:ext uri="{28A0092B-C50C-407E-A947-70E740481C1C}">
+                <a14:useLocalDpi xmlns:a14="http://schemas.microsoft.com/office/drawing/2010/main" val="0"/>
+              </a:ext>
+            </a:extLst>
+          </a:blip>
+          <a:stretch>
+            <a:fillRect/>
+          </a:stretch>
+        </p:blipFill>
+        <p:spPr>
+          <a:xfrm>
+            <a:off x="5963412" y="5522072"/>
+            <a:ext cx="2837688" cy="841248"/>
+          </a:xfrm>
+          <a:prstGeom prst="rect">
+            <a:avLst/>
+          </a:prstGeom>
+          <a:solidFill>
+            <a:schemeClr val="tx1"/>
+          </a:solidFill>
+        </p:spPr>
+      </p:pic>
     </p:spTree>
     <p:extLst>
       <p:ext uri="{BB962C8B-B14F-4D97-AF65-F5344CB8AC3E}">
